--- a/Docs/Graduation thesis.pptx
+++ b/Docs/Graduation thesis.pptx
@@ -5,7 +5,7 @@
     <p:sldMasterId id="2147484030" r:id="rId1"/>
   </p:sldMasterIdLst>
   <p:notesMasterIdLst>
-    <p:notesMasterId r:id="rId28"/>
+    <p:notesMasterId r:id="rId29"/>
   </p:notesMasterIdLst>
   <p:sldIdLst>
     <p:sldId id="256" r:id="rId2"/>
@@ -20,20 +20,21 @@
     <p:sldId id="376" r:id="rId11"/>
     <p:sldId id="316" r:id="rId12"/>
     <p:sldId id="358" r:id="rId13"/>
-    <p:sldId id="377" r:id="rId14"/>
-    <p:sldId id="331" r:id="rId15"/>
-    <p:sldId id="334" r:id="rId16"/>
-    <p:sldId id="335" r:id="rId17"/>
-    <p:sldId id="373" r:id="rId18"/>
-    <p:sldId id="374" r:id="rId19"/>
-    <p:sldId id="375" r:id="rId20"/>
-    <p:sldId id="365" r:id="rId21"/>
-    <p:sldId id="339" r:id="rId22"/>
-    <p:sldId id="366" r:id="rId23"/>
-    <p:sldId id="341" r:id="rId24"/>
-    <p:sldId id="367" r:id="rId25"/>
-    <p:sldId id="343" r:id="rId26"/>
-    <p:sldId id="364" r:id="rId27"/>
+    <p:sldId id="378" r:id="rId14"/>
+    <p:sldId id="377" r:id="rId15"/>
+    <p:sldId id="331" r:id="rId16"/>
+    <p:sldId id="334" r:id="rId17"/>
+    <p:sldId id="335" r:id="rId18"/>
+    <p:sldId id="373" r:id="rId19"/>
+    <p:sldId id="374" r:id="rId20"/>
+    <p:sldId id="375" r:id="rId21"/>
+    <p:sldId id="365" r:id="rId22"/>
+    <p:sldId id="339" r:id="rId23"/>
+    <p:sldId id="366" r:id="rId24"/>
+    <p:sldId id="341" r:id="rId25"/>
+    <p:sldId id="367" r:id="rId26"/>
+    <p:sldId id="343" r:id="rId27"/>
+    <p:sldId id="364" r:id="rId28"/>
   </p:sldIdLst>
   <p:sldSz cx="9144000" cy="5143500" type="screen16x9"/>
   <p:notesSz cx="6858000" cy="9144000"/>
@@ -17737,7 +17738,7 @@
           <a:p>
             <a:fld id="{6F65847A-E097-4E30-8D7B-0C75C09AEFCB}" type="datetimeFigureOut">
               <a:rPr lang="en-US" smtClean="0"/>
-              <a:t>7/16/2021</a:t>
+              <a:t>7/19/2021</a:t>
             </a:fld>
             <a:endParaRPr lang="en-US"/>
           </a:p>
@@ -17908,7 +17909,7 @@
           <a:p>
             <a:fld id="{6F65847A-E097-4E30-8D7B-0C75C09AEFCB}" type="datetimeFigureOut">
               <a:rPr lang="en-US" smtClean="0"/>
-              <a:t>7/16/2021</a:t>
+              <a:t>7/19/2021</a:t>
             </a:fld>
             <a:endParaRPr lang="en-US"/>
           </a:p>
@@ -18089,7 +18090,7 @@
           <a:p>
             <a:fld id="{6F65847A-E097-4E30-8D7B-0C75C09AEFCB}" type="datetimeFigureOut">
               <a:rPr lang="en-US" smtClean="0"/>
-              <a:t>7/16/2021</a:t>
+              <a:t>7/19/2021</a:t>
             </a:fld>
             <a:endParaRPr lang="en-US"/>
           </a:p>
@@ -24143,7 +24144,7 @@
           <a:p>
             <a:fld id="{6F65847A-E097-4E30-8D7B-0C75C09AEFCB}" type="datetimeFigureOut">
               <a:rPr lang="en-US" smtClean="0"/>
-              <a:t>7/16/2021</a:t>
+              <a:t>7/19/2021</a:t>
             </a:fld>
             <a:endParaRPr lang="en-US"/>
           </a:p>
@@ -24390,7 +24391,7 @@
           <a:p>
             <a:fld id="{6F65847A-E097-4E30-8D7B-0C75C09AEFCB}" type="datetimeFigureOut">
               <a:rPr lang="en-US" smtClean="0"/>
-              <a:t>7/16/2021</a:t>
+              <a:t>7/19/2021</a:t>
             </a:fld>
             <a:endParaRPr lang="en-US"/>
           </a:p>
@@ -24623,7 +24624,7 @@
           <a:p>
             <a:fld id="{6F65847A-E097-4E30-8D7B-0C75C09AEFCB}" type="datetimeFigureOut">
               <a:rPr lang="en-US" smtClean="0"/>
-              <a:t>7/16/2021</a:t>
+              <a:t>7/19/2021</a:t>
             </a:fld>
             <a:endParaRPr lang="en-US"/>
           </a:p>
@@ -24991,7 +24992,7 @@
           <a:p>
             <a:fld id="{6F65847A-E097-4E30-8D7B-0C75C09AEFCB}" type="datetimeFigureOut">
               <a:rPr lang="en-US" smtClean="0"/>
-              <a:t>7/16/2021</a:t>
+              <a:t>7/19/2021</a:t>
             </a:fld>
             <a:endParaRPr lang="en-US"/>
           </a:p>
@@ -25110,7 +25111,7 @@
           <a:p>
             <a:fld id="{6F65847A-E097-4E30-8D7B-0C75C09AEFCB}" type="datetimeFigureOut">
               <a:rPr lang="en-US" smtClean="0"/>
-              <a:t>7/16/2021</a:t>
+              <a:t>7/19/2021</a:t>
             </a:fld>
             <a:endParaRPr lang="en-US"/>
           </a:p>
@@ -25206,7 +25207,7 @@
           <a:p>
             <a:fld id="{6F65847A-E097-4E30-8D7B-0C75C09AEFCB}" type="datetimeFigureOut">
               <a:rPr lang="en-US" smtClean="0"/>
-              <a:t>7/16/2021</a:t>
+              <a:t>7/19/2021</a:t>
             </a:fld>
             <a:endParaRPr lang="en-US"/>
           </a:p>
@@ -25484,7 +25485,7 @@
           <a:p>
             <a:fld id="{6F65847A-E097-4E30-8D7B-0C75C09AEFCB}" type="datetimeFigureOut">
               <a:rPr lang="en-US" smtClean="0"/>
-              <a:t>7/16/2021</a:t>
+              <a:t>7/19/2021</a:t>
             </a:fld>
             <a:endParaRPr lang="en-US"/>
           </a:p>
@@ -25742,7 +25743,7 @@
           <a:p>
             <a:fld id="{6F65847A-E097-4E30-8D7B-0C75C09AEFCB}" type="datetimeFigureOut">
               <a:rPr lang="en-US" smtClean="0"/>
-              <a:t>7/16/2021</a:t>
+              <a:t>7/19/2021</a:t>
             </a:fld>
             <a:endParaRPr lang="en-US"/>
           </a:p>
@@ -25956,7 +25957,7 @@
           <a:p>
             <a:fld id="{6F65847A-E097-4E30-8D7B-0C75C09AEFCB}" type="datetimeFigureOut">
               <a:rPr lang="en-US" smtClean="0"/>
-              <a:t>7/16/2021</a:t>
+              <a:t>7/19/2021</a:t>
             </a:fld>
             <a:endParaRPr lang="en-US"/>
           </a:p>
@@ -27142,13 +27143,13 @@
   <p:clrMapOvr>
     <a:masterClrMapping/>
   </p:clrMapOvr>
-  <mc:AlternateContent xmlns:mc="http://schemas.openxmlformats.org/markup-compatibility/2006">
-    <mc:Choice xmlns:p14="http://schemas.microsoft.com/office/powerpoint/2010/main" Requires="p14">
+  <mc:AlternateContent xmlns:mc="http://schemas.openxmlformats.org/markup-compatibility/2006" xmlns:p14="http://schemas.microsoft.com/office/powerpoint/2010/main">
+    <mc:Choice Requires="p14">
       <p:transition spd="med" p14:dur="700">
         <p:fade/>
       </p:transition>
     </mc:Choice>
-    <mc:Fallback>
+    <mc:Fallback xmlns="">
       <p:transition spd="med">
         <p:fade/>
       </p:transition>
@@ -27334,13 +27335,13 @@
   <p:clrMapOvr>
     <a:masterClrMapping/>
   </p:clrMapOvr>
-  <mc:AlternateContent xmlns:mc="http://schemas.openxmlformats.org/markup-compatibility/2006">
-    <mc:Choice xmlns:p14="http://schemas.microsoft.com/office/powerpoint/2010/main" Requires="p14">
+  <mc:AlternateContent xmlns:mc="http://schemas.openxmlformats.org/markup-compatibility/2006" xmlns:p14="http://schemas.microsoft.com/office/powerpoint/2010/main">
+    <mc:Choice Requires="p14">
       <p:transition spd="slow" p14:dur="1500">
         <p:split orient="vert"/>
       </p:transition>
     </mc:Choice>
-    <mc:Fallback>
+    <mc:Fallback xmlns="">
       <p:transition spd="slow">
         <p:split orient="vert"/>
       </p:transition>
@@ -27932,13 +27933,13 @@
   <p:clrMapOvr>
     <a:masterClrMapping/>
   </p:clrMapOvr>
-  <mc:AlternateContent xmlns:mc="http://schemas.openxmlformats.org/markup-compatibility/2006">
-    <mc:Choice xmlns:p14="http://schemas.microsoft.com/office/powerpoint/2010/main" Requires="p14">
+  <mc:AlternateContent xmlns:mc="http://schemas.openxmlformats.org/markup-compatibility/2006" xmlns:p14="http://schemas.microsoft.com/office/powerpoint/2010/main">
+    <mc:Choice Requires="p14">
       <p:transition spd="med" p14:dur="700">
         <p:fade/>
       </p:transition>
     </mc:Choice>
-    <mc:Fallback>
+    <mc:Fallback xmlns="">
       <p:transition spd="med">
         <p:fade/>
       </p:transition>
@@ -27948,6 +27949,604 @@
 </file>
 
 <file path=ppt/slides/slide13.xml><?xml version="1.0" encoding="utf-8"?>
+<p:sld xmlns:a="http://schemas.openxmlformats.org/drawingml/2006/main" xmlns:r="http://schemas.openxmlformats.org/officeDocument/2006/relationships" xmlns:p="http://schemas.openxmlformats.org/presentationml/2006/main">
+  <p:cSld>
+    <p:spTree>
+      <p:nvGrpSpPr>
+        <p:cNvPr id="1" name=""/>
+        <p:cNvGrpSpPr/>
+        <p:nvPr/>
+      </p:nvGrpSpPr>
+      <p:grpSpPr>
+        <a:xfrm>
+          <a:off x="0" y="0"/>
+          <a:ext cx="0" cy="0"/>
+          <a:chOff x="0" y="0"/>
+          <a:chExt cx="0" cy="0"/>
+        </a:xfrm>
+      </p:grpSpPr>
+      <p:sp>
+        <p:nvSpPr>
+          <p:cNvPr id="4" name="Google Shape;144;p29">
+            <a:extLst>
+              <a:ext uri="{FF2B5EF4-FFF2-40B4-BE49-F238E27FC236}">
+                <a16:creationId xmlns:a16="http://schemas.microsoft.com/office/drawing/2014/main" id="{672B0319-B0FD-4439-8695-AB6716CB952D}"/>
+              </a:ext>
+            </a:extLst>
+          </p:cNvPr>
+          <p:cNvSpPr txBox="1">
+            <a:spLocks/>
+          </p:cNvSpPr>
+          <p:nvPr/>
+        </p:nvSpPr>
+        <p:spPr>
+          <a:xfrm>
+            <a:off x="2549209" y="119942"/>
+            <a:ext cx="5042849" cy="601648"/>
+          </a:xfrm>
+          <a:prstGeom prst="rect">
+            <a:avLst/>
+          </a:prstGeom>
+          <a:noFill/>
+          <a:ln>
+            <a:noFill/>
+          </a:ln>
+          <a:effectLst>
+            <a:outerShdw blurRad="50800" dist="50800" dir="5400000" algn="ctr" rotWithShape="0">
+              <a:srgbClr val="EBEBEB"/>
+            </a:outerShdw>
+          </a:effectLst>
+        </p:spPr>
+        <p:txBody>
+          <a:bodyPr spcFirstLastPara="1" wrap="square" lIns="91425" tIns="91425" rIns="91425" bIns="91425" anchor="t" anchorCtr="0">
+            <a:noAutofit/>
+          </a:bodyPr>
+          <a:lstStyle>
+            <a:defPPr marR="0" lvl="0" algn="l" rtl="0">
+              <a:lnSpc>
+                <a:spcPct val="100000"/>
+              </a:lnSpc>
+              <a:spcBef>
+                <a:spcPts val="0"/>
+              </a:spcBef>
+              <a:spcAft>
+                <a:spcPts val="0"/>
+              </a:spcAft>
+            </a:defPPr>
+            <a:lvl1pPr marR="0" lvl="0" algn="ctr" rtl="0">
+              <a:lnSpc>
+                <a:spcPct val="100000"/>
+              </a:lnSpc>
+              <a:spcBef>
+                <a:spcPts val="0"/>
+              </a:spcBef>
+              <a:spcAft>
+                <a:spcPts val="0"/>
+              </a:spcAft>
+              <a:buClr>
+                <a:schemeClr val="dk1"/>
+              </a:buClr>
+              <a:buSzPts val="2800"/>
+              <a:buFont typeface="Exo 2"/>
+              <a:buNone/>
+              <a:defRPr sz="2800" b="1" i="0" u="none" strike="noStrike" cap="none">
+                <a:solidFill>
+                  <a:schemeClr val="dk1"/>
+                </a:solidFill>
+                <a:latin typeface="Exo 2"/>
+                <a:ea typeface="Exo 2"/>
+                <a:cs typeface="Exo 2"/>
+                <a:sym typeface="Exo 2"/>
+              </a:defRPr>
+            </a:lvl1pPr>
+            <a:lvl2pPr marR="0" lvl="1" algn="l" rtl="0">
+              <a:lnSpc>
+                <a:spcPct val="100000"/>
+              </a:lnSpc>
+              <a:spcBef>
+                <a:spcPts val="0"/>
+              </a:spcBef>
+              <a:spcAft>
+                <a:spcPts val="0"/>
+              </a:spcAft>
+              <a:buClr>
+                <a:srgbClr val="000000"/>
+              </a:buClr>
+              <a:buSzPts val="1600"/>
+              <a:buFont typeface="Squada One"/>
+              <a:buNone/>
+              <a:defRPr sz="1600" b="0" i="0" u="none" strike="noStrike" cap="none">
+                <a:solidFill>
+                  <a:srgbClr val="000000"/>
+                </a:solidFill>
+                <a:latin typeface="Squada One"/>
+                <a:ea typeface="Squada One"/>
+                <a:cs typeface="Squada One"/>
+                <a:sym typeface="Squada One"/>
+              </a:defRPr>
+            </a:lvl2pPr>
+            <a:lvl3pPr marR="0" lvl="2" algn="l" rtl="0">
+              <a:lnSpc>
+                <a:spcPct val="100000"/>
+              </a:lnSpc>
+              <a:spcBef>
+                <a:spcPts val="0"/>
+              </a:spcBef>
+              <a:spcAft>
+                <a:spcPts val="0"/>
+              </a:spcAft>
+              <a:buClr>
+                <a:srgbClr val="000000"/>
+              </a:buClr>
+              <a:buSzPts val="1600"/>
+              <a:buFont typeface="Squada One"/>
+              <a:buNone/>
+              <a:defRPr sz="1600" b="0" i="0" u="none" strike="noStrike" cap="none">
+                <a:solidFill>
+                  <a:srgbClr val="000000"/>
+                </a:solidFill>
+                <a:latin typeface="Squada One"/>
+                <a:ea typeface="Squada One"/>
+                <a:cs typeface="Squada One"/>
+                <a:sym typeface="Squada One"/>
+              </a:defRPr>
+            </a:lvl3pPr>
+            <a:lvl4pPr marR="0" lvl="3" algn="l" rtl="0">
+              <a:lnSpc>
+                <a:spcPct val="100000"/>
+              </a:lnSpc>
+              <a:spcBef>
+                <a:spcPts val="0"/>
+              </a:spcBef>
+              <a:spcAft>
+                <a:spcPts val="0"/>
+              </a:spcAft>
+              <a:buClr>
+                <a:srgbClr val="000000"/>
+              </a:buClr>
+              <a:buSzPts val="1600"/>
+              <a:buFont typeface="Squada One"/>
+              <a:buNone/>
+              <a:defRPr sz="1600" b="0" i="0" u="none" strike="noStrike" cap="none">
+                <a:solidFill>
+                  <a:srgbClr val="000000"/>
+                </a:solidFill>
+                <a:latin typeface="Squada One"/>
+                <a:ea typeface="Squada One"/>
+                <a:cs typeface="Squada One"/>
+                <a:sym typeface="Squada One"/>
+              </a:defRPr>
+            </a:lvl4pPr>
+            <a:lvl5pPr marR="0" lvl="4" algn="l" rtl="0">
+              <a:lnSpc>
+                <a:spcPct val="100000"/>
+              </a:lnSpc>
+              <a:spcBef>
+                <a:spcPts val="0"/>
+              </a:spcBef>
+              <a:spcAft>
+                <a:spcPts val="0"/>
+              </a:spcAft>
+              <a:buClr>
+                <a:srgbClr val="000000"/>
+              </a:buClr>
+              <a:buSzPts val="1600"/>
+              <a:buFont typeface="Squada One"/>
+              <a:buNone/>
+              <a:defRPr sz="1600" b="0" i="0" u="none" strike="noStrike" cap="none">
+                <a:solidFill>
+                  <a:srgbClr val="000000"/>
+                </a:solidFill>
+                <a:latin typeface="Squada One"/>
+                <a:ea typeface="Squada One"/>
+                <a:cs typeface="Squada One"/>
+                <a:sym typeface="Squada One"/>
+              </a:defRPr>
+            </a:lvl5pPr>
+            <a:lvl6pPr marR="0" lvl="5" algn="l" rtl="0">
+              <a:lnSpc>
+                <a:spcPct val="100000"/>
+              </a:lnSpc>
+              <a:spcBef>
+                <a:spcPts val="0"/>
+              </a:spcBef>
+              <a:spcAft>
+                <a:spcPts val="0"/>
+              </a:spcAft>
+              <a:buClr>
+                <a:srgbClr val="000000"/>
+              </a:buClr>
+              <a:buSzPts val="1600"/>
+              <a:buFont typeface="Squada One"/>
+              <a:buNone/>
+              <a:defRPr sz="1600" b="0" i="0" u="none" strike="noStrike" cap="none">
+                <a:solidFill>
+                  <a:srgbClr val="000000"/>
+                </a:solidFill>
+                <a:latin typeface="Squada One"/>
+                <a:ea typeface="Squada One"/>
+                <a:cs typeface="Squada One"/>
+                <a:sym typeface="Squada One"/>
+              </a:defRPr>
+            </a:lvl6pPr>
+            <a:lvl7pPr marR="0" lvl="6" algn="l" rtl="0">
+              <a:lnSpc>
+                <a:spcPct val="100000"/>
+              </a:lnSpc>
+              <a:spcBef>
+                <a:spcPts val="0"/>
+              </a:spcBef>
+              <a:spcAft>
+                <a:spcPts val="0"/>
+              </a:spcAft>
+              <a:buClr>
+                <a:srgbClr val="000000"/>
+              </a:buClr>
+              <a:buSzPts val="1600"/>
+              <a:buFont typeface="Squada One"/>
+              <a:buNone/>
+              <a:defRPr sz="1600" b="0" i="0" u="none" strike="noStrike" cap="none">
+                <a:solidFill>
+                  <a:srgbClr val="000000"/>
+                </a:solidFill>
+                <a:latin typeface="Squada One"/>
+                <a:ea typeface="Squada One"/>
+                <a:cs typeface="Squada One"/>
+                <a:sym typeface="Squada One"/>
+              </a:defRPr>
+            </a:lvl7pPr>
+            <a:lvl8pPr marR="0" lvl="7" algn="l" rtl="0">
+              <a:lnSpc>
+                <a:spcPct val="100000"/>
+              </a:lnSpc>
+              <a:spcBef>
+                <a:spcPts val="0"/>
+              </a:spcBef>
+              <a:spcAft>
+                <a:spcPts val="0"/>
+              </a:spcAft>
+              <a:buClr>
+                <a:srgbClr val="000000"/>
+              </a:buClr>
+              <a:buSzPts val="1600"/>
+              <a:buFont typeface="Squada One"/>
+              <a:buNone/>
+              <a:defRPr sz="1600" b="0" i="0" u="none" strike="noStrike" cap="none">
+                <a:solidFill>
+                  <a:srgbClr val="000000"/>
+                </a:solidFill>
+                <a:latin typeface="Squada One"/>
+                <a:ea typeface="Squada One"/>
+                <a:cs typeface="Squada One"/>
+                <a:sym typeface="Squada One"/>
+              </a:defRPr>
+            </a:lvl8pPr>
+            <a:lvl9pPr marR="0" lvl="8" algn="l" rtl="0">
+              <a:lnSpc>
+                <a:spcPct val="100000"/>
+              </a:lnSpc>
+              <a:spcBef>
+                <a:spcPts val="0"/>
+              </a:spcBef>
+              <a:spcAft>
+                <a:spcPts val="0"/>
+              </a:spcAft>
+              <a:buClr>
+                <a:srgbClr val="000000"/>
+              </a:buClr>
+              <a:buSzPts val="1600"/>
+              <a:buFont typeface="Squada One"/>
+              <a:buNone/>
+              <a:defRPr sz="1600" b="0" i="0" u="none" strike="noStrike" cap="none">
+                <a:solidFill>
+                  <a:srgbClr val="000000"/>
+                </a:solidFill>
+                <a:latin typeface="Squada One"/>
+                <a:ea typeface="Squada One"/>
+                <a:cs typeface="Squada One"/>
+                <a:sym typeface="Squada One"/>
+              </a:defRPr>
+            </a:lvl9pPr>
+          </a:lstStyle>
+          <a:p>
+            <a:pPr algn="l"/>
+            <a:r>
+              <a:rPr lang="en-US" dirty="0">
+                <a:latin typeface="Arial" panose="020B0604020202020204" pitchFamily="34" charset="0"/>
+                <a:cs typeface="Arial" panose="020B0604020202020204" pitchFamily="34" charset="0"/>
+              </a:rPr>
+              <a:t>ANALYSIS AND DESIGN</a:t>
+            </a:r>
+          </a:p>
+        </p:txBody>
+      </p:sp>
+      <p:graphicFrame>
+        <p:nvGraphicFramePr>
+          <p:cNvPr id="5" name="Table 5">
+            <a:extLst>
+              <a:ext uri="{FF2B5EF4-FFF2-40B4-BE49-F238E27FC236}">
+                <a16:creationId xmlns:a16="http://schemas.microsoft.com/office/drawing/2014/main" id="{91879226-5F48-418D-8DC9-37BA4017E206}"/>
+              </a:ext>
+            </a:extLst>
+          </p:cNvPr>
+          <p:cNvGraphicFramePr>
+            <a:graphicFrameLocks noGrp="1"/>
+          </p:cNvGraphicFramePr>
+          <p:nvPr>
+            <p:extLst>
+              <p:ext uri="{D42A27DB-BD31-4B8C-83A1-F6EECF244321}">
+                <p14:modId xmlns:p14="http://schemas.microsoft.com/office/powerpoint/2010/main" val="3395254016"/>
+              </p:ext>
+            </p:extLst>
+          </p:nvPr>
+        </p:nvGraphicFramePr>
+        <p:xfrm>
+          <a:off x="1668000" y="993600"/>
+          <a:ext cx="6096000" cy="3320460"/>
+        </p:xfrm>
+        <a:graphic>
+          <a:graphicData uri="http://schemas.openxmlformats.org/drawingml/2006/table">
+            <a:tbl>
+              <a:tblPr firstRow="1" bandRow="1">
+                <a:tableStyleId>{808E2FC5-2A5D-41C8-8E06-8BFA4456C281}</a:tableStyleId>
+              </a:tblPr>
+              <a:tblGrid>
+                <a:gridCol w="3048000">
+                  <a:extLst>
+                    <a:ext uri="{9D8B030D-6E8A-4147-A177-3AD203B41FA5}">
+                      <a16:colId xmlns:a16="http://schemas.microsoft.com/office/drawing/2014/main" val="3268190041"/>
+                    </a:ext>
+                  </a:extLst>
+                </a:gridCol>
+                <a:gridCol w="3048000">
+                  <a:extLst>
+                    <a:ext uri="{9D8B030D-6E8A-4147-A177-3AD203B41FA5}">
+                      <a16:colId xmlns:a16="http://schemas.microsoft.com/office/drawing/2014/main" val="453009355"/>
+                    </a:ext>
+                  </a:extLst>
+                </a:gridCol>
+              </a:tblGrid>
+              <a:tr h="554400">
+                <a:tc>
+                  <a:txBody>
+                    <a:bodyPr/>
+                    <a:lstStyle/>
+                    <a:p>
+                      <a:pPr algn="ctr"/>
+                      <a:r>
+                        <a:rPr lang="en-US" sz="1800" dirty="0"/>
+                        <a:t>Advantage</a:t>
+                      </a:r>
+                    </a:p>
+                  </a:txBody>
+                  <a:tcPr>
+                    <a:solidFill>
+                      <a:schemeClr val="accent6">
+                        <a:lumMod val="40000"/>
+                        <a:lumOff val="60000"/>
+                      </a:schemeClr>
+                    </a:solidFill>
+                  </a:tcPr>
+                </a:tc>
+                <a:tc>
+                  <a:txBody>
+                    <a:bodyPr/>
+                    <a:lstStyle/>
+                    <a:p>
+                      <a:pPr algn="ctr"/>
+                      <a:r>
+                        <a:rPr lang="en-US" sz="1800" dirty="0"/>
+                        <a:t>Disadvantage</a:t>
+                      </a:r>
+                    </a:p>
+                  </a:txBody>
+                  <a:tcPr>
+                    <a:solidFill>
+                      <a:schemeClr val="accent6">
+                        <a:lumMod val="40000"/>
+                        <a:lumOff val="60000"/>
+                      </a:schemeClr>
+                    </a:solidFill>
+                  </a:tcPr>
+                </a:tc>
+                <a:extLst>
+                  <a:ext uri="{0D108BD9-81ED-4DB2-BD59-A6C34878D82A}">
+                    <a16:rowId xmlns:a16="http://schemas.microsoft.com/office/drawing/2014/main" val="627532891"/>
+                  </a:ext>
+                </a:extLst>
+              </a:tr>
+              <a:tr h="2758447">
+                <a:tc>
+                  <a:txBody>
+                    <a:bodyPr/>
+                    <a:lstStyle/>
+                    <a:p>
+                      <a:pPr marL="285750" indent="-285750">
+                        <a:lnSpc>
+                          <a:spcPct val="200000"/>
+                        </a:lnSpc>
+                        <a:buFont typeface="Arial" panose="020B0604020202020204" pitchFamily="34" charset="0"/>
+                        <a:buChar char="•"/>
+                      </a:pPr>
+                      <a:r>
+                        <a:rPr lang="en-US" dirty="0"/>
+                        <a:t>Verify user by phone</a:t>
+                      </a:r>
+                    </a:p>
+                    <a:p>
+                      <a:pPr marL="285750" indent="-285750">
+                        <a:lnSpc>
+                          <a:spcPct val="200000"/>
+                        </a:lnSpc>
+                        <a:buFont typeface="Arial" panose="020B0604020202020204" pitchFamily="34" charset="0"/>
+                        <a:buChar char="•"/>
+                      </a:pPr>
+                      <a:r>
+                        <a:rPr lang="en-US" dirty="0"/>
+                        <a:t>History transaction</a:t>
+                      </a:r>
+                    </a:p>
+                    <a:p>
+                      <a:pPr marL="285750" indent="-285750">
+                        <a:lnSpc>
+                          <a:spcPct val="200000"/>
+                        </a:lnSpc>
+                        <a:buFont typeface="Arial" panose="020B0604020202020204" pitchFamily="34" charset="0"/>
+                        <a:buChar char="•"/>
+                      </a:pPr>
+                      <a:r>
+                        <a:rPr lang="en-US" dirty="0"/>
+                        <a:t>Search </a:t>
+                      </a:r>
+                    </a:p>
+                    <a:p>
+                      <a:pPr marL="285750" indent="-285750">
+                        <a:lnSpc>
+                          <a:spcPct val="200000"/>
+                        </a:lnSpc>
+                        <a:buFont typeface="Arial" panose="020B0604020202020204" pitchFamily="34" charset="0"/>
+                        <a:buChar char="•"/>
+                      </a:pPr>
+                      <a:r>
+                        <a:rPr lang="en-US" dirty="0"/>
+                        <a:t>List of publishes</a:t>
+                      </a:r>
+                    </a:p>
+                    <a:p>
+                      <a:pPr marL="285750" indent="-285750">
+                        <a:lnSpc>
+                          <a:spcPct val="200000"/>
+                        </a:lnSpc>
+                        <a:buFont typeface="Arial" panose="020B0604020202020204" pitchFamily="34" charset="0"/>
+                        <a:buChar char="•"/>
+                      </a:pPr>
+                      <a:r>
+                        <a:rPr lang="en-US" dirty="0"/>
+                        <a:t>Recharge</a:t>
+                      </a:r>
+                    </a:p>
+                    <a:p>
+                      <a:pPr marL="285750" indent="-285750">
+                        <a:lnSpc>
+                          <a:spcPct val="200000"/>
+                        </a:lnSpc>
+                        <a:buFont typeface="Arial" panose="020B0604020202020204" pitchFamily="34" charset="0"/>
+                        <a:buChar char="•"/>
+                      </a:pPr>
+                      <a:r>
+                        <a:rPr lang="en-US" dirty="0"/>
+                        <a:t>Publish new motel</a:t>
+                      </a:r>
+                    </a:p>
+                    <a:p>
+                      <a:endParaRPr lang="en-US" dirty="0"/>
+                    </a:p>
+                  </a:txBody>
+                  <a:tcPr/>
+                </a:tc>
+                <a:tc>
+                  <a:txBody>
+                    <a:bodyPr/>
+                    <a:lstStyle/>
+                    <a:p>
+                      <a:pPr marL="285750" indent="-285750">
+                        <a:lnSpc>
+                          <a:spcPct val="200000"/>
+                        </a:lnSpc>
+                        <a:buFont typeface="Arial" panose="020B0604020202020204" pitchFamily="34" charset="0"/>
+                        <a:buChar char="•"/>
+                      </a:pPr>
+                      <a:r>
+                        <a:rPr lang="en-US" dirty="0"/>
+                        <a:t>Chat</a:t>
+                      </a:r>
+                    </a:p>
+                    <a:p>
+                      <a:pPr marL="285750" indent="-285750">
+                        <a:lnSpc>
+                          <a:spcPct val="200000"/>
+                        </a:lnSpc>
+                        <a:buFont typeface="Arial" panose="020B0604020202020204" pitchFamily="34" charset="0"/>
+                        <a:buChar char="•"/>
+                      </a:pPr>
+                      <a:r>
+                        <a:rPr lang="en-US" dirty="0"/>
+                        <a:t>Google map</a:t>
+                      </a:r>
+                    </a:p>
+                    <a:p>
+                      <a:pPr marL="285750" indent="-285750">
+                        <a:lnSpc>
+                          <a:spcPct val="200000"/>
+                        </a:lnSpc>
+                        <a:buFont typeface="Arial" panose="020B0604020202020204" pitchFamily="34" charset="0"/>
+                        <a:buChar char="•"/>
+                      </a:pPr>
+                      <a:r>
+                        <a:rPr lang="en-US" dirty="0"/>
+                        <a:t>Language</a:t>
+                      </a:r>
+                    </a:p>
+                    <a:p>
+                      <a:pPr marL="285750" indent="-285750">
+                        <a:lnSpc>
+                          <a:spcPct val="200000"/>
+                        </a:lnSpc>
+                        <a:buFont typeface="Arial" panose="020B0604020202020204" pitchFamily="34" charset="0"/>
+                        <a:buChar char="•"/>
+                      </a:pPr>
+                      <a:r>
+                        <a:rPr lang="en-US" dirty="0"/>
+                        <a:t>Can’t select a location</a:t>
+                      </a:r>
+                    </a:p>
+                    <a:p>
+                      <a:pPr marL="285750" indent="-285750">
+                        <a:lnSpc>
+                          <a:spcPct val="200000"/>
+                        </a:lnSpc>
+                        <a:buFont typeface="Arial" panose="020B0604020202020204" pitchFamily="34" charset="0"/>
+                        <a:buChar char="•"/>
+                      </a:pPr>
+                      <a:endParaRPr lang="en-US" dirty="0"/>
+                    </a:p>
+                    <a:p>
+                      <a:pPr marL="285750" indent="-285750">
+                        <a:lnSpc>
+                          <a:spcPct val="200000"/>
+                        </a:lnSpc>
+                        <a:buFont typeface="Arial" panose="020B0604020202020204" pitchFamily="34" charset="0"/>
+                        <a:buChar char="•"/>
+                      </a:pPr>
+                      <a:endParaRPr lang="en-US" dirty="0"/>
+                    </a:p>
+                  </a:txBody>
+                  <a:tcPr/>
+                </a:tc>
+                <a:extLst>
+                  <a:ext uri="{0D108BD9-81ED-4DB2-BD59-A6C34878D82A}">
+                    <a16:rowId xmlns:a16="http://schemas.microsoft.com/office/drawing/2014/main" val="509483987"/>
+                  </a:ext>
+                </a:extLst>
+              </a:tr>
+            </a:tbl>
+          </a:graphicData>
+        </a:graphic>
+      </p:graphicFrame>
+    </p:spTree>
+    <p:extLst>
+      <p:ext uri="{BB962C8B-B14F-4D97-AF65-F5344CB8AC3E}">
+        <p14:creationId xmlns:p14="http://schemas.microsoft.com/office/powerpoint/2010/main" val="876876594"/>
+      </p:ext>
+    </p:extLst>
+  </p:cSld>
+  <p:clrMapOvr>
+    <a:masterClrMapping/>
+  </p:clrMapOvr>
+</p:sld>
+</file>
+
+<file path=ppt/slides/slide14.xml><?xml version="1.0" encoding="utf-8"?>
 <p:sld xmlns:a="http://schemas.openxmlformats.org/drawingml/2006/main" xmlns:r="http://schemas.openxmlformats.org/officeDocument/2006/relationships" xmlns:p="http://schemas.openxmlformats.org/presentationml/2006/main">
   <p:cSld>
     <p:spTree>
@@ -28213,13 +28812,13 @@
   <p:clrMapOvr>
     <a:masterClrMapping/>
   </p:clrMapOvr>
-  <mc:AlternateContent xmlns:mc="http://schemas.openxmlformats.org/markup-compatibility/2006">
-    <mc:Choice xmlns:p14="http://schemas.microsoft.com/office/powerpoint/2010/main" Requires="p14">
+  <mc:AlternateContent xmlns:mc="http://schemas.openxmlformats.org/markup-compatibility/2006" xmlns:p14="http://schemas.microsoft.com/office/powerpoint/2010/main">
+    <mc:Choice Requires="p14">
       <p:transition spd="slow" p14:dur="1500">
         <p:split orient="vert"/>
       </p:transition>
     </mc:Choice>
-    <mc:Fallback>
+    <mc:Fallback xmlns="">
       <p:transition spd="slow">
         <p:split orient="vert"/>
       </p:transition>
@@ -28228,7 +28827,7 @@
 </p:sld>
 </file>
 
-<file path=ppt/slides/slide14.xml><?xml version="1.0" encoding="utf-8"?>
+<file path=ppt/slides/slide15.xml><?xml version="1.0" encoding="utf-8"?>
 <p:sld xmlns:a="http://schemas.openxmlformats.org/drawingml/2006/main" xmlns:r="http://schemas.openxmlformats.org/officeDocument/2006/relationships" xmlns:p="http://schemas.openxmlformats.org/presentationml/2006/main">
   <p:cSld>
     <p:spTree>
@@ -28281,7 +28880,7 @@
             </a:pPr>
             <a:r>
               <a:rPr lang="en-US" dirty="0"/>
-              <a:t>CONCLUTION</a:t>
+              <a:t>CONCLUSION</a:t>
             </a:r>
             <a:endParaRPr dirty="0"/>
           </a:p>
@@ -28397,13 +28996,13 @@
   <p:clrMapOvr>
     <a:masterClrMapping/>
   </p:clrMapOvr>
-  <mc:AlternateContent xmlns:mc="http://schemas.openxmlformats.org/markup-compatibility/2006">
-    <mc:Choice xmlns:p14="http://schemas.microsoft.com/office/powerpoint/2010/main" Requires="p14">
+  <mc:AlternateContent xmlns:mc="http://schemas.openxmlformats.org/markup-compatibility/2006" xmlns:p14="http://schemas.microsoft.com/office/powerpoint/2010/main">
+    <mc:Choice Requires="p14">
       <p:transition spd="slow" p14:dur="1500">
         <p:split orient="vert"/>
       </p:transition>
     </mc:Choice>
-    <mc:Fallback>
+    <mc:Fallback xmlns="">
       <p:transition spd="slow">
         <p:split orient="vert"/>
       </p:transition>
@@ -28412,7 +29011,7 @@
 </p:sld>
 </file>
 
-<file path=ppt/slides/slide15.xml><?xml version="1.0" encoding="utf-8"?>
+<file path=ppt/slides/slide16.xml><?xml version="1.0" encoding="utf-8"?>
 <p:sld xmlns:a="http://schemas.openxmlformats.org/drawingml/2006/main" xmlns:r="http://schemas.openxmlformats.org/officeDocument/2006/relationships" xmlns:p="http://schemas.openxmlformats.org/presentationml/2006/main">
   <p:cSld>
     <p:spTree>
@@ -28738,7 +29337,7 @@
           <a:p>
             <a:r>
               <a:rPr lang="en-US" dirty="0"/>
-              <a:t>CONCLUTION</a:t>
+              <a:t>CONCLUSION</a:t>
             </a:r>
           </a:p>
           <a:p>
@@ -28948,7 +29547,7 @@
         <p:spPr>
           <a:xfrm>
             <a:off x="2200506" y="3889451"/>
-            <a:ext cx="1980029" cy="646331"/>
+            <a:ext cx="1851789" cy="923330"/>
           </a:xfrm>
           <a:prstGeom prst="rect">
             <a:avLst/>
@@ -28970,8 +29569,27 @@
                 <a:ea typeface="+mn-ea"/>
                 <a:cs typeface="+mn-cs"/>
               </a:rPr>
-              <a:t>VI. Development</a:t>
+              <a:t>VI. </a:t>
             </a:r>
+            <a:r>
+              <a:rPr lang="en-US" b="1" dirty="0">
+                <a:solidFill>
+                  <a:prstClr val="white"/>
+                </a:solidFill>
+                <a:latin typeface="Arial" panose="020B0604020202020204"/>
+              </a:rPr>
+              <a:t>Future work</a:t>
+            </a:r>
+          </a:p>
+          <a:p>
+            <a:endParaRPr lang="en-US" sz="1800" b="1" kern="1200" dirty="0">
+              <a:solidFill>
+                <a:prstClr val="white"/>
+              </a:solidFill>
+              <a:latin typeface="Arial" panose="020B0604020202020204"/>
+              <a:ea typeface="+mn-ea"/>
+              <a:cs typeface="+mn-cs"/>
+            </a:endParaRPr>
           </a:p>
           <a:p>
             <a:endParaRPr lang="en-US" dirty="0"/>
@@ -29042,13 +29660,13 @@
   <p:clrMapOvr>
     <a:masterClrMapping/>
   </p:clrMapOvr>
-  <mc:AlternateContent xmlns:mc="http://schemas.openxmlformats.org/markup-compatibility/2006">
-    <mc:Choice xmlns:p14="http://schemas.microsoft.com/office/powerpoint/2010/main" Requires="p14">
+  <mc:AlternateContent xmlns:mc="http://schemas.openxmlformats.org/markup-compatibility/2006" xmlns:p14="http://schemas.microsoft.com/office/powerpoint/2010/main">
+    <mc:Choice Requires="p14">
       <p:transition spd="med" p14:dur="700">
         <p:fade/>
       </p:transition>
     </mc:Choice>
-    <mc:Fallback>
+    <mc:Fallback xmlns="">
       <p:transition spd="med">
         <p:fade/>
       </p:transition>
@@ -29289,7 +29907,7 @@
 </p:sld>
 </file>
 
-<file path=ppt/slides/slide16.xml><?xml version="1.0" encoding="utf-8"?>
+<file path=ppt/slides/slide17.xml><?xml version="1.0" encoding="utf-8"?>
 <p:sld xmlns:a="http://schemas.openxmlformats.org/drawingml/2006/main" xmlns:r="http://schemas.openxmlformats.org/officeDocument/2006/relationships" xmlns:p="http://schemas.openxmlformats.org/presentationml/2006/main">
   <p:cSld>
     <p:spTree>
@@ -30084,13 +30702,13 @@
   <p:clrMapOvr>
     <a:masterClrMapping/>
   </p:clrMapOvr>
-  <mc:AlternateContent xmlns:mc="http://schemas.openxmlformats.org/markup-compatibility/2006">
-    <mc:Choice xmlns:p14="http://schemas.microsoft.com/office/powerpoint/2010/main" Requires="p14">
+  <mc:AlternateContent xmlns:mc="http://schemas.openxmlformats.org/markup-compatibility/2006" xmlns:p14="http://schemas.microsoft.com/office/powerpoint/2010/main">
+    <mc:Choice Requires="p14">
       <p:transition spd="med" p14:dur="700">
         <p:fade/>
       </p:transition>
     </mc:Choice>
-    <mc:Fallback>
+    <mc:Fallback xmlns="">
       <p:transition spd="med">
         <p:fade/>
       </p:transition>
@@ -30311,7 +30929,7 @@
 </p:sld>
 </file>
 
-<file path=ppt/slides/slide17.xml><?xml version="1.0" encoding="utf-8"?>
+<file path=ppt/slides/slide18.xml><?xml version="1.0" encoding="utf-8"?>
 <p:sld xmlns:a="http://schemas.openxmlformats.org/drawingml/2006/main" xmlns:r="http://schemas.openxmlformats.org/officeDocument/2006/relationships" xmlns:p="http://schemas.openxmlformats.org/presentationml/2006/main">
   <p:cSld>
     <p:spTree>
@@ -31080,13 +31698,13 @@
   <p:clrMapOvr>
     <a:masterClrMapping/>
   </p:clrMapOvr>
-  <mc:AlternateContent xmlns:mc="http://schemas.openxmlformats.org/markup-compatibility/2006">
-    <mc:Choice xmlns:p14="http://schemas.microsoft.com/office/powerpoint/2010/main" Requires="p14">
+  <mc:AlternateContent xmlns:mc="http://schemas.openxmlformats.org/markup-compatibility/2006" xmlns:p14="http://schemas.microsoft.com/office/powerpoint/2010/main">
+    <mc:Choice Requires="p14">
       <p:transition spd="med" p14:dur="700">
         <p:fade/>
       </p:transition>
     </mc:Choice>
-    <mc:Fallback>
+    <mc:Fallback xmlns="">
       <p:transition spd="med">
         <p:fade/>
       </p:transition>
@@ -31307,7 +31925,7 @@
 </p:sld>
 </file>
 
-<file path=ppt/slides/slide18.xml><?xml version="1.0" encoding="utf-8"?>
+<file path=ppt/slides/slide19.xml><?xml version="1.0" encoding="utf-8"?>
 <p:sld xmlns:a="http://schemas.openxmlformats.org/drawingml/2006/main" xmlns:r="http://schemas.openxmlformats.org/officeDocument/2006/relationships" xmlns:p="http://schemas.openxmlformats.org/presentationml/2006/main">
   <p:cSld>
     <p:spTree>
@@ -31941,7 +32559,7 @@
         </p:nvSpPr>
         <p:spPr>
           <a:xfrm>
-            <a:off x="1472205" y="1717775"/>
+            <a:off x="2711325" y="1648002"/>
             <a:ext cx="1951368" cy="612412"/>
           </a:xfrm>
           <a:prstGeom prst="rect">
@@ -31983,8 +32601,121 @@
         </p:nvSpPr>
         <p:spPr>
           <a:xfrm>
-            <a:off x="3462952" y="2266559"/>
-            <a:ext cx="3451586" cy="2831544"/>
+            <a:off x="2711325" y="2164990"/>
+            <a:ext cx="2582758" cy="612412"/>
+          </a:xfrm>
+          <a:prstGeom prst="rect">
+            <a:avLst/>
+          </a:prstGeom>
+          <a:noFill/>
+        </p:spPr>
+        <p:txBody>
+          <a:bodyPr wrap="none" rtlCol="0">
+            <a:spAutoFit/>
+          </a:bodyPr>
+          <a:lstStyle/>
+          <a:p>
+            <a:pPr marL="285750" indent="-285750">
+              <a:lnSpc>
+                <a:spcPct val="200000"/>
+              </a:lnSpc>
+              <a:buFont typeface="Arial" panose="020B0604020202020204" pitchFamily="34" charset="0"/>
+              <a:buChar char="•"/>
+            </a:pPr>
+            <a:r>
+              <a:rPr lang="en-US" sz="2000" dirty="0"/>
+              <a:t>Manage employee</a:t>
+            </a:r>
+            <a:endParaRPr lang="en-US" dirty="0"/>
+          </a:p>
+        </p:txBody>
+      </p:sp>
+      <p:sp>
+        <p:nvSpPr>
+          <p:cNvPr id="2" name="TextBox 1">
+            <a:extLst>
+              <a:ext uri="{FF2B5EF4-FFF2-40B4-BE49-F238E27FC236}">
+                <a16:creationId xmlns:a16="http://schemas.microsoft.com/office/drawing/2014/main" id="{1F7B8103-C707-4068-B451-04860F83FF03}"/>
+              </a:ext>
+            </a:extLst>
+          </p:cNvPr>
+          <p:cNvSpPr txBox="1"/>
+          <p:nvPr/>
+        </p:nvSpPr>
+        <p:spPr>
+          <a:xfrm>
+            <a:off x="1263989" y="1891082"/>
+            <a:ext cx="902811" cy="369332"/>
+          </a:xfrm>
+          <a:prstGeom prst="rect">
+            <a:avLst/>
+          </a:prstGeom>
+          <a:noFill/>
+        </p:spPr>
+        <p:txBody>
+          <a:bodyPr wrap="none" rtlCol="0">
+            <a:spAutoFit/>
+          </a:bodyPr>
+          <a:lstStyle/>
+          <a:p>
+            <a:r>
+              <a:rPr lang="en-US" b="1" dirty="0"/>
+              <a:t>Admin</a:t>
+            </a:r>
+          </a:p>
+        </p:txBody>
+      </p:sp>
+      <p:sp>
+        <p:nvSpPr>
+          <p:cNvPr id="13" name="TextBox 12">
+            <a:extLst>
+              <a:ext uri="{FF2B5EF4-FFF2-40B4-BE49-F238E27FC236}">
+                <a16:creationId xmlns:a16="http://schemas.microsoft.com/office/drawing/2014/main" id="{4B3F9636-BF59-4C8B-8BE8-B041FD84A63B}"/>
+              </a:ext>
+            </a:extLst>
+          </p:cNvPr>
+          <p:cNvSpPr txBox="1"/>
+          <p:nvPr/>
+        </p:nvSpPr>
+        <p:spPr>
+          <a:xfrm>
+            <a:off x="1263989" y="3155927"/>
+            <a:ext cx="1274708" cy="369332"/>
+          </a:xfrm>
+          <a:prstGeom prst="rect">
+            <a:avLst/>
+          </a:prstGeom>
+          <a:noFill/>
+        </p:spPr>
+        <p:txBody>
+          <a:bodyPr wrap="none" rtlCol="0">
+            <a:spAutoFit/>
+          </a:bodyPr>
+          <a:lstStyle/>
+          <a:p>
+            <a:r>
+              <a:rPr lang="en-US" b="1" dirty="0"/>
+              <a:t>Employee</a:t>
+            </a:r>
+          </a:p>
+        </p:txBody>
+      </p:sp>
+      <p:sp>
+        <p:nvSpPr>
+          <p:cNvPr id="4" name="TextBox 3">
+            <a:extLst>
+              <a:ext uri="{FF2B5EF4-FFF2-40B4-BE49-F238E27FC236}">
+                <a16:creationId xmlns:a16="http://schemas.microsoft.com/office/drawing/2014/main" id="{D833A0D0-734E-4115-9C73-8FB5679EB897}"/>
+              </a:ext>
+            </a:extLst>
+          </p:cNvPr>
+          <p:cNvSpPr txBox="1"/>
+          <p:nvPr/>
+        </p:nvSpPr>
+        <p:spPr>
+          <a:xfrm>
+            <a:off x="2720060" y="2930598"/>
+            <a:ext cx="3195105" cy="2215991"/>
           </a:xfrm>
           <a:prstGeom prst="rect">
             <a:avLst/>
@@ -32036,93 +32767,48 @@
             </a:r>
           </a:p>
           <a:p>
-            <a:pPr marL="285750" indent="-285750">
-              <a:lnSpc>
-                <a:spcPct val="200000"/>
-              </a:lnSpc>
-              <a:buFont typeface="Arial" panose="020B0604020202020204" pitchFamily="34" charset="0"/>
-              <a:buChar char="•"/>
-            </a:pPr>
-            <a:r>
-              <a:rPr lang="en-US" sz="2000" dirty="0"/>
-              <a:t>Manage employee(admin)</a:t>
-            </a:r>
-          </a:p>
-          <a:p>
             <a:endParaRPr lang="en-US" dirty="0"/>
           </a:p>
         </p:txBody>
       </p:sp>
-      <p:sp>
-        <p:nvSpPr>
-          <p:cNvPr id="2" name="TextBox 1">
+      <p:cxnSp>
+        <p:nvCxnSpPr>
+          <p:cNvPr id="15" name="Straight Connector 14">
             <a:extLst>
               <a:ext uri="{FF2B5EF4-FFF2-40B4-BE49-F238E27FC236}">
-                <a16:creationId xmlns:a16="http://schemas.microsoft.com/office/drawing/2014/main" id="{1F7B8103-C707-4068-B451-04860F83FF03}"/>
+                <a16:creationId xmlns:a16="http://schemas.microsoft.com/office/drawing/2014/main" id="{29ACBFEF-9670-41C1-A7A6-D465D8B199D3}"/>
               </a:ext>
             </a:extLst>
           </p:cNvPr>
-          <p:cNvSpPr txBox="1"/>
+          <p:cNvCxnSpPr>
+            <a:cxnSpLocks/>
+          </p:cNvCxnSpPr>
           <p:nvPr/>
-        </p:nvSpPr>
+        </p:nvCxnSpPr>
         <p:spPr>
           <a:xfrm>
-            <a:off x="1472205" y="2654233"/>
-            <a:ext cx="902811" cy="369332"/>
+            <a:off x="1188428" y="2879634"/>
+            <a:ext cx="5126853" cy="0"/>
           </a:xfrm>
-          <a:prstGeom prst="rect">
+          <a:prstGeom prst="line">
             <a:avLst/>
           </a:prstGeom>
-          <a:noFill/>
         </p:spPr>
-        <p:txBody>
-          <a:bodyPr wrap="none" rtlCol="0">
-            <a:spAutoFit/>
-          </a:bodyPr>
-          <a:lstStyle/>
-          <a:p>
-            <a:r>
-              <a:rPr lang="en-US" b="1" dirty="0"/>
-              <a:t>Admin</a:t>
-            </a:r>
-          </a:p>
-        </p:txBody>
-      </p:sp>
-      <p:sp>
-        <p:nvSpPr>
-          <p:cNvPr id="13" name="TextBox 12">
-            <a:extLst>
-              <a:ext uri="{FF2B5EF4-FFF2-40B4-BE49-F238E27FC236}">
-                <a16:creationId xmlns:a16="http://schemas.microsoft.com/office/drawing/2014/main" id="{4B3F9636-BF59-4C8B-8BE8-B041FD84A63B}"/>
-              </a:ext>
-            </a:extLst>
-          </p:cNvPr>
-          <p:cNvSpPr txBox="1"/>
-          <p:nvPr/>
-        </p:nvSpPr>
-        <p:spPr>
-          <a:xfrm>
-            <a:off x="1399815" y="4033104"/>
-            <a:ext cx="1274708" cy="369332"/>
-          </a:xfrm>
-          <a:prstGeom prst="rect">
-            <a:avLst/>
-          </a:prstGeom>
-          <a:noFill/>
-        </p:spPr>
-        <p:txBody>
-          <a:bodyPr wrap="none" rtlCol="0">
-            <a:spAutoFit/>
-          </a:bodyPr>
-          <a:lstStyle/>
-          <a:p>
-            <a:r>
-              <a:rPr lang="en-US" b="1" dirty="0"/>
-              <a:t>Employee</a:t>
-            </a:r>
-          </a:p>
-        </p:txBody>
-      </p:sp>
+        <p:style>
+          <a:lnRef idx="3">
+            <a:schemeClr val="dk1"/>
+          </a:lnRef>
+          <a:fillRef idx="0">
+            <a:schemeClr val="dk1"/>
+          </a:fillRef>
+          <a:effectRef idx="2">
+            <a:schemeClr val="dk1"/>
+          </a:effectRef>
+          <a:fontRef idx="minor">
+            <a:schemeClr val="tx1"/>
+          </a:fontRef>
+        </p:style>
+      </p:cxnSp>
     </p:spTree>
     <p:extLst>
       <p:ext uri="{BB962C8B-B14F-4D97-AF65-F5344CB8AC3E}">
@@ -32133,13 +32819,13 @@
   <p:clrMapOvr>
     <a:masterClrMapping/>
   </p:clrMapOvr>
-  <mc:AlternateContent xmlns:mc="http://schemas.openxmlformats.org/markup-compatibility/2006">
-    <mc:Choice xmlns:p14="http://schemas.microsoft.com/office/powerpoint/2010/main" Requires="p14">
+  <mc:AlternateContent xmlns:mc="http://schemas.openxmlformats.org/markup-compatibility/2006" xmlns:p14="http://schemas.microsoft.com/office/powerpoint/2010/main">
+    <mc:Choice Requires="p14">
       <p:transition spd="med" p14:dur="700">
         <p:fade/>
       </p:transition>
     </mc:Choice>
-    <mc:Fallback>
+    <mc:Fallback xmlns="">
       <p:transition spd="med">
         <p:fade/>
       </p:transition>
@@ -32267,7 +32953,7 @@
                                           </p:stCondLst>
                                         </p:cTn>
                                         <p:tgtEl>
-                                          <p:spTgt spid="11"/>
+                                          <p:spTgt spid="2"/>
                                         </p:tgtEl>
                                         <p:attrNameLst>
                                           <p:attrName>style.visibility</p:attrName>
@@ -32281,59 +32967,6 @@
                                       <p:cBhvr>
                                         <p:cTn id="15" dur="500"/>
                                         <p:tgtEl>
-                                          <p:spTgt spid="11"/>
-                                        </p:tgtEl>
-                                      </p:cBhvr>
-                                    </p:animEffect>
-                                  </p:childTnLst>
-                                </p:cTn>
-                              </p:par>
-                            </p:childTnLst>
-                          </p:cTn>
-                        </p:par>
-                      </p:childTnLst>
-                    </p:cTn>
-                  </p:par>
-                  <p:par>
-                    <p:cTn id="16" fill="hold">
-                      <p:stCondLst>
-                        <p:cond delay="indefinite"/>
-                      </p:stCondLst>
-                      <p:childTnLst>
-                        <p:par>
-                          <p:cTn id="17" fill="hold">
-                            <p:stCondLst>
-                              <p:cond delay="0"/>
-                            </p:stCondLst>
-                            <p:childTnLst>
-                              <p:par>
-                                <p:cTn id="18" presetID="10" presetClass="entr" presetSubtype="0" fill="hold" grpId="0" nodeType="clickEffect">
-                                  <p:stCondLst>
-                                    <p:cond delay="0"/>
-                                  </p:stCondLst>
-                                  <p:childTnLst>
-                                    <p:set>
-                                      <p:cBhvr>
-                                        <p:cTn id="19" dur="1" fill="hold">
-                                          <p:stCondLst>
-                                            <p:cond delay="0"/>
-                                          </p:stCondLst>
-                                        </p:cTn>
-                                        <p:tgtEl>
-                                          <p:spTgt spid="2"/>
-                                        </p:tgtEl>
-                                        <p:attrNameLst>
-                                          <p:attrName>style.visibility</p:attrName>
-                                        </p:attrNameLst>
-                                      </p:cBhvr>
-                                      <p:to>
-                                        <p:strVal val="visible"/>
-                                      </p:to>
-                                    </p:set>
-                                    <p:animEffect transition="in" filter="fade">
-                                      <p:cBhvr>
-                                        <p:cTn id="20" dur="500"/>
-                                        <p:tgtEl>
                                           <p:spTgt spid="2"/>
                                         </p:tgtEl>
                                       </p:cBhvr>
@@ -32342,14 +32975,14 @@
                                 </p:cTn>
                               </p:par>
                               <p:par>
-                                <p:cTn id="21" presetID="10" presetClass="entr" presetSubtype="0" fill="hold" grpId="0" nodeType="withEffect">
+                                <p:cTn id="16" presetID="10" presetClass="entr" presetSubtype="0" fill="hold" grpId="0" nodeType="withEffect">
                                   <p:stCondLst>
                                     <p:cond delay="0"/>
                                   </p:stCondLst>
                                   <p:childTnLst>
                                     <p:set>
                                       <p:cBhvr>
-                                        <p:cTn id="22" dur="1" fill="hold">
+                                        <p:cTn id="17" dur="1" fill="hold">
                                           <p:stCondLst>
                                             <p:cond delay="0"/>
                                           </p:stCondLst>
@@ -32367,7 +33000,7 @@
                                     </p:set>
                                     <p:animEffect transition="in" filter="fade">
                                       <p:cBhvr>
-                                        <p:cTn id="23" dur="500"/>
+                                        <p:cTn id="18" dur="500"/>
                                         <p:tgtEl>
                                           <p:spTgt spid="13"/>
                                         </p:tgtEl>
@@ -32377,7 +33010,60 @@
                                 </p:cTn>
                               </p:par>
                               <p:par>
-                                <p:cTn id="24" presetID="10" presetClass="entr" presetSubtype="0" fill="hold" grpId="0" nodeType="withEffect">
+                                <p:cTn id="19" presetID="10" presetClass="entr" presetSubtype="0" fill="hold" nodeType="withEffect">
+                                  <p:stCondLst>
+                                    <p:cond delay="0"/>
+                                  </p:stCondLst>
+                                  <p:childTnLst>
+                                    <p:set>
+                                      <p:cBhvr>
+                                        <p:cTn id="20" dur="1" fill="hold">
+                                          <p:stCondLst>
+                                            <p:cond delay="0"/>
+                                          </p:stCondLst>
+                                        </p:cTn>
+                                        <p:tgtEl>
+                                          <p:spTgt spid="15"/>
+                                        </p:tgtEl>
+                                        <p:attrNameLst>
+                                          <p:attrName>style.visibility</p:attrName>
+                                        </p:attrNameLst>
+                                      </p:cBhvr>
+                                      <p:to>
+                                        <p:strVal val="visible"/>
+                                      </p:to>
+                                    </p:set>
+                                    <p:animEffect transition="in" filter="fade">
+                                      <p:cBhvr>
+                                        <p:cTn id="21" dur="500"/>
+                                        <p:tgtEl>
+                                          <p:spTgt spid="15"/>
+                                        </p:tgtEl>
+                                      </p:cBhvr>
+                                    </p:animEffect>
+                                  </p:childTnLst>
+                                </p:cTn>
+                              </p:par>
+                            </p:childTnLst>
+                          </p:cTn>
+                        </p:par>
+                      </p:childTnLst>
+                    </p:cTn>
+                  </p:par>
+                  <p:par>
+                    <p:cTn id="22" fill="hold">
+                      <p:stCondLst>
+                        <p:cond delay="indefinite"/>
+                      </p:stCondLst>
+                      <p:childTnLst>
+                        <p:par>
+                          <p:cTn id="23" fill="hold">
+                            <p:stCondLst>
+                              <p:cond delay="0"/>
+                            </p:stCondLst>
+                            <p:childTnLst>
+                              <p:par>
+                                <p:cTn id="24" presetID="10" presetClass="entr" presetSubtype="0" fill="hold" grpId="0" nodeType="clickEffect">
                                   <p:stCondLst>
                                     <p:cond delay="0"/>
                                   </p:stCondLst>
@@ -32385,6 +33071,41 @@
                                     <p:set>
                                       <p:cBhvr>
                                         <p:cTn id="25" dur="1" fill="hold">
+                                          <p:stCondLst>
+                                            <p:cond delay="0"/>
+                                          </p:stCondLst>
+                                        </p:cTn>
+                                        <p:tgtEl>
+                                          <p:spTgt spid="11"/>
+                                        </p:tgtEl>
+                                        <p:attrNameLst>
+                                          <p:attrName>style.visibility</p:attrName>
+                                        </p:attrNameLst>
+                                      </p:cBhvr>
+                                      <p:to>
+                                        <p:strVal val="visible"/>
+                                      </p:to>
+                                    </p:set>
+                                    <p:animEffect transition="in" filter="fade">
+                                      <p:cBhvr>
+                                        <p:cTn id="26" dur="500"/>
+                                        <p:tgtEl>
+                                          <p:spTgt spid="11"/>
+                                        </p:tgtEl>
+                                      </p:cBhvr>
+                                    </p:animEffect>
+                                  </p:childTnLst>
+                                </p:cTn>
+                              </p:par>
+                              <p:par>
+                                <p:cTn id="27" presetID="10" presetClass="entr" presetSubtype="0" fill="hold" grpId="0" nodeType="withEffect">
+                                  <p:stCondLst>
+                                    <p:cond delay="0"/>
+                                  </p:stCondLst>
+                                  <p:childTnLst>
+                                    <p:set>
+                                      <p:cBhvr>
+                                        <p:cTn id="28" dur="1" fill="hold">
                                           <p:stCondLst>
                                             <p:cond delay="0"/>
                                           </p:stCondLst>
@@ -32402,9 +33123,62 @@
                                     </p:set>
                                     <p:animEffect transition="in" filter="fade">
                                       <p:cBhvr>
-                                        <p:cTn id="26" dur="500"/>
+                                        <p:cTn id="29" dur="500"/>
                                         <p:tgtEl>
                                           <p:spTgt spid="12"/>
+                                        </p:tgtEl>
+                                      </p:cBhvr>
+                                    </p:animEffect>
+                                  </p:childTnLst>
+                                </p:cTn>
+                              </p:par>
+                            </p:childTnLst>
+                          </p:cTn>
+                        </p:par>
+                      </p:childTnLst>
+                    </p:cTn>
+                  </p:par>
+                  <p:par>
+                    <p:cTn id="30" fill="hold">
+                      <p:stCondLst>
+                        <p:cond delay="indefinite"/>
+                      </p:stCondLst>
+                      <p:childTnLst>
+                        <p:par>
+                          <p:cTn id="31" fill="hold">
+                            <p:stCondLst>
+                              <p:cond delay="0"/>
+                            </p:stCondLst>
+                            <p:childTnLst>
+                              <p:par>
+                                <p:cTn id="32" presetID="10" presetClass="entr" presetSubtype="0" fill="hold" grpId="0" nodeType="clickEffect">
+                                  <p:stCondLst>
+                                    <p:cond delay="0"/>
+                                  </p:stCondLst>
+                                  <p:childTnLst>
+                                    <p:set>
+                                      <p:cBhvr>
+                                        <p:cTn id="33" dur="1" fill="hold">
+                                          <p:stCondLst>
+                                            <p:cond delay="0"/>
+                                          </p:stCondLst>
+                                        </p:cTn>
+                                        <p:tgtEl>
+                                          <p:spTgt spid="4"/>
+                                        </p:tgtEl>
+                                        <p:attrNameLst>
+                                          <p:attrName>style.visibility</p:attrName>
+                                        </p:attrNameLst>
+                                      </p:cBhvr>
+                                      <p:to>
+                                        <p:strVal val="visible"/>
+                                      </p:to>
+                                    </p:set>
+                                    <p:animEffect transition="in" filter="fade">
+                                      <p:cBhvr>
+                                        <p:cTn id="34" dur="500"/>
+                                        <p:tgtEl>
+                                          <p:spTgt spid="4"/>
                                         </p:tgtEl>
                                       </p:cBhvr>
                                     </p:animEffect>
@@ -32445,12 +33219,2141 @@
       <p:bldP spid="12" grpId="0"/>
       <p:bldP spid="2" grpId="0"/>
       <p:bldP spid="13" grpId="0"/>
+      <p:bldP spid="4" grpId="0"/>
     </p:bldLst>
   </p:timing>
 </p:sld>
 </file>
 
-<file path=ppt/slides/slide19.xml><?xml version="1.0" encoding="utf-8"?>
+<file path=ppt/slides/slide2.xml><?xml version="1.0" encoding="utf-8"?>
+<p:sld xmlns:a="http://schemas.openxmlformats.org/drawingml/2006/main" xmlns:r="http://schemas.openxmlformats.org/officeDocument/2006/relationships" xmlns:p="http://schemas.openxmlformats.org/presentationml/2006/main">
+  <p:cSld>
+    <p:spTree>
+      <p:nvGrpSpPr>
+        <p:cNvPr id="1" name="Shape 149"/>
+        <p:cNvGrpSpPr/>
+        <p:nvPr/>
+      </p:nvGrpSpPr>
+      <p:grpSpPr>
+        <a:xfrm>
+          <a:off x="0" y="0"/>
+          <a:ext cx="0" cy="0"/>
+          <a:chOff x="0" y="0"/>
+          <a:chExt cx="0" cy="0"/>
+        </a:xfrm>
+      </p:grpSpPr>
+      <p:sp>
+        <p:nvSpPr>
+          <p:cNvPr id="28" name="Rectangle 27"/>
+          <p:cNvSpPr/>
+          <p:nvPr/>
+        </p:nvSpPr>
+        <p:spPr>
+          <a:xfrm>
+            <a:off x="3989523" y="3054712"/>
+            <a:ext cx="4349690" cy="709644"/>
+          </a:xfrm>
+          <a:prstGeom prst="rect">
+            <a:avLst/>
+          </a:prstGeom>
+          <a:solidFill>
+            <a:schemeClr val="bg1"/>
+          </a:solidFill>
+        </p:spPr>
+        <p:style>
+          <a:lnRef idx="2">
+            <a:schemeClr val="accent1">
+              <a:shade val="50000"/>
+            </a:schemeClr>
+          </a:lnRef>
+          <a:fillRef idx="1">
+            <a:schemeClr val="accent1"/>
+          </a:fillRef>
+          <a:effectRef idx="0">
+            <a:schemeClr val="accent1"/>
+          </a:effectRef>
+          <a:fontRef idx="minor">
+            <a:schemeClr val="lt1"/>
+          </a:fontRef>
+        </p:style>
+        <p:txBody>
+          <a:bodyPr rtlCol="0" anchor="ctr"/>
+          <a:lstStyle/>
+          <a:p>
+            <a:pPr algn="ctr"/>
+            <a:endParaRPr lang="en-US" dirty="0"/>
+          </a:p>
+        </p:txBody>
+      </p:sp>
+      <p:sp>
+        <p:nvSpPr>
+          <p:cNvPr id="8" name="Rectangle 7"/>
+          <p:cNvSpPr/>
+          <p:nvPr/>
+        </p:nvSpPr>
+        <p:spPr>
+          <a:xfrm>
+            <a:off x="188428" y="1751116"/>
+            <a:ext cx="3123900" cy="1258905"/>
+          </a:xfrm>
+          <a:prstGeom prst="rect">
+            <a:avLst/>
+          </a:prstGeom>
+          <a:solidFill>
+            <a:srgbClr val="FFC000"/>
+          </a:solidFill>
+        </p:spPr>
+        <p:style>
+          <a:lnRef idx="2">
+            <a:schemeClr val="accent1">
+              <a:shade val="50000"/>
+            </a:schemeClr>
+          </a:lnRef>
+          <a:fillRef idx="1">
+            <a:schemeClr val="accent1"/>
+          </a:fillRef>
+          <a:effectRef idx="0">
+            <a:schemeClr val="accent1"/>
+          </a:effectRef>
+          <a:fontRef idx="minor">
+            <a:schemeClr val="lt1"/>
+          </a:fontRef>
+        </p:style>
+        <p:txBody>
+          <a:bodyPr rtlCol="0" anchor="ctr"/>
+          <a:lstStyle/>
+          <a:p>
+            <a:pPr algn="ctr"/>
+            <a:endParaRPr lang="en-US"/>
+          </a:p>
+        </p:txBody>
+      </p:sp>
+      <p:sp>
+        <p:nvSpPr>
+          <p:cNvPr id="24" name="Rectangle 23"/>
+          <p:cNvSpPr/>
+          <p:nvPr/>
+        </p:nvSpPr>
+        <p:spPr>
+          <a:xfrm>
+            <a:off x="3997323" y="2149680"/>
+            <a:ext cx="4349690" cy="709644"/>
+          </a:xfrm>
+          <a:prstGeom prst="rect">
+            <a:avLst/>
+          </a:prstGeom>
+          <a:solidFill>
+            <a:schemeClr val="bg1"/>
+          </a:solidFill>
+        </p:spPr>
+        <p:style>
+          <a:lnRef idx="2">
+            <a:schemeClr val="accent1">
+              <a:shade val="50000"/>
+            </a:schemeClr>
+          </a:lnRef>
+          <a:fillRef idx="1">
+            <a:schemeClr val="accent1"/>
+          </a:fillRef>
+          <a:effectRef idx="0">
+            <a:schemeClr val="accent1"/>
+          </a:effectRef>
+          <a:fontRef idx="minor">
+            <a:schemeClr val="lt1"/>
+          </a:fontRef>
+        </p:style>
+        <p:txBody>
+          <a:bodyPr rtlCol="0" anchor="ctr"/>
+          <a:lstStyle/>
+          <a:p>
+            <a:pPr algn="ctr"/>
+            <a:endParaRPr lang="en-US"/>
+          </a:p>
+        </p:txBody>
+      </p:sp>
+      <p:sp>
+        <p:nvSpPr>
+          <p:cNvPr id="19" name="Rectangle 18"/>
+          <p:cNvSpPr/>
+          <p:nvPr/>
+        </p:nvSpPr>
+        <p:spPr>
+          <a:xfrm>
+            <a:off x="3989523" y="1260292"/>
+            <a:ext cx="4349690" cy="709644"/>
+          </a:xfrm>
+          <a:prstGeom prst="rect">
+            <a:avLst/>
+          </a:prstGeom>
+          <a:solidFill>
+            <a:schemeClr val="bg1"/>
+          </a:solidFill>
+        </p:spPr>
+        <p:style>
+          <a:lnRef idx="2">
+            <a:schemeClr val="accent1">
+              <a:shade val="50000"/>
+            </a:schemeClr>
+          </a:lnRef>
+          <a:fillRef idx="1">
+            <a:schemeClr val="accent1"/>
+          </a:fillRef>
+          <a:effectRef idx="0">
+            <a:schemeClr val="accent1"/>
+          </a:effectRef>
+          <a:fontRef idx="minor">
+            <a:schemeClr val="lt1"/>
+          </a:fontRef>
+        </p:style>
+        <p:txBody>
+          <a:bodyPr rtlCol="0" anchor="ctr"/>
+          <a:lstStyle/>
+          <a:p>
+            <a:pPr algn="ctr"/>
+            <a:endParaRPr lang="en-US"/>
+          </a:p>
+        </p:txBody>
+      </p:sp>
+      <p:sp>
+        <p:nvSpPr>
+          <p:cNvPr id="4" name="Rectangle 3"/>
+          <p:cNvSpPr/>
+          <p:nvPr/>
+        </p:nvSpPr>
+        <p:spPr>
+          <a:xfrm>
+            <a:off x="3989524" y="392637"/>
+            <a:ext cx="4349689" cy="709644"/>
+          </a:xfrm>
+          <a:prstGeom prst="rect">
+            <a:avLst/>
+          </a:prstGeom>
+          <a:solidFill>
+            <a:schemeClr val="bg1"/>
+          </a:solidFill>
+        </p:spPr>
+        <p:style>
+          <a:lnRef idx="2">
+            <a:schemeClr val="accent1">
+              <a:shade val="50000"/>
+            </a:schemeClr>
+          </a:lnRef>
+          <a:fillRef idx="1">
+            <a:schemeClr val="accent1"/>
+          </a:fillRef>
+          <a:effectRef idx="0">
+            <a:schemeClr val="accent1"/>
+          </a:effectRef>
+          <a:fontRef idx="minor">
+            <a:schemeClr val="lt1"/>
+          </a:fontRef>
+        </p:style>
+        <p:txBody>
+          <a:bodyPr rtlCol="0" anchor="ctr"/>
+          <a:lstStyle/>
+          <a:p>
+            <a:pPr algn="ctr"/>
+            <a:endParaRPr lang="en-US"/>
+          </a:p>
+        </p:txBody>
+      </p:sp>
+      <p:sp>
+        <p:nvSpPr>
+          <p:cNvPr id="150" name="Google Shape;150;p30"/>
+          <p:cNvSpPr txBox="1">
+            <a:spLocks noGrp="1"/>
+          </p:cNvSpPr>
+          <p:nvPr>
+            <p:ph type="ctrTitle"/>
+          </p:nvPr>
+        </p:nvSpPr>
+        <p:spPr>
+          <a:xfrm>
+            <a:off x="604315" y="1889005"/>
+            <a:ext cx="2372400" cy="1121021"/>
+          </a:xfrm>
+          <a:prstGeom prst="rect">
+            <a:avLst/>
+          </a:prstGeom>
+        </p:spPr>
+        <p:txBody>
+          <a:bodyPr spcFirstLastPara="1" wrap="square" lIns="91425" tIns="91425" rIns="91425" bIns="91425" anchor="ctr" anchorCtr="0">
+            <a:noAutofit/>
+          </a:bodyPr>
+          <a:lstStyle/>
+          <a:p>
+            <a:pPr marL="0" lvl="0" indent="0" algn="ctr" rtl="0">
+              <a:spcBef>
+                <a:spcPts val="0"/>
+              </a:spcBef>
+              <a:spcAft>
+                <a:spcPts val="0"/>
+              </a:spcAft>
+              <a:buNone/>
+            </a:pPr>
+            <a:r>
+              <a:rPr lang="en-US" dirty="0">
+                <a:latin typeface="Tahoma" panose="020B0604030504040204" pitchFamily="34" charset="0"/>
+                <a:ea typeface="Tahoma" panose="020B0604030504040204" pitchFamily="34" charset="0"/>
+                <a:cs typeface="Tahoma" panose="020B0604030504040204" pitchFamily="34" charset="0"/>
+              </a:rPr>
+              <a:t>CONTENT</a:t>
+            </a:r>
+            <a:endParaRPr dirty="0">
+              <a:latin typeface="Tahoma" panose="020B0604030504040204" pitchFamily="34" charset="0"/>
+              <a:ea typeface="Tahoma" panose="020B0604030504040204" pitchFamily="34" charset="0"/>
+              <a:cs typeface="Tahoma" panose="020B0604030504040204" pitchFamily="34" charset="0"/>
+            </a:endParaRPr>
+          </a:p>
+        </p:txBody>
+      </p:sp>
+      <p:sp>
+        <p:nvSpPr>
+          <p:cNvPr id="151" name="Google Shape;151;p30"/>
+          <p:cNvSpPr txBox="1">
+            <a:spLocks noGrp="1"/>
+          </p:cNvSpPr>
+          <p:nvPr>
+            <p:ph type="ctrTitle" idx="2"/>
+          </p:nvPr>
+        </p:nvSpPr>
+        <p:spPr>
+          <a:xfrm>
+            <a:off x="4769265" y="443811"/>
+            <a:ext cx="4767778" cy="577800"/>
+          </a:xfrm>
+          <a:prstGeom prst="rect">
+            <a:avLst/>
+          </a:prstGeom>
+        </p:spPr>
+        <p:txBody>
+          <a:bodyPr spcFirstLastPara="1" wrap="square" lIns="91425" tIns="91425" rIns="91425" bIns="91425" anchor="b" anchorCtr="0">
+            <a:noAutofit/>
+          </a:bodyPr>
+          <a:lstStyle/>
+          <a:p>
+            <a:pPr marL="0" lvl="0" indent="0" algn="l" rtl="0">
+              <a:spcBef>
+                <a:spcPts val="0"/>
+              </a:spcBef>
+              <a:spcAft>
+                <a:spcPts val="0"/>
+              </a:spcAft>
+              <a:buNone/>
+            </a:pPr>
+            <a:r>
+              <a:rPr lang="en-US" sz="2300" dirty="0">
+                <a:latin typeface="Tahoma" panose="020B0604030504040204" pitchFamily="34" charset="0"/>
+                <a:ea typeface="Tahoma" panose="020B0604030504040204" pitchFamily="34" charset="0"/>
+                <a:cs typeface="Tahoma" panose="020B0604030504040204" pitchFamily="34" charset="0"/>
+              </a:rPr>
+              <a:t>OVERVIEW</a:t>
+            </a:r>
+            <a:endParaRPr sz="2300" dirty="0">
+              <a:latin typeface="Tahoma" panose="020B0604030504040204" pitchFamily="34" charset="0"/>
+              <a:ea typeface="Tahoma" panose="020B0604030504040204" pitchFamily="34" charset="0"/>
+              <a:cs typeface="Tahoma" panose="020B0604030504040204" pitchFamily="34" charset="0"/>
+            </a:endParaRPr>
+          </a:p>
+        </p:txBody>
+      </p:sp>
+      <p:sp>
+        <p:nvSpPr>
+          <p:cNvPr id="155" name="Google Shape;155;p30"/>
+          <p:cNvSpPr txBox="1">
+            <a:spLocks noGrp="1"/>
+          </p:cNvSpPr>
+          <p:nvPr>
+            <p:ph type="title" idx="3"/>
+          </p:nvPr>
+        </p:nvSpPr>
+        <p:spPr>
+          <a:xfrm>
+            <a:off x="3640769" y="470701"/>
+            <a:ext cx="1107600" cy="577800"/>
+          </a:xfrm>
+          <a:prstGeom prst="rect">
+            <a:avLst/>
+          </a:prstGeom>
+        </p:spPr>
+        <p:txBody>
+          <a:bodyPr spcFirstLastPara="1" wrap="square" lIns="91425" tIns="91425" rIns="91425" bIns="91425" anchor="ctr" anchorCtr="0">
+            <a:noAutofit/>
+          </a:bodyPr>
+          <a:lstStyle/>
+          <a:p>
+            <a:pPr marL="0" lvl="0" indent="0" algn="r" rtl="0">
+              <a:spcBef>
+                <a:spcPts val="0"/>
+              </a:spcBef>
+              <a:spcAft>
+                <a:spcPts val="0"/>
+              </a:spcAft>
+              <a:buNone/>
+            </a:pPr>
+            <a:r>
+              <a:rPr lang="en" dirty="0">
+                <a:latin typeface="Tahoma" panose="020B0604030504040204" pitchFamily="34" charset="0"/>
+                <a:ea typeface="Tahoma" panose="020B0604030504040204" pitchFamily="34" charset="0"/>
+                <a:cs typeface="Tahoma" panose="020B0604030504040204" pitchFamily="34" charset="0"/>
+              </a:rPr>
+              <a:t>01</a:t>
+            </a:r>
+            <a:endParaRPr dirty="0">
+              <a:latin typeface="Tahoma" panose="020B0604030504040204" pitchFamily="34" charset="0"/>
+              <a:ea typeface="Tahoma" panose="020B0604030504040204" pitchFamily="34" charset="0"/>
+              <a:cs typeface="Tahoma" panose="020B0604030504040204" pitchFamily="34" charset="0"/>
+            </a:endParaRPr>
+          </a:p>
+        </p:txBody>
+      </p:sp>
+      <p:sp>
+        <p:nvSpPr>
+          <p:cNvPr id="157" name="Google Shape;157;p30"/>
+          <p:cNvSpPr txBox="1">
+            <a:spLocks noGrp="1"/>
+          </p:cNvSpPr>
+          <p:nvPr>
+            <p:ph type="title" idx="4"/>
+          </p:nvPr>
+        </p:nvSpPr>
+        <p:spPr>
+          <a:xfrm>
+            <a:off x="3654745" y="1335341"/>
+            <a:ext cx="1107600" cy="577800"/>
+          </a:xfrm>
+          <a:prstGeom prst="rect">
+            <a:avLst/>
+          </a:prstGeom>
+        </p:spPr>
+        <p:txBody>
+          <a:bodyPr spcFirstLastPara="1" wrap="square" lIns="91425" tIns="91425" rIns="91425" bIns="91425" anchor="ctr" anchorCtr="0">
+            <a:noAutofit/>
+          </a:bodyPr>
+          <a:lstStyle/>
+          <a:p>
+            <a:pPr marL="0" lvl="0" indent="0" algn="r" rtl="0">
+              <a:spcBef>
+                <a:spcPts val="0"/>
+              </a:spcBef>
+              <a:spcAft>
+                <a:spcPts val="0"/>
+              </a:spcAft>
+              <a:buNone/>
+            </a:pPr>
+            <a:r>
+              <a:rPr lang="en" dirty="0">
+                <a:latin typeface="Tahoma" panose="020B0604030504040204" pitchFamily="34" charset="0"/>
+                <a:ea typeface="Tahoma" panose="020B0604030504040204" pitchFamily="34" charset="0"/>
+                <a:cs typeface="Tahoma" panose="020B0604030504040204" pitchFamily="34" charset="0"/>
+              </a:rPr>
+              <a:t>02</a:t>
+            </a:r>
+            <a:endParaRPr dirty="0">
+              <a:latin typeface="Tahoma" panose="020B0604030504040204" pitchFamily="34" charset="0"/>
+              <a:ea typeface="Tahoma" panose="020B0604030504040204" pitchFamily="34" charset="0"/>
+              <a:cs typeface="Tahoma" panose="020B0604030504040204" pitchFamily="34" charset="0"/>
+            </a:endParaRPr>
+          </a:p>
+        </p:txBody>
+      </p:sp>
+      <p:sp>
+        <p:nvSpPr>
+          <p:cNvPr id="156" name="Google Shape;156;p30"/>
+          <p:cNvSpPr txBox="1">
+            <a:spLocks noGrp="1"/>
+          </p:cNvSpPr>
+          <p:nvPr>
+            <p:ph type="title" idx="5"/>
+          </p:nvPr>
+        </p:nvSpPr>
+        <p:spPr>
+          <a:xfrm>
+            <a:off x="3666357" y="2215602"/>
+            <a:ext cx="1107600" cy="577800"/>
+          </a:xfrm>
+          <a:prstGeom prst="rect">
+            <a:avLst/>
+          </a:prstGeom>
+        </p:spPr>
+        <p:txBody>
+          <a:bodyPr spcFirstLastPara="1" wrap="square" lIns="91425" tIns="91425" rIns="91425" bIns="91425" anchor="ctr" anchorCtr="0">
+            <a:noAutofit/>
+          </a:bodyPr>
+          <a:lstStyle/>
+          <a:p>
+            <a:pPr marL="0" lvl="0" indent="0" algn="r" rtl="0">
+              <a:spcBef>
+                <a:spcPts val="0"/>
+              </a:spcBef>
+              <a:spcAft>
+                <a:spcPts val="0"/>
+              </a:spcAft>
+              <a:buNone/>
+            </a:pPr>
+            <a:r>
+              <a:rPr lang="en" dirty="0">
+                <a:latin typeface="Tahoma" panose="020B0604030504040204" pitchFamily="34" charset="0"/>
+                <a:ea typeface="Tahoma" panose="020B0604030504040204" pitchFamily="34" charset="0"/>
+                <a:cs typeface="Tahoma" panose="020B0604030504040204" pitchFamily="34" charset="0"/>
+              </a:rPr>
+              <a:t>03</a:t>
+            </a:r>
+            <a:endParaRPr dirty="0">
+              <a:latin typeface="Tahoma" panose="020B0604030504040204" pitchFamily="34" charset="0"/>
+              <a:ea typeface="Tahoma" panose="020B0604030504040204" pitchFamily="34" charset="0"/>
+              <a:cs typeface="Tahoma" panose="020B0604030504040204" pitchFamily="34" charset="0"/>
+            </a:endParaRPr>
+          </a:p>
+        </p:txBody>
+      </p:sp>
+      <p:sp>
+        <p:nvSpPr>
+          <p:cNvPr id="160" name="Google Shape;160;p30"/>
+          <p:cNvSpPr txBox="1">
+            <a:spLocks noGrp="1"/>
+          </p:cNvSpPr>
+          <p:nvPr>
+            <p:ph type="title" idx="6"/>
+          </p:nvPr>
+        </p:nvSpPr>
+        <p:spPr>
+          <a:xfrm>
+            <a:off x="4108235" y="3150551"/>
+            <a:ext cx="1072200" cy="577800"/>
+          </a:xfrm>
+          <a:prstGeom prst="rect">
+            <a:avLst/>
+          </a:prstGeom>
+        </p:spPr>
+        <p:txBody>
+          <a:bodyPr spcFirstLastPara="1" wrap="square" lIns="91425" tIns="91425" rIns="91425" bIns="91425" anchor="ctr" anchorCtr="0">
+            <a:noAutofit/>
+          </a:bodyPr>
+          <a:lstStyle/>
+          <a:p>
+            <a:pPr marL="0" lvl="0" indent="0" algn="l" rtl="0">
+              <a:spcBef>
+                <a:spcPts val="0"/>
+              </a:spcBef>
+              <a:spcAft>
+                <a:spcPts val="0"/>
+              </a:spcAft>
+              <a:buNone/>
+            </a:pPr>
+            <a:r>
+              <a:rPr lang="en" dirty="0">
+                <a:latin typeface="Tahoma" panose="020B0604030504040204" pitchFamily="34" charset="0"/>
+                <a:ea typeface="Tahoma" panose="020B0604030504040204" pitchFamily="34" charset="0"/>
+                <a:cs typeface="Tahoma" panose="020B0604030504040204" pitchFamily="34" charset="0"/>
+              </a:rPr>
+              <a:t>04</a:t>
+            </a:r>
+            <a:endParaRPr dirty="0">
+              <a:latin typeface="Tahoma" panose="020B0604030504040204" pitchFamily="34" charset="0"/>
+              <a:ea typeface="Tahoma" panose="020B0604030504040204" pitchFamily="34" charset="0"/>
+              <a:cs typeface="Tahoma" panose="020B0604030504040204" pitchFamily="34" charset="0"/>
+            </a:endParaRPr>
+          </a:p>
+        </p:txBody>
+      </p:sp>
+      <p:sp>
+        <p:nvSpPr>
+          <p:cNvPr id="153" name="Google Shape;153;p30"/>
+          <p:cNvSpPr txBox="1">
+            <a:spLocks noGrp="1"/>
+          </p:cNvSpPr>
+          <p:nvPr>
+            <p:ph type="ctrTitle" idx="9"/>
+          </p:nvPr>
+        </p:nvSpPr>
+        <p:spPr>
+          <a:xfrm>
+            <a:off x="4803693" y="1316133"/>
+            <a:ext cx="3129042" cy="577800"/>
+          </a:xfrm>
+          <a:prstGeom prst="rect">
+            <a:avLst/>
+          </a:prstGeom>
+        </p:spPr>
+        <p:txBody>
+          <a:bodyPr spcFirstLastPara="1" wrap="square" lIns="91425" tIns="91425" rIns="91425" bIns="91425" anchor="b" anchorCtr="0">
+            <a:noAutofit/>
+          </a:bodyPr>
+          <a:lstStyle/>
+          <a:p>
+            <a:pPr marL="0" lvl="0" indent="0" algn="l" rtl="0">
+              <a:spcBef>
+                <a:spcPts val="0"/>
+              </a:spcBef>
+              <a:spcAft>
+                <a:spcPts val="0"/>
+              </a:spcAft>
+              <a:buNone/>
+            </a:pPr>
+            <a:r>
+              <a:rPr lang="en-US" sz="2300" dirty="0">
+                <a:latin typeface="Tahoma" panose="020B0604030504040204" pitchFamily="34" charset="0"/>
+                <a:ea typeface="Tahoma" panose="020B0604030504040204" pitchFamily="34" charset="0"/>
+                <a:cs typeface="Tahoma" panose="020B0604030504040204" pitchFamily="34" charset="0"/>
+              </a:rPr>
+              <a:t>TECHNOLOGY</a:t>
+            </a:r>
+            <a:endParaRPr sz="2300" dirty="0">
+              <a:latin typeface="Tahoma" panose="020B0604030504040204" pitchFamily="34" charset="0"/>
+              <a:ea typeface="Tahoma" panose="020B0604030504040204" pitchFamily="34" charset="0"/>
+              <a:cs typeface="Tahoma" panose="020B0604030504040204" pitchFamily="34" charset="0"/>
+            </a:endParaRPr>
+          </a:p>
+        </p:txBody>
+      </p:sp>
+      <p:sp>
+        <p:nvSpPr>
+          <p:cNvPr id="163" name="Google Shape;163;p30"/>
+          <p:cNvSpPr txBox="1">
+            <a:spLocks noGrp="1"/>
+          </p:cNvSpPr>
+          <p:nvPr>
+            <p:ph type="ctrTitle" idx="14"/>
+          </p:nvPr>
+        </p:nvSpPr>
+        <p:spPr>
+          <a:xfrm>
+            <a:off x="4829318" y="2199155"/>
+            <a:ext cx="3973833" cy="577800"/>
+          </a:xfrm>
+          <a:prstGeom prst="rect">
+            <a:avLst/>
+          </a:prstGeom>
+        </p:spPr>
+        <p:txBody>
+          <a:bodyPr spcFirstLastPara="1" wrap="square" lIns="91425" tIns="91425" rIns="91425" bIns="91425" anchor="b" anchorCtr="0">
+            <a:noAutofit/>
+          </a:bodyPr>
+          <a:lstStyle/>
+          <a:p>
+            <a:pPr marL="0" lvl="0" indent="0" algn="l" rtl="0">
+              <a:spcBef>
+                <a:spcPts val="0"/>
+              </a:spcBef>
+              <a:spcAft>
+                <a:spcPts val="0"/>
+              </a:spcAft>
+              <a:buNone/>
+            </a:pPr>
+            <a:r>
+              <a:rPr lang="en-US" sz="2300" dirty="0">
+                <a:latin typeface="Tahoma" panose="020B0604030504040204" pitchFamily="34" charset="0"/>
+                <a:ea typeface="Tahoma" panose="020B0604030504040204" pitchFamily="34" charset="0"/>
+                <a:cs typeface="Tahoma" panose="020B0604030504040204" pitchFamily="34" charset="0"/>
+              </a:rPr>
+              <a:t>ANALYSIS AND DESIGN</a:t>
+            </a:r>
+            <a:endParaRPr sz="2300" dirty="0">
+              <a:latin typeface="Tahoma" panose="020B0604030504040204" pitchFamily="34" charset="0"/>
+              <a:ea typeface="Tahoma" panose="020B0604030504040204" pitchFamily="34" charset="0"/>
+              <a:cs typeface="Tahoma" panose="020B0604030504040204" pitchFamily="34" charset="0"/>
+            </a:endParaRPr>
+          </a:p>
+        </p:txBody>
+      </p:sp>
+      <p:sp>
+        <p:nvSpPr>
+          <p:cNvPr id="15" name="TextBox 14">
+            <a:extLst>
+              <a:ext uri="{FF2B5EF4-FFF2-40B4-BE49-F238E27FC236}">
+                <a16:creationId xmlns:a16="http://schemas.microsoft.com/office/drawing/2014/main" id="{D19E64E9-48AF-49C8-97F2-59F9D0628336}"/>
+              </a:ext>
+            </a:extLst>
+          </p:cNvPr>
+          <p:cNvSpPr txBox="1"/>
+          <p:nvPr/>
+        </p:nvSpPr>
+        <p:spPr>
+          <a:xfrm>
+            <a:off x="8489184" y="4563551"/>
+            <a:ext cx="431180" cy="338554"/>
+          </a:xfrm>
+          <a:prstGeom prst="rect">
+            <a:avLst/>
+          </a:prstGeom>
+          <a:noFill/>
+        </p:spPr>
+        <p:txBody>
+          <a:bodyPr wrap="square" rtlCol="0">
+            <a:spAutoFit/>
+          </a:bodyPr>
+          <a:lstStyle/>
+          <a:p>
+            <a:pPr algn="ctr"/>
+            <a:r>
+              <a:rPr lang="en-US" sz="1600" dirty="0"/>
+              <a:t>1</a:t>
+            </a:r>
+          </a:p>
+        </p:txBody>
+      </p:sp>
+      <p:cxnSp>
+        <p:nvCxnSpPr>
+          <p:cNvPr id="6" name="Straight Connector 5"/>
+          <p:cNvCxnSpPr/>
+          <p:nvPr/>
+        </p:nvCxnSpPr>
+        <p:spPr>
+          <a:xfrm>
+            <a:off x="4769265" y="551479"/>
+            <a:ext cx="0" cy="365760"/>
+          </a:xfrm>
+          <a:prstGeom prst="line">
+            <a:avLst/>
+          </a:prstGeom>
+        </p:spPr>
+        <p:style>
+          <a:lnRef idx="1">
+            <a:schemeClr val="accent1"/>
+          </a:lnRef>
+          <a:fillRef idx="0">
+            <a:schemeClr val="accent1"/>
+          </a:fillRef>
+          <a:effectRef idx="0">
+            <a:schemeClr val="accent1"/>
+          </a:effectRef>
+          <a:fontRef idx="minor">
+            <a:schemeClr val="tx1"/>
+          </a:fontRef>
+        </p:style>
+      </p:cxnSp>
+      <p:cxnSp>
+        <p:nvCxnSpPr>
+          <p:cNvPr id="23" name="Straight Connector 22"/>
+          <p:cNvCxnSpPr/>
+          <p:nvPr/>
+        </p:nvCxnSpPr>
+        <p:spPr>
+          <a:xfrm>
+            <a:off x="4793604" y="1432234"/>
+            <a:ext cx="0" cy="365760"/>
+          </a:xfrm>
+          <a:prstGeom prst="line">
+            <a:avLst/>
+          </a:prstGeom>
+        </p:spPr>
+        <p:style>
+          <a:lnRef idx="1">
+            <a:schemeClr val="accent1"/>
+          </a:lnRef>
+          <a:fillRef idx="0">
+            <a:schemeClr val="accent1"/>
+          </a:fillRef>
+          <a:effectRef idx="0">
+            <a:schemeClr val="accent1"/>
+          </a:effectRef>
+          <a:fontRef idx="minor">
+            <a:schemeClr val="tx1"/>
+          </a:fontRef>
+        </p:style>
+      </p:cxnSp>
+      <p:cxnSp>
+        <p:nvCxnSpPr>
+          <p:cNvPr id="26" name="Straight Connector 25"/>
+          <p:cNvCxnSpPr/>
+          <p:nvPr/>
+        </p:nvCxnSpPr>
+        <p:spPr>
+          <a:xfrm>
+            <a:off x="4829318" y="2300937"/>
+            <a:ext cx="0" cy="365760"/>
+          </a:xfrm>
+          <a:prstGeom prst="line">
+            <a:avLst/>
+          </a:prstGeom>
+        </p:spPr>
+        <p:style>
+          <a:lnRef idx="1">
+            <a:schemeClr val="accent1"/>
+          </a:lnRef>
+          <a:fillRef idx="0">
+            <a:schemeClr val="accent1"/>
+          </a:fillRef>
+          <a:effectRef idx="0">
+            <a:schemeClr val="accent1"/>
+          </a:effectRef>
+          <a:fontRef idx="minor">
+            <a:schemeClr val="tx1"/>
+          </a:fontRef>
+        </p:style>
+      </p:cxnSp>
+      <p:cxnSp>
+        <p:nvCxnSpPr>
+          <p:cNvPr id="29" name="Straight Connector 28"/>
+          <p:cNvCxnSpPr/>
+          <p:nvPr/>
+        </p:nvCxnSpPr>
+        <p:spPr>
+          <a:xfrm>
+            <a:off x="4856851" y="3228019"/>
+            <a:ext cx="0" cy="365760"/>
+          </a:xfrm>
+          <a:prstGeom prst="line">
+            <a:avLst/>
+          </a:prstGeom>
+        </p:spPr>
+        <p:style>
+          <a:lnRef idx="1">
+            <a:schemeClr val="accent1"/>
+          </a:lnRef>
+          <a:fillRef idx="0">
+            <a:schemeClr val="accent1"/>
+          </a:fillRef>
+          <a:effectRef idx="0">
+            <a:schemeClr val="accent1"/>
+          </a:effectRef>
+          <a:fontRef idx="minor">
+            <a:schemeClr val="tx1"/>
+          </a:fontRef>
+        </p:style>
+      </p:cxnSp>
+      <p:sp>
+        <p:nvSpPr>
+          <p:cNvPr id="30" name="Google Shape;167;p30"/>
+          <p:cNvSpPr txBox="1">
+            <a:spLocks noGrp="1"/>
+          </p:cNvSpPr>
+          <p:nvPr>
+            <p:ph type="ctrTitle" idx="18"/>
+          </p:nvPr>
+        </p:nvSpPr>
+        <p:spPr>
+          <a:xfrm>
+            <a:off x="4856850" y="3091674"/>
+            <a:ext cx="3601073" cy="577800"/>
+          </a:xfrm>
+          <a:prstGeom prst="rect">
+            <a:avLst/>
+          </a:prstGeom>
+        </p:spPr>
+        <p:txBody>
+          <a:bodyPr spcFirstLastPara="1" wrap="square" lIns="91425" tIns="91425" rIns="91425" bIns="91425" anchor="b" anchorCtr="0">
+            <a:noAutofit/>
+          </a:bodyPr>
+          <a:lstStyle/>
+          <a:p>
+            <a:pPr marL="0" lvl="0" indent="0" algn="l" rtl="0">
+              <a:spcBef>
+                <a:spcPts val="0"/>
+              </a:spcBef>
+              <a:spcAft>
+                <a:spcPts val="0"/>
+              </a:spcAft>
+              <a:buNone/>
+            </a:pPr>
+            <a:r>
+              <a:rPr lang="en-US" sz="2300" dirty="0">
+                <a:latin typeface="Tahoma" panose="020B0604030504040204" pitchFamily="34" charset="0"/>
+                <a:ea typeface="Tahoma" panose="020B0604030504040204" pitchFamily="34" charset="0"/>
+                <a:cs typeface="Tahoma" panose="020B0604030504040204" pitchFamily="34" charset="0"/>
+              </a:rPr>
+              <a:t>DEMO</a:t>
+            </a:r>
+            <a:endParaRPr sz="2300" dirty="0">
+              <a:latin typeface="Tahoma" panose="020B0604030504040204" pitchFamily="34" charset="0"/>
+              <a:ea typeface="Tahoma" panose="020B0604030504040204" pitchFamily="34" charset="0"/>
+              <a:cs typeface="Tahoma" panose="020B0604030504040204" pitchFamily="34" charset="0"/>
+            </a:endParaRPr>
+          </a:p>
+        </p:txBody>
+      </p:sp>
+      <p:sp>
+        <p:nvSpPr>
+          <p:cNvPr id="21" name="Rectangle 20">
+            <a:extLst>
+              <a:ext uri="{FF2B5EF4-FFF2-40B4-BE49-F238E27FC236}">
+                <a16:creationId xmlns:a16="http://schemas.microsoft.com/office/drawing/2014/main" id="{76E1FF8F-6380-4D6C-BE66-2F5179D9321C}"/>
+              </a:ext>
+            </a:extLst>
+          </p:cNvPr>
+          <p:cNvSpPr/>
+          <p:nvPr/>
+        </p:nvSpPr>
+        <p:spPr>
+          <a:xfrm>
+            <a:off x="3989523" y="3954499"/>
+            <a:ext cx="4349690" cy="709644"/>
+          </a:xfrm>
+          <a:prstGeom prst="rect">
+            <a:avLst/>
+          </a:prstGeom>
+          <a:solidFill>
+            <a:schemeClr val="bg1"/>
+          </a:solidFill>
+        </p:spPr>
+        <p:style>
+          <a:lnRef idx="2">
+            <a:schemeClr val="accent1">
+              <a:shade val="50000"/>
+            </a:schemeClr>
+          </a:lnRef>
+          <a:fillRef idx="1">
+            <a:schemeClr val="accent1"/>
+          </a:fillRef>
+          <a:effectRef idx="0">
+            <a:schemeClr val="accent1"/>
+          </a:effectRef>
+          <a:fontRef idx="minor">
+            <a:schemeClr val="lt1"/>
+          </a:fontRef>
+        </p:style>
+        <p:txBody>
+          <a:bodyPr rtlCol="0" anchor="ctr"/>
+          <a:lstStyle/>
+          <a:p>
+            <a:pPr algn="ctr"/>
+            <a:endParaRPr lang="en-US" dirty="0"/>
+          </a:p>
+        </p:txBody>
+      </p:sp>
+      <p:sp>
+        <p:nvSpPr>
+          <p:cNvPr id="22" name="Google Shape;160;p30">
+            <a:extLst>
+              <a:ext uri="{FF2B5EF4-FFF2-40B4-BE49-F238E27FC236}">
+                <a16:creationId xmlns:a16="http://schemas.microsoft.com/office/drawing/2014/main" id="{963D1325-0BED-4A23-B999-3D38265ED237}"/>
+              </a:ext>
+            </a:extLst>
+          </p:cNvPr>
+          <p:cNvSpPr txBox="1">
+            <a:spLocks/>
+          </p:cNvSpPr>
+          <p:nvPr/>
+        </p:nvSpPr>
+        <p:spPr>
+          <a:xfrm>
+            <a:off x="4115669" y="4050338"/>
+            <a:ext cx="1072200" cy="577800"/>
+          </a:xfrm>
+          <a:prstGeom prst="rect">
+            <a:avLst/>
+          </a:prstGeom>
+        </p:spPr>
+        <p:txBody>
+          <a:bodyPr spcFirstLastPara="1" vert="horz" wrap="square" lIns="91425" tIns="91425" rIns="91425" bIns="91425" rtlCol="0" anchor="ctr" anchorCtr="0">
+            <a:noAutofit/>
+          </a:bodyPr>
+          <a:lstStyle>
+            <a:lvl1pPr lvl="0" algn="l" defTabSz="685800" rtl="0" eaLnBrk="1" latinLnBrk="0" hangingPunct="1">
+              <a:lnSpc>
+                <a:spcPct val="90000"/>
+              </a:lnSpc>
+              <a:spcBef>
+                <a:spcPts val="0"/>
+              </a:spcBef>
+              <a:spcAft>
+                <a:spcPts val="0"/>
+              </a:spcAft>
+              <a:buSzPts val="4800"/>
+              <a:buNone/>
+              <a:defRPr sz="3600" kern="1200">
+                <a:solidFill>
+                  <a:schemeClr val="tx1"/>
+                </a:solidFill>
+                <a:latin typeface="+mj-lt"/>
+                <a:ea typeface="+mj-ea"/>
+                <a:cs typeface="+mj-cs"/>
+              </a:defRPr>
+            </a:lvl1pPr>
+            <a:lvl2pPr lvl="1" algn="r" rtl="0">
+              <a:spcBef>
+                <a:spcPts val="0"/>
+              </a:spcBef>
+              <a:spcAft>
+                <a:spcPts val="0"/>
+              </a:spcAft>
+              <a:buSzPts val="4800"/>
+              <a:buFont typeface="Fira Sans Extra Condensed Medium"/>
+              <a:buNone/>
+              <a:defRPr sz="4800">
+                <a:latin typeface="Fira Sans Extra Condensed Medium"/>
+                <a:ea typeface="Fira Sans Extra Condensed Medium"/>
+                <a:cs typeface="Fira Sans Extra Condensed Medium"/>
+                <a:sym typeface="Fira Sans Extra Condensed Medium"/>
+              </a:defRPr>
+            </a:lvl2pPr>
+            <a:lvl3pPr lvl="2" algn="r" rtl="0">
+              <a:spcBef>
+                <a:spcPts val="0"/>
+              </a:spcBef>
+              <a:spcAft>
+                <a:spcPts val="0"/>
+              </a:spcAft>
+              <a:buSzPts val="4800"/>
+              <a:buFont typeface="Fira Sans Extra Condensed Medium"/>
+              <a:buNone/>
+              <a:defRPr sz="4800">
+                <a:latin typeface="Fira Sans Extra Condensed Medium"/>
+                <a:ea typeface="Fira Sans Extra Condensed Medium"/>
+                <a:cs typeface="Fira Sans Extra Condensed Medium"/>
+                <a:sym typeface="Fira Sans Extra Condensed Medium"/>
+              </a:defRPr>
+            </a:lvl3pPr>
+            <a:lvl4pPr lvl="3" algn="r" rtl="0">
+              <a:spcBef>
+                <a:spcPts val="0"/>
+              </a:spcBef>
+              <a:spcAft>
+                <a:spcPts val="0"/>
+              </a:spcAft>
+              <a:buSzPts val="4800"/>
+              <a:buFont typeface="Fira Sans Extra Condensed Medium"/>
+              <a:buNone/>
+              <a:defRPr sz="4800">
+                <a:latin typeface="Fira Sans Extra Condensed Medium"/>
+                <a:ea typeface="Fira Sans Extra Condensed Medium"/>
+                <a:cs typeface="Fira Sans Extra Condensed Medium"/>
+                <a:sym typeface="Fira Sans Extra Condensed Medium"/>
+              </a:defRPr>
+            </a:lvl4pPr>
+            <a:lvl5pPr lvl="4" algn="r" rtl="0">
+              <a:spcBef>
+                <a:spcPts val="0"/>
+              </a:spcBef>
+              <a:spcAft>
+                <a:spcPts val="0"/>
+              </a:spcAft>
+              <a:buSzPts val="4800"/>
+              <a:buFont typeface="Fira Sans Extra Condensed Medium"/>
+              <a:buNone/>
+              <a:defRPr sz="4800">
+                <a:latin typeface="Fira Sans Extra Condensed Medium"/>
+                <a:ea typeface="Fira Sans Extra Condensed Medium"/>
+                <a:cs typeface="Fira Sans Extra Condensed Medium"/>
+                <a:sym typeface="Fira Sans Extra Condensed Medium"/>
+              </a:defRPr>
+            </a:lvl5pPr>
+            <a:lvl6pPr lvl="5" algn="r" rtl="0">
+              <a:spcBef>
+                <a:spcPts val="0"/>
+              </a:spcBef>
+              <a:spcAft>
+                <a:spcPts val="0"/>
+              </a:spcAft>
+              <a:buSzPts val="4800"/>
+              <a:buFont typeface="Fira Sans Extra Condensed Medium"/>
+              <a:buNone/>
+              <a:defRPr sz="4800">
+                <a:latin typeface="Fira Sans Extra Condensed Medium"/>
+                <a:ea typeface="Fira Sans Extra Condensed Medium"/>
+                <a:cs typeface="Fira Sans Extra Condensed Medium"/>
+                <a:sym typeface="Fira Sans Extra Condensed Medium"/>
+              </a:defRPr>
+            </a:lvl6pPr>
+            <a:lvl7pPr lvl="6" algn="r" rtl="0">
+              <a:spcBef>
+                <a:spcPts val="0"/>
+              </a:spcBef>
+              <a:spcAft>
+                <a:spcPts val="0"/>
+              </a:spcAft>
+              <a:buSzPts val="4800"/>
+              <a:buFont typeface="Fira Sans Extra Condensed Medium"/>
+              <a:buNone/>
+              <a:defRPr sz="4800">
+                <a:latin typeface="Fira Sans Extra Condensed Medium"/>
+                <a:ea typeface="Fira Sans Extra Condensed Medium"/>
+                <a:cs typeface="Fira Sans Extra Condensed Medium"/>
+                <a:sym typeface="Fira Sans Extra Condensed Medium"/>
+              </a:defRPr>
+            </a:lvl7pPr>
+            <a:lvl8pPr lvl="7" algn="r" rtl="0">
+              <a:spcBef>
+                <a:spcPts val="0"/>
+              </a:spcBef>
+              <a:spcAft>
+                <a:spcPts val="0"/>
+              </a:spcAft>
+              <a:buSzPts val="4800"/>
+              <a:buFont typeface="Fira Sans Extra Condensed Medium"/>
+              <a:buNone/>
+              <a:defRPr sz="4800">
+                <a:latin typeface="Fira Sans Extra Condensed Medium"/>
+                <a:ea typeface="Fira Sans Extra Condensed Medium"/>
+                <a:cs typeface="Fira Sans Extra Condensed Medium"/>
+                <a:sym typeface="Fira Sans Extra Condensed Medium"/>
+              </a:defRPr>
+            </a:lvl8pPr>
+            <a:lvl9pPr lvl="8" algn="r" rtl="0">
+              <a:spcBef>
+                <a:spcPts val="0"/>
+              </a:spcBef>
+              <a:spcAft>
+                <a:spcPts val="0"/>
+              </a:spcAft>
+              <a:buSzPts val="4800"/>
+              <a:buFont typeface="Fira Sans Extra Condensed Medium"/>
+              <a:buNone/>
+              <a:defRPr sz="4800">
+                <a:latin typeface="Fira Sans Extra Condensed Medium"/>
+                <a:ea typeface="Fira Sans Extra Condensed Medium"/>
+                <a:cs typeface="Fira Sans Extra Condensed Medium"/>
+                <a:sym typeface="Fira Sans Extra Condensed Medium"/>
+              </a:defRPr>
+            </a:lvl9pPr>
+          </a:lstStyle>
+          <a:p>
+            <a:r>
+              <a:rPr lang="en" dirty="0">
+                <a:latin typeface="Tahoma" panose="020B0604030504040204" pitchFamily="34" charset="0"/>
+                <a:ea typeface="Tahoma" panose="020B0604030504040204" pitchFamily="34" charset="0"/>
+                <a:cs typeface="Tahoma" panose="020B0604030504040204" pitchFamily="34" charset="0"/>
+              </a:rPr>
+              <a:t>05</a:t>
+            </a:r>
+          </a:p>
+        </p:txBody>
+      </p:sp>
+      <p:cxnSp>
+        <p:nvCxnSpPr>
+          <p:cNvPr id="25" name="Straight Connector 24">
+            <a:extLst>
+              <a:ext uri="{FF2B5EF4-FFF2-40B4-BE49-F238E27FC236}">
+                <a16:creationId xmlns:a16="http://schemas.microsoft.com/office/drawing/2014/main" id="{7E2AEBAF-76D7-4336-A23B-6DF9532A7BB1}"/>
+              </a:ext>
+            </a:extLst>
+          </p:cNvPr>
+          <p:cNvCxnSpPr/>
+          <p:nvPr/>
+        </p:nvCxnSpPr>
+        <p:spPr>
+          <a:xfrm>
+            <a:off x="4856851" y="4127806"/>
+            <a:ext cx="0" cy="365760"/>
+          </a:xfrm>
+          <a:prstGeom prst="line">
+            <a:avLst/>
+          </a:prstGeom>
+        </p:spPr>
+        <p:style>
+          <a:lnRef idx="1">
+            <a:schemeClr val="accent1"/>
+          </a:lnRef>
+          <a:fillRef idx="0">
+            <a:schemeClr val="accent1"/>
+          </a:fillRef>
+          <a:effectRef idx="0">
+            <a:schemeClr val="accent1"/>
+          </a:effectRef>
+          <a:fontRef idx="minor">
+            <a:schemeClr val="tx1"/>
+          </a:fontRef>
+        </p:style>
+      </p:cxnSp>
+      <p:sp>
+        <p:nvSpPr>
+          <p:cNvPr id="27" name="Google Shape;167;p30">
+            <a:extLst>
+              <a:ext uri="{FF2B5EF4-FFF2-40B4-BE49-F238E27FC236}">
+                <a16:creationId xmlns:a16="http://schemas.microsoft.com/office/drawing/2014/main" id="{8C959B24-D366-4DA6-83F5-0D102F63A363}"/>
+              </a:ext>
+            </a:extLst>
+          </p:cNvPr>
+          <p:cNvSpPr txBox="1">
+            <a:spLocks/>
+          </p:cNvSpPr>
+          <p:nvPr/>
+        </p:nvSpPr>
+        <p:spPr>
+          <a:xfrm>
+            <a:off x="4856851" y="3991461"/>
+            <a:ext cx="3129042" cy="577800"/>
+          </a:xfrm>
+          <a:prstGeom prst="rect">
+            <a:avLst/>
+          </a:prstGeom>
+        </p:spPr>
+        <p:txBody>
+          <a:bodyPr spcFirstLastPara="1" vert="horz" wrap="square" lIns="91425" tIns="91425" rIns="91425" bIns="91425" rtlCol="0" anchor="b" anchorCtr="0">
+            <a:noAutofit/>
+          </a:bodyPr>
+          <a:lstStyle>
+            <a:lvl1pPr lvl="0" algn="l" defTabSz="685800" rtl="0" eaLnBrk="1" latinLnBrk="0" hangingPunct="1">
+              <a:lnSpc>
+                <a:spcPct val="90000"/>
+              </a:lnSpc>
+              <a:spcBef>
+                <a:spcPts val="0"/>
+              </a:spcBef>
+              <a:spcAft>
+                <a:spcPts val="0"/>
+              </a:spcAft>
+              <a:buSzPts val="1400"/>
+              <a:buNone/>
+              <a:defRPr sz="1400" kern="1200">
+                <a:solidFill>
+                  <a:schemeClr val="tx1"/>
+                </a:solidFill>
+                <a:latin typeface="+mj-lt"/>
+                <a:ea typeface="+mj-ea"/>
+                <a:cs typeface="+mj-cs"/>
+              </a:defRPr>
+            </a:lvl1pPr>
+            <a:lvl2pPr lvl="1" rtl="0">
+              <a:spcBef>
+                <a:spcPts val="0"/>
+              </a:spcBef>
+              <a:spcAft>
+                <a:spcPts val="0"/>
+              </a:spcAft>
+              <a:buSzPts val="1400"/>
+              <a:buNone/>
+              <a:defRPr sz="1400"/>
+            </a:lvl2pPr>
+            <a:lvl3pPr lvl="2" rtl="0">
+              <a:spcBef>
+                <a:spcPts val="0"/>
+              </a:spcBef>
+              <a:spcAft>
+                <a:spcPts val="0"/>
+              </a:spcAft>
+              <a:buSzPts val="1400"/>
+              <a:buNone/>
+              <a:defRPr sz="1400"/>
+            </a:lvl3pPr>
+            <a:lvl4pPr lvl="3" rtl="0">
+              <a:spcBef>
+                <a:spcPts val="0"/>
+              </a:spcBef>
+              <a:spcAft>
+                <a:spcPts val="0"/>
+              </a:spcAft>
+              <a:buSzPts val="1400"/>
+              <a:buNone/>
+              <a:defRPr sz="1400"/>
+            </a:lvl4pPr>
+            <a:lvl5pPr lvl="4" rtl="0">
+              <a:spcBef>
+                <a:spcPts val="0"/>
+              </a:spcBef>
+              <a:spcAft>
+                <a:spcPts val="0"/>
+              </a:spcAft>
+              <a:buSzPts val="1400"/>
+              <a:buNone/>
+              <a:defRPr sz="1400"/>
+            </a:lvl5pPr>
+            <a:lvl6pPr lvl="5" rtl="0">
+              <a:spcBef>
+                <a:spcPts val="0"/>
+              </a:spcBef>
+              <a:spcAft>
+                <a:spcPts val="0"/>
+              </a:spcAft>
+              <a:buSzPts val="1400"/>
+              <a:buNone/>
+              <a:defRPr sz="1400"/>
+            </a:lvl6pPr>
+            <a:lvl7pPr lvl="6" rtl="0">
+              <a:spcBef>
+                <a:spcPts val="0"/>
+              </a:spcBef>
+              <a:spcAft>
+                <a:spcPts val="0"/>
+              </a:spcAft>
+              <a:buSzPts val="1400"/>
+              <a:buNone/>
+              <a:defRPr sz="1400"/>
+            </a:lvl7pPr>
+            <a:lvl8pPr lvl="7" rtl="0">
+              <a:spcBef>
+                <a:spcPts val="0"/>
+              </a:spcBef>
+              <a:spcAft>
+                <a:spcPts val="0"/>
+              </a:spcAft>
+              <a:buSzPts val="1400"/>
+              <a:buNone/>
+              <a:defRPr sz="1400"/>
+            </a:lvl8pPr>
+            <a:lvl9pPr lvl="8" rtl="0">
+              <a:spcBef>
+                <a:spcPts val="0"/>
+              </a:spcBef>
+              <a:spcAft>
+                <a:spcPts val="0"/>
+              </a:spcAft>
+              <a:buSzPts val="1400"/>
+              <a:buNone/>
+              <a:defRPr sz="1400"/>
+            </a:lvl9pPr>
+          </a:lstStyle>
+          <a:p>
+            <a:r>
+              <a:rPr lang="en-US" sz="2300" dirty="0">
+                <a:latin typeface="Tahoma" panose="020B0604030504040204" pitchFamily="34" charset="0"/>
+                <a:ea typeface="Tahoma" panose="020B0604030504040204" pitchFamily="34" charset="0"/>
+                <a:cs typeface="Tahoma" panose="020B0604030504040204" pitchFamily="34" charset="0"/>
+              </a:rPr>
+              <a:t>CONCLUSION</a:t>
+            </a:r>
+          </a:p>
+        </p:txBody>
+      </p:sp>
+    </p:spTree>
+  </p:cSld>
+  <p:clrMapOvr>
+    <a:masterClrMapping/>
+  </p:clrMapOvr>
+  <mc:AlternateContent xmlns:mc="http://schemas.openxmlformats.org/markup-compatibility/2006" xmlns:p14="http://schemas.microsoft.com/office/powerpoint/2010/main">
+    <mc:Choice Requires="p14">
+      <p:transition spd="med" p14:dur="700">
+        <p:fade/>
+      </p:transition>
+    </mc:Choice>
+    <mc:Fallback xmlns="">
+      <p:transition spd="med">
+        <p:fade/>
+      </p:transition>
+    </mc:Fallback>
+  </mc:AlternateContent>
+  <p:timing>
+    <p:tnLst>
+      <p:par>
+        <p:cTn id="1" dur="indefinite" restart="never" nodeType="tmRoot">
+          <p:childTnLst>
+            <p:seq concurrent="1" nextAc="seek">
+              <p:cTn id="2" dur="indefinite" nodeType="mainSeq">
+                <p:childTnLst>
+                  <p:par>
+                    <p:cTn id="3" fill="hold">
+                      <p:stCondLst>
+                        <p:cond delay="indefinite"/>
+                      </p:stCondLst>
+                      <p:childTnLst>
+                        <p:par>
+                          <p:cTn id="4" fill="hold">
+                            <p:stCondLst>
+                              <p:cond delay="0"/>
+                            </p:stCondLst>
+                            <p:childTnLst>
+                              <p:par>
+                                <p:cTn id="5" presetID="10" presetClass="entr" presetSubtype="0" fill="hold" grpId="0" nodeType="clickEffect">
+                                  <p:stCondLst>
+                                    <p:cond delay="0"/>
+                                  </p:stCondLst>
+                                  <p:childTnLst>
+                                    <p:set>
+                                      <p:cBhvr>
+                                        <p:cTn id="6" dur="1" fill="hold">
+                                          <p:stCondLst>
+                                            <p:cond delay="0"/>
+                                          </p:stCondLst>
+                                        </p:cTn>
+                                        <p:tgtEl>
+                                          <p:spTgt spid="155"/>
+                                        </p:tgtEl>
+                                        <p:attrNameLst>
+                                          <p:attrName>style.visibility</p:attrName>
+                                        </p:attrNameLst>
+                                      </p:cBhvr>
+                                      <p:to>
+                                        <p:strVal val="visible"/>
+                                      </p:to>
+                                    </p:set>
+                                    <p:animEffect transition="in" filter="fade">
+                                      <p:cBhvr>
+                                        <p:cTn id="7" dur="500"/>
+                                        <p:tgtEl>
+                                          <p:spTgt spid="155"/>
+                                        </p:tgtEl>
+                                      </p:cBhvr>
+                                    </p:animEffect>
+                                  </p:childTnLst>
+                                </p:cTn>
+                              </p:par>
+                              <p:par>
+                                <p:cTn id="8" presetID="10" presetClass="entr" presetSubtype="0" fill="hold" grpId="0" nodeType="withEffect">
+                                  <p:stCondLst>
+                                    <p:cond delay="0"/>
+                                  </p:stCondLst>
+                                  <p:childTnLst>
+                                    <p:set>
+                                      <p:cBhvr>
+                                        <p:cTn id="9" dur="1" fill="hold">
+                                          <p:stCondLst>
+                                            <p:cond delay="0"/>
+                                          </p:stCondLst>
+                                        </p:cTn>
+                                        <p:tgtEl>
+                                          <p:spTgt spid="151"/>
+                                        </p:tgtEl>
+                                        <p:attrNameLst>
+                                          <p:attrName>style.visibility</p:attrName>
+                                        </p:attrNameLst>
+                                      </p:cBhvr>
+                                      <p:to>
+                                        <p:strVal val="visible"/>
+                                      </p:to>
+                                    </p:set>
+                                    <p:animEffect transition="in" filter="fade">
+                                      <p:cBhvr>
+                                        <p:cTn id="10" dur="500"/>
+                                        <p:tgtEl>
+                                          <p:spTgt spid="151"/>
+                                        </p:tgtEl>
+                                      </p:cBhvr>
+                                    </p:animEffect>
+                                  </p:childTnLst>
+                                </p:cTn>
+                              </p:par>
+                              <p:par>
+                                <p:cTn id="11" presetID="10" presetClass="entr" presetSubtype="0" fill="hold" grpId="0" nodeType="withEffect">
+                                  <p:stCondLst>
+                                    <p:cond delay="0"/>
+                                  </p:stCondLst>
+                                  <p:childTnLst>
+                                    <p:set>
+                                      <p:cBhvr>
+                                        <p:cTn id="12" dur="1" fill="hold">
+                                          <p:stCondLst>
+                                            <p:cond delay="0"/>
+                                          </p:stCondLst>
+                                        </p:cTn>
+                                        <p:tgtEl>
+                                          <p:spTgt spid="4"/>
+                                        </p:tgtEl>
+                                        <p:attrNameLst>
+                                          <p:attrName>style.visibility</p:attrName>
+                                        </p:attrNameLst>
+                                      </p:cBhvr>
+                                      <p:to>
+                                        <p:strVal val="visible"/>
+                                      </p:to>
+                                    </p:set>
+                                    <p:animEffect transition="in" filter="fade">
+                                      <p:cBhvr>
+                                        <p:cTn id="13" dur="500"/>
+                                        <p:tgtEl>
+                                          <p:spTgt spid="4"/>
+                                        </p:tgtEl>
+                                      </p:cBhvr>
+                                    </p:animEffect>
+                                  </p:childTnLst>
+                                </p:cTn>
+                              </p:par>
+                              <p:par>
+                                <p:cTn id="14" presetID="10" presetClass="entr" presetSubtype="0" fill="hold" nodeType="withEffect">
+                                  <p:stCondLst>
+                                    <p:cond delay="0"/>
+                                  </p:stCondLst>
+                                  <p:childTnLst>
+                                    <p:set>
+                                      <p:cBhvr>
+                                        <p:cTn id="15" dur="1" fill="hold">
+                                          <p:stCondLst>
+                                            <p:cond delay="0"/>
+                                          </p:stCondLst>
+                                        </p:cTn>
+                                        <p:tgtEl>
+                                          <p:spTgt spid="6"/>
+                                        </p:tgtEl>
+                                        <p:attrNameLst>
+                                          <p:attrName>style.visibility</p:attrName>
+                                        </p:attrNameLst>
+                                      </p:cBhvr>
+                                      <p:to>
+                                        <p:strVal val="visible"/>
+                                      </p:to>
+                                    </p:set>
+                                    <p:animEffect transition="in" filter="fade">
+                                      <p:cBhvr>
+                                        <p:cTn id="16" dur="500"/>
+                                        <p:tgtEl>
+                                          <p:spTgt spid="6"/>
+                                        </p:tgtEl>
+                                      </p:cBhvr>
+                                    </p:animEffect>
+                                  </p:childTnLst>
+                                </p:cTn>
+                              </p:par>
+                            </p:childTnLst>
+                          </p:cTn>
+                        </p:par>
+                      </p:childTnLst>
+                    </p:cTn>
+                  </p:par>
+                  <p:par>
+                    <p:cTn id="17" fill="hold">
+                      <p:stCondLst>
+                        <p:cond delay="indefinite"/>
+                      </p:stCondLst>
+                      <p:childTnLst>
+                        <p:par>
+                          <p:cTn id="18" fill="hold">
+                            <p:stCondLst>
+                              <p:cond delay="0"/>
+                            </p:stCondLst>
+                            <p:childTnLst>
+                              <p:par>
+                                <p:cTn id="19" presetID="10" presetClass="entr" presetSubtype="0" fill="hold" grpId="0" nodeType="clickEffect">
+                                  <p:stCondLst>
+                                    <p:cond delay="0"/>
+                                  </p:stCondLst>
+                                  <p:childTnLst>
+                                    <p:set>
+                                      <p:cBhvr>
+                                        <p:cTn id="20" dur="1" fill="hold">
+                                          <p:stCondLst>
+                                            <p:cond delay="0"/>
+                                          </p:stCondLst>
+                                        </p:cTn>
+                                        <p:tgtEl>
+                                          <p:spTgt spid="157"/>
+                                        </p:tgtEl>
+                                        <p:attrNameLst>
+                                          <p:attrName>style.visibility</p:attrName>
+                                        </p:attrNameLst>
+                                      </p:cBhvr>
+                                      <p:to>
+                                        <p:strVal val="visible"/>
+                                      </p:to>
+                                    </p:set>
+                                    <p:animEffect transition="in" filter="fade">
+                                      <p:cBhvr>
+                                        <p:cTn id="21" dur="500"/>
+                                        <p:tgtEl>
+                                          <p:spTgt spid="157"/>
+                                        </p:tgtEl>
+                                      </p:cBhvr>
+                                    </p:animEffect>
+                                  </p:childTnLst>
+                                </p:cTn>
+                              </p:par>
+                              <p:par>
+                                <p:cTn id="22" presetID="10" presetClass="entr" presetSubtype="0" fill="hold" grpId="0" nodeType="withEffect">
+                                  <p:stCondLst>
+                                    <p:cond delay="0"/>
+                                  </p:stCondLst>
+                                  <p:childTnLst>
+                                    <p:set>
+                                      <p:cBhvr>
+                                        <p:cTn id="23" dur="1" fill="hold">
+                                          <p:stCondLst>
+                                            <p:cond delay="0"/>
+                                          </p:stCondLst>
+                                        </p:cTn>
+                                        <p:tgtEl>
+                                          <p:spTgt spid="153"/>
+                                        </p:tgtEl>
+                                        <p:attrNameLst>
+                                          <p:attrName>style.visibility</p:attrName>
+                                        </p:attrNameLst>
+                                      </p:cBhvr>
+                                      <p:to>
+                                        <p:strVal val="visible"/>
+                                      </p:to>
+                                    </p:set>
+                                    <p:animEffect transition="in" filter="fade">
+                                      <p:cBhvr>
+                                        <p:cTn id="24" dur="500"/>
+                                        <p:tgtEl>
+                                          <p:spTgt spid="153"/>
+                                        </p:tgtEl>
+                                      </p:cBhvr>
+                                    </p:animEffect>
+                                  </p:childTnLst>
+                                </p:cTn>
+                              </p:par>
+                              <p:par>
+                                <p:cTn id="25" presetID="10" presetClass="entr" presetSubtype="0" fill="hold" grpId="0" nodeType="withEffect">
+                                  <p:stCondLst>
+                                    <p:cond delay="0"/>
+                                  </p:stCondLst>
+                                  <p:childTnLst>
+                                    <p:set>
+                                      <p:cBhvr>
+                                        <p:cTn id="26" dur="1" fill="hold">
+                                          <p:stCondLst>
+                                            <p:cond delay="0"/>
+                                          </p:stCondLst>
+                                        </p:cTn>
+                                        <p:tgtEl>
+                                          <p:spTgt spid="19"/>
+                                        </p:tgtEl>
+                                        <p:attrNameLst>
+                                          <p:attrName>style.visibility</p:attrName>
+                                        </p:attrNameLst>
+                                      </p:cBhvr>
+                                      <p:to>
+                                        <p:strVal val="visible"/>
+                                      </p:to>
+                                    </p:set>
+                                    <p:animEffect transition="in" filter="fade">
+                                      <p:cBhvr>
+                                        <p:cTn id="27" dur="500"/>
+                                        <p:tgtEl>
+                                          <p:spTgt spid="19"/>
+                                        </p:tgtEl>
+                                      </p:cBhvr>
+                                    </p:animEffect>
+                                  </p:childTnLst>
+                                </p:cTn>
+                              </p:par>
+                              <p:par>
+                                <p:cTn id="28" presetID="10" presetClass="entr" presetSubtype="0" fill="hold" nodeType="withEffect">
+                                  <p:stCondLst>
+                                    <p:cond delay="0"/>
+                                  </p:stCondLst>
+                                  <p:childTnLst>
+                                    <p:set>
+                                      <p:cBhvr>
+                                        <p:cTn id="29" dur="1" fill="hold">
+                                          <p:stCondLst>
+                                            <p:cond delay="0"/>
+                                          </p:stCondLst>
+                                        </p:cTn>
+                                        <p:tgtEl>
+                                          <p:spTgt spid="23"/>
+                                        </p:tgtEl>
+                                        <p:attrNameLst>
+                                          <p:attrName>style.visibility</p:attrName>
+                                        </p:attrNameLst>
+                                      </p:cBhvr>
+                                      <p:to>
+                                        <p:strVal val="visible"/>
+                                      </p:to>
+                                    </p:set>
+                                    <p:animEffect transition="in" filter="fade">
+                                      <p:cBhvr>
+                                        <p:cTn id="30" dur="500"/>
+                                        <p:tgtEl>
+                                          <p:spTgt spid="23"/>
+                                        </p:tgtEl>
+                                      </p:cBhvr>
+                                    </p:animEffect>
+                                  </p:childTnLst>
+                                </p:cTn>
+                              </p:par>
+                            </p:childTnLst>
+                          </p:cTn>
+                        </p:par>
+                      </p:childTnLst>
+                    </p:cTn>
+                  </p:par>
+                  <p:par>
+                    <p:cTn id="31" fill="hold">
+                      <p:stCondLst>
+                        <p:cond delay="indefinite"/>
+                      </p:stCondLst>
+                      <p:childTnLst>
+                        <p:par>
+                          <p:cTn id="32" fill="hold">
+                            <p:stCondLst>
+                              <p:cond delay="0"/>
+                            </p:stCondLst>
+                            <p:childTnLst>
+                              <p:par>
+                                <p:cTn id="33" presetID="10" presetClass="entr" presetSubtype="0" fill="hold" grpId="0" nodeType="clickEffect">
+                                  <p:stCondLst>
+                                    <p:cond delay="0"/>
+                                  </p:stCondLst>
+                                  <p:childTnLst>
+                                    <p:set>
+                                      <p:cBhvr>
+                                        <p:cTn id="34" dur="1" fill="hold">
+                                          <p:stCondLst>
+                                            <p:cond delay="0"/>
+                                          </p:stCondLst>
+                                        </p:cTn>
+                                        <p:tgtEl>
+                                          <p:spTgt spid="156"/>
+                                        </p:tgtEl>
+                                        <p:attrNameLst>
+                                          <p:attrName>style.visibility</p:attrName>
+                                        </p:attrNameLst>
+                                      </p:cBhvr>
+                                      <p:to>
+                                        <p:strVal val="visible"/>
+                                      </p:to>
+                                    </p:set>
+                                    <p:animEffect transition="in" filter="fade">
+                                      <p:cBhvr>
+                                        <p:cTn id="35" dur="500"/>
+                                        <p:tgtEl>
+                                          <p:spTgt spid="156"/>
+                                        </p:tgtEl>
+                                      </p:cBhvr>
+                                    </p:animEffect>
+                                  </p:childTnLst>
+                                </p:cTn>
+                              </p:par>
+                              <p:par>
+                                <p:cTn id="36" presetID="10" presetClass="entr" presetSubtype="0" fill="hold" grpId="0" nodeType="withEffect">
+                                  <p:stCondLst>
+                                    <p:cond delay="0"/>
+                                  </p:stCondLst>
+                                  <p:childTnLst>
+                                    <p:set>
+                                      <p:cBhvr>
+                                        <p:cTn id="37" dur="1" fill="hold">
+                                          <p:stCondLst>
+                                            <p:cond delay="0"/>
+                                          </p:stCondLst>
+                                        </p:cTn>
+                                        <p:tgtEl>
+                                          <p:spTgt spid="163"/>
+                                        </p:tgtEl>
+                                        <p:attrNameLst>
+                                          <p:attrName>style.visibility</p:attrName>
+                                        </p:attrNameLst>
+                                      </p:cBhvr>
+                                      <p:to>
+                                        <p:strVal val="visible"/>
+                                      </p:to>
+                                    </p:set>
+                                    <p:animEffect transition="in" filter="fade">
+                                      <p:cBhvr>
+                                        <p:cTn id="38" dur="500"/>
+                                        <p:tgtEl>
+                                          <p:spTgt spid="163"/>
+                                        </p:tgtEl>
+                                      </p:cBhvr>
+                                    </p:animEffect>
+                                  </p:childTnLst>
+                                </p:cTn>
+                              </p:par>
+                              <p:par>
+                                <p:cTn id="39" presetID="10" presetClass="entr" presetSubtype="0" fill="hold" grpId="0" nodeType="withEffect">
+                                  <p:stCondLst>
+                                    <p:cond delay="0"/>
+                                  </p:stCondLst>
+                                  <p:childTnLst>
+                                    <p:set>
+                                      <p:cBhvr>
+                                        <p:cTn id="40" dur="1" fill="hold">
+                                          <p:stCondLst>
+                                            <p:cond delay="0"/>
+                                          </p:stCondLst>
+                                        </p:cTn>
+                                        <p:tgtEl>
+                                          <p:spTgt spid="24"/>
+                                        </p:tgtEl>
+                                        <p:attrNameLst>
+                                          <p:attrName>style.visibility</p:attrName>
+                                        </p:attrNameLst>
+                                      </p:cBhvr>
+                                      <p:to>
+                                        <p:strVal val="visible"/>
+                                      </p:to>
+                                    </p:set>
+                                    <p:animEffect transition="in" filter="fade">
+                                      <p:cBhvr>
+                                        <p:cTn id="41" dur="500"/>
+                                        <p:tgtEl>
+                                          <p:spTgt spid="24"/>
+                                        </p:tgtEl>
+                                      </p:cBhvr>
+                                    </p:animEffect>
+                                  </p:childTnLst>
+                                </p:cTn>
+                              </p:par>
+                              <p:par>
+                                <p:cTn id="42" presetID="10" presetClass="entr" presetSubtype="0" fill="hold" nodeType="withEffect">
+                                  <p:stCondLst>
+                                    <p:cond delay="0"/>
+                                  </p:stCondLst>
+                                  <p:childTnLst>
+                                    <p:set>
+                                      <p:cBhvr>
+                                        <p:cTn id="43" dur="1" fill="hold">
+                                          <p:stCondLst>
+                                            <p:cond delay="0"/>
+                                          </p:stCondLst>
+                                        </p:cTn>
+                                        <p:tgtEl>
+                                          <p:spTgt spid="26"/>
+                                        </p:tgtEl>
+                                        <p:attrNameLst>
+                                          <p:attrName>style.visibility</p:attrName>
+                                        </p:attrNameLst>
+                                      </p:cBhvr>
+                                      <p:to>
+                                        <p:strVal val="visible"/>
+                                      </p:to>
+                                    </p:set>
+                                    <p:animEffect transition="in" filter="fade">
+                                      <p:cBhvr>
+                                        <p:cTn id="44" dur="500"/>
+                                        <p:tgtEl>
+                                          <p:spTgt spid="26"/>
+                                        </p:tgtEl>
+                                      </p:cBhvr>
+                                    </p:animEffect>
+                                  </p:childTnLst>
+                                </p:cTn>
+                              </p:par>
+                            </p:childTnLst>
+                          </p:cTn>
+                        </p:par>
+                      </p:childTnLst>
+                    </p:cTn>
+                  </p:par>
+                  <p:par>
+                    <p:cTn id="45" fill="hold">
+                      <p:stCondLst>
+                        <p:cond delay="indefinite"/>
+                      </p:stCondLst>
+                      <p:childTnLst>
+                        <p:par>
+                          <p:cTn id="46" fill="hold">
+                            <p:stCondLst>
+                              <p:cond delay="0"/>
+                            </p:stCondLst>
+                            <p:childTnLst>
+                              <p:par>
+                                <p:cTn id="47" presetID="10" presetClass="entr" presetSubtype="0" fill="hold" grpId="0" nodeType="clickEffect">
+                                  <p:stCondLst>
+                                    <p:cond delay="0"/>
+                                  </p:stCondLst>
+                                  <p:childTnLst>
+                                    <p:set>
+                                      <p:cBhvr>
+                                        <p:cTn id="48" dur="1" fill="hold">
+                                          <p:stCondLst>
+                                            <p:cond delay="0"/>
+                                          </p:stCondLst>
+                                        </p:cTn>
+                                        <p:tgtEl>
+                                          <p:spTgt spid="160"/>
+                                        </p:tgtEl>
+                                        <p:attrNameLst>
+                                          <p:attrName>style.visibility</p:attrName>
+                                        </p:attrNameLst>
+                                      </p:cBhvr>
+                                      <p:to>
+                                        <p:strVal val="visible"/>
+                                      </p:to>
+                                    </p:set>
+                                    <p:animEffect transition="in" filter="fade">
+                                      <p:cBhvr>
+                                        <p:cTn id="49" dur="500"/>
+                                        <p:tgtEl>
+                                          <p:spTgt spid="160"/>
+                                        </p:tgtEl>
+                                      </p:cBhvr>
+                                    </p:animEffect>
+                                  </p:childTnLst>
+                                </p:cTn>
+                              </p:par>
+                              <p:par>
+                                <p:cTn id="50" presetID="10" presetClass="entr" presetSubtype="0" fill="hold" grpId="0" nodeType="withEffect">
+                                  <p:stCondLst>
+                                    <p:cond delay="0"/>
+                                  </p:stCondLst>
+                                  <p:childTnLst>
+                                    <p:set>
+                                      <p:cBhvr>
+                                        <p:cTn id="51" dur="1" fill="hold">
+                                          <p:stCondLst>
+                                            <p:cond delay="0"/>
+                                          </p:stCondLst>
+                                        </p:cTn>
+                                        <p:tgtEl>
+                                          <p:spTgt spid="30"/>
+                                        </p:tgtEl>
+                                        <p:attrNameLst>
+                                          <p:attrName>style.visibility</p:attrName>
+                                        </p:attrNameLst>
+                                      </p:cBhvr>
+                                      <p:to>
+                                        <p:strVal val="visible"/>
+                                      </p:to>
+                                    </p:set>
+                                    <p:animEffect transition="in" filter="fade">
+                                      <p:cBhvr>
+                                        <p:cTn id="52" dur="500"/>
+                                        <p:tgtEl>
+                                          <p:spTgt spid="30"/>
+                                        </p:tgtEl>
+                                      </p:cBhvr>
+                                    </p:animEffect>
+                                  </p:childTnLst>
+                                </p:cTn>
+                              </p:par>
+                              <p:par>
+                                <p:cTn id="53" presetID="10" presetClass="entr" presetSubtype="0" fill="hold" grpId="0" nodeType="withEffect">
+                                  <p:stCondLst>
+                                    <p:cond delay="0"/>
+                                  </p:stCondLst>
+                                  <p:childTnLst>
+                                    <p:set>
+                                      <p:cBhvr>
+                                        <p:cTn id="54" dur="1" fill="hold">
+                                          <p:stCondLst>
+                                            <p:cond delay="0"/>
+                                          </p:stCondLst>
+                                        </p:cTn>
+                                        <p:tgtEl>
+                                          <p:spTgt spid="28"/>
+                                        </p:tgtEl>
+                                        <p:attrNameLst>
+                                          <p:attrName>style.visibility</p:attrName>
+                                        </p:attrNameLst>
+                                      </p:cBhvr>
+                                      <p:to>
+                                        <p:strVal val="visible"/>
+                                      </p:to>
+                                    </p:set>
+                                    <p:animEffect transition="in" filter="fade">
+                                      <p:cBhvr>
+                                        <p:cTn id="55" dur="500"/>
+                                        <p:tgtEl>
+                                          <p:spTgt spid="28"/>
+                                        </p:tgtEl>
+                                      </p:cBhvr>
+                                    </p:animEffect>
+                                  </p:childTnLst>
+                                </p:cTn>
+                              </p:par>
+                              <p:par>
+                                <p:cTn id="56" presetID="10" presetClass="entr" presetSubtype="0" fill="hold" nodeType="withEffect">
+                                  <p:stCondLst>
+                                    <p:cond delay="0"/>
+                                  </p:stCondLst>
+                                  <p:childTnLst>
+                                    <p:set>
+                                      <p:cBhvr>
+                                        <p:cTn id="57" dur="1" fill="hold">
+                                          <p:stCondLst>
+                                            <p:cond delay="0"/>
+                                          </p:stCondLst>
+                                        </p:cTn>
+                                        <p:tgtEl>
+                                          <p:spTgt spid="25"/>
+                                        </p:tgtEl>
+                                        <p:attrNameLst>
+                                          <p:attrName>style.visibility</p:attrName>
+                                        </p:attrNameLst>
+                                      </p:cBhvr>
+                                      <p:to>
+                                        <p:strVal val="visible"/>
+                                      </p:to>
+                                    </p:set>
+                                    <p:animEffect transition="in" filter="fade">
+                                      <p:cBhvr>
+                                        <p:cTn id="58" dur="500"/>
+                                        <p:tgtEl>
+                                          <p:spTgt spid="25"/>
+                                        </p:tgtEl>
+                                      </p:cBhvr>
+                                    </p:animEffect>
+                                  </p:childTnLst>
+                                </p:cTn>
+                              </p:par>
+                            </p:childTnLst>
+                          </p:cTn>
+                        </p:par>
+                      </p:childTnLst>
+                    </p:cTn>
+                  </p:par>
+                  <p:par>
+                    <p:cTn id="59" fill="hold">
+                      <p:stCondLst>
+                        <p:cond delay="indefinite"/>
+                      </p:stCondLst>
+                      <p:childTnLst>
+                        <p:par>
+                          <p:cTn id="60" fill="hold">
+                            <p:stCondLst>
+                              <p:cond delay="0"/>
+                            </p:stCondLst>
+                            <p:childTnLst>
+                              <p:par>
+                                <p:cTn id="61" presetID="10" presetClass="entr" presetSubtype="0" fill="hold" grpId="0" nodeType="clickEffect">
+                                  <p:stCondLst>
+                                    <p:cond delay="0"/>
+                                  </p:stCondLst>
+                                  <p:childTnLst>
+                                    <p:set>
+                                      <p:cBhvr>
+                                        <p:cTn id="62" dur="1" fill="hold">
+                                          <p:stCondLst>
+                                            <p:cond delay="0"/>
+                                          </p:stCondLst>
+                                        </p:cTn>
+                                        <p:tgtEl>
+                                          <p:spTgt spid="22"/>
+                                        </p:tgtEl>
+                                        <p:attrNameLst>
+                                          <p:attrName>style.visibility</p:attrName>
+                                        </p:attrNameLst>
+                                      </p:cBhvr>
+                                      <p:to>
+                                        <p:strVal val="visible"/>
+                                      </p:to>
+                                    </p:set>
+                                    <p:animEffect transition="in" filter="fade">
+                                      <p:cBhvr>
+                                        <p:cTn id="63" dur="500"/>
+                                        <p:tgtEl>
+                                          <p:spTgt spid="22"/>
+                                        </p:tgtEl>
+                                      </p:cBhvr>
+                                    </p:animEffect>
+                                  </p:childTnLst>
+                                </p:cTn>
+                              </p:par>
+                              <p:par>
+                                <p:cTn id="64" presetID="10" presetClass="entr" presetSubtype="0" fill="hold" grpId="0" nodeType="withEffect">
+                                  <p:stCondLst>
+                                    <p:cond delay="0"/>
+                                  </p:stCondLst>
+                                  <p:childTnLst>
+                                    <p:set>
+                                      <p:cBhvr>
+                                        <p:cTn id="65" dur="1" fill="hold">
+                                          <p:stCondLst>
+                                            <p:cond delay="0"/>
+                                          </p:stCondLst>
+                                        </p:cTn>
+                                        <p:tgtEl>
+                                          <p:spTgt spid="27"/>
+                                        </p:tgtEl>
+                                        <p:attrNameLst>
+                                          <p:attrName>style.visibility</p:attrName>
+                                        </p:attrNameLst>
+                                      </p:cBhvr>
+                                      <p:to>
+                                        <p:strVal val="visible"/>
+                                      </p:to>
+                                    </p:set>
+                                    <p:animEffect transition="in" filter="fade">
+                                      <p:cBhvr>
+                                        <p:cTn id="66" dur="500"/>
+                                        <p:tgtEl>
+                                          <p:spTgt spid="27"/>
+                                        </p:tgtEl>
+                                      </p:cBhvr>
+                                    </p:animEffect>
+                                  </p:childTnLst>
+                                </p:cTn>
+                              </p:par>
+                              <p:par>
+                                <p:cTn id="67" presetID="10" presetClass="entr" presetSubtype="0" fill="hold" grpId="0" nodeType="withEffect">
+                                  <p:stCondLst>
+                                    <p:cond delay="0"/>
+                                  </p:stCondLst>
+                                  <p:childTnLst>
+                                    <p:set>
+                                      <p:cBhvr>
+                                        <p:cTn id="68" dur="1" fill="hold">
+                                          <p:stCondLst>
+                                            <p:cond delay="0"/>
+                                          </p:stCondLst>
+                                        </p:cTn>
+                                        <p:tgtEl>
+                                          <p:spTgt spid="21"/>
+                                        </p:tgtEl>
+                                        <p:attrNameLst>
+                                          <p:attrName>style.visibility</p:attrName>
+                                        </p:attrNameLst>
+                                      </p:cBhvr>
+                                      <p:to>
+                                        <p:strVal val="visible"/>
+                                      </p:to>
+                                    </p:set>
+                                    <p:animEffect transition="in" filter="fade">
+                                      <p:cBhvr>
+                                        <p:cTn id="69" dur="500"/>
+                                        <p:tgtEl>
+                                          <p:spTgt spid="21"/>
+                                        </p:tgtEl>
+                                      </p:cBhvr>
+                                    </p:animEffect>
+                                  </p:childTnLst>
+                                </p:cTn>
+                              </p:par>
+                              <p:par>
+                                <p:cTn id="70" presetID="10" presetClass="entr" presetSubtype="0" fill="hold" nodeType="withEffect">
+                                  <p:stCondLst>
+                                    <p:cond delay="0"/>
+                                  </p:stCondLst>
+                                  <p:childTnLst>
+                                    <p:set>
+                                      <p:cBhvr>
+                                        <p:cTn id="71" dur="1" fill="hold">
+                                          <p:stCondLst>
+                                            <p:cond delay="0"/>
+                                          </p:stCondLst>
+                                        </p:cTn>
+                                        <p:tgtEl>
+                                          <p:spTgt spid="29"/>
+                                        </p:tgtEl>
+                                        <p:attrNameLst>
+                                          <p:attrName>style.visibility</p:attrName>
+                                        </p:attrNameLst>
+                                      </p:cBhvr>
+                                      <p:to>
+                                        <p:strVal val="visible"/>
+                                      </p:to>
+                                    </p:set>
+                                    <p:animEffect transition="in" filter="fade">
+                                      <p:cBhvr>
+                                        <p:cTn id="72" dur="500"/>
+                                        <p:tgtEl>
+                                          <p:spTgt spid="29"/>
+                                        </p:tgtEl>
+                                      </p:cBhvr>
+                                    </p:animEffect>
+                                  </p:childTnLst>
+                                </p:cTn>
+                              </p:par>
+                            </p:childTnLst>
+                          </p:cTn>
+                        </p:par>
+                      </p:childTnLst>
+                    </p:cTn>
+                  </p:par>
+                </p:childTnLst>
+              </p:cTn>
+              <p:prevCondLst>
+                <p:cond evt="onPrev" delay="0">
+                  <p:tgtEl>
+                    <p:sldTgt/>
+                  </p:tgtEl>
+                </p:cond>
+              </p:prevCondLst>
+              <p:nextCondLst>
+                <p:cond evt="onNext" delay="0">
+                  <p:tgtEl>
+                    <p:sldTgt/>
+                  </p:tgtEl>
+                </p:cond>
+              </p:nextCondLst>
+            </p:seq>
+          </p:childTnLst>
+        </p:cTn>
+      </p:par>
+    </p:tnLst>
+    <p:bldLst>
+      <p:bldP spid="28" grpId="0" animBg="1"/>
+      <p:bldP spid="24" grpId="0" animBg="1"/>
+      <p:bldP spid="19" grpId="0" animBg="1"/>
+      <p:bldP spid="4" grpId="0" animBg="1"/>
+      <p:bldP spid="151" grpId="0"/>
+      <p:bldP spid="155" grpId="0"/>
+      <p:bldP spid="157" grpId="0"/>
+      <p:bldP spid="156" grpId="0"/>
+      <p:bldP spid="160" grpId="0"/>
+      <p:bldP spid="153" grpId="0"/>
+      <p:bldP spid="163" grpId="0"/>
+      <p:bldP spid="30" grpId="0"/>
+      <p:bldP spid="21" grpId="0" animBg="1"/>
+      <p:bldP spid="22" grpId="0"/>
+      <p:bldP spid="27" grpId="0"/>
+    </p:bldLst>
+  </p:timing>
+</p:sld>
+</file>
+
+<file path=ppt/slides/slide20.xml><?xml version="1.0" encoding="utf-8"?>
 <p:sld xmlns:a="http://schemas.openxmlformats.org/drawingml/2006/main" xmlns:r="http://schemas.openxmlformats.org/officeDocument/2006/relationships" xmlns:p="http://schemas.openxmlformats.org/presentationml/2006/main">
   <p:cSld>
     <p:spTree>
@@ -34038,13 +36941,13 @@
   <p:clrMapOvr>
     <a:masterClrMapping/>
   </p:clrMapOvr>
-  <mc:AlternateContent xmlns:mc="http://schemas.openxmlformats.org/markup-compatibility/2006">
-    <mc:Choice xmlns:p14="http://schemas.microsoft.com/office/powerpoint/2010/main" Requires="p14">
+  <mc:AlternateContent xmlns:mc="http://schemas.openxmlformats.org/markup-compatibility/2006" xmlns:p14="http://schemas.microsoft.com/office/powerpoint/2010/main">
+    <mc:Choice Requires="p14">
       <p:transition spd="med" p14:dur="700">
         <p:fade/>
       </p:transition>
     </mc:Choice>
-    <mc:Fallback>
+    <mc:Fallback xmlns="">
       <p:transition spd="med">
         <p:fade/>
       </p:transition>
@@ -34841,2135 +37744,7 @@
 </p:sld>
 </file>
 
-<file path=ppt/slides/slide2.xml><?xml version="1.0" encoding="utf-8"?>
-<p:sld xmlns:a="http://schemas.openxmlformats.org/drawingml/2006/main" xmlns:r="http://schemas.openxmlformats.org/officeDocument/2006/relationships" xmlns:p="http://schemas.openxmlformats.org/presentationml/2006/main">
-  <p:cSld>
-    <p:spTree>
-      <p:nvGrpSpPr>
-        <p:cNvPr id="1" name="Shape 149"/>
-        <p:cNvGrpSpPr/>
-        <p:nvPr/>
-      </p:nvGrpSpPr>
-      <p:grpSpPr>
-        <a:xfrm>
-          <a:off x="0" y="0"/>
-          <a:ext cx="0" cy="0"/>
-          <a:chOff x="0" y="0"/>
-          <a:chExt cx="0" cy="0"/>
-        </a:xfrm>
-      </p:grpSpPr>
-      <p:sp>
-        <p:nvSpPr>
-          <p:cNvPr id="28" name="Rectangle 27"/>
-          <p:cNvSpPr/>
-          <p:nvPr/>
-        </p:nvSpPr>
-        <p:spPr>
-          <a:xfrm>
-            <a:off x="3989523" y="3054712"/>
-            <a:ext cx="4349690" cy="709644"/>
-          </a:xfrm>
-          <a:prstGeom prst="rect">
-            <a:avLst/>
-          </a:prstGeom>
-          <a:solidFill>
-            <a:schemeClr val="bg1"/>
-          </a:solidFill>
-        </p:spPr>
-        <p:style>
-          <a:lnRef idx="2">
-            <a:schemeClr val="accent1">
-              <a:shade val="50000"/>
-            </a:schemeClr>
-          </a:lnRef>
-          <a:fillRef idx="1">
-            <a:schemeClr val="accent1"/>
-          </a:fillRef>
-          <a:effectRef idx="0">
-            <a:schemeClr val="accent1"/>
-          </a:effectRef>
-          <a:fontRef idx="minor">
-            <a:schemeClr val="lt1"/>
-          </a:fontRef>
-        </p:style>
-        <p:txBody>
-          <a:bodyPr rtlCol="0" anchor="ctr"/>
-          <a:lstStyle/>
-          <a:p>
-            <a:pPr algn="ctr"/>
-            <a:endParaRPr lang="en-US" dirty="0"/>
-          </a:p>
-        </p:txBody>
-      </p:sp>
-      <p:sp>
-        <p:nvSpPr>
-          <p:cNvPr id="8" name="Rectangle 7"/>
-          <p:cNvSpPr/>
-          <p:nvPr/>
-        </p:nvSpPr>
-        <p:spPr>
-          <a:xfrm>
-            <a:off x="188428" y="1751116"/>
-            <a:ext cx="3123900" cy="1258905"/>
-          </a:xfrm>
-          <a:prstGeom prst="rect">
-            <a:avLst/>
-          </a:prstGeom>
-          <a:solidFill>
-            <a:srgbClr val="FFC000"/>
-          </a:solidFill>
-        </p:spPr>
-        <p:style>
-          <a:lnRef idx="2">
-            <a:schemeClr val="accent1">
-              <a:shade val="50000"/>
-            </a:schemeClr>
-          </a:lnRef>
-          <a:fillRef idx="1">
-            <a:schemeClr val="accent1"/>
-          </a:fillRef>
-          <a:effectRef idx="0">
-            <a:schemeClr val="accent1"/>
-          </a:effectRef>
-          <a:fontRef idx="minor">
-            <a:schemeClr val="lt1"/>
-          </a:fontRef>
-        </p:style>
-        <p:txBody>
-          <a:bodyPr rtlCol="0" anchor="ctr"/>
-          <a:lstStyle/>
-          <a:p>
-            <a:pPr algn="ctr"/>
-            <a:endParaRPr lang="en-US"/>
-          </a:p>
-        </p:txBody>
-      </p:sp>
-      <p:sp>
-        <p:nvSpPr>
-          <p:cNvPr id="24" name="Rectangle 23"/>
-          <p:cNvSpPr/>
-          <p:nvPr/>
-        </p:nvSpPr>
-        <p:spPr>
-          <a:xfrm>
-            <a:off x="3997323" y="2149680"/>
-            <a:ext cx="4349690" cy="709644"/>
-          </a:xfrm>
-          <a:prstGeom prst="rect">
-            <a:avLst/>
-          </a:prstGeom>
-          <a:solidFill>
-            <a:schemeClr val="bg1"/>
-          </a:solidFill>
-        </p:spPr>
-        <p:style>
-          <a:lnRef idx="2">
-            <a:schemeClr val="accent1">
-              <a:shade val="50000"/>
-            </a:schemeClr>
-          </a:lnRef>
-          <a:fillRef idx="1">
-            <a:schemeClr val="accent1"/>
-          </a:fillRef>
-          <a:effectRef idx="0">
-            <a:schemeClr val="accent1"/>
-          </a:effectRef>
-          <a:fontRef idx="minor">
-            <a:schemeClr val="lt1"/>
-          </a:fontRef>
-        </p:style>
-        <p:txBody>
-          <a:bodyPr rtlCol="0" anchor="ctr"/>
-          <a:lstStyle/>
-          <a:p>
-            <a:pPr algn="ctr"/>
-            <a:endParaRPr lang="en-US"/>
-          </a:p>
-        </p:txBody>
-      </p:sp>
-      <p:sp>
-        <p:nvSpPr>
-          <p:cNvPr id="19" name="Rectangle 18"/>
-          <p:cNvSpPr/>
-          <p:nvPr/>
-        </p:nvSpPr>
-        <p:spPr>
-          <a:xfrm>
-            <a:off x="3989523" y="1260292"/>
-            <a:ext cx="4349690" cy="709644"/>
-          </a:xfrm>
-          <a:prstGeom prst="rect">
-            <a:avLst/>
-          </a:prstGeom>
-          <a:solidFill>
-            <a:schemeClr val="bg1"/>
-          </a:solidFill>
-        </p:spPr>
-        <p:style>
-          <a:lnRef idx="2">
-            <a:schemeClr val="accent1">
-              <a:shade val="50000"/>
-            </a:schemeClr>
-          </a:lnRef>
-          <a:fillRef idx="1">
-            <a:schemeClr val="accent1"/>
-          </a:fillRef>
-          <a:effectRef idx="0">
-            <a:schemeClr val="accent1"/>
-          </a:effectRef>
-          <a:fontRef idx="minor">
-            <a:schemeClr val="lt1"/>
-          </a:fontRef>
-        </p:style>
-        <p:txBody>
-          <a:bodyPr rtlCol="0" anchor="ctr"/>
-          <a:lstStyle/>
-          <a:p>
-            <a:pPr algn="ctr"/>
-            <a:endParaRPr lang="en-US"/>
-          </a:p>
-        </p:txBody>
-      </p:sp>
-      <p:sp>
-        <p:nvSpPr>
-          <p:cNvPr id="4" name="Rectangle 3"/>
-          <p:cNvSpPr/>
-          <p:nvPr/>
-        </p:nvSpPr>
-        <p:spPr>
-          <a:xfrm>
-            <a:off x="3989524" y="392637"/>
-            <a:ext cx="4349689" cy="709644"/>
-          </a:xfrm>
-          <a:prstGeom prst="rect">
-            <a:avLst/>
-          </a:prstGeom>
-          <a:solidFill>
-            <a:schemeClr val="bg1"/>
-          </a:solidFill>
-        </p:spPr>
-        <p:style>
-          <a:lnRef idx="2">
-            <a:schemeClr val="accent1">
-              <a:shade val="50000"/>
-            </a:schemeClr>
-          </a:lnRef>
-          <a:fillRef idx="1">
-            <a:schemeClr val="accent1"/>
-          </a:fillRef>
-          <a:effectRef idx="0">
-            <a:schemeClr val="accent1"/>
-          </a:effectRef>
-          <a:fontRef idx="minor">
-            <a:schemeClr val="lt1"/>
-          </a:fontRef>
-        </p:style>
-        <p:txBody>
-          <a:bodyPr rtlCol="0" anchor="ctr"/>
-          <a:lstStyle/>
-          <a:p>
-            <a:pPr algn="ctr"/>
-            <a:endParaRPr lang="en-US"/>
-          </a:p>
-        </p:txBody>
-      </p:sp>
-      <p:sp>
-        <p:nvSpPr>
-          <p:cNvPr id="150" name="Google Shape;150;p30"/>
-          <p:cNvSpPr txBox="1">
-            <a:spLocks noGrp="1"/>
-          </p:cNvSpPr>
-          <p:nvPr>
-            <p:ph type="ctrTitle"/>
-          </p:nvPr>
-        </p:nvSpPr>
-        <p:spPr>
-          <a:xfrm>
-            <a:off x="604315" y="1889005"/>
-            <a:ext cx="2372400" cy="1121021"/>
-          </a:xfrm>
-          <a:prstGeom prst="rect">
-            <a:avLst/>
-          </a:prstGeom>
-        </p:spPr>
-        <p:txBody>
-          <a:bodyPr spcFirstLastPara="1" wrap="square" lIns="91425" tIns="91425" rIns="91425" bIns="91425" anchor="ctr" anchorCtr="0">
-            <a:noAutofit/>
-          </a:bodyPr>
-          <a:lstStyle/>
-          <a:p>
-            <a:pPr marL="0" lvl="0" indent="0" algn="ctr" rtl="0">
-              <a:spcBef>
-                <a:spcPts val="0"/>
-              </a:spcBef>
-              <a:spcAft>
-                <a:spcPts val="0"/>
-              </a:spcAft>
-              <a:buNone/>
-            </a:pPr>
-            <a:r>
-              <a:rPr lang="en-US" dirty="0">
-                <a:latin typeface="Tahoma" panose="020B0604030504040204" pitchFamily="34" charset="0"/>
-                <a:ea typeface="Tahoma" panose="020B0604030504040204" pitchFamily="34" charset="0"/>
-                <a:cs typeface="Tahoma" panose="020B0604030504040204" pitchFamily="34" charset="0"/>
-              </a:rPr>
-              <a:t>CONTENT</a:t>
-            </a:r>
-            <a:endParaRPr dirty="0">
-              <a:latin typeface="Tahoma" panose="020B0604030504040204" pitchFamily="34" charset="0"/>
-              <a:ea typeface="Tahoma" panose="020B0604030504040204" pitchFamily="34" charset="0"/>
-              <a:cs typeface="Tahoma" panose="020B0604030504040204" pitchFamily="34" charset="0"/>
-            </a:endParaRPr>
-          </a:p>
-        </p:txBody>
-      </p:sp>
-      <p:sp>
-        <p:nvSpPr>
-          <p:cNvPr id="151" name="Google Shape;151;p30"/>
-          <p:cNvSpPr txBox="1">
-            <a:spLocks noGrp="1"/>
-          </p:cNvSpPr>
-          <p:nvPr>
-            <p:ph type="ctrTitle" idx="2"/>
-          </p:nvPr>
-        </p:nvSpPr>
-        <p:spPr>
-          <a:xfrm>
-            <a:off x="4769265" y="443811"/>
-            <a:ext cx="4767778" cy="577800"/>
-          </a:xfrm>
-          <a:prstGeom prst="rect">
-            <a:avLst/>
-          </a:prstGeom>
-        </p:spPr>
-        <p:txBody>
-          <a:bodyPr spcFirstLastPara="1" wrap="square" lIns="91425" tIns="91425" rIns="91425" bIns="91425" anchor="b" anchorCtr="0">
-            <a:noAutofit/>
-          </a:bodyPr>
-          <a:lstStyle/>
-          <a:p>
-            <a:pPr marL="0" lvl="0" indent="0" algn="l" rtl="0">
-              <a:spcBef>
-                <a:spcPts val="0"/>
-              </a:spcBef>
-              <a:spcAft>
-                <a:spcPts val="0"/>
-              </a:spcAft>
-              <a:buNone/>
-            </a:pPr>
-            <a:r>
-              <a:rPr lang="en-US" sz="2300" dirty="0">
-                <a:latin typeface="Tahoma" panose="020B0604030504040204" pitchFamily="34" charset="0"/>
-                <a:ea typeface="Tahoma" panose="020B0604030504040204" pitchFamily="34" charset="0"/>
-                <a:cs typeface="Tahoma" panose="020B0604030504040204" pitchFamily="34" charset="0"/>
-              </a:rPr>
-              <a:t>OVERVIEW</a:t>
-            </a:r>
-            <a:endParaRPr sz="2300" dirty="0">
-              <a:latin typeface="Tahoma" panose="020B0604030504040204" pitchFamily="34" charset="0"/>
-              <a:ea typeface="Tahoma" panose="020B0604030504040204" pitchFamily="34" charset="0"/>
-              <a:cs typeface="Tahoma" panose="020B0604030504040204" pitchFamily="34" charset="0"/>
-            </a:endParaRPr>
-          </a:p>
-        </p:txBody>
-      </p:sp>
-      <p:sp>
-        <p:nvSpPr>
-          <p:cNvPr id="155" name="Google Shape;155;p30"/>
-          <p:cNvSpPr txBox="1">
-            <a:spLocks noGrp="1"/>
-          </p:cNvSpPr>
-          <p:nvPr>
-            <p:ph type="title" idx="3"/>
-          </p:nvPr>
-        </p:nvSpPr>
-        <p:spPr>
-          <a:xfrm>
-            <a:off x="3640769" y="470701"/>
-            <a:ext cx="1107600" cy="577800"/>
-          </a:xfrm>
-          <a:prstGeom prst="rect">
-            <a:avLst/>
-          </a:prstGeom>
-        </p:spPr>
-        <p:txBody>
-          <a:bodyPr spcFirstLastPara="1" wrap="square" lIns="91425" tIns="91425" rIns="91425" bIns="91425" anchor="ctr" anchorCtr="0">
-            <a:noAutofit/>
-          </a:bodyPr>
-          <a:lstStyle/>
-          <a:p>
-            <a:pPr marL="0" lvl="0" indent="0" algn="r" rtl="0">
-              <a:spcBef>
-                <a:spcPts val="0"/>
-              </a:spcBef>
-              <a:spcAft>
-                <a:spcPts val="0"/>
-              </a:spcAft>
-              <a:buNone/>
-            </a:pPr>
-            <a:r>
-              <a:rPr lang="en" dirty="0">
-                <a:latin typeface="Tahoma" panose="020B0604030504040204" pitchFamily="34" charset="0"/>
-                <a:ea typeface="Tahoma" panose="020B0604030504040204" pitchFamily="34" charset="0"/>
-                <a:cs typeface="Tahoma" panose="020B0604030504040204" pitchFamily="34" charset="0"/>
-              </a:rPr>
-              <a:t>01</a:t>
-            </a:r>
-            <a:endParaRPr dirty="0">
-              <a:latin typeface="Tahoma" panose="020B0604030504040204" pitchFamily="34" charset="0"/>
-              <a:ea typeface="Tahoma" panose="020B0604030504040204" pitchFamily="34" charset="0"/>
-              <a:cs typeface="Tahoma" panose="020B0604030504040204" pitchFamily="34" charset="0"/>
-            </a:endParaRPr>
-          </a:p>
-        </p:txBody>
-      </p:sp>
-      <p:sp>
-        <p:nvSpPr>
-          <p:cNvPr id="157" name="Google Shape;157;p30"/>
-          <p:cNvSpPr txBox="1">
-            <a:spLocks noGrp="1"/>
-          </p:cNvSpPr>
-          <p:nvPr>
-            <p:ph type="title" idx="4"/>
-          </p:nvPr>
-        </p:nvSpPr>
-        <p:spPr>
-          <a:xfrm>
-            <a:off x="3654745" y="1335341"/>
-            <a:ext cx="1107600" cy="577800"/>
-          </a:xfrm>
-          <a:prstGeom prst="rect">
-            <a:avLst/>
-          </a:prstGeom>
-        </p:spPr>
-        <p:txBody>
-          <a:bodyPr spcFirstLastPara="1" wrap="square" lIns="91425" tIns="91425" rIns="91425" bIns="91425" anchor="ctr" anchorCtr="0">
-            <a:noAutofit/>
-          </a:bodyPr>
-          <a:lstStyle/>
-          <a:p>
-            <a:pPr marL="0" lvl="0" indent="0" algn="r" rtl="0">
-              <a:spcBef>
-                <a:spcPts val="0"/>
-              </a:spcBef>
-              <a:spcAft>
-                <a:spcPts val="0"/>
-              </a:spcAft>
-              <a:buNone/>
-            </a:pPr>
-            <a:r>
-              <a:rPr lang="en" dirty="0">
-                <a:latin typeface="Tahoma" panose="020B0604030504040204" pitchFamily="34" charset="0"/>
-                <a:ea typeface="Tahoma" panose="020B0604030504040204" pitchFamily="34" charset="0"/>
-                <a:cs typeface="Tahoma" panose="020B0604030504040204" pitchFamily="34" charset="0"/>
-              </a:rPr>
-              <a:t>02</a:t>
-            </a:r>
-            <a:endParaRPr dirty="0">
-              <a:latin typeface="Tahoma" panose="020B0604030504040204" pitchFamily="34" charset="0"/>
-              <a:ea typeface="Tahoma" panose="020B0604030504040204" pitchFamily="34" charset="0"/>
-              <a:cs typeface="Tahoma" panose="020B0604030504040204" pitchFamily="34" charset="0"/>
-            </a:endParaRPr>
-          </a:p>
-        </p:txBody>
-      </p:sp>
-      <p:sp>
-        <p:nvSpPr>
-          <p:cNvPr id="156" name="Google Shape;156;p30"/>
-          <p:cNvSpPr txBox="1">
-            <a:spLocks noGrp="1"/>
-          </p:cNvSpPr>
-          <p:nvPr>
-            <p:ph type="title" idx="5"/>
-          </p:nvPr>
-        </p:nvSpPr>
-        <p:spPr>
-          <a:xfrm>
-            <a:off x="3666357" y="2215602"/>
-            <a:ext cx="1107600" cy="577800"/>
-          </a:xfrm>
-          <a:prstGeom prst="rect">
-            <a:avLst/>
-          </a:prstGeom>
-        </p:spPr>
-        <p:txBody>
-          <a:bodyPr spcFirstLastPara="1" wrap="square" lIns="91425" tIns="91425" rIns="91425" bIns="91425" anchor="ctr" anchorCtr="0">
-            <a:noAutofit/>
-          </a:bodyPr>
-          <a:lstStyle/>
-          <a:p>
-            <a:pPr marL="0" lvl="0" indent="0" algn="r" rtl="0">
-              <a:spcBef>
-                <a:spcPts val="0"/>
-              </a:spcBef>
-              <a:spcAft>
-                <a:spcPts val="0"/>
-              </a:spcAft>
-              <a:buNone/>
-            </a:pPr>
-            <a:r>
-              <a:rPr lang="en" dirty="0">
-                <a:latin typeface="Tahoma" panose="020B0604030504040204" pitchFamily="34" charset="0"/>
-                <a:ea typeface="Tahoma" panose="020B0604030504040204" pitchFamily="34" charset="0"/>
-                <a:cs typeface="Tahoma" panose="020B0604030504040204" pitchFamily="34" charset="0"/>
-              </a:rPr>
-              <a:t>03</a:t>
-            </a:r>
-            <a:endParaRPr dirty="0">
-              <a:latin typeface="Tahoma" panose="020B0604030504040204" pitchFamily="34" charset="0"/>
-              <a:ea typeface="Tahoma" panose="020B0604030504040204" pitchFamily="34" charset="0"/>
-              <a:cs typeface="Tahoma" panose="020B0604030504040204" pitchFamily="34" charset="0"/>
-            </a:endParaRPr>
-          </a:p>
-        </p:txBody>
-      </p:sp>
-      <p:sp>
-        <p:nvSpPr>
-          <p:cNvPr id="160" name="Google Shape;160;p30"/>
-          <p:cNvSpPr txBox="1">
-            <a:spLocks noGrp="1"/>
-          </p:cNvSpPr>
-          <p:nvPr>
-            <p:ph type="title" idx="6"/>
-          </p:nvPr>
-        </p:nvSpPr>
-        <p:spPr>
-          <a:xfrm>
-            <a:off x="4108235" y="3150551"/>
-            <a:ext cx="1072200" cy="577800"/>
-          </a:xfrm>
-          <a:prstGeom prst="rect">
-            <a:avLst/>
-          </a:prstGeom>
-        </p:spPr>
-        <p:txBody>
-          <a:bodyPr spcFirstLastPara="1" wrap="square" lIns="91425" tIns="91425" rIns="91425" bIns="91425" anchor="ctr" anchorCtr="0">
-            <a:noAutofit/>
-          </a:bodyPr>
-          <a:lstStyle/>
-          <a:p>
-            <a:pPr marL="0" lvl="0" indent="0" algn="l" rtl="0">
-              <a:spcBef>
-                <a:spcPts val="0"/>
-              </a:spcBef>
-              <a:spcAft>
-                <a:spcPts val="0"/>
-              </a:spcAft>
-              <a:buNone/>
-            </a:pPr>
-            <a:r>
-              <a:rPr lang="en" dirty="0">
-                <a:latin typeface="Tahoma" panose="020B0604030504040204" pitchFamily="34" charset="0"/>
-                <a:ea typeface="Tahoma" panose="020B0604030504040204" pitchFamily="34" charset="0"/>
-                <a:cs typeface="Tahoma" panose="020B0604030504040204" pitchFamily="34" charset="0"/>
-              </a:rPr>
-              <a:t>04</a:t>
-            </a:r>
-            <a:endParaRPr dirty="0">
-              <a:latin typeface="Tahoma" panose="020B0604030504040204" pitchFamily="34" charset="0"/>
-              <a:ea typeface="Tahoma" panose="020B0604030504040204" pitchFamily="34" charset="0"/>
-              <a:cs typeface="Tahoma" panose="020B0604030504040204" pitchFamily="34" charset="0"/>
-            </a:endParaRPr>
-          </a:p>
-        </p:txBody>
-      </p:sp>
-      <p:sp>
-        <p:nvSpPr>
-          <p:cNvPr id="153" name="Google Shape;153;p30"/>
-          <p:cNvSpPr txBox="1">
-            <a:spLocks noGrp="1"/>
-          </p:cNvSpPr>
-          <p:nvPr>
-            <p:ph type="ctrTitle" idx="9"/>
-          </p:nvPr>
-        </p:nvSpPr>
-        <p:spPr>
-          <a:xfrm>
-            <a:off x="4803693" y="1316133"/>
-            <a:ext cx="3129042" cy="577800"/>
-          </a:xfrm>
-          <a:prstGeom prst="rect">
-            <a:avLst/>
-          </a:prstGeom>
-        </p:spPr>
-        <p:txBody>
-          <a:bodyPr spcFirstLastPara="1" wrap="square" lIns="91425" tIns="91425" rIns="91425" bIns="91425" anchor="b" anchorCtr="0">
-            <a:noAutofit/>
-          </a:bodyPr>
-          <a:lstStyle/>
-          <a:p>
-            <a:pPr marL="0" lvl="0" indent="0" algn="l" rtl="0">
-              <a:spcBef>
-                <a:spcPts val="0"/>
-              </a:spcBef>
-              <a:spcAft>
-                <a:spcPts val="0"/>
-              </a:spcAft>
-              <a:buNone/>
-            </a:pPr>
-            <a:r>
-              <a:rPr lang="en-US" sz="2300" dirty="0">
-                <a:latin typeface="Tahoma" panose="020B0604030504040204" pitchFamily="34" charset="0"/>
-                <a:ea typeface="Tahoma" panose="020B0604030504040204" pitchFamily="34" charset="0"/>
-                <a:cs typeface="Tahoma" panose="020B0604030504040204" pitchFamily="34" charset="0"/>
-              </a:rPr>
-              <a:t>TECHNOLOGY</a:t>
-            </a:r>
-            <a:endParaRPr sz="2300" dirty="0">
-              <a:latin typeface="Tahoma" panose="020B0604030504040204" pitchFamily="34" charset="0"/>
-              <a:ea typeface="Tahoma" panose="020B0604030504040204" pitchFamily="34" charset="0"/>
-              <a:cs typeface="Tahoma" panose="020B0604030504040204" pitchFamily="34" charset="0"/>
-            </a:endParaRPr>
-          </a:p>
-        </p:txBody>
-      </p:sp>
-      <p:sp>
-        <p:nvSpPr>
-          <p:cNvPr id="163" name="Google Shape;163;p30"/>
-          <p:cNvSpPr txBox="1">
-            <a:spLocks noGrp="1"/>
-          </p:cNvSpPr>
-          <p:nvPr>
-            <p:ph type="ctrTitle" idx="14"/>
-          </p:nvPr>
-        </p:nvSpPr>
-        <p:spPr>
-          <a:xfrm>
-            <a:off x="4829318" y="2199155"/>
-            <a:ext cx="3973833" cy="577800"/>
-          </a:xfrm>
-          <a:prstGeom prst="rect">
-            <a:avLst/>
-          </a:prstGeom>
-        </p:spPr>
-        <p:txBody>
-          <a:bodyPr spcFirstLastPara="1" wrap="square" lIns="91425" tIns="91425" rIns="91425" bIns="91425" anchor="b" anchorCtr="0">
-            <a:noAutofit/>
-          </a:bodyPr>
-          <a:lstStyle/>
-          <a:p>
-            <a:pPr marL="0" lvl="0" indent="0" algn="l" rtl="0">
-              <a:spcBef>
-                <a:spcPts val="0"/>
-              </a:spcBef>
-              <a:spcAft>
-                <a:spcPts val="0"/>
-              </a:spcAft>
-              <a:buNone/>
-            </a:pPr>
-            <a:r>
-              <a:rPr lang="en-US" sz="2300" dirty="0">
-                <a:latin typeface="Tahoma" panose="020B0604030504040204" pitchFamily="34" charset="0"/>
-                <a:ea typeface="Tahoma" panose="020B0604030504040204" pitchFamily="34" charset="0"/>
-                <a:cs typeface="Tahoma" panose="020B0604030504040204" pitchFamily="34" charset="0"/>
-              </a:rPr>
-              <a:t>ANALYSIS AND DESIGN</a:t>
-            </a:r>
-            <a:endParaRPr sz="2300" dirty="0">
-              <a:latin typeface="Tahoma" panose="020B0604030504040204" pitchFamily="34" charset="0"/>
-              <a:ea typeface="Tahoma" panose="020B0604030504040204" pitchFamily="34" charset="0"/>
-              <a:cs typeface="Tahoma" panose="020B0604030504040204" pitchFamily="34" charset="0"/>
-            </a:endParaRPr>
-          </a:p>
-        </p:txBody>
-      </p:sp>
-      <p:sp>
-        <p:nvSpPr>
-          <p:cNvPr id="15" name="TextBox 14">
-            <a:extLst>
-              <a:ext uri="{FF2B5EF4-FFF2-40B4-BE49-F238E27FC236}">
-                <a16:creationId xmlns:a16="http://schemas.microsoft.com/office/drawing/2014/main" id="{D19E64E9-48AF-49C8-97F2-59F9D0628336}"/>
-              </a:ext>
-            </a:extLst>
-          </p:cNvPr>
-          <p:cNvSpPr txBox="1"/>
-          <p:nvPr/>
-        </p:nvSpPr>
-        <p:spPr>
-          <a:xfrm>
-            <a:off x="8489184" y="4563551"/>
-            <a:ext cx="431180" cy="338554"/>
-          </a:xfrm>
-          <a:prstGeom prst="rect">
-            <a:avLst/>
-          </a:prstGeom>
-          <a:noFill/>
-        </p:spPr>
-        <p:txBody>
-          <a:bodyPr wrap="square" rtlCol="0">
-            <a:spAutoFit/>
-          </a:bodyPr>
-          <a:lstStyle/>
-          <a:p>
-            <a:pPr algn="ctr"/>
-            <a:r>
-              <a:rPr lang="en-US" sz="1600" dirty="0"/>
-              <a:t>1</a:t>
-            </a:r>
-          </a:p>
-        </p:txBody>
-      </p:sp>
-      <p:cxnSp>
-        <p:nvCxnSpPr>
-          <p:cNvPr id="6" name="Straight Connector 5"/>
-          <p:cNvCxnSpPr/>
-          <p:nvPr/>
-        </p:nvCxnSpPr>
-        <p:spPr>
-          <a:xfrm>
-            <a:off x="4769265" y="551479"/>
-            <a:ext cx="0" cy="365760"/>
-          </a:xfrm>
-          <a:prstGeom prst="line">
-            <a:avLst/>
-          </a:prstGeom>
-        </p:spPr>
-        <p:style>
-          <a:lnRef idx="1">
-            <a:schemeClr val="accent1"/>
-          </a:lnRef>
-          <a:fillRef idx="0">
-            <a:schemeClr val="accent1"/>
-          </a:fillRef>
-          <a:effectRef idx="0">
-            <a:schemeClr val="accent1"/>
-          </a:effectRef>
-          <a:fontRef idx="minor">
-            <a:schemeClr val="tx1"/>
-          </a:fontRef>
-        </p:style>
-      </p:cxnSp>
-      <p:cxnSp>
-        <p:nvCxnSpPr>
-          <p:cNvPr id="23" name="Straight Connector 22"/>
-          <p:cNvCxnSpPr/>
-          <p:nvPr/>
-        </p:nvCxnSpPr>
-        <p:spPr>
-          <a:xfrm>
-            <a:off x="4793604" y="1432234"/>
-            <a:ext cx="0" cy="365760"/>
-          </a:xfrm>
-          <a:prstGeom prst="line">
-            <a:avLst/>
-          </a:prstGeom>
-        </p:spPr>
-        <p:style>
-          <a:lnRef idx="1">
-            <a:schemeClr val="accent1"/>
-          </a:lnRef>
-          <a:fillRef idx="0">
-            <a:schemeClr val="accent1"/>
-          </a:fillRef>
-          <a:effectRef idx="0">
-            <a:schemeClr val="accent1"/>
-          </a:effectRef>
-          <a:fontRef idx="minor">
-            <a:schemeClr val="tx1"/>
-          </a:fontRef>
-        </p:style>
-      </p:cxnSp>
-      <p:cxnSp>
-        <p:nvCxnSpPr>
-          <p:cNvPr id="26" name="Straight Connector 25"/>
-          <p:cNvCxnSpPr/>
-          <p:nvPr/>
-        </p:nvCxnSpPr>
-        <p:spPr>
-          <a:xfrm>
-            <a:off x="4829318" y="2300937"/>
-            <a:ext cx="0" cy="365760"/>
-          </a:xfrm>
-          <a:prstGeom prst="line">
-            <a:avLst/>
-          </a:prstGeom>
-        </p:spPr>
-        <p:style>
-          <a:lnRef idx="1">
-            <a:schemeClr val="accent1"/>
-          </a:lnRef>
-          <a:fillRef idx="0">
-            <a:schemeClr val="accent1"/>
-          </a:fillRef>
-          <a:effectRef idx="0">
-            <a:schemeClr val="accent1"/>
-          </a:effectRef>
-          <a:fontRef idx="minor">
-            <a:schemeClr val="tx1"/>
-          </a:fontRef>
-        </p:style>
-      </p:cxnSp>
-      <p:cxnSp>
-        <p:nvCxnSpPr>
-          <p:cNvPr id="29" name="Straight Connector 28"/>
-          <p:cNvCxnSpPr/>
-          <p:nvPr/>
-        </p:nvCxnSpPr>
-        <p:spPr>
-          <a:xfrm>
-            <a:off x="4856851" y="3228019"/>
-            <a:ext cx="0" cy="365760"/>
-          </a:xfrm>
-          <a:prstGeom prst="line">
-            <a:avLst/>
-          </a:prstGeom>
-        </p:spPr>
-        <p:style>
-          <a:lnRef idx="1">
-            <a:schemeClr val="accent1"/>
-          </a:lnRef>
-          <a:fillRef idx="0">
-            <a:schemeClr val="accent1"/>
-          </a:fillRef>
-          <a:effectRef idx="0">
-            <a:schemeClr val="accent1"/>
-          </a:effectRef>
-          <a:fontRef idx="minor">
-            <a:schemeClr val="tx1"/>
-          </a:fontRef>
-        </p:style>
-      </p:cxnSp>
-      <p:sp>
-        <p:nvSpPr>
-          <p:cNvPr id="30" name="Google Shape;167;p30"/>
-          <p:cNvSpPr txBox="1">
-            <a:spLocks noGrp="1"/>
-          </p:cNvSpPr>
-          <p:nvPr>
-            <p:ph type="ctrTitle" idx="18"/>
-          </p:nvPr>
-        </p:nvSpPr>
-        <p:spPr>
-          <a:xfrm>
-            <a:off x="4856850" y="3091674"/>
-            <a:ext cx="3601073" cy="577800"/>
-          </a:xfrm>
-          <a:prstGeom prst="rect">
-            <a:avLst/>
-          </a:prstGeom>
-        </p:spPr>
-        <p:txBody>
-          <a:bodyPr spcFirstLastPara="1" wrap="square" lIns="91425" tIns="91425" rIns="91425" bIns="91425" anchor="b" anchorCtr="0">
-            <a:noAutofit/>
-          </a:bodyPr>
-          <a:lstStyle/>
-          <a:p>
-            <a:pPr marL="0" lvl="0" indent="0" algn="l" rtl="0">
-              <a:spcBef>
-                <a:spcPts val="0"/>
-              </a:spcBef>
-              <a:spcAft>
-                <a:spcPts val="0"/>
-              </a:spcAft>
-              <a:buNone/>
-            </a:pPr>
-            <a:r>
-              <a:rPr lang="en-US" sz="2300" dirty="0">
-                <a:latin typeface="Tahoma" panose="020B0604030504040204" pitchFamily="34" charset="0"/>
-                <a:ea typeface="Tahoma" panose="020B0604030504040204" pitchFamily="34" charset="0"/>
-                <a:cs typeface="Tahoma" panose="020B0604030504040204" pitchFamily="34" charset="0"/>
-              </a:rPr>
-              <a:t>DEMO</a:t>
-            </a:r>
-            <a:endParaRPr sz="2300" dirty="0">
-              <a:latin typeface="Tahoma" panose="020B0604030504040204" pitchFamily="34" charset="0"/>
-              <a:ea typeface="Tahoma" panose="020B0604030504040204" pitchFamily="34" charset="0"/>
-              <a:cs typeface="Tahoma" panose="020B0604030504040204" pitchFamily="34" charset="0"/>
-            </a:endParaRPr>
-          </a:p>
-        </p:txBody>
-      </p:sp>
-      <p:sp>
-        <p:nvSpPr>
-          <p:cNvPr id="21" name="Rectangle 20">
-            <a:extLst>
-              <a:ext uri="{FF2B5EF4-FFF2-40B4-BE49-F238E27FC236}">
-                <a16:creationId xmlns:a16="http://schemas.microsoft.com/office/drawing/2014/main" id="{76E1FF8F-6380-4D6C-BE66-2F5179D9321C}"/>
-              </a:ext>
-            </a:extLst>
-          </p:cNvPr>
-          <p:cNvSpPr/>
-          <p:nvPr/>
-        </p:nvSpPr>
-        <p:spPr>
-          <a:xfrm>
-            <a:off x="3989523" y="3954499"/>
-            <a:ext cx="4349690" cy="709644"/>
-          </a:xfrm>
-          <a:prstGeom prst="rect">
-            <a:avLst/>
-          </a:prstGeom>
-          <a:solidFill>
-            <a:schemeClr val="bg1"/>
-          </a:solidFill>
-        </p:spPr>
-        <p:style>
-          <a:lnRef idx="2">
-            <a:schemeClr val="accent1">
-              <a:shade val="50000"/>
-            </a:schemeClr>
-          </a:lnRef>
-          <a:fillRef idx="1">
-            <a:schemeClr val="accent1"/>
-          </a:fillRef>
-          <a:effectRef idx="0">
-            <a:schemeClr val="accent1"/>
-          </a:effectRef>
-          <a:fontRef idx="minor">
-            <a:schemeClr val="lt1"/>
-          </a:fontRef>
-        </p:style>
-        <p:txBody>
-          <a:bodyPr rtlCol="0" anchor="ctr"/>
-          <a:lstStyle/>
-          <a:p>
-            <a:pPr algn="ctr"/>
-            <a:endParaRPr lang="en-US" dirty="0"/>
-          </a:p>
-        </p:txBody>
-      </p:sp>
-      <p:sp>
-        <p:nvSpPr>
-          <p:cNvPr id="22" name="Google Shape;160;p30">
-            <a:extLst>
-              <a:ext uri="{FF2B5EF4-FFF2-40B4-BE49-F238E27FC236}">
-                <a16:creationId xmlns:a16="http://schemas.microsoft.com/office/drawing/2014/main" id="{963D1325-0BED-4A23-B999-3D38265ED237}"/>
-              </a:ext>
-            </a:extLst>
-          </p:cNvPr>
-          <p:cNvSpPr txBox="1">
-            <a:spLocks/>
-          </p:cNvSpPr>
-          <p:nvPr/>
-        </p:nvSpPr>
-        <p:spPr>
-          <a:xfrm>
-            <a:off x="4115669" y="4050338"/>
-            <a:ext cx="1072200" cy="577800"/>
-          </a:xfrm>
-          <a:prstGeom prst="rect">
-            <a:avLst/>
-          </a:prstGeom>
-        </p:spPr>
-        <p:txBody>
-          <a:bodyPr spcFirstLastPara="1" vert="horz" wrap="square" lIns="91425" tIns="91425" rIns="91425" bIns="91425" rtlCol="0" anchor="ctr" anchorCtr="0">
-            <a:noAutofit/>
-          </a:bodyPr>
-          <a:lstStyle>
-            <a:lvl1pPr lvl="0" algn="l" defTabSz="685800" rtl="0" eaLnBrk="1" latinLnBrk="0" hangingPunct="1">
-              <a:lnSpc>
-                <a:spcPct val="90000"/>
-              </a:lnSpc>
-              <a:spcBef>
-                <a:spcPts val="0"/>
-              </a:spcBef>
-              <a:spcAft>
-                <a:spcPts val="0"/>
-              </a:spcAft>
-              <a:buSzPts val="4800"/>
-              <a:buNone/>
-              <a:defRPr sz="3600" kern="1200">
-                <a:solidFill>
-                  <a:schemeClr val="tx1"/>
-                </a:solidFill>
-                <a:latin typeface="+mj-lt"/>
-                <a:ea typeface="+mj-ea"/>
-                <a:cs typeface="+mj-cs"/>
-              </a:defRPr>
-            </a:lvl1pPr>
-            <a:lvl2pPr lvl="1" algn="r" rtl="0">
-              <a:spcBef>
-                <a:spcPts val="0"/>
-              </a:spcBef>
-              <a:spcAft>
-                <a:spcPts val="0"/>
-              </a:spcAft>
-              <a:buSzPts val="4800"/>
-              <a:buFont typeface="Fira Sans Extra Condensed Medium"/>
-              <a:buNone/>
-              <a:defRPr sz="4800">
-                <a:latin typeface="Fira Sans Extra Condensed Medium"/>
-                <a:ea typeface="Fira Sans Extra Condensed Medium"/>
-                <a:cs typeface="Fira Sans Extra Condensed Medium"/>
-                <a:sym typeface="Fira Sans Extra Condensed Medium"/>
-              </a:defRPr>
-            </a:lvl2pPr>
-            <a:lvl3pPr lvl="2" algn="r" rtl="0">
-              <a:spcBef>
-                <a:spcPts val="0"/>
-              </a:spcBef>
-              <a:spcAft>
-                <a:spcPts val="0"/>
-              </a:spcAft>
-              <a:buSzPts val="4800"/>
-              <a:buFont typeface="Fira Sans Extra Condensed Medium"/>
-              <a:buNone/>
-              <a:defRPr sz="4800">
-                <a:latin typeface="Fira Sans Extra Condensed Medium"/>
-                <a:ea typeface="Fira Sans Extra Condensed Medium"/>
-                <a:cs typeface="Fira Sans Extra Condensed Medium"/>
-                <a:sym typeface="Fira Sans Extra Condensed Medium"/>
-              </a:defRPr>
-            </a:lvl3pPr>
-            <a:lvl4pPr lvl="3" algn="r" rtl="0">
-              <a:spcBef>
-                <a:spcPts val="0"/>
-              </a:spcBef>
-              <a:spcAft>
-                <a:spcPts val="0"/>
-              </a:spcAft>
-              <a:buSzPts val="4800"/>
-              <a:buFont typeface="Fira Sans Extra Condensed Medium"/>
-              <a:buNone/>
-              <a:defRPr sz="4800">
-                <a:latin typeface="Fira Sans Extra Condensed Medium"/>
-                <a:ea typeface="Fira Sans Extra Condensed Medium"/>
-                <a:cs typeface="Fira Sans Extra Condensed Medium"/>
-                <a:sym typeface="Fira Sans Extra Condensed Medium"/>
-              </a:defRPr>
-            </a:lvl4pPr>
-            <a:lvl5pPr lvl="4" algn="r" rtl="0">
-              <a:spcBef>
-                <a:spcPts val="0"/>
-              </a:spcBef>
-              <a:spcAft>
-                <a:spcPts val="0"/>
-              </a:spcAft>
-              <a:buSzPts val="4800"/>
-              <a:buFont typeface="Fira Sans Extra Condensed Medium"/>
-              <a:buNone/>
-              <a:defRPr sz="4800">
-                <a:latin typeface="Fira Sans Extra Condensed Medium"/>
-                <a:ea typeface="Fira Sans Extra Condensed Medium"/>
-                <a:cs typeface="Fira Sans Extra Condensed Medium"/>
-                <a:sym typeface="Fira Sans Extra Condensed Medium"/>
-              </a:defRPr>
-            </a:lvl5pPr>
-            <a:lvl6pPr lvl="5" algn="r" rtl="0">
-              <a:spcBef>
-                <a:spcPts val="0"/>
-              </a:spcBef>
-              <a:spcAft>
-                <a:spcPts val="0"/>
-              </a:spcAft>
-              <a:buSzPts val="4800"/>
-              <a:buFont typeface="Fira Sans Extra Condensed Medium"/>
-              <a:buNone/>
-              <a:defRPr sz="4800">
-                <a:latin typeface="Fira Sans Extra Condensed Medium"/>
-                <a:ea typeface="Fira Sans Extra Condensed Medium"/>
-                <a:cs typeface="Fira Sans Extra Condensed Medium"/>
-                <a:sym typeface="Fira Sans Extra Condensed Medium"/>
-              </a:defRPr>
-            </a:lvl6pPr>
-            <a:lvl7pPr lvl="6" algn="r" rtl="0">
-              <a:spcBef>
-                <a:spcPts val="0"/>
-              </a:spcBef>
-              <a:spcAft>
-                <a:spcPts val="0"/>
-              </a:spcAft>
-              <a:buSzPts val="4800"/>
-              <a:buFont typeface="Fira Sans Extra Condensed Medium"/>
-              <a:buNone/>
-              <a:defRPr sz="4800">
-                <a:latin typeface="Fira Sans Extra Condensed Medium"/>
-                <a:ea typeface="Fira Sans Extra Condensed Medium"/>
-                <a:cs typeface="Fira Sans Extra Condensed Medium"/>
-                <a:sym typeface="Fira Sans Extra Condensed Medium"/>
-              </a:defRPr>
-            </a:lvl7pPr>
-            <a:lvl8pPr lvl="7" algn="r" rtl="0">
-              <a:spcBef>
-                <a:spcPts val="0"/>
-              </a:spcBef>
-              <a:spcAft>
-                <a:spcPts val="0"/>
-              </a:spcAft>
-              <a:buSzPts val="4800"/>
-              <a:buFont typeface="Fira Sans Extra Condensed Medium"/>
-              <a:buNone/>
-              <a:defRPr sz="4800">
-                <a:latin typeface="Fira Sans Extra Condensed Medium"/>
-                <a:ea typeface="Fira Sans Extra Condensed Medium"/>
-                <a:cs typeface="Fira Sans Extra Condensed Medium"/>
-                <a:sym typeface="Fira Sans Extra Condensed Medium"/>
-              </a:defRPr>
-            </a:lvl8pPr>
-            <a:lvl9pPr lvl="8" algn="r" rtl="0">
-              <a:spcBef>
-                <a:spcPts val="0"/>
-              </a:spcBef>
-              <a:spcAft>
-                <a:spcPts val="0"/>
-              </a:spcAft>
-              <a:buSzPts val="4800"/>
-              <a:buFont typeface="Fira Sans Extra Condensed Medium"/>
-              <a:buNone/>
-              <a:defRPr sz="4800">
-                <a:latin typeface="Fira Sans Extra Condensed Medium"/>
-                <a:ea typeface="Fira Sans Extra Condensed Medium"/>
-                <a:cs typeface="Fira Sans Extra Condensed Medium"/>
-                <a:sym typeface="Fira Sans Extra Condensed Medium"/>
-              </a:defRPr>
-            </a:lvl9pPr>
-          </a:lstStyle>
-          <a:p>
-            <a:r>
-              <a:rPr lang="en" dirty="0">
-                <a:latin typeface="Tahoma" panose="020B0604030504040204" pitchFamily="34" charset="0"/>
-                <a:ea typeface="Tahoma" panose="020B0604030504040204" pitchFamily="34" charset="0"/>
-                <a:cs typeface="Tahoma" panose="020B0604030504040204" pitchFamily="34" charset="0"/>
-              </a:rPr>
-              <a:t>05</a:t>
-            </a:r>
-          </a:p>
-        </p:txBody>
-      </p:sp>
-      <p:cxnSp>
-        <p:nvCxnSpPr>
-          <p:cNvPr id="25" name="Straight Connector 24">
-            <a:extLst>
-              <a:ext uri="{FF2B5EF4-FFF2-40B4-BE49-F238E27FC236}">
-                <a16:creationId xmlns:a16="http://schemas.microsoft.com/office/drawing/2014/main" id="{7E2AEBAF-76D7-4336-A23B-6DF9532A7BB1}"/>
-              </a:ext>
-            </a:extLst>
-          </p:cNvPr>
-          <p:cNvCxnSpPr/>
-          <p:nvPr/>
-        </p:nvCxnSpPr>
-        <p:spPr>
-          <a:xfrm>
-            <a:off x="4856851" y="4127806"/>
-            <a:ext cx="0" cy="365760"/>
-          </a:xfrm>
-          <a:prstGeom prst="line">
-            <a:avLst/>
-          </a:prstGeom>
-        </p:spPr>
-        <p:style>
-          <a:lnRef idx="1">
-            <a:schemeClr val="accent1"/>
-          </a:lnRef>
-          <a:fillRef idx="0">
-            <a:schemeClr val="accent1"/>
-          </a:fillRef>
-          <a:effectRef idx="0">
-            <a:schemeClr val="accent1"/>
-          </a:effectRef>
-          <a:fontRef idx="minor">
-            <a:schemeClr val="tx1"/>
-          </a:fontRef>
-        </p:style>
-      </p:cxnSp>
-      <p:sp>
-        <p:nvSpPr>
-          <p:cNvPr id="27" name="Google Shape;167;p30">
-            <a:extLst>
-              <a:ext uri="{FF2B5EF4-FFF2-40B4-BE49-F238E27FC236}">
-                <a16:creationId xmlns:a16="http://schemas.microsoft.com/office/drawing/2014/main" id="{8C959B24-D366-4DA6-83F5-0D102F63A363}"/>
-              </a:ext>
-            </a:extLst>
-          </p:cNvPr>
-          <p:cNvSpPr txBox="1">
-            <a:spLocks/>
-          </p:cNvSpPr>
-          <p:nvPr/>
-        </p:nvSpPr>
-        <p:spPr>
-          <a:xfrm>
-            <a:off x="4856851" y="3991461"/>
-            <a:ext cx="3129042" cy="577800"/>
-          </a:xfrm>
-          <a:prstGeom prst="rect">
-            <a:avLst/>
-          </a:prstGeom>
-        </p:spPr>
-        <p:txBody>
-          <a:bodyPr spcFirstLastPara="1" vert="horz" wrap="square" lIns="91425" tIns="91425" rIns="91425" bIns="91425" rtlCol="0" anchor="b" anchorCtr="0">
-            <a:noAutofit/>
-          </a:bodyPr>
-          <a:lstStyle>
-            <a:lvl1pPr lvl="0" algn="l" defTabSz="685800" rtl="0" eaLnBrk="1" latinLnBrk="0" hangingPunct="1">
-              <a:lnSpc>
-                <a:spcPct val="90000"/>
-              </a:lnSpc>
-              <a:spcBef>
-                <a:spcPts val="0"/>
-              </a:spcBef>
-              <a:spcAft>
-                <a:spcPts val="0"/>
-              </a:spcAft>
-              <a:buSzPts val="1400"/>
-              <a:buNone/>
-              <a:defRPr sz="1400" kern="1200">
-                <a:solidFill>
-                  <a:schemeClr val="tx1"/>
-                </a:solidFill>
-                <a:latin typeface="+mj-lt"/>
-                <a:ea typeface="+mj-ea"/>
-                <a:cs typeface="+mj-cs"/>
-              </a:defRPr>
-            </a:lvl1pPr>
-            <a:lvl2pPr lvl="1" rtl="0">
-              <a:spcBef>
-                <a:spcPts val="0"/>
-              </a:spcBef>
-              <a:spcAft>
-                <a:spcPts val="0"/>
-              </a:spcAft>
-              <a:buSzPts val="1400"/>
-              <a:buNone/>
-              <a:defRPr sz="1400"/>
-            </a:lvl2pPr>
-            <a:lvl3pPr lvl="2" rtl="0">
-              <a:spcBef>
-                <a:spcPts val="0"/>
-              </a:spcBef>
-              <a:spcAft>
-                <a:spcPts val="0"/>
-              </a:spcAft>
-              <a:buSzPts val="1400"/>
-              <a:buNone/>
-              <a:defRPr sz="1400"/>
-            </a:lvl3pPr>
-            <a:lvl4pPr lvl="3" rtl="0">
-              <a:spcBef>
-                <a:spcPts val="0"/>
-              </a:spcBef>
-              <a:spcAft>
-                <a:spcPts val="0"/>
-              </a:spcAft>
-              <a:buSzPts val="1400"/>
-              <a:buNone/>
-              <a:defRPr sz="1400"/>
-            </a:lvl4pPr>
-            <a:lvl5pPr lvl="4" rtl="0">
-              <a:spcBef>
-                <a:spcPts val="0"/>
-              </a:spcBef>
-              <a:spcAft>
-                <a:spcPts val="0"/>
-              </a:spcAft>
-              <a:buSzPts val="1400"/>
-              <a:buNone/>
-              <a:defRPr sz="1400"/>
-            </a:lvl5pPr>
-            <a:lvl6pPr lvl="5" rtl="0">
-              <a:spcBef>
-                <a:spcPts val="0"/>
-              </a:spcBef>
-              <a:spcAft>
-                <a:spcPts val="0"/>
-              </a:spcAft>
-              <a:buSzPts val="1400"/>
-              <a:buNone/>
-              <a:defRPr sz="1400"/>
-            </a:lvl6pPr>
-            <a:lvl7pPr lvl="6" rtl="0">
-              <a:spcBef>
-                <a:spcPts val="0"/>
-              </a:spcBef>
-              <a:spcAft>
-                <a:spcPts val="0"/>
-              </a:spcAft>
-              <a:buSzPts val="1400"/>
-              <a:buNone/>
-              <a:defRPr sz="1400"/>
-            </a:lvl7pPr>
-            <a:lvl8pPr lvl="7" rtl="0">
-              <a:spcBef>
-                <a:spcPts val="0"/>
-              </a:spcBef>
-              <a:spcAft>
-                <a:spcPts val="0"/>
-              </a:spcAft>
-              <a:buSzPts val="1400"/>
-              <a:buNone/>
-              <a:defRPr sz="1400"/>
-            </a:lvl8pPr>
-            <a:lvl9pPr lvl="8" rtl="0">
-              <a:spcBef>
-                <a:spcPts val="0"/>
-              </a:spcBef>
-              <a:spcAft>
-                <a:spcPts val="0"/>
-              </a:spcAft>
-              <a:buSzPts val="1400"/>
-              <a:buNone/>
-              <a:defRPr sz="1400"/>
-            </a:lvl9pPr>
-          </a:lstStyle>
-          <a:p>
-            <a:r>
-              <a:rPr lang="en-US" sz="2300" dirty="0">
-                <a:latin typeface="Tahoma" panose="020B0604030504040204" pitchFamily="34" charset="0"/>
-                <a:ea typeface="Tahoma" panose="020B0604030504040204" pitchFamily="34" charset="0"/>
-                <a:cs typeface="Tahoma" panose="020B0604030504040204" pitchFamily="34" charset="0"/>
-              </a:rPr>
-              <a:t>CONLUTION</a:t>
-            </a:r>
-          </a:p>
-        </p:txBody>
-      </p:sp>
-    </p:spTree>
-  </p:cSld>
-  <p:clrMapOvr>
-    <a:masterClrMapping/>
-  </p:clrMapOvr>
-  <mc:AlternateContent xmlns:mc="http://schemas.openxmlformats.org/markup-compatibility/2006">
-    <mc:Choice xmlns:p14="http://schemas.microsoft.com/office/powerpoint/2010/main" Requires="p14">
-      <p:transition spd="med" p14:dur="700">
-        <p:fade/>
-      </p:transition>
-    </mc:Choice>
-    <mc:Fallback>
-      <p:transition spd="med">
-        <p:fade/>
-      </p:transition>
-    </mc:Fallback>
-  </mc:AlternateContent>
-  <p:timing>
-    <p:tnLst>
-      <p:par>
-        <p:cTn id="1" dur="indefinite" restart="never" nodeType="tmRoot">
-          <p:childTnLst>
-            <p:seq concurrent="1" nextAc="seek">
-              <p:cTn id="2" dur="indefinite" nodeType="mainSeq">
-                <p:childTnLst>
-                  <p:par>
-                    <p:cTn id="3" fill="hold">
-                      <p:stCondLst>
-                        <p:cond delay="indefinite"/>
-                      </p:stCondLst>
-                      <p:childTnLst>
-                        <p:par>
-                          <p:cTn id="4" fill="hold">
-                            <p:stCondLst>
-                              <p:cond delay="0"/>
-                            </p:stCondLst>
-                            <p:childTnLst>
-                              <p:par>
-                                <p:cTn id="5" presetID="10" presetClass="entr" presetSubtype="0" fill="hold" grpId="0" nodeType="clickEffect">
-                                  <p:stCondLst>
-                                    <p:cond delay="0"/>
-                                  </p:stCondLst>
-                                  <p:childTnLst>
-                                    <p:set>
-                                      <p:cBhvr>
-                                        <p:cTn id="6" dur="1" fill="hold">
-                                          <p:stCondLst>
-                                            <p:cond delay="0"/>
-                                          </p:stCondLst>
-                                        </p:cTn>
-                                        <p:tgtEl>
-                                          <p:spTgt spid="155"/>
-                                        </p:tgtEl>
-                                        <p:attrNameLst>
-                                          <p:attrName>style.visibility</p:attrName>
-                                        </p:attrNameLst>
-                                      </p:cBhvr>
-                                      <p:to>
-                                        <p:strVal val="visible"/>
-                                      </p:to>
-                                    </p:set>
-                                    <p:animEffect transition="in" filter="fade">
-                                      <p:cBhvr>
-                                        <p:cTn id="7" dur="500"/>
-                                        <p:tgtEl>
-                                          <p:spTgt spid="155"/>
-                                        </p:tgtEl>
-                                      </p:cBhvr>
-                                    </p:animEffect>
-                                  </p:childTnLst>
-                                </p:cTn>
-                              </p:par>
-                              <p:par>
-                                <p:cTn id="8" presetID="10" presetClass="entr" presetSubtype="0" fill="hold" grpId="0" nodeType="withEffect">
-                                  <p:stCondLst>
-                                    <p:cond delay="0"/>
-                                  </p:stCondLst>
-                                  <p:childTnLst>
-                                    <p:set>
-                                      <p:cBhvr>
-                                        <p:cTn id="9" dur="1" fill="hold">
-                                          <p:stCondLst>
-                                            <p:cond delay="0"/>
-                                          </p:stCondLst>
-                                        </p:cTn>
-                                        <p:tgtEl>
-                                          <p:spTgt spid="151"/>
-                                        </p:tgtEl>
-                                        <p:attrNameLst>
-                                          <p:attrName>style.visibility</p:attrName>
-                                        </p:attrNameLst>
-                                      </p:cBhvr>
-                                      <p:to>
-                                        <p:strVal val="visible"/>
-                                      </p:to>
-                                    </p:set>
-                                    <p:animEffect transition="in" filter="fade">
-                                      <p:cBhvr>
-                                        <p:cTn id="10" dur="500"/>
-                                        <p:tgtEl>
-                                          <p:spTgt spid="151"/>
-                                        </p:tgtEl>
-                                      </p:cBhvr>
-                                    </p:animEffect>
-                                  </p:childTnLst>
-                                </p:cTn>
-                              </p:par>
-                              <p:par>
-                                <p:cTn id="11" presetID="10" presetClass="entr" presetSubtype="0" fill="hold" grpId="0" nodeType="withEffect">
-                                  <p:stCondLst>
-                                    <p:cond delay="0"/>
-                                  </p:stCondLst>
-                                  <p:childTnLst>
-                                    <p:set>
-                                      <p:cBhvr>
-                                        <p:cTn id="12" dur="1" fill="hold">
-                                          <p:stCondLst>
-                                            <p:cond delay="0"/>
-                                          </p:stCondLst>
-                                        </p:cTn>
-                                        <p:tgtEl>
-                                          <p:spTgt spid="4"/>
-                                        </p:tgtEl>
-                                        <p:attrNameLst>
-                                          <p:attrName>style.visibility</p:attrName>
-                                        </p:attrNameLst>
-                                      </p:cBhvr>
-                                      <p:to>
-                                        <p:strVal val="visible"/>
-                                      </p:to>
-                                    </p:set>
-                                    <p:animEffect transition="in" filter="fade">
-                                      <p:cBhvr>
-                                        <p:cTn id="13" dur="500"/>
-                                        <p:tgtEl>
-                                          <p:spTgt spid="4"/>
-                                        </p:tgtEl>
-                                      </p:cBhvr>
-                                    </p:animEffect>
-                                  </p:childTnLst>
-                                </p:cTn>
-                              </p:par>
-                              <p:par>
-                                <p:cTn id="14" presetID="10" presetClass="entr" presetSubtype="0" fill="hold" nodeType="withEffect">
-                                  <p:stCondLst>
-                                    <p:cond delay="0"/>
-                                  </p:stCondLst>
-                                  <p:childTnLst>
-                                    <p:set>
-                                      <p:cBhvr>
-                                        <p:cTn id="15" dur="1" fill="hold">
-                                          <p:stCondLst>
-                                            <p:cond delay="0"/>
-                                          </p:stCondLst>
-                                        </p:cTn>
-                                        <p:tgtEl>
-                                          <p:spTgt spid="6"/>
-                                        </p:tgtEl>
-                                        <p:attrNameLst>
-                                          <p:attrName>style.visibility</p:attrName>
-                                        </p:attrNameLst>
-                                      </p:cBhvr>
-                                      <p:to>
-                                        <p:strVal val="visible"/>
-                                      </p:to>
-                                    </p:set>
-                                    <p:animEffect transition="in" filter="fade">
-                                      <p:cBhvr>
-                                        <p:cTn id="16" dur="500"/>
-                                        <p:tgtEl>
-                                          <p:spTgt spid="6"/>
-                                        </p:tgtEl>
-                                      </p:cBhvr>
-                                    </p:animEffect>
-                                  </p:childTnLst>
-                                </p:cTn>
-                              </p:par>
-                            </p:childTnLst>
-                          </p:cTn>
-                        </p:par>
-                      </p:childTnLst>
-                    </p:cTn>
-                  </p:par>
-                  <p:par>
-                    <p:cTn id="17" fill="hold">
-                      <p:stCondLst>
-                        <p:cond delay="indefinite"/>
-                      </p:stCondLst>
-                      <p:childTnLst>
-                        <p:par>
-                          <p:cTn id="18" fill="hold">
-                            <p:stCondLst>
-                              <p:cond delay="0"/>
-                            </p:stCondLst>
-                            <p:childTnLst>
-                              <p:par>
-                                <p:cTn id="19" presetID="10" presetClass="entr" presetSubtype="0" fill="hold" grpId="0" nodeType="clickEffect">
-                                  <p:stCondLst>
-                                    <p:cond delay="0"/>
-                                  </p:stCondLst>
-                                  <p:childTnLst>
-                                    <p:set>
-                                      <p:cBhvr>
-                                        <p:cTn id="20" dur="1" fill="hold">
-                                          <p:stCondLst>
-                                            <p:cond delay="0"/>
-                                          </p:stCondLst>
-                                        </p:cTn>
-                                        <p:tgtEl>
-                                          <p:spTgt spid="157"/>
-                                        </p:tgtEl>
-                                        <p:attrNameLst>
-                                          <p:attrName>style.visibility</p:attrName>
-                                        </p:attrNameLst>
-                                      </p:cBhvr>
-                                      <p:to>
-                                        <p:strVal val="visible"/>
-                                      </p:to>
-                                    </p:set>
-                                    <p:animEffect transition="in" filter="fade">
-                                      <p:cBhvr>
-                                        <p:cTn id="21" dur="500"/>
-                                        <p:tgtEl>
-                                          <p:spTgt spid="157"/>
-                                        </p:tgtEl>
-                                      </p:cBhvr>
-                                    </p:animEffect>
-                                  </p:childTnLst>
-                                </p:cTn>
-                              </p:par>
-                              <p:par>
-                                <p:cTn id="22" presetID="10" presetClass="entr" presetSubtype="0" fill="hold" grpId="0" nodeType="withEffect">
-                                  <p:stCondLst>
-                                    <p:cond delay="0"/>
-                                  </p:stCondLst>
-                                  <p:childTnLst>
-                                    <p:set>
-                                      <p:cBhvr>
-                                        <p:cTn id="23" dur="1" fill="hold">
-                                          <p:stCondLst>
-                                            <p:cond delay="0"/>
-                                          </p:stCondLst>
-                                        </p:cTn>
-                                        <p:tgtEl>
-                                          <p:spTgt spid="153"/>
-                                        </p:tgtEl>
-                                        <p:attrNameLst>
-                                          <p:attrName>style.visibility</p:attrName>
-                                        </p:attrNameLst>
-                                      </p:cBhvr>
-                                      <p:to>
-                                        <p:strVal val="visible"/>
-                                      </p:to>
-                                    </p:set>
-                                    <p:animEffect transition="in" filter="fade">
-                                      <p:cBhvr>
-                                        <p:cTn id="24" dur="500"/>
-                                        <p:tgtEl>
-                                          <p:spTgt spid="153"/>
-                                        </p:tgtEl>
-                                      </p:cBhvr>
-                                    </p:animEffect>
-                                  </p:childTnLst>
-                                </p:cTn>
-                              </p:par>
-                              <p:par>
-                                <p:cTn id="25" presetID="10" presetClass="entr" presetSubtype="0" fill="hold" grpId="0" nodeType="withEffect">
-                                  <p:stCondLst>
-                                    <p:cond delay="0"/>
-                                  </p:stCondLst>
-                                  <p:childTnLst>
-                                    <p:set>
-                                      <p:cBhvr>
-                                        <p:cTn id="26" dur="1" fill="hold">
-                                          <p:stCondLst>
-                                            <p:cond delay="0"/>
-                                          </p:stCondLst>
-                                        </p:cTn>
-                                        <p:tgtEl>
-                                          <p:spTgt spid="19"/>
-                                        </p:tgtEl>
-                                        <p:attrNameLst>
-                                          <p:attrName>style.visibility</p:attrName>
-                                        </p:attrNameLst>
-                                      </p:cBhvr>
-                                      <p:to>
-                                        <p:strVal val="visible"/>
-                                      </p:to>
-                                    </p:set>
-                                    <p:animEffect transition="in" filter="fade">
-                                      <p:cBhvr>
-                                        <p:cTn id="27" dur="500"/>
-                                        <p:tgtEl>
-                                          <p:spTgt spid="19"/>
-                                        </p:tgtEl>
-                                      </p:cBhvr>
-                                    </p:animEffect>
-                                  </p:childTnLst>
-                                </p:cTn>
-                              </p:par>
-                              <p:par>
-                                <p:cTn id="28" presetID="10" presetClass="entr" presetSubtype="0" fill="hold" nodeType="withEffect">
-                                  <p:stCondLst>
-                                    <p:cond delay="0"/>
-                                  </p:stCondLst>
-                                  <p:childTnLst>
-                                    <p:set>
-                                      <p:cBhvr>
-                                        <p:cTn id="29" dur="1" fill="hold">
-                                          <p:stCondLst>
-                                            <p:cond delay="0"/>
-                                          </p:stCondLst>
-                                        </p:cTn>
-                                        <p:tgtEl>
-                                          <p:spTgt spid="23"/>
-                                        </p:tgtEl>
-                                        <p:attrNameLst>
-                                          <p:attrName>style.visibility</p:attrName>
-                                        </p:attrNameLst>
-                                      </p:cBhvr>
-                                      <p:to>
-                                        <p:strVal val="visible"/>
-                                      </p:to>
-                                    </p:set>
-                                    <p:animEffect transition="in" filter="fade">
-                                      <p:cBhvr>
-                                        <p:cTn id="30" dur="500"/>
-                                        <p:tgtEl>
-                                          <p:spTgt spid="23"/>
-                                        </p:tgtEl>
-                                      </p:cBhvr>
-                                    </p:animEffect>
-                                  </p:childTnLst>
-                                </p:cTn>
-                              </p:par>
-                            </p:childTnLst>
-                          </p:cTn>
-                        </p:par>
-                      </p:childTnLst>
-                    </p:cTn>
-                  </p:par>
-                  <p:par>
-                    <p:cTn id="31" fill="hold">
-                      <p:stCondLst>
-                        <p:cond delay="indefinite"/>
-                      </p:stCondLst>
-                      <p:childTnLst>
-                        <p:par>
-                          <p:cTn id="32" fill="hold">
-                            <p:stCondLst>
-                              <p:cond delay="0"/>
-                            </p:stCondLst>
-                            <p:childTnLst>
-                              <p:par>
-                                <p:cTn id="33" presetID="10" presetClass="entr" presetSubtype="0" fill="hold" grpId="0" nodeType="clickEffect">
-                                  <p:stCondLst>
-                                    <p:cond delay="0"/>
-                                  </p:stCondLst>
-                                  <p:childTnLst>
-                                    <p:set>
-                                      <p:cBhvr>
-                                        <p:cTn id="34" dur="1" fill="hold">
-                                          <p:stCondLst>
-                                            <p:cond delay="0"/>
-                                          </p:stCondLst>
-                                        </p:cTn>
-                                        <p:tgtEl>
-                                          <p:spTgt spid="156"/>
-                                        </p:tgtEl>
-                                        <p:attrNameLst>
-                                          <p:attrName>style.visibility</p:attrName>
-                                        </p:attrNameLst>
-                                      </p:cBhvr>
-                                      <p:to>
-                                        <p:strVal val="visible"/>
-                                      </p:to>
-                                    </p:set>
-                                    <p:animEffect transition="in" filter="fade">
-                                      <p:cBhvr>
-                                        <p:cTn id="35" dur="500"/>
-                                        <p:tgtEl>
-                                          <p:spTgt spid="156"/>
-                                        </p:tgtEl>
-                                      </p:cBhvr>
-                                    </p:animEffect>
-                                  </p:childTnLst>
-                                </p:cTn>
-                              </p:par>
-                              <p:par>
-                                <p:cTn id="36" presetID="10" presetClass="entr" presetSubtype="0" fill="hold" grpId="0" nodeType="withEffect">
-                                  <p:stCondLst>
-                                    <p:cond delay="0"/>
-                                  </p:stCondLst>
-                                  <p:childTnLst>
-                                    <p:set>
-                                      <p:cBhvr>
-                                        <p:cTn id="37" dur="1" fill="hold">
-                                          <p:stCondLst>
-                                            <p:cond delay="0"/>
-                                          </p:stCondLst>
-                                        </p:cTn>
-                                        <p:tgtEl>
-                                          <p:spTgt spid="163"/>
-                                        </p:tgtEl>
-                                        <p:attrNameLst>
-                                          <p:attrName>style.visibility</p:attrName>
-                                        </p:attrNameLst>
-                                      </p:cBhvr>
-                                      <p:to>
-                                        <p:strVal val="visible"/>
-                                      </p:to>
-                                    </p:set>
-                                    <p:animEffect transition="in" filter="fade">
-                                      <p:cBhvr>
-                                        <p:cTn id="38" dur="500"/>
-                                        <p:tgtEl>
-                                          <p:spTgt spid="163"/>
-                                        </p:tgtEl>
-                                      </p:cBhvr>
-                                    </p:animEffect>
-                                  </p:childTnLst>
-                                </p:cTn>
-                              </p:par>
-                              <p:par>
-                                <p:cTn id="39" presetID="10" presetClass="entr" presetSubtype="0" fill="hold" grpId="0" nodeType="withEffect">
-                                  <p:stCondLst>
-                                    <p:cond delay="0"/>
-                                  </p:stCondLst>
-                                  <p:childTnLst>
-                                    <p:set>
-                                      <p:cBhvr>
-                                        <p:cTn id="40" dur="1" fill="hold">
-                                          <p:stCondLst>
-                                            <p:cond delay="0"/>
-                                          </p:stCondLst>
-                                        </p:cTn>
-                                        <p:tgtEl>
-                                          <p:spTgt spid="24"/>
-                                        </p:tgtEl>
-                                        <p:attrNameLst>
-                                          <p:attrName>style.visibility</p:attrName>
-                                        </p:attrNameLst>
-                                      </p:cBhvr>
-                                      <p:to>
-                                        <p:strVal val="visible"/>
-                                      </p:to>
-                                    </p:set>
-                                    <p:animEffect transition="in" filter="fade">
-                                      <p:cBhvr>
-                                        <p:cTn id="41" dur="500"/>
-                                        <p:tgtEl>
-                                          <p:spTgt spid="24"/>
-                                        </p:tgtEl>
-                                      </p:cBhvr>
-                                    </p:animEffect>
-                                  </p:childTnLst>
-                                </p:cTn>
-                              </p:par>
-                              <p:par>
-                                <p:cTn id="42" presetID="10" presetClass="entr" presetSubtype="0" fill="hold" nodeType="withEffect">
-                                  <p:stCondLst>
-                                    <p:cond delay="0"/>
-                                  </p:stCondLst>
-                                  <p:childTnLst>
-                                    <p:set>
-                                      <p:cBhvr>
-                                        <p:cTn id="43" dur="1" fill="hold">
-                                          <p:stCondLst>
-                                            <p:cond delay="0"/>
-                                          </p:stCondLst>
-                                        </p:cTn>
-                                        <p:tgtEl>
-                                          <p:spTgt spid="26"/>
-                                        </p:tgtEl>
-                                        <p:attrNameLst>
-                                          <p:attrName>style.visibility</p:attrName>
-                                        </p:attrNameLst>
-                                      </p:cBhvr>
-                                      <p:to>
-                                        <p:strVal val="visible"/>
-                                      </p:to>
-                                    </p:set>
-                                    <p:animEffect transition="in" filter="fade">
-                                      <p:cBhvr>
-                                        <p:cTn id="44" dur="500"/>
-                                        <p:tgtEl>
-                                          <p:spTgt spid="26"/>
-                                        </p:tgtEl>
-                                      </p:cBhvr>
-                                    </p:animEffect>
-                                  </p:childTnLst>
-                                </p:cTn>
-                              </p:par>
-                            </p:childTnLst>
-                          </p:cTn>
-                        </p:par>
-                      </p:childTnLst>
-                    </p:cTn>
-                  </p:par>
-                  <p:par>
-                    <p:cTn id="45" fill="hold">
-                      <p:stCondLst>
-                        <p:cond delay="indefinite"/>
-                      </p:stCondLst>
-                      <p:childTnLst>
-                        <p:par>
-                          <p:cTn id="46" fill="hold">
-                            <p:stCondLst>
-                              <p:cond delay="0"/>
-                            </p:stCondLst>
-                            <p:childTnLst>
-                              <p:par>
-                                <p:cTn id="47" presetID="10" presetClass="entr" presetSubtype="0" fill="hold" grpId="0" nodeType="clickEffect">
-                                  <p:stCondLst>
-                                    <p:cond delay="0"/>
-                                  </p:stCondLst>
-                                  <p:childTnLst>
-                                    <p:set>
-                                      <p:cBhvr>
-                                        <p:cTn id="48" dur="1" fill="hold">
-                                          <p:stCondLst>
-                                            <p:cond delay="0"/>
-                                          </p:stCondLst>
-                                        </p:cTn>
-                                        <p:tgtEl>
-                                          <p:spTgt spid="160"/>
-                                        </p:tgtEl>
-                                        <p:attrNameLst>
-                                          <p:attrName>style.visibility</p:attrName>
-                                        </p:attrNameLst>
-                                      </p:cBhvr>
-                                      <p:to>
-                                        <p:strVal val="visible"/>
-                                      </p:to>
-                                    </p:set>
-                                    <p:animEffect transition="in" filter="fade">
-                                      <p:cBhvr>
-                                        <p:cTn id="49" dur="500"/>
-                                        <p:tgtEl>
-                                          <p:spTgt spid="160"/>
-                                        </p:tgtEl>
-                                      </p:cBhvr>
-                                    </p:animEffect>
-                                  </p:childTnLst>
-                                </p:cTn>
-                              </p:par>
-                              <p:par>
-                                <p:cTn id="50" presetID="10" presetClass="entr" presetSubtype="0" fill="hold" grpId="0" nodeType="withEffect">
-                                  <p:stCondLst>
-                                    <p:cond delay="0"/>
-                                  </p:stCondLst>
-                                  <p:childTnLst>
-                                    <p:set>
-                                      <p:cBhvr>
-                                        <p:cTn id="51" dur="1" fill="hold">
-                                          <p:stCondLst>
-                                            <p:cond delay="0"/>
-                                          </p:stCondLst>
-                                        </p:cTn>
-                                        <p:tgtEl>
-                                          <p:spTgt spid="30"/>
-                                        </p:tgtEl>
-                                        <p:attrNameLst>
-                                          <p:attrName>style.visibility</p:attrName>
-                                        </p:attrNameLst>
-                                      </p:cBhvr>
-                                      <p:to>
-                                        <p:strVal val="visible"/>
-                                      </p:to>
-                                    </p:set>
-                                    <p:animEffect transition="in" filter="fade">
-                                      <p:cBhvr>
-                                        <p:cTn id="52" dur="500"/>
-                                        <p:tgtEl>
-                                          <p:spTgt spid="30"/>
-                                        </p:tgtEl>
-                                      </p:cBhvr>
-                                    </p:animEffect>
-                                  </p:childTnLst>
-                                </p:cTn>
-                              </p:par>
-                              <p:par>
-                                <p:cTn id="53" presetID="10" presetClass="entr" presetSubtype="0" fill="hold" grpId="0" nodeType="withEffect">
-                                  <p:stCondLst>
-                                    <p:cond delay="0"/>
-                                  </p:stCondLst>
-                                  <p:childTnLst>
-                                    <p:set>
-                                      <p:cBhvr>
-                                        <p:cTn id="54" dur="1" fill="hold">
-                                          <p:stCondLst>
-                                            <p:cond delay="0"/>
-                                          </p:stCondLst>
-                                        </p:cTn>
-                                        <p:tgtEl>
-                                          <p:spTgt spid="28"/>
-                                        </p:tgtEl>
-                                        <p:attrNameLst>
-                                          <p:attrName>style.visibility</p:attrName>
-                                        </p:attrNameLst>
-                                      </p:cBhvr>
-                                      <p:to>
-                                        <p:strVal val="visible"/>
-                                      </p:to>
-                                    </p:set>
-                                    <p:animEffect transition="in" filter="fade">
-                                      <p:cBhvr>
-                                        <p:cTn id="55" dur="500"/>
-                                        <p:tgtEl>
-                                          <p:spTgt spid="28"/>
-                                        </p:tgtEl>
-                                      </p:cBhvr>
-                                    </p:animEffect>
-                                  </p:childTnLst>
-                                </p:cTn>
-                              </p:par>
-                              <p:par>
-                                <p:cTn id="56" presetID="10" presetClass="entr" presetSubtype="0" fill="hold" nodeType="withEffect">
-                                  <p:stCondLst>
-                                    <p:cond delay="0"/>
-                                  </p:stCondLst>
-                                  <p:childTnLst>
-                                    <p:set>
-                                      <p:cBhvr>
-                                        <p:cTn id="57" dur="1" fill="hold">
-                                          <p:stCondLst>
-                                            <p:cond delay="0"/>
-                                          </p:stCondLst>
-                                        </p:cTn>
-                                        <p:tgtEl>
-                                          <p:spTgt spid="25"/>
-                                        </p:tgtEl>
-                                        <p:attrNameLst>
-                                          <p:attrName>style.visibility</p:attrName>
-                                        </p:attrNameLst>
-                                      </p:cBhvr>
-                                      <p:to>
-                                        <p:strVal val="visible"/>
-                                      </p:to>
-                                    </p:set>
-                                    <p:animEffect transition="in" filter="fade">
-                                      <p:cBhvr>
-                                        <p:cTn id="58" dur="500"/>
-                                        <p:tgtEl>
-                                          <p:spTgt spid="25"/>
-                                        </p:tgtEl>
-                                      </p:cBhvr>
-                                    </p:animEffect>
-                                  </p:childTnLst>
-                                </p:cTn>
-                              </p:par>
-                            </p:childTnLst>
-                          </p:cTn>
-                        </p:par>
-                      </p:childTnLst>
-                    </p:cTn>
-                  </p:par>
-                  <p:par>
-                    <p:cTn id="59" fill="hold">
-                      <p:stCondLst>
-                        <p:cond delay="indefinite"/>
-                      </p:stCondLst>
-                      <p:childTnLst>
-                        <p:par>
-                          <p:cTn id="60" fill="hold">
-                            <p:stCondLst>
-                              <p:cond delay="0"/>
-                            </p:stCondLst>
-                            <p:childTnLst>
-                              <p:par>
-                                <p:cTn id="61" presetID="10" presetClass="entr" presetSubtype="0" fill="hold" grpId="0" nodeType="clickEffect">
-                                  <p:stCondLst>
-                                    <p:cond delay="0"/>
-                                  </p:stCondLst>
-                                  <p:childTnLst>
-                                    <p:set>
-                                      <p:cBhvr>
-                                        <p:cTn id="62" dur="1" fill="hold">
-                                          <p:stCondLst>
-                                            <p:cond delay="0"/>
-                                          </p:stCondLst>
-                                        </p:cTn>
-                                        <p:tgtEl>
-                                          <p:spTgt spid="22"/>
-                                        </p:tgtEl>
-                                        <p:attrNameLst>
-                                          <p:attrName>style.visibility</p:attrName>
-                                        </p:attrNameLst>
-                                      </p:cBhvr>
-                                      <p:to>
-                                        <p:strVal val="visible"/>
-                                      </p:to>
-                                    </p:set>
-                                    <p:animEffect transition="in" filter="fade">
-                                      <p:cBhvr>
-                                        <p:cTn id="63" dur="500"/>
-                                        <p:tgtEl>
-                                          <p:spTgt spid="22"/>
-                                        </p:tgtEl>
-                                      </p:cBhvr>
-                                    </p:animEffect>
-                                  </p:childTnLst>
-                                </p:cTn>
-                              </p:par>
-                              <p:par>
-                                <p:cTn id="64" presetID="10" presetClass="entr" presetSubtype="0" fill="hold" grpId="0" nodeType="withEffect">
-                                  <p:stCondLst>
-                                    <p:cond delay="0"/>
-                                  </p:stCondLst>
-                                  <p:childTnLst>
-                                    <p:set>
-                                      <p:cBhvr>
-                                        <p:cTn id="65" dur="1" fill="hold">
-                                          <p:stCondLst>
-                                            <p:cond delay="0"/>
-                                          </p:stCondLst>
-                                        </p:cTn>
-                                        <p:tgtEl>
-                                          <p:spTgt spid="27"/>
-                                        </p:tgtEl>
-                                        <p:attrNameLst>
-                                          <p:attrName>style.visibility</p:attrName>
-                                        </p:attrNameLst>
-                                      </p:cBhvr>
-                                      <p:to>
-                                        <p:strVal val="visible"/>
-                                      </p:to>
-                                    </p:set>
-                                    <p:animEffect transition="in" filter="fade">
-                                      <p:cBhvr>
-                                        <p:cTn id="66" dur="500"/>
-                                        <p:tgtEl>
-                                          <p:spTgt spid="27"/>
-                                        </p:tgtEl>
-                                      </p:cBhvr>
-                                    </p:animEffect>
-                                  </p:childTnLst>
-                                </p:cTn>
-                              </p:par>
-                              <p:par>
-                                <p:cTn id="67" presetID="10" presetClass="entr" presetSubtype="0" fill="hold" grpId="0" nodeType="withEffect">
-                                  <p:stCondLst>
-                                    <p:cond delay="0"/>
-                                  </p:stCondLst>
-                                  <p:childTnLst>
-                                    <p:set>
-                                      <p:cBhvr>
-                                        <p:cTn id="68" dur="1" fill="hold">
-                                          <p:stCondLst>
-                                            <p:cond delay="0"/>
-                                          </p:stCondLst>
-                                        </p:cTn>
-                                        <p:tgtEl>
-                                          <p:spTgt spid="21"/>
-                                        </p:tgtEl>
-                                        <p:attrNameLst>
-                                          <p:attrName>style.visibility</p:attrName>
-                                        </p:attrNameLst>
-                                      </p:cBhvr>
-                                      <p:to>
-                                        <p:strVal val="visible"/>
-                                      </p:to>
-                                    </p:set>
-                                    <p:animEffect transition="in" filter="fade">
-                                      <p:cBhvr>
-                                        <p:cTn id="69" dur="500"/>
-                                        <p:tgtEl>
-                                          <p:spTgt spid="21"/>
-                                        </p:tgtEl>
-                                      </p:cBhvr>
-                                    </p:animEffect>
-                                  </p:childTnLst>
-                                </p:cTn>
-                              </p:par>
-                              <p:par>
-                                <p:cTn id="70" presetID="10" presetClass="entr" presetSubtype="0" fill="hold" nodeType="withEffect">
-                                  <p:stCondLst>
-                                    <p:cond delay="0"/>
-                                  </p:stCondLst>
-                                  <p:childTnLst>
-                                    <p:set>
-                                      <p:cBhvr>
-                                        <p:cTn id="71" dur="1" fill="hold">
-                                          <p:stCondLst>
-                                            <p:cond delay="0"/>
-                                          </p:stCondLst>
-                                        </p:cTn>
-                                        <p:tgtEl>
-                                          <p:spTgt spid="29"/>
-                                        </p:tgtEl>
-                                        <p:attrNameLst>
-                                          <p:attrName>style.visibility</p:attrName>
-                                        </p:attrNameLst>
-                                      </p:cBhvr>
-                                      <p:to>
-                                        <p:strVal val="visible"/>
-                                      </p:to>
-                                    </p:set>
-                                    <p:animEffect transition="in" filter="fade">
-                                      <p:cBhvr>
-                                        <p:cTn id="72" dur="500"/>
-                                        <p:tgtEl>
-                                          <p:spTgt spid="29"/>
-                                        </p:tgtEl>
-                                      </p:cBhvr>
-                                    </p:animEffect>
-                                  </p:childTnLst>
-                                </p:cTn>
-                              </p:par>
-                            </p:childTnLst>
-                          </p:cTn>
-                        </p:par>
-                      </p:childTnLst>
-                    </p:cTn>
-                  </p:par>
-                </p:childTnLst>
-              </p:cTn>
-              <p:prevCondLst>
-                <p:cond evt="onPrev" delay="0">
-                  <p:tgtEl>
-                    <p:sldTgt/>
-                  </p:tgtEl>
-                </p:cond>
-              </p:prevCondLst>
-              <p:nextCondLst>
-                <p:cond evt="onNext" delay="0">
-                  <p:tgtEl>
-                    <p:sldTgt/>
-                  </p:tgtEl>
-                </p:cond>
-              </p:nextCondLst>
-            </p:seq>
-          </p:childTnLst>
-        </p:cTn>
-      </p:par>
-    </p:tnLst>
-    <p:bldLst>
-      <p:bldP spid="28" grpId="0" animBg="1"/>
-      <p:bldP spid="24" grpId="0" animBg="1"/>
-      <p:bldP spid="19" grpId="0" animBg="1"/>
-      <p:bldP spid="4" grpId="0" animBg="1"/>
-      <p:bldP spid="151" grpId="0"/>
-      <p:bldP spid="155" grpId="0"/>
-      <p:bldP spid="157" grpId="0"/>
-      <p:bldP spid="156" grpId="0"/>
-      <p:bldP spid="160" grpId="0"/>
-      <p:bldP spid="153" grpId="0"/>
-      <p:bldP spid="163" grpId="0"/>
-      <p:bldP spid="30" grpId="0"/>
-      <p:bldP spid="21" grpId="0" animBg="1"/>
-      <p:bldP spid="22" grpId="0"/>
-      <p:bldP spid="27" grpId="0"/>
-    </p:bldLst>
-  </p:timing>
-</p:sld>
-</file>
-
-<file path=ppt/slides/slide20.xml><?xml version="1.0" encoding="utf-8"?>
+<file path=ppt/slides/slide21.xml><?xml version="1.0" encoding="utf-8"?>
 <p:sld xmlns:a="http://schemas.openxmlformats.org/drawingml/2006/main" xmlns:r="http://schemas.openxmlformats.org/officeDocument/2006/relationships" xmlns:p="http://schemas.openxmlformats.org/presentationml/2006/main">
   <p:cSld>
     <p:spTree>
@@ -37295,7 +38070,7 @@
           <a:p>
             <a:r>
               <a:rPr lang="en-US" dirty="0"/>
-              <a:t>CONCLUTION</a:t>
+              <a:t>CONCLUSION</a:t>
             </a:r>
           </a:p>
           <a:p>
@@ -37505,7 +38280,7 @@
         <p:spPr>
           <a:xfrm>
             <a:off x="2200506" y="3889451"/>
-            <a:ext cx="1980029" cy="646331"/>
+            <a:ext cx="1851789" cy="923330"/>
           </a:xfrm>
           <a:prstGeom prst="rect">
             <a:avLst/>
@@ -37527,8 +38302,18 @@
                 <a:ea typeface="+mn-ea"/>
                 <a:cs typeface="+mn-cs"/>
               </a:rPr>
-              <a:t>VI. Development</a:t>
+              <a:t>VI. Future work</a:t>
             </a:r>
+          </a:p>
+          <a:p>
+            <a:endParaRPr lang="en-US" sz="1800" b="1" kern="1200" dirty="0">
+              <a:solidFill>
+                <a:prstClr val="white"/>
+              </a:solidFill>
+              <a:latin typeface="Arial" panose="020B0604020202020204"/>
+              <a:ea typeface="+mn-ea"/>
+              <a:cs typeface="+mn-cs"/>
+            </a:endParaRPr>
           </a:p>
           <a:p>
             <a:endParaRPr lang="en-US" dirty="0"/>
@@ -37599,13 +38384,13 @@
   <p:clrMapOvr>
     <a:masterClrMapping/>
   </p:clrMapOvr>
-  <mc:AlternateContent xmlns:mc="http://schemas.openxmlformats.org/markup-compatibility/2006">
-    <mc:Choice xmlns:p14="http://schemas.microsoft.com/office/powerpoint/2010/main" Requires="p14">
+  <mc:AlternateContent xmlns:mc="http://schemas.openxmlformats.org/markup-compatibility/2006" xmlns:p14="http://schemas.microsoft.com/office/powerpoint/2010/main">
+    <mc:Choice Requires="p14">
       <p:transition spd="med" p14:dur="700">
         <p:fade/>
       </p:transition>
     </mc:Choice>
-    <mc:Fallback>
+    <mc:Fallback xmlns="">
       <p:transition spd="med">
         <p:fade/>
       </p:transition>
@@ -37846,7 +38631,7 @@
 </p:sld>
 </file>
 
-<file path=ppt/slides/slide21.xml><?xml version="1.0" encoding="utf-8"?>
+<file path=ppt/slides/slide22.xml><?xml version="1.0" encoding="utf-8"?>
 <p:sld xmlns:a="http://schemas.openxmlformats.org/drawingml/2006/main" xmlns:r="http://schemas.openxmlformats.org/officeDocument/2006/relationships" xmlns:p="http://schemas.openxmlformats.org/presentationml/2006/main">
   <p:cSld>
     <p:spTree>
@@ -38200,16 +38985,12 @@
           <a:p>
             <a:pPr algn="r"/>
             <a:r>
-              <a:rPr lang="en-US" dirty="0" err="1">
+              <a:rPr lang="en-US" dirty="0">
                 <a:latin typeface="Arial" panose="020B0604020202020204" pitchFamily="34" charset="0"/>
                 <a:cs typeface="Arial" panose="020B0604020202020204" pitchFamily="34" charset="0"/>
               </a:rPr>
-              <a:t>Conclution</a:t>
+              <a:t>Conclusion</a:t>
             </a:r>
-            <a:endParaRPr lang="en-US" dirty="0">
-              <a:latin typeface="Arial" panose="020B0604020202020204" pitchFamily="34" charset="0"/>
-              <a:cs typeface="Arial" panose="020B0604020202020204" pitchFamily="34" charset="0"/>
-            </a:endParaRPr>
           </a:p>
           <a:p>
             <a:pPr algn="r"/>
@@ -38510,13 +39291,13 @@
   <p:clrMapOvr>
     <a:masterClrMapping/>
   </p:clrMapOvr>
-  <mc:AlternateContent xmlns:mc="http://schemas.openxmlformats.org/markup-compatibility/2006">
-    <mc:Choice xmlns:p14="http://schemas.microsoft.com/office/powerpoint/2010/main" Requires="p14">
+  <mc:AlternateContent xmlns:mc="http://schemas.openxmlformats.org/markup-compatibility/2006" xmlns:p14="http://schemas.microsoft.com/office/powerpoint/2010/main">
+    <mc:Choice Requires="p14">
       <p:transition spd="med" p14:dur="700">
         <p:fade/>
       </p:transition>
     </mc:Choice>
-    <mc:Fallback>
+    <mc:Fallback xmlns="">
       <p:transition spd="med">
         <p:fade/>
       </p:transition>
@@ -38608,7 +39389,7 @@
 </p:sld>
 </file>
 
-<file path=ppt/slides/slide22.xml><?xml version="1.0" encoding="utf-8"?>
+<file path=ppt/slides/slide23.xml><?xml version="1.0" encoding="utf-8"?>
 <p:sld xmlns:a="http://schemas.openxmlformats.org/drawingml/2006/main" xmlns:r="http://schemas.openxmlformats.org/officeDocument/2006/relationships" xmlns:p="http://schemas.openxmlformats.org/presentationml/2006/main">
   <p:cSld>
     <p:spTree>
@@ -38934,7 +39715,7 @@
           <a:p>
             <a:r>
               <a:rPr lang="en-US" dirty="0"/>
-              <a:t>CONCLUTION</a:t>
+              <a:t>CONCLUSION</a:t>
             </a:r>
           </a:p>
           <a:p>
@@ -39144,7 +39925,7 @@
         <p:spPr>
           <a:xfrm>
             <a:off x="2200506" y="3889451"/>
-            <a:ext cx="1980029" cy="646331"/>
+            <a:ext cx="1851789" cy="923330"/>
           </a:xfrm>
           <a:prstGeom prst="rect">
             <a:avLst/>
@@ -39166,8 +39947,18 @@
                 <a:ea typeface="+mn-ea"/>
                 <a:cs typeface="+mn-cs"/>
               </a:rPr>
-              <a:t>VI. Development</a:t>
+              <a:t>VI. Future work</a:t>
             </a:r>
+          </a:p>
+          <a:p>
+            <a:endParaRPr lang="en-US" sz="1800" b="1" kern="1200" dirty="0">
+              <a:solidFill>
+                <a:prstClr val="white"/>
+              </a:solidFill>
+              <a:latin typeface="Arial" panose="020B0604020202020204"/>
+              <a:ea typeface="+mn-ea"/>
+              <a:cs typeface="+mn-cs"/>
+            </a:endParaRPr>
           </a:p>
           <a:p>
             <a:endParaRPr lang="en-US" dirty="0"/>
@@ -39238,13 +40029,13 @@
   <p:clrMapOvr>
     <a:masterClrMapping/>
   </p:clrMapOvr>
-  <mc:AlternateContent xmlns:mc="http://schemas.openxmlformats.org/markup-compatibility/2006">
-    <mc:Choice xmlns:p14="http://schemas.microsoft.com/office/powerpoint/2010/main" Requires="p14">
+  <mc:AlternateContent xmlns:mc="http://schemas.openxmlformats.org/markup-compatibility/2006" xmlns:p14="http://schemas.microsoft.com/office/powerpoint/2010/main">
+    <mc:Choice Requires="p14">
       <p:transition spd="med" p14:dur="700">
         <p:fade/>
       </p:transition>
     </mc:Choice>
-    <mc:Fallback>
+    <mc:Fallback xmlns="">
       <p:transition spd="med">
         <p:fade/>
       </p:transition>
@@ -39485,7 +40276,7 @@
 </p:sld>
 </file>
 
-<file path=ppt/slides/slide23.xml><?xml version="1.0" encoding="utf-8"?>
+<file path=ppt/slides/slide24.xml><?xml version="1.0" encoding="utf-8"?>
 <p:sld xmlns:a="http://schemas.openxmlformats.org/drawingml/2006/main" xmlns:r="http://schemas.openxmlformats.org/officeDocument/2006/relationships" xmlns:p="http://schemas.openxmlformats.org/presentationml/2006/main">
   <p:cSld>
     <p:spTree>
@@ -40031,13 +40822,13 @@
   <p:clrMapOvr>
     <a:masterClrMapping/>
   </p:clrMapOvr>
-  <mc:AlternateContent xmlns:mc="http://schemas.openxmlformats.org/markup-compatibility/2006">
-    <mc:Choice xmlns:p14="http://schemas.microsoft.com/office/powerpoint/2010/main" Requires="p14">
+  <mc:AlternateContent xmlns:mc="http://schemas.openxmlformats.org/markup-compatibility/2006" xmlns:p14="http://schemas.microsoft.com/office/powerpoint/2010/main">
+    <mc:Choice Requires="p14">
       <p:transition spd="med" p14:dur="700">
         <p:fade/>
       </p:transition>
     </mc:Choice>
-    <mc:Fallback>
+    <mc:Fallback xmlns="">
       <p:transition spd="med">
         <p:fade/>
       </p:transition>
@@ -40320,7 +41111,7 @@
 </p:sld>
 </file>
 
-<file path=ppt/slides/slide24.xml><?xml version="1.0" encoding="utf-8"?>
+<file path=ppt/slides/slide25.xml><?xml version="1.0" encoding="utf-8"?>
 <p:sld xmlns:a="http://schemas.openxmlformats.org/drawingml/2006/main" xmlns:r="http://schemas.openxmlformats.org/officeDocument/2006/relationships" xmlns:p="http://schemas.openxmlformats.org/presentationml/2006/main">
   <p:cSld>
     <p:spTree>
@@ -40646,7 +41437,7 @@
           <a:p>
             <a:r>
               <a:rPr lang="en-US" dirty="0"/>
-              <a:t>CONCLUTION</a:t>
+              <a:t>CONCLUSION</a:t>
             </a:r>
           </a:p>
           <a:p>
@@ -40856,7 +41647,7 @@
         <p:spPr>
           <a:xfrm>
             <a:off x="2200506" y="3889451"/>
-            <a:ext cx="1980029" cy="646331"/>
+            <a:ext cx="1851789" cy="646331"/>
           </a:xfrm>
           <a:prstGeom prst="rect">
             <a:avLst/>
@@ -40878,7 +41669,7 @@
                 <a:ea typeface="+mn-ea"/>
                 <a:cs typeface="+mn-cs"/>
               </a:rPr>
-              <a:t>VI. Development</a:t>
+              <a:t>VI. Future work</a:t>
             </a:r>
           </a:p>
           <a:p>
@@ -40950,13 +41741,13 @@
   <p:clrMapOvr>
     <a:masterClrMapping/>
   </p:clrMapOvr>
-  <mc:AlternateContent xmlns:mc="http://schemas.openxmlformats.org/markup-compatibility/2006">
-    <mc:Choice xmlns:p14="http://schemas.microsoft.com/office/powerpoint/2010/main" Requires="p14">
+  <mc:AlternateContent xmlns:mc="http://schemas.openxmlformats.org/markup-compatibility/2006" xmlns:p14="http://schemas.microsoft.com/office/powerpoint/2010/main">
+    <mc:Choice Requires="p14">
       <p:transition spd="med" p14:dur="700">
         <p:fade/>
       </p:transition>
     </mc:Choice>
-    <mc:Fallback>
+    <mc:Fallback xmlns="">
       <p:transition spd="med">
         <p:fade/>
       </p:transition>
@@ -41197,7 +41988,7 @@
 </p:sld>
 </file>
 
-<file path=ppt/slides/slide25.xml><?xml version="1.0" encoding="utf-8"?>
+<file path=ppt/slides/slide26.xml><?xml version="1.0" encoding="utf-8"?>
 <p:sld xmlns:a="http://schemas.openxmlformats.org/drawingml/2006/main" xmlns:r="http://schemas.openxmlformats.org/officeDocument/2006/relationships" xmlns:p="http://schemas.openxmlformats.org/presentationml/2006/main">
   <p:cSld>
     <p:spTree>
@@ -41551,16 +42342,12 @@
           <a:p>
             <a:pPr algn="r"/>
             <a:r>
-              <a:rPr lang="en-US" dirty="0" err="1">
+              <a:rPr lang="en-US" dirty="0">
                 <a:latin typeface="Arial" panose="020B0604020202020204" pitchFamily="34" charset="0"/>
                 <a:cs typeface="Arial" panose="020B0604020202020204" pitchFamily="34" charset="0"/>
               </a:rPr>
-              <a:t>Conclution</a:t>
+              <a:t>Conclusion</a:t>
             </a:r>
-            <a:endParaRPr lang="en-US" dirty="0">
-              <a:latin typeface="Arial" panose="020B0604020202020204" pitchFamily="34" charset="0"/>
-              <a:cs typeface="Arial" panose="020B0604020202020204" pitchFamily="34" charset="0"/>
-            </a:endParaRPr>
           </a:p>
           <a:p>
             <a:pPr algn="r"/>
@@ -41761,13 +42548,13 @@
   <p:clrMapOvr>
     <a:masterClrMapping/>
   </p:clrMapOvr>
-  <mc:AlternateContent xmlns:mc="http://schemas.openxmlformats.org/markup-compatibility/2006">
-    <mc:Choice xmlns:p14="http://schemas.microsoft.com/office/powerpoint/2010/main" Requires="p14">
+  <mc:AlternateContent xmlns:mc="http://schemas.openxmlformats.org/markup-compatibility/2006" xmlns:p14="http://schemas.microsoft.com/office/powerpoint/2010/main">
+    <mc:Choice Requires="p14">
       <p:transition spd="med" p14:dur="700">
         <p:fade/>
       </p:transition>
     </mc:Choice>
-    <mc:Fallback>
+    <mc:Fallback xmlns="">
       <p:transition spd="med">
         <p:fade/>
       </p:transition>
@@ -42111,7 +42898,7 @@
 </p:sld>
 </file>
 
-<file path=ppt/slides/slide26.xml><?xml version="1.0" encoding="utf-8"?>
+<file path=ppt/slides/slide27.xml><?xml version="1.0" encoding="utf-8"?>
 <p:sld xmlns:a="http://schemas.openxmlformats.org/drawingml/2006/main" xmlns:r="http://schemas.openxmlformats.org/officeDocument/2006/relationships" xmlns:p="http://schemas.openxmlformats.org/presentationml/2006/main">
   <p:cSld>
     <p:bg>
@@ -42613,13 +43400,13 @@
   <p:clrMapOvr>
     <a:masterClrMapping/>
   </p:clrMapOvr>
-  <mc:AlternateContent xmlns:mc="http://schemas.openxmlformats.org/markup-compatibility/2006">
-    <mc:Choice xmlns:p14="http://schemas.microsoft.com/office/powerpoint/2010/main" Requires="p14">
+  <mc:AlternateContent xmlns:mc="http://schemas.openxmlformats.org/markup-compatibility/2006" xmlns:p14="http://schemas.microsoft.com/office/powerpoint/2010/main">
+    <mc:Choice Requires="p14">
       <p:transition spd="slow" p14:dur="1500">
         <p:split orient="vert"/>
       </p:transition>
     </mc:Choice>
-    <mc:Fallback>
+    <mc:Fallback xmlns="">
       <p:transition spd="slow">
         <p:split orient="vert"/>
       </p:transition>
@@ -43067,13 +43854,13 @@
   <p:clrMapOvr>
     <a:masterClrMapping/>
   </p:clrMapOvr>
-  <mc:AlternateContent xmlns:mc="http://schemas.openxmlformats.org/markup-compatibility/2006">
-    <mc:Choice xmlns:p14="http://schemas.microsoft.com/office/powerpoint/2010/main" Requires="p14">
+  <mc:AlternateContent xmlns:mc="http://schemas.openxmlformats.org/markup-compatibility/2006" xmlns:p14="http://schemas.microsoft.com/office/powerpoint/2010/main">
+    <mc:Choice Requires="p14">
       <p:transition spd="med" p14:dur="700">
         <p:fade/>
       </p:transition>
     </mc:Choice>
-    <mc:Fallback>
+    <mc:Fallback xmlns="">
       <p:transition spd="med">
         <p:fade/>
       </p:transition>
@@ -43428,13 +44215,13 @@
   <p:clrMapOvr>
     <a:masterClrMapping/>
   </p:clrMapOvr>
-  <mc:AlternateContent xmlns:mc="http://schemas.openxmlformats.org/markup-compatibility/2006">
-    <mc:Choice xmlns:p14="http://schemas.microsoft.com/office/powerpoint/2010/main" Requires="p14">
+  <mc:AlternateContent xmlns:mc="http://schemas.openxmlformats.org/markup-compatibility/2006" xmlns:p14="http://schemas.microsoft.com/office/powerpoint/2010/main">
+    <mc:Choice Requires="p14">
       <p:transition spd="med" p14:dur="700">
         <p:fade/>
       </p:transition>
     </mc:Choice>
-    <mc:Fallback>
+    <mc:Fallback xmlns="">
       <p:transition spd="med">
         <p:fade/>
       </p:transition>
@@ -44208,13 +44995,13 @@
   <p:clrMapOvr>
     <a:masterClrMapping/>
   </p:clrMapOvr>
-  <mc:AlternateContent xmlns:mc="http://schemas.openxmlformats.org/markup-compatibility/2006">
-    <mc:Choice xmlns:p14="http://schemas.microsoft.com/office/powerpoint/2010/main" Requires="p14">
+  <mc:AlternateContent xmlns:mc="http://schemas.openxmlformats.org/markup-compatibility/2006" xmlns:p14="http://schemas.microsoft.com/office/powerpoint/2010/main">
+    <mc:Choice Requires="p14">
       <p:transition spd="med" p14:dur="700">
         <p:fade/>
       </p:transition>
     </mc:Choice>
-    <mc:Fallback>
+    <mc:Fallback xmlns="">
       <p:transition spd="med">
         <p:fade/>
       </p:transition>
@@ -44738,7 +45525,7 @@
                 <a:ea typeface="Tahoma" panose="020B0604030504040204" pitchFamily="34" charset="0"/>
                 <a:cs typeface="Tahoma" panose="020B0604030504040204" pitchFamily="34" charset="0"/>
               </a:rPr>
-              <a:t>Publish a motel</a:t>
+              <a:t>View motel</a:t>
             </a:r>
           </a:p>
           <a:p>
@@ -45091,13 +45878,13 @@
   <p:clrMapOvr>
     <a:masterClrMapping/>
   </p:clrMapOvr>
-  <mc:AlternateContent xmlns:mc="http://schemas.openxmlformats.org/markup-compatibility/2006">
-    <mc:Choice xmlns:p14="http://schemas.microsoft.com/office/powerpoint/2010/main" Requires="p14">
+  <mc:AlternateContent xmlns:mc="http://schemas.openxmlformats.org/markup-compatibility/2006" xmlns:p14="http://schemas.microsoft.com/office/powerpoint/2010/main">
+    <mc:Choice Requires="p14">
       <p:transition spd="med" p14:dur="700">
         <p:fade/>
       </p:transition>
     </mc:Choice>
-    <mc:Fallback>
+    <mc:Fallback xmlns="">
       <p:transition spd="med">
         <p:fade/>
       </p:transition>
@@ -45584,13 +46371,13 @@
   <p:clrMapOvr>
     <a:masterClrMapping/>
   </p:clrMapOvr>
-  <mc:AlternateContent xmlns:mc="http://schemas.openxmlformats.org/markup-compatibility/2006">
-    <mc:Choice xmlns:p14="http://schemas.microsoft.com/office/powerpoint/2010/main" Requires="p14">
+  <mc:AlternateContent xmlns:mc="http://schemas.openxmlformats.org/markup-compatibility/2006" xmlns:p14="http://schemas.microsoft.com/office/powerpoint/2010/main">
+    <mc:Choice Requires="p14">
       <p:transition spd="slow" p14:dur="1500">
         <p:split orient="vert"/>
       </p:transition>
     </mc:Choice>
-    <mc:Fallback>
+    <mc:Fallback xmlns="">
       <p:transition spd="slow">
         <p:split orient="vert"/>
       </p:transition>
@@ -45866,13 +46653,13 @@
   <p:clrMapOvr>
     <a:masterClrMapping/>
   </p:clrMapOvr>
-  <mc:AlternateContent xmlns:mc="http://schemas.openxmlformats.org/markup-compatibility/2006">
-    <mc:Choice xmlns:p14="http://schemas.microsoft.com/office/powerpoint/2010/main" Requires="p14">
+  <mc:AlternateContent xmlns:mc="http://schemas.openxmlformats.org/markup-compatibility/2006" xmlns:p14="http://schemas.microsoft.com/office/powerpoint/2010/main">
+    <mc:Choice Requires="p14">
       <p:transition spd="med" p14:dur="700">
         <p:fade/>
       </p:transition>
     </mc:Choice>
-    <mc:Fallback>
+    <mc:Fallback xmlns="">
       <p:transition spd="med">
         <p:fade/>
       </p:transition>

--- a/Docs/Graduation thesis.pptx
+++ b/Docs/Graduation thesis.pptx
@@ -5,7 +5,7 @@
     <p:sldMasterId id="2147484030" r:id="rId1"/>
   </p:sldMasterIdLst>
   <p:notesMasterIdLst>
-    <p:notesMasterId r:id="rId29"/>
+    <p:notesMasterId r:id="rId27"/>
   </p:notesMasterIdLst>
   <p:sldIdLst>
     <p:sldId id="256" r:id="rId2"/>
@@ -30,11 +30,9 @@
     <p:sldId id="375" r:id="rId21"/>
     <p:sldId id="365" r:id="rId22"/>
     <p:sldId id="339" r:id="rId23"/>
-    <p:sldId id="366" r:id="rId24"/>
-    <p:sldId id="341" r:id="rId25"/>
-    <p:sldId id="367" r:id="rId26"/>
-    <p:sldId id="343" r:id="rId27"/>
-    <p:sldId id="364" r:id="rId28"/>
+    <p:sldId id="367" r:id="rId24"/>
+    <p:sldId id="343" r:id="rId25"/>
+    <p:sldId id="364" r:id="rId26"/>
   </p:sldIdLst>
   <p:sldSz cx="9144000" cy="5143500" type="screen16x9"/>
   <p:notesSz cx="6858000" cy="9144000"/>
@@ -3145,757 +3143,6 @@
 </dgm:colorsDef>
 </file>
 
-<file path=ppt/diagrams/colors5.xml><?xml version="1.0" encoding="utf-8"?>
-<dgm:colorsDef xmlns:dgm="http://schemas.openxmlformats.org/drawingml/2006/diagram" xmlns:a="http://schemas.openxmlformats.org/drawingml/2006/main" uniqueId="urn:microsoft.com/office/officeart/2005/8/colors/accent0_3">
-  <dgm:title val=""/>
-  <dgm:desc val=""/>
-  <dgm:catLst>
-    <dgm:cat type="mainScheme" pri="10300"/>
-  </dgm:catLst>
-  <dgm:styleLbl name="node0">
-    <dgm:fillClrLst meth="repeat">
-      <a:schemeClr val="dk2"/>
-    </dgm:fillClrLst>
-    <dgm:linClrLst meth="repeat">
-      <a:schemeClr val="lt2"/>
-    </dgm:linClrLst>
-    <dgm:effectClrLst/>
-    <dgm:txLinClrLst/>
-    <dgm:txFillClrLst/>
-    <dgm:txEffectClrLst/>
-  </dgm:styleLbl>
-  <dgm:styleLbl name="alignNode1">
-    <dgm:fillClrLst meth="repeat">
-      <a:schemeClr val="dk2"/>
-    </dgm:fillClrLst>
-    <dgm:linClrLst meth="repeat">
-      <a:schemeClr val="dk2"/>
-    </dgm:linClrLst>
-    <dgm:effectClrLst/>
-    <dgm:txLinClrLst/>
-    <dgm:txFillClrLst/>
-    <dgm:txEffectClrLst/>
-  </dgm:styleLbl>
-  <dgm:styleLbl name="node1">
-    <dgm:fillClrLst meth="repeat">
-      <a:schemeClr val="dk2"/>
-    </dgm:fillClrLst>
-    <dgm:linClrLst meth="repeat">
-      <a:schemeClr val="lt2"/>
-    </dgm:linClrLst>
-    <dgm:effectClrLst/>
-    <dgm:txLinClrLst/>
-    <dgm:txFillClrLst/>
-    <dgm:txEffectClrLst/>
-  </dgm:styleLbl>
-  <dgm:styleLbl name="lnNode1">
-    <dgm:fillClrLst meth="repeat">
-      <a:schemeClr val="dk2"/>
-    </dgm:fillClrLst>
-    <dgm:linClrLst meth="repeat">
-      <a:schemeClr val="lt2"/>
-    </dgm:linClrLst>
-    <dgm:effectClrLst/>
-    <dgm:txLinClrLst/>
-    <dgm:txFillClrLst/>
-    <dgm:txEffectClrLst/>
-  </dgm:styleLbl>
-  <dgm:styleLbl name="vennNode1">
-    <dgm:fillClrLst meth="repeat">
-      <a:schemeClr val="dk2">
-        <a:alpha val="50000"/>
-      </a:schemeClr>
-    </dgm:fillClrLst>
-    <dgm:linClrLst meth="repeat">
-      <a:schemeClr val="lt2"/>
-    </dgm:linClrLst>
-    <dgm:effectClrLst/>
-    <dgm:txLinClrLst/>
-    <dgm:txFillClrLst/>
-    <dgm:txEffectClrLst/>
-  </dgm:styleLbl>
-  <dgm:styleLbl name="node2">
-    <dgm:fillClrLst meth="repeat">
-      <a:schemeClr val="dk2"/>
-    </dgm:fillClrLst>
-    <dgm:linClrLst meth="repeat">
-      <a:schemeClr val="lt2"/>
-    </dgm:linClrLst>
-    <dgm:effectClrLst/>
-    <dgm:txLinClrLst/>
-    <dgm:txFillClrLst/>
-    <dgm:txEffectClrLst/>
-  </dgm:styleLbl>
-  <dgm:styleLbl name="node3">
-    <dgm:fillClrLst meth="repeat">
-      <a:schemeClr val="dk2"/>
-    </dgm:fillClrLst>
-    <dgm:linClrLst meth="repeat">
-      <a:schemeClr val="lt2"/>
-    </dgm:linClrLst>
-    <dgm:effectClrLst/>
-    <dgm:txLinClrLst/>
-    <dgm:txFillClrLst/>
-    <dgm:txEffectClrLst/>
-  </dgm:styleLbl>
-  <dgm:styleLbl name="node4">
-    <dgm:fillClrLst meth="repeat">
-      <a:schemeClr val="dk2"/>
-    </dgm:fillClrLst>
-    <dgm:linClrLst meth="repeat">
-      <a:schemeClr val="lt2"/>
-    </dgm:linClrLst>
-    <dgm:effectClrLst/>
-    <dgm:txLinClrLst/>
-    <dgm:txFillClrLst/>
-    <dgm:txEffectClrLst/>
-  </dgm:styleLbl>
-  <dgm:styleLbl name="fgImgPlace1">
-    <dgm:fillClrLst meth="repeat">
-      <a:schemeClr val="dk2">
-        <a:tint val="50000"/>
-      </a:schemeClr>
-    </dgm:fillClrLst>
-    <dgm:linClrLst meth="repeat">
-      <a:schemeClr val="lt2"/>
-    </dgm:linClrLst>
-    <dgm:effectClrLst/>
-    <dgm:txLinClrLst/>
-    <dgm:txFillClrLst meth="repeat">
-      <a:schemeClr val="lt2"/>
-    </dgm:txFillClrLst>
-    <dgm:txEffectClrLst/>
-  </dgm:styleLbl>
-  <dgm:styleLbl name="alignImgPlace1">
-    <dgm:fillClrLst meth="repeat">
-      <a:schemeClr val="dk2">
-        <a:tint val="50000"/>
-      </a:schemeClr>
-    </dgm:fillClrLst>
-    <dgm:linClrLst meth="repeat">
-      <a:schemeClr val="dk2">
-        <a:shade val="80000"/>
-      </a:schemeClr>
-    </dgm:linClrLst>
-    <dgm:effectClrLst/>
-    <dgm:txLinClrLst/>
-    <dgm:txFillClrLst meth="repeat">
-      <a:schemeClr val="lt2"/>
-    </dgm:txFillClrLst>
-    <dgm:txEffectClrLst/>
-  </dgm:styleLbl>
-  <dgm:styleLbl name="bgImgPlace1">
-    <dgm:fillClrLst meth="repeat">
-      <a:schemeClr val="dk2">
-        <a:tint val="50000"/>
-      </a:schemeClr>
-    </dgm:fillClrLst>
-    <dgm:linClrLst meth="repeat">
-      <a:schemeClr val="dk2">
-        <a:shade val="80000"/>
-      </a:schemeClr>
-    </dgm:linClrLst>
-    <dgm:effectClrLst/>
-    <dgm:txLinClrLst/>
-    <dgm:txFillClrLst meth="repeat">
-      <a:schemeClr val="lt2"/>
-    </dgm:txFillClrLst>
-    <dgm:txEffectClrLst/>
-  </dgm:styleLbl>
-  <dgm:styleLbl name="sibTrans2D1">
-    <dgm:fillClrLst meth="repeat">
-      <a:schemeClr val="dk2">
-        <a:tint val="60000"/>
-      </a:schemeClr>
-    </dgm:fillClrLst>
-    <dgm:linClrLst meth="repeat">
-      <a:schemeClr val="dk2">
-        <a:tint val="60000"/>
-      </a:schemeClr>
-    </dgm:linClrLst>
-    <dgm:effectClrLst/>
-    <dgm:txLinClrLst/>
-    <dgm:txFillClrLst/>
-    <dgm:txEffectClrLst/>
-  </dgm:styleLbl>
-  <dgm:styleLbl name="fgSibTrans2D1">
-    <dgm:fillClrLst meth="repeat">
-      <a:schemeClr val="dk2">
-        <a:tint val="60000"/>
-      </a:schemeClr>
-    </dgm:fillClrLst>
-    <dgm:linClrLst meth="repeat">
-      <a:schemeClr val="dk2">
-        <a:tint val="60000"/>
-      </a:schemeClr>
-    </dgm:linClrLst>
-    <dgm:effectClrLst/>
-    <dgm:txLinClrLst/>
-    <dgm:txFillClrLst/>
-    <dgm:txEffectClrLst/>
-  </dgm:styleLbl>
-  <dgm:styleLbl name="bgSibTrans2D1">
-    <dgm:fillClrLst meth="repeat">
-      <a:schemeClr val="dk2">
-        <a:tint val="60000"/>
-      </a:schemeClr>
-    </dgm:fillClrLst>
-    <dgm:linClrLst meth="repeat">
-      <a:schemeClr val="dk2">
-        <a:tint val="60000"/>
-      </a:schemeClr>
-    </dgm:linClrLst>
-    <dgm:effectClrLst/>
-    <dgm:txLinClrLst/>
-    <dgm:txFillClrLst/>
-    <dgm:txEffectClrLst/>
-  </dgm:styleLbl>
-  <dgm:styleLbl name="sibTrans1D1">
-    <dgm:fillClrLst meth="repeat">
-      <a:schemeClr val="dk2"/>
-    </dgm:fillClrLst>
-    <dgm:linClrLst meth="repeat">
-      <a:schemeClr val="dk2"/>
-    </dgm:linClrLst>
-    <dgm:effectClrLst/>
-    <dgm:txLinClrLst/>
-    <dgm:txFillClrLst meth="repeat">
-      <a:schemeClr val="lt2"/>
-    </dgm:txFillClrLst>
-    <dgm:txEffectClrLst/>
-  </dgm:styleLbl>
-  <dgm:styleLbl name="callout">
-    <dgm:fillClrLst meth="repeat">
-      <a:schemeClr val="dk2"/>
-    </dgm:fillClrLst>
-    <dgm:linClrLst meth="repeat">
-      <a:schemeClr val="dk2">
-        <a:tint val="50000"/>
-      </a:schemeClr>
-    </dgm:linClrLst>
-    <dgm:effectClrLst/>
-    <dgm:txLinClrLst/>
-    <dgm:txFillClrLst meth="repeat">
-      <a:schemeClr val="lt2"/>
-    </dgm:txFillClrLst>
-    <dgm:txEffectClrLst/>
-  </dgm:styleLbl>
-  <dgm:styleLbl name="asst0">
-    <dgm:fillClrLst meth="repeat">
-      <a:schemeClr val="dk2"/>
-    </dgm:fillClrLst>
-    <dgm:linClrLst meth="repeat">
-      <a:schemeClr val="lt2"/>
-    </dgm:linClrLst>
-    <dgm:effectClrLst/>
-    <dgm:txLinClrLst/>
-    <dgm:txFillClrLst/>
-    <dgm:txEffectClrLst/>
-  </dgm:styleLbl>
-  <dgm:styleLbl name="asst1">
-    <dgm:fillClrLst meth="repeat">
-      <a:schemeClr val="dk2"/>
-    </dgm:fillClrLst>
-    <dgm:linClrLst meth="repeat">
-      <a:schemeClr val="lt2"/>
-    </dgm:linClrLst>
-    <dgm:effectClrLst/>
-    <dgm:txLinClrLst/>
-    <dgm:txFillClrLst/>
-    <dgm:txEffectClrLst/>
-  </dgm:styleLbl>
-  <dgm:styleLbl name="asst2">
-    <dgm:fillClrLst meth="repeat">
-      <a:schemeClr val="dk2"/>
-    </dgm:fillClrLst>
-    <dgm:linClrLst meth="repeat">
-      <a:schemeClr val="lt2"/>
-    </dgm:linClrLst>
-    <dgm:effectClrLst/>
-    <dgm:txLinClrLst/>
-    <dgm:txFillClrLst/>
-    <dgm:txEffectClrLst/>
-  </dgm:styleLbl>
-  <dgm:styleLbl name="asst3">
-    <dgm:fillClrLst meth="repeat">
-      <a:schemeClr val="dk2"/>
-    </dgm:fillClrLst>
-    <dgm:linClrLst meth="repeat">
-      <a:schemeClr val="lt2"/>
-    </dgm:linClrLst>
-    <dgm:effectClrLst/>
-    <dgm:txLinClrLst/>
-    <dgm:txFillClrLst/>
-    <dgm:txEffectClrLst/>
-  </dgm:styleLbl>
-  <dgm:styleLbl name="asst4">
-    <dgm:fillClrLst meth="repeat">
-      <a:schemeClr val="dk2"/>
-    </dgm:fillClrLst>
-    <dgm:linClrLst meth="repeat">
-      <a:schemeClr val="lt2"/>
-    </dgm:linClrLst>
-    <dgm:effectClrLst/>
-    <dgm:txLinClrLst/>
-    <dgm:txFillClrLst/>
-    <dgm:txEffectClrLst/>
-  </dgm:styleLbl>
-  <dgm:styleLbl name="parChTrans2D1">
-    <dgm:fillClrLst meth="repeat">
-      <a:schemeClr val="dk2">
-        <a:tint val="60000"/>
-      </a:schemeClr>
-    </dgm:fillClrLst>
-    <dgm:linClrLst meth="repeat">
-      <a:schemeClr val="dk2">
-        <a:tint val="60000"/>
-      </a:schemeClr>
-    </dgm:linClrLst>
-    <dgm:effectClrLst/>
-    <dgm:txLinClrLst/>
-    <dgm:txFillClrLst meth="repeat">
-      <a:schemeClr val="lt2"/>
-    </dgm:txFillClrLst>
-    <dgm:txEffectClrLst/>
-  </dgm:styleLbl>
-  <dgm:styleLbl name="parChTrans2D2">
-    <dgm:fillClrLst meth="repeat">
-      <a:schemeClr val="dk2"/>
-    </dgm:fillClrLst>
-    <dgm:linClrLst meth="repeat">
-      <a:schemeClr val="dk2"/>
-    </dgm:linClrLst>
-    <dgm:effectClrLst/>
-    <dgm:txLinClrLst/>
-    <dgm:txFillClrLst meth="repeat">
-      <a:schemeClr val="lt2"/>
-    </dgm:txFillClrLst>
-    <dgm:txEffectClrLst/>
-  </dgm:styleLbl>
-  <dgm:styleLbl name="parChTrans2D3">
-    <dgm:fillClrLst meth="repeat">
-      <a:schemeClr val="dk2"/>
-    </dgm:fillClrLst>
-    <dgm:linClrLst meth="repeat">
-      <a:schemeClr val="dk2"/>
-    </dgm:linClrLst>
-    <dgm:effectClrLst/>
-    <dgm:txLinClrLst/>
-    <dgm:txFillClrLst meth="repeat">
-      <a:schemeClr val="lt2"/>
-    </dgm:txFillClrLst>
-    <dgm:txEffectClrLst/>
-  </dgm:styleLbl>
-  <dgm:styleLbl name="parChTrans2D4">
-    <dgm:fillClrLst meth="repeat">
-      <a:schemeClr val="dk2"/>
-    </dgm:fillClrLst>
-    <dgm:linClrLst meth="repeat">
-      <a:schemeClr val="dk2"/>
-    </dgm:linClrLst>
-    <dgm:effectClrLst/>
-    <dgm:txLinClrLst/>
-    <dgm:txFillClrLst meth="repeat">
-      <a:schemeClr val="lt2"/>
-    </dgm:txFillClrLst>
-    <dgm:txEffectClrLst/>
-  </dgm:styleLbl>
-  <dgm:styleLbl name="parChTrans1D1">
-    <dgm:fillClrLst meth="repeat">
-      <a:schemeClr val="dk2"/>
-    </dgm:fillClrLst>
-    <dgm:linClrLst meth="repeat">
-      <a:schemeClr val="dk2">
-        <a:shade val="60000"/>
-      </a:schemeClr>
-    </dgm:linClrLst>
-    <dgm:effectClrLst/>
-    <dgm:txLinClrLst/>
-    <dgm:txFillClrLst meth="repeat">
-      <a:schemeClr val="tx1"/>
-    </dgm:txFillClrLst>
-    <dgm:txEffectClrLst/>
-  </dgm:styleLbl>
-  <dgm:styleLbl name="parChTrans1D2">
-    <dgm:fillClrLst meth="repeat">
-      <a:schemeClr val="dk2"/>
-    </dgm:fillClrLst>
-    <dgm:linClrLst meth="repeat">
-      <a:schemeClr val="dk2">
-        <a:shade val="60000"/>
-      </a:schemeClr>
-    </dgm:linClrLst>
-    <dgm:effectClrLst/>
-    <dgm:txLinClrLst/>
-    <dgm:txFillClrLst meth="repeat">
-      <a:schemeClr val="tx1"/>
-    </dgm:txFillClrLst>
-    <dgm:txEffectClrLst/>
-  </dgm:styleLbl>
-  <dgm:styleLbl name="parChTrans1D3">
-    <dgm:fillClrLst meth="repeat">
-      <a:schemeClr val="dk2"/>
-    </dgm:fillClrLst>
-    <dgm:linClrLst meth="repeat">
-      <a:schemeClr val="dk2">
-        <a:shade val="80000"/>
-      </a:schemeClr>
-    </dgm:linClrLst>
-    <dgm:effectClrLst/>
-    <dgm:txLinClrLst/>
-    <dgm:txFillClrLst meth="repeat">
-      <a:schemeClr val="tx1"/>
-    </dgm:txFillClrLst>
-    <dgm:txEffectClrLst/>
-  </dgm:styleLbl>
-  <dgm:styleLbl name="parChTrans1D4">
-    <dgm:fillClrLst meth="repeat">
-      <a:schemeClr val="dk2"/>
-    </dgm:fillClrLst>
-    <dgm:linClrLst meth="repeat">
-      <a:schemeClr val="dk2">
-        <a:shade val="80000"/>
-      </a:schemeClr>
-    </dgm:linClrLst>
-    <dgm:effectClrLst/>
-    <dgm:txLinClrLst/>
-    <dgm:txFillClrLst meth="repeat">
-      <a:schemeClr val="tx1"/>
-    </dgm:txFillClrLst>
-    <dgm:txEffectClrLst/>
-  </dgm:styleLbl>
-  <dgm:styleLbl name="fgAcc1">
-    <dgm:fillClrLst meth="repeat">
-      <a:schemeClr val="lt2">
-        <a:alpha val="90000"/>
-      </a:schemeClr>
-    </dgm:fillClrLst>
-    <dgm:linClrLst meth="repeat">
-      <a:schemeClr val="dk2"/>
-    </dgm:linClrLst>
-    <dgm:effectClrLst/>
-    <dgm:txLinClrLst/>
-    <dgm:txFillClrLst meth="repeat">
-      <a:schemeClr val="dk1"/>
-    </dgm:txFillClrLst>
-    <dgm:txEffectClrLst/>
-  </dgm:styleLbl>
-  <dgm:styleLbl name="conFgAcc1">
-    <dgm:fillClrLst meth="repeat">
-      <a:schemeClr val="lt2">
-        <a:alpha val="90000"/>
-      </a:schemeClr>
-    </dgm:fillClrLst>
-    <dgm:linClrLst meth="repeat">
-      <a:schemeClr val="dk2"/>
-    </dgm:linClrLst>
-    <dgm:effectClrLst/>
-    <dgm:txLinClrLst/>
-    <dgm:txFillClrLst meth="repeat">
-      <a:schemeClr val="dk1"/>
-    </dgm:txFillClrLst>
-    <dgm:txEffectClrLst/>
-  </dgm:styleLbl>
-  <dgm:styleLbl name="alignAcc1">
-    <dgm:fillClrLst meth="repeat">
-      <a:schemeClr val="lt2">
-        <a:alpha val="90000"/>
-      </a:schemeClr>
-    </dgm:fillClrLst>
-    <dgm:linClrLst meth="repeat">
-      <a:schemeClr val="dk2"/>
-    </dgm:linClrLst>
-    <dgm:effectClrLst/>
-    <dgm:txLinClrLst/>
-    <dgm:txFillClrLst meth="repeat">
-      <a:schemeClr val="dk1"/>
-    </dgm:txFillClrLst>
-    <dgm:txEffectClrLst/>
-  </dgm:styleLbl>
-  <dgm:styleLbl name="trAlignAcc1">
-    <dgm:fillClrLst meth="repeat">
-      <a:schemeClr val="lt2">
-        <a:alpha val="40000"/>
-      </a:schemeClr>
-    </dgm:fillClrLst>
-    <dgm:linClrLst meth="repeat">
-      <a:schemeClr val="dk2"/>
-    </dgm:linClrLst>
-    <dgm:effectClrLst/>
-    <dgm:txLinClrLst/>
-    <dgm:txFillClrLst meth="repeat">
-      <a:schemeClr val="dk1"/>
-    </dgm:txFillClrLst>
-    <dgm:txEffectClrLst/>
-  </dgm:styleLbl>
-  <dgm:styleLbl name="bgAcc1">
-    <dgm:fillClrLst meth="repeat">
-      <a:schemeClr val="lt2">
-        <a:alpha val="90000"/>
-      </a:schemeClr>
-    </dgm:fillClrLst>
-    <dgm:linClrLst meth="repeat">
-      <a:schemeClr val="dk2"/>
-    </dgm:linClrLst>
-    <dgm:effectClrLst/>
-    <dgm:txLinClrLst/>
-    <dgm:txFillClrLst meth="repeat">
-      <a:schemeClr val="dk1"/>
-    </dgm:txFillClrLst>
-    <dgm:txEffectClrLst/>
-  </dgm:styleLbl>
-  <dgm:styleLbl name="solidFgAcc1">
-    <dgm:fillClrLst meth="repeat">
-      <a:schemeClr val="lt2"/>
-    </dgm:fillClrLst>
-    <dgm:linClrLst meth="repeat">
-      <a:schemeClr val="dk2"/>
-    </dgm:linClrLst>
-    <dgm:effectClrLst/>
-    <dgm:txLinClrLst/>
-    <dgm:txFillClrLst meth="repeat">
-      <a:schemeClr val="dk1"/>
-    </dgm:txFillClrLst>
-    <dgm:txEffectClrLst/>
-  </dgm:styleLbl>
-  <dgm:styleLbl name="solidAlignAcc1">
-    <dgm:fillClrLst meth="repeat">
-      <a:schemeClr val="lt2"/>
-    </dgm:fillClrLst>
-    <dgm:linClrLst meth="repeat">
-      <a:schemeClr val="dk2"/>
-    </dgm:linClrLst>
-    <dgm:effectClrLst/>
-    <dgm:txLinClrLst/>
-    <dgm:txFillClrLst meth="repeat">
-      <a:schemeClr val="dk1"/>
-    </dgm:txFillClrLst>
-    <dgm:txEffectClrLst/>
-  </dgm:styleLbl>
-  <dgm:styleLbl name="solidBgAcc1">
-    <dgm:fillClrLst meth="repeat">
-      <a:schemeClr val="lt2"/>
-    </dgm:fillClrLst>
-    <dgm:linClrLst meth="repeat">
-      <a:schemeClr val="dk2"/>
-    </dgm:linClrLst>
-    <dgm:effectClrLst/>
-    <dgm:txLinClrLst/>
-    <dgm:txFillClrLst meth="repeat">
-      <a:schemeClr val="dk1"/>
-    </dgm:txFillClrLst>
-    <dgm:txEffectClrLst/>
-  </dgm:styleLbl>
-  <dgm:styleLbl name="fgAccFollowNode1">
-    <dgm:fillClrLst meth="repeat">
-      <a:schemeClr val="dk2">
-        <a:alpha val="90000"/>
-        <a:tint val="40000"/>
-      </a:schemeClr>
-    </dgm:fillClrLst>
-    <dgm:linClrLst meth="repeat">
-      <a:schemeClr val="dk2">
-        <a:alpha val="90000"/>
-        <a:tint val="40000"/>
-      </a:schemeClr>
-    </dgm:linClrLst>
-    <dgm:effectClrLst/>
-    <dgm:txLinClrLst/>
-    <dgm:txFillClrLst meth="repeat">
-      <a:schemeClr val="dk1"/>
-    </dgm:txFillClrLst>
-    <dgm:txEffectClrLst/>
-  </dgm:styleLbl>
-  <dgm:styleLbl name="alignAccFollowNode1">
-    <dgm:fillClrLst meth="repeat">
-      <a:schemeClr val="dk2">
-        <a:alpha val="90000"/>
-        <a:tint val="40000"/>
-      </a:schemeClr>
-    </dgm:fillClrLst>
-    <dgm:linClrLst meth="repeat">
-      <a:schemeClr val="dk2">
-        <a:alpha val="90000"/>
-        <a:tint val="40000"/>
-      </a:schemeClr>
-    </dgm:linClrLst>
-    <dgm:effectClrLst/>
-    <dgm:txLinClrLst/>
-    <dgm:txFillClrLst meth="repeat">
-      <a:schemeClr val="dk1"/>
-    </dgm:txFillClrLst>
-    <dgm:txEffectClrLst/>
-  </dgm:styleLbl>
-  <dgm:styleLbl name="bgAccFollowNode1">
-    <dgm:fillClrLst meth="repeat">
-      <a:schemeClr val="dk2">
-        <a:alpha val="90000"/>
-        <a:tint val="40000"/>
-      </a:schemeClr>
-    </dgm:fillClrLst>
-    <dgm:linClrLst meth="repeat">
-      <a:schemeClr val="dk2">
-        <a:alpha val="90000"/>
-        <a:tint val="40000"/>
-      </a:schemeClr>
-    </dgm:linClrLst>
-    <dgm:effectClrLst/>
-    <dgm:txLinClrLst/>
-    <dgm:txFillClrLst meth="repeat">
-      <a:schemeClr val="dk1"/>
-    </dgm:txFillClrLst>
-    <dgm:txEffectClrLst/>
-  </dgm:styleLbl>
-  <dgm:styleLbl name="fgAcc0">
-    <dgm:fillClrLst meth="repeat">
-      <a:schemeClr val="lt2">
-        <a:alpha val="90000"/>
-      </a:schemeClr>
-    </dgm:fillClrLst>
-    <dgm:linClrLst meth="repeat">
-      <a:schemeClr val="dk2"/>
-    </dgm:linClrLst>
-    <dgm:effectClrLst/>
-    <dgm:txLinClrLst/>
-    <dgm:txFillClrLst meth="repeat">
-      <a:schemeClr val="dk1"/>
-    </dgm:txFillClrLst>
-    <dgm:txEffectClrLst/>
-  </dgm:styleLbl>
-  <dgm:styleLbl name="fgAcc2">
-    <dgm:fillClrLst meth="repeat">
-      <a:schemeClr val="lt2">
-        <a:alpha val="90000"/>
-      </a:schemeClr>
-    </dgm:fillClrLst>
-    <dgm:linClrLst meth="repeat">
-      <a:schemeClr val="dk2"/>
-    </dgm:linClrLst>
-    <dgm:effectClrLst/>
-    <dgm:txLinClrLst/>
-    <dgm:txFillClrLst meth="repeat">
-      <a:schemeClr val="dk1"/>
-    </dgm:txFillClrLst>
-    <dgm:txEffectClrLst/>
-  </dgm:styleLbl>
-  <dgm:styleLbl name="fgAcc3">
-    <dgm:fillClrLst meth="repeat">
-      <a:schemeClr val="lt2">
-        <a:alpha val="90000"/>
-      </a:schemeClr>
-    </dgm:fillClrLst>
-    <dgm:linClrLst meth="repeat">
-      <a:schemeClr val="dk2"/>
-    </dgm:linClrLst>
-    <dgm:effectClrLst/>
-    <dgm:txLinClrLst/>
-    <dgm:txFillClrLst meth="repeat">
-      <a:schemeClr val="dk1"/>
-    </dgm:txFillClrLst>
-    <dgm:txEffectClrLst/>
-  </dgm:styleLbl>
-  <dgm:styleLbl name="fgAcc4">
-    <dgm:fillClrLst meth="repeat">
-      <a:schemeClr val="lt2">
-        <a:alpha val="90000"/>
-      </a:schemeClr>
-    </dgm:fillClrLst>
-    <dgm:linClrLst meth="repeat">
-      <a:schemeClr val="dk2"/>
-    </dgm:linClrLst>
-    <dgm:effectClrLst/>
-    <dgm:txLinClrLst/>
-    <dgm:txFillClrLst meth="repeat">
-      <a:schemeClr val="dk1"/>
-    </dgm:txFillClrLst>
-    <dgm:txEffectClrLst/>
-  </dgm:styleLbl>
-  <dgm:styleLbl name="bgShp">
-    <dgm:fillClrLst meth="repeat">
-      <a:schemeClr val="dk2">
-        <a:tint val="40000"/>
-      </a:schemeClr>
-    </dgm:fillClrLst>
-    <dgm:linClrLst meth="repeat">
-      <a:schemeClr val="dk2"/>
-    </dgm:linClrLst>
-    <dgm:effectClrLst/>
-    <dgm:txLinClrLst/>
-    <dgm:txFillClrLst meth="repeat">
-      <a:schemeClr val="dk1"/>
-    </dgm:txFillClrLst>
-    <dgm:txEffectClrLst/>
-  </dgm:styleLbl>
-  <dgm:styleLbl name="dkBgShp">
-    <dgm:fillClrLst meth="repeat">
-      <a:schemeClr val="dk2">
-        <a:shade val="80000"/>
-      </a:schemeClr>
-    </dgm:fillClrLst>
-    <dgm:linClrLst meth="repeat">
-      <a:schemeClr val="dk2"/>
-    </dgm:linClrLst>
-    <dgm:effectClrLst/>
-    <dgm:txLinClrLst/>
-    <dgm:txFillClrLst meth="repeat">
-      <a:schemeClr val="lt1"/>
-    </dgm:txFillClrLst>
-    <dgm:txEffectClrLst/>
-  </dgm:styleLbl>
-  <dgm:styleLbl name="trBgShp">
-    <dgm:fillClrLst meth="repeat">
-      <a:schemeClr val="dk2">
-        <a:tint val="50000"/>
-        <a:alpha val="40000"/>
-      </a:schemeClr>
-    </dgm:fillClrLst>
-    <dgm:linClrLst meth="repeat">
-      <a:schemeClr val="dk2"/>
-    </dgm:linClrLst>
-    <dgm:effectClrLst/>
-    <dgm:txLinClrLst/>
-    <dgm:txFillClrLst meth="repeat">
-      <a:schemeClr val="lt1"/>
-    </dgm:txFillClrLst>
-    <dgm:txEffectClrLst/>
-  </dgm:styleLbl>
-  <dgm:styleLbl name="fgShp">
-    <dgm:fillClrLst meth="repeat">
-      <a:schemeClr val="dk2">
-        <a:tint val="60000"/>
-      </a:schemeClr>
-    </dgm:fillClrLst>
-    <dgm:linClrLst meth="repeat">
-      <a:schemeClr val="lt2"/>
-    </dgm:linClrLst>
-    <dgm:effectClrLst/>
-    <dgm:txLinClrLst/>
-    <dgm:txFillClrLst meth="repeat">
-      <a:schemeClr val="dk1"/>
-    </dgm:txFillClrLst>
-    <dgm:txEffectClrLst/>
-  </dgm:styleLbl>
-  <dgm:styleLbl name="revTx">
-    <dgm:fillClrLst meth="repeat">
-      <a:schemeClr val="lt2">
-        <a:alpha val="0"/>
-      </a:schemeClr>
-    </dgm:fillClrLst>
-    <dgm:linClrLst meth="repeat">
-      <a:schemeClr val="dk1">
-        <a:alpha val="0"/>
-      </a:schemeClr>
-    </dgm:linClrLst>
-    <dgm:effectClrLst/>
-    <dgm:txLinClrLst/>
-    <dgm:txFillClrLst meth="repeat">
-      <a:schemeClr val="tx1"/>
-    </dgm:txFillClrLst>
-    <dgm:txEffectClrLst/>
-  </dgm:styleLbl>
-</dgm:colorsDef>
-</file>
-
 <file path=ppt/diagrams/data1.xml><?xml version="1.0" encoding="utf-8"?>
 <dgm:dataModel xmlns:dgm="http://schemas.openxmlformats.org/drawingml/2006/diagram" xmlns:a="http://schemas.openxmlformats.org/drawingml/2006/main">
   <dgm:ptLst>
@@ -4204,7 +3451,7 @@
         </a:p>
       </dgm:t>
     </dgm:pt>
-    <dgm:pt modelId="{F412A8C5-5BC0-4E49-A647-E1017878D97F}">
+    <dgm:pt modelId="{EBC7D7EA-FF1E-43AD-9A62-D1F59829ED2E}">
       <dgm:prSet phldrT="[Text]" custT="1"/>
       <dgm:spPr>
         <a:solidFill>
@@ -4256,7 +3503,7 @@
         </a:p>
       </dgm:t>
     </dgm:pt>
-    <dgm:pt modelId="{019B5694-E498-4BAF-8361-1E113A0CD59A}" type="parTrans" cxnId="{3E94D592-B8BB-4385-AED7-4670B0122F8D}">
+    <dgm:pt modelId="{8D5C894D-965F-4F9D-8A86-94DE66735D5E}" type="parTrans" cxnId="{83E5DB34-E51F-4AD8-A52C-B221ACC406BB}">
       <dgm:prSet/>
       <dgm:spPr/>
       <dgm:t>
@@ -4267,7 +3514,248 @@
         </a:p>
       </dgm:t>
     </dgm:pt>
-    <dgm:pt modelId="{057D4DC3-6F75-44E6-8877-A78E6565789D}" type="sibTrans" cxnId="{3E94D592-B8BB-4385-AED7-4670B0122F8D}">
+    <dgm:pt modelId="{9CA6DD2B-4514-4C7B-9309-BECECB96B37D}" type="sibTrans" cxnId="{83E5DB34-E51F-4AD8-A52C-B221ACC406BB}">
+      <dgm:prSet/>
+      <dgm:spPr/>
+      <dgm:t>
+        <a:bodyPr/>
+        <a:lstStyle/>
+        <a:p>
+          <a:endParaRPr lang="en-US"/>
+        </a:p>
+      </dgm:t>
+    </dgm:pt>
+    <dgm:pt modelId="{34DE26C2-1F8B-4B39-B8D3-A7148252EE01}" type="pres">
+      <dgm:prSet presAssocID="{D9A8028B-636E-4896-A089-1BB7836C8AA3}" presName="linear" presStyleCnt="0">
+        <dgm:presLayoutVars>
+          <dgm:dir/>
+          <dgm:animLvl val="lvl"/>
+          <dgm:resizeHandles val="exact"/>
+        </dgm:presLayoutVars>
+      </dgm:prSet>
+      <dgm:spPr/>
+    </dgm:pt>
+    <dgm:pt modelId="{F02C9A1F-65E2-41CF-8413-F91CEF2563D7}" type="pres">
+      <dgm:prSet presAssocID="{67141AF2-62A4-4886-9C27-38156BF371C7}" presName="parentLin" presStyleCnt="0"/>
+      <dgm:spPr/>
+    </dgm:pt>
+    <dgm:pt modelId="{6948CBD6-5B42-4A81-A0DA-2C54230BDF0B}" type="pres">
+      <dgm:prSet presAssocID="{67141AF2-62A4-4886-9C27-38156BF371C7}" presName="parentLeftMargin" presStyleLbl="node1" presStyleIdx="0" presStyleCnt="3"/>
+      <dgm:spPr/>
+    </dgm:pt>
+    <dgm:pt modelId="{17C46FDE-72DB-48D6-B317-090A74270DA5}" type="pres">
+      <dgm:prSet presAssocID="{67141AF2-62A4-4886-9C27-38156BF371C7}" presName="parentText" presStyleLbl="node1" presStyleIdx="0" presStyleCnt="3">
+        <dgm:presLayoutVars>
+          <dgm:chMax val="0"/>
+          <dgm:bulletEnabled val="1"/>
+        </dgm:presLayoutVars>
+      </dgm:prSet>
+      <dgm:spPr/>
+    </dgm:pt>
+    <dgm:pt modelId="{9F4D9A84-A8DB-4C9D-9C65-227E7FF21E39}" type="pres">
+      <dgm:prSet presAssocID="{67141AF2-62A4-4886-9C27-38156BF371C7}" presName="negativeSpace" presStyleCnt="0"/>
+      <dgm:spPr/>
+    </dgm:pt>
+    <dgm:pt modelId="{B8354698-3920-4A0C-B7DA-906F6103C57D}" type="pres">
+      <dgm:prSet presAssocID="{67141AF2-62A4-4886-9C27-38156BF371C7}" presName="childText" presStyleLbl="conFgAcc1" presStyleIdx="0" presStyleCnt="3">
+        <dgm:presLayoutVars>
+          <dgm:bulletEnabled val="1"/>
+        </dgm:presLayoutVars>
+      </dgm:prSet>
+      <dgm:spPr/>
+    </dgm:pt>
+    <dgm:pt modelId="{84086CD6-F3E8-477D-9287-2D5E298034A8}" type="pres">
+      <dgm:prSet presAssocID="{65E561C0-757F-4225-AFB3-6596048760C7}" presName="spaceBetweenRectangles" presStyleCnt="0"/>
+      <dgm:spPr/>
+    </dgm:pt>
+    <dgm:pt modelId="{051DF7C6-13F7-47C6-A220-E04F2B28BD8F}" type="pres">
+      <dgm:prSet presAssocID="{CDD028E7-0895-4620-BE36-FBF5D34608D8}" presName="parentLin" presStyleCnt="0"/>
+      <dgm:spPr/>
+    </dgm:pt>
+    <dgm:pt modelId="{5008E741-D483-4E85-A9D5-405F903A5134}" type="pres">
+      <dgm:prSet presAssocID="{CDD028E7-0895-4620-BE36-FBF5D34608D8}" presName="parentLeftMargin" presStyleLbl="node1" presStyleIdx="0" presStyleCnt="3"/>
+      <dgm:spPr/>
+    </dgm:pt>
+    <dgm:pt modelId="{A2876BE3-BD1D-475F-8E56-2E5003FBE21B}" type="pres">
+      <dgm:prSet presAssocID="{CDD028E7-0895-4620-BE36-FBF5D34608D8}" presName="parentText" presStyleLbl="node1" presStyleIdx="1" presStyleCnt="3">
+        <dgm:presLayoutVars>
+          <dgm:chMax val="0"/>
+          <dgm:bulletEnabled val="1"/>
+        </dgm:presLayoutVars>
+      </dgm:prSet>
+      <dgm:spPr/>
+    </dgm:pt>
+    <dgm:pt modelId="{9D0D59F5-5174-4699-8FBC-F21BB6ACD638}" type="pres">
+      <dgm:prSet presAssocID="{CDD028E7-0895-4620-BE36-FBF5D34608D8}" presName="negativeSpace" presStyleCnt="0"/>
+      <dgm:spPr/>
+    </dgm:pt>
+    <dgm:pt modelId="{5A22835E-E491-4864-B407-E709573B04D5}" type="pres">
+      <dgm:prSet presAssocID="{CDD028E7-0895-4620-BE36-FBF5D34608D8}" presName="childText" presStyleLbl="conFgAcc1" presStyleIdx="1" presStyleCnt="3">
+        <dgm:presLayoutVars>
+          <dgm:bulletEnabled val="1"/>
+        </dgm:presLayoutVars>
+      </dgm:prSet>
+      <dgm:spPr/>
+    </dgm:pt>
+    <dgm:pt modelId="{DEED20F0-98CF-408E-8896-1A58D648573F}" type="pres">
+      <dgm:prSet presAssocID="{3A88D9B5-AD42-4945-AADD-E146B26D210B}" presName="spaceBetweenRectangles" presStyleCnt="0"/>
+      <dgm:spPr/>
+    </dgm:pt>
+    <dgm:pt modelId="{1C57C553-0A1B-4CBA-A6D4-1EBD0DD532BB}" type="pres">
+      <dgm:prSet presAssocID="{EBC7D7EA-FF1E-43AD-9A62-D1F59829ED2E}" presName="parentLin" presStyleCnt="0"/>
+      <dgm:spPr/>
+    </dgm:pt>
+    <dgm:pt modelId="{A5D2D68C-9EB7-445C-BBCE-A06BA715D077}" type="pres">
+      <dgm:prSet presAssocID="{EBC7D7EA-FF1E-43AD-9A62-D1F59829ED2E}" presName="parentLeftMargin" presStyleLbl="node1" presStyleIdx="1" presStyleCnt="3"/>
+      <dgm:spPr/>
+    </dgm:pt>
+    <dgm:pt modelId="{628CD393-5B28-47EB-B377-938AD11F2459}" type="pres">
+      <dgm:prSet presAssocID="{EBC7D7EA-FF1E-43AD-9A62-D1F59829ED2E}" presName="parentText" presStyleLbl="node1" presStyleIdx="2" presStyleCnt="3">
+        <dgm:presLayoutVars>
+          <dgm:chMax val="0"/>
+          <dgm:bulletEnabled val="1"/>
+        </dgm:presLayoutVars>
+      </dgm:prSet>
+      <dgm:spPr>
+        <a:xfrm>
+          <a:off x="292289" y="2770480"/>
+          <a:ext cx="4092053" cy="442800"/>
+        </a:xfrm>
+        <a:prstGeom prst="roundRect">
+          <a:avLst/>
+        </a:prstGeom>
+      </dgm:spPr>
+    </dgm:pt>
+    <dgm:pt modelId="{EAC6D904-7F8D-4A9F-809B-D39455B2375C}" type="pres">
+      <dgm:prSet presAssocID="{EBC7D7EA-FF1E-43AD-9A62-D1F59829ED2E}" presName="negativeSpace" presStyleCnt="0"/>
+      <dgm:spPr/>
+    </dgm:pt>
+    <dgm:pt modelId="{63421B27-6F08-4476-83EC-98966E297891}" type="pres">
+      <dgm:prSet presAssocID="{EBC7D7EA-FF1E-43AD-9A62-D1F59829ED2E}" presName="childText" presStyleLbl="conFgAcc1" presStyleIdx="2" presStyleCnt="3">
+        <dgm:presLayoutVars>
+          <dgm:bulletEnabled val="1"/>
+        </dgm:presLayoutVars>
+      </dgm:prSet>
+      <dgm:spPr/>
+    </dgm:pt>
+  </dgm:ptLst>
+  <dgm:cxnLst>
+    <dgm:cxn modelId="{783E552B-81A0-4E21-8508-B4BC016BE49A}" type="presOf" srcId="{D9A8028B-636E-4896-A089-1BB7836C8AA3}" destId="{34DE26C2-1F8B-4B39-B8D3-A7148252EE01}" srcOrd="0" destOrd="0" presId="urn:microsoft.com/office/officeart/2005/8/layout/list1"/>
+    <dgm:cxn modelId="{83E5DB34-E51F-4AD8-A52C-B221ACC406BB}" srcId="{D9A8028B-636E-4896-A089-1BB7836C8AA3}" destId="{EBC7D7EA-FF1E-43AD-9A62-D1F59829ED2E}" srcOrd="2" destOrd="0" parTransId="{8D5C894D-965F-4F9D-8A86-94DE66735D5E}" sibTransId="{9CA6DD2B-4514-4C7B-9309-BECECB96B37D}"/>
+    <dgm:cxn modelId="{D0DC0F37-255B-42C5-AA23-A7C8B507B26F}" srcId="{D9A8028B-636E-4896-A089-1BB7836C8AA3}" destId="{CDD028E7-0895-4620-BE36-FBF5D34608D8}" srcOrd="1" destOrd="0" parTransId="{1149A5D2-A124-4B1D-8747-9E944E38501F}" sibTransId="{3A88D9B5-AD42-4945-AADD-E146B26D210B}"/>
+    <dgm:cxn modelId="{63B02082-79E7-493C-B12C-1317E21D37C6}" type="presOf" srcId="{CDD028E7-0895-4620-BE36-FBF5D34608D8}" destId="{A2876BE3-BD1D-475F-8E56-2E5003FBE21B}" srcOrd="1" destOrd="0" presId="urn:microsoft.com/office/officeart/2005/8/layout/list1"/>
+    <dgm:cxn modelId="{AB059388-6109-41BA-B23E-2F6AFD00E249}" srcId="{D9A8028B-636E-4896-A089-1BB7836C8AA3}" destId="{67141AF2-62A4-4886-9C27-38156BF371C7}" srcOrd="0" destOrd="0" parTransId="{AB419B9E-3945-4566-9A1E-20D0C121F34A}" sibTransId="{65E561C0-757F-4225-AFB3-6596048760C7}"/>
+    <dgm:cxn modelId="{965A54D6-6A63-4F13-B3CB-38D57A0DB08B}" type="presOf" srcId="{EBC7D7EA-FF1E-43AD-9A62-D1F59829ED2E}" destId="{A5D2D68C-9EB7-445C-BBCE-A06BA715D077}" srcOrd="0" destOrd="0" presId="urn:microsoft.com/office/officeart/2005/8/layout/list1"/>
+    <dgm:cxn modelId="{1C9750E2-DAB6-458B-AD8F-078FD24C0DC6}" type="presOf" srcId="{67141AF2-62A4-4886-9C27-38156BF371C7}" destId="{17C46FDE-72DB-48D6-B317-090A74270DA5}" srcOrd="1" destOrd="0" presId="urn:microsoft.com/office/officeart/2005/8/layout/list1"/>
+    <dgm:cxn modelId="{D1A807E4-334E-47FB-ACE5-ABCC5630407F}" type="presOf" srcId="{EBC7D7EA-FF1E-43AD-9A62-D1F59829ED2E}" destId="{628CD393-5B28-47EB-B377-938AD11F2459}" srcOrd="1" destOrd="0" presId="urn:microsoft.com/office/officeart/2005/8/layout/list1"/>
+    <dgm:cxn modelId="{760AA2EA-7C91-41E4-8938-66794560533E}" type="presOf" srcId="{CDD028E7-0895-4620-BE36-FBF5D34608D8}" destId="{5008E741-D483-4E85-A9D5-405F903A5134}" srcOrd="0" destOrd="0" presId="urn:microsoft.com/office/officeart/2005/8/layout/list1"/>
+    <dgm:cxn modelId="{1E4B14FE-AB97-4687-A758-4668B128E23B}" type="presOf" srcId="{67141AF2-62A4-4886-9C27-38156BF371C7}" destId="{6948CBD6-5B42-4A81-A0DA-2C54230BDF0B}" srcOrd="0" destOrd="0" presId="urn:microsoft.com/office/officeart/2005/8/layout/list1"/>
+    <dgm:cxn modelId="{665D60C3-82AA-4FE5-8711-DF1AAF08AE7A}" type="presParOf" srcId="{34DE26C2-1F8B-4B39-B8D3-A7148252EE01}" destId="{F02C9A1F-65E2-41CF-8413-F91CEF2563D7}" srcOrd="0" destOrd="0" presId="urn:microsoft.com/office/officeart/2005/8/layout/list1"/>
+    <dgm:cxn modelId="{FA19F6E5-1E3C-41B1-86A0-5480924EC874}" type="presParOf" srcId="{F02C9A1F-65E2-41CF-8413-F91CEF2563D7}" destId="{6948CBD6-5B42-4A81-A0DA-2C54230BDF0B}" srcOrd="0" destOrd="0" presId="urn:microsoft.com/office/officeart/2005/8/layout/list1"/>
+    <dgm:cxn modelId="{261BEEC3-66B3-4CBB-8F58-3DB355A86B45}" type="presParOf" srcId="{F02C9A1F-65E2-41CF-8413-F91CEF2563D7}" destId="{17C46FDE-72DB-48D6-B317-090A74270DA5}" srcOrd="1" destOrd="0" presId="urn:microsoft.com/office/officeart/2005/8/layout/list1"/>
+    <dgm:cxn modelId="{BEC75049-62D7-4B54-93D9-D717083E9E33}" type="presParOf" srcId="{34DE26C2-1F8B-4B39-B8D3-A7148252EE01}" destId="{9F4D9A84-A8DB-4C9D-9C65-227E7FF21E39}" srcOrd="1" destOrd="0" presId="urn:microsoft.com/office/officeart/2005/8/layout/list1"/>
+    <dgm:cxn modelId="{8AB35CFF-8281-41F0-B7AA-C7330FF5F553}" type="presParOf" srcId="{34DE26C2-1F8B-4B39-B8D3-A7148252EE01}" destId="{B8354698-3920-4A0C-B7DA-906F6103C57D}" srcOrd="2" destOrd="0" presId="urn:microsoft.com/office/officeart/2005/8/layout/list1"/>
+    <dgm:cxn modelId="{5215EE75-2842-41FA-9BC9-7ADDD56CDBDE}" type="presParOf" srcId="{34DE26C2-1F8B-4B39-B8D3-A7148252EE01}" destId="{84086CD6-F3E8-477D-9287-2D5E298034A8}" srcOrd="3" destOrd="0" presId="urn:microsoft.com/office/officeart/2005/8/layout/list1"/>
+    <dgm:cxn modelId="{332DEE3E-DD45-4281-A314-9325E20A0441}" type="presParOf" srcId="{34DE26C2-1F8B-4B39-B8D3-A7148252EE01}" destId="{051DF7C6-13F7-47C6-A220-E04F2B28BD8F}" srcOrd="4" destOrd="0" presId="urn:microsoft.com/office/officeart/2005/8/layout/list1"/>
+    <dgm:cxn modelId="{8CE98E5A-BFF1-4462-9D71-863520157BB0}" type="presParOf" srcId="{051DF7C6-13F7-47C6-A220-E04F2B28BD8F}" destId="{5008E741-D483-4E85-A9D5-405F903A5134}" srcOrd="0" destOrd="0" presId="urn:microsoft.com/office/officeart/2005/8/layout/list1"/>
+    <dgm:cxn modelId="{88E02442-F32D-4D2E-A654-07855401CF85}" type="presParOf" srcId="{051DF7C6-13F7-47C6-A220-E04F2B28BD8F}" destId="{A2876BE3-BD1D-475F-8E56-2E5003FBE21B}" srcOrd="1" destOrd="0" presId="urn:microsoft.com/office/officeart/2005/8/layout/list1"/>
+    <dgm:cxn modelId="{785D7BA0-49A7-4CAF-B427-DFF918F2B857}" type="presParOf" srcId="{34DE26C2-1F8B-4B39-B8D3-A7148252EE01}" destId="{9D0D59F5-5174-4699-8FBC-F21BB6ACD638}" srcOrd="5" destOrd="0" presId="urn:microsoft.com/office/officeart/2005/8/layout/list1"/>
+    <dgm:cxn modelId="{0D2A1A66-22B5-4945-B21C-38F9CDF0FF4D}" type="presParOf" srcId="{34DE26C2-1F8B-4B39-B8D3-A7148252EE01}" destId="{5A22835E-E491-4864-B407-E709573B04D5}" srcOrd="6" destOrd="0" presId="urn:microsoft.com/office/officeart/2005/8/layout/list1"/>
+    <dgm:cxn modelId="{5B70D220-CA7F-4BB8-A9E5-492FBB1E581C}" type="presParOf" srcId="{34DE26C2-1F8B-4B39-B8D3-A7148252EE01}" destId="{DEED20F0-98CF-408E-8896-1A58D648573F}" srcOrd="7" destOrd="0" presId="urn:microsoft.com/office/officeart/2005/8/layout/list1"/>
+    <dgm:cxn modelId="{921C0146-6BC0-4480-BC21-F0FF6CB02078}" type="presParOf" srcId="{34DE26C2-1F8B-4B39-B8D3-A7148252EE01}" destId="{1C57C553-0A1B-4CBA-A6D4-1EBD0DD532BB}" srcOrd="8" destOrd="0" presId="urn:microsoft.com/office/officeart/2005/8/layout/list1"/>
+    <dgm:cxn modelId="{EB0D3D18-7AC7-439D-8FA3-A7B8A1F9585C}" type="presParOf" srcId="{1C57C553-0A1B-4CBA-A6D4-1EBD0DD532BB}" destId="{A5D2D68C-9EB7-445C-BBCE-A06BA715D077}" srcOrd="0" destOrd="0" presId="urn:microsoft.com/office/officeart/2005/8/layout/list1"/>
+    <dgm:cxn modelId="{CAFDEA79-B4B3-4259-A26F-DD2C85089462}" type="presParOf" srcId="{1C57C553-0A1B-4CBA-A6D4-1EBD0DD532BB}" destId="{628CD393-5B28-47EB-B377-938AD11F2459}" srcOrd="1" destOrd="0" presId="urn:microsoft.com/office/officeart/2005/8/layout/list1"/>
+    <dgm:cxn modelId="{AF991284-9B1D-46E9-B602-819DF196654F}" type="presParOf" srcId="{34DE26C2-1F8B-4B39-B8D3-A7148252EE01}" destId="{EAC6D904-7F8D-4A9F-809B-D39455B2375C}" srcOrd="9" destOrd="0" presId="urn:microsoft.com/office/officeart/2005/8/layout/list1"/>
+    <dgm:cxn modelId="{67A78D01-5203-4F68-96E4-358E3B448716}" type="presParOf" srcId="{34DE26C2-1F8B-4B39-B8D3-A7148252EE01}" destId="{63421B27-6F08-4476-83EC-98966E297891}" srcOrd="10" destOrd="0" presId="urn:microsoft.com/office/officeart/2005/8/layout/list1"/>
+  </dgm:cxnLst>
+  <dgm:bg/>
+  <dgm:whole/>
+  <dgm:extLst>
+    <a:ext uri="http://schemas.microsoft.com/office/drawing/2008/diagram">
+      <dsp:dataModelExt xmlns:dsp="http://schemas.microsoft.com/office/drawing/2008/diagram" relId="rId7" minVer="http://schemas.openxmlformats.org/drawingml/2006/diagram"/>
+    </a:ext>
+  </dgm:extLst>
+</dgm:dataModel>
+</file>
+
+<file path=ppt/diagrams/data3.xml><?xml version="1.0" encoding="utf-8"?>
+<dgm:dataModel xmlns:dgm="http://schemas.openxmlformats.org/drawingml/2006/diagram" xmlns:a="http://schemas.openxmlformats.org/drawingml/2006/main">
+  <dgm:ptLst>
+    <dgm:pt modelId="{D9A8028B-636E-4896-A089-1BB7836C8AA3}" type="doc">
+      <dgm:prSet loTypeId="urn:microsoft.com/office/officeart/2005/8/layout/list1" loCatId="list" qsTypeId="urn:microsoft.com/office/officeart/2005/8/quickstyle/simple1" qsCatId="simple" csTypeId="urn:microsoft.com/office/officeart/2005/8/colors/accent0_3" csCatId="mainScheme" phldr="1"/>
+      <dgm:spPr/>
+      <dgm:t>
+        <a:bodyPr/>
+        <a:lstStyle/>
+        <a:p>
+          <a:endParaRPr lang="en-US"/>
+        </a:p>
+      </dgm:t>
+    </dgm:pt>
+    <dgm:pt modelId="{67141AF2-62A4-4886-9C27-38156BF371C7}">
+      <dgm:prSet phldrT="[Text]"/>
+      <dgm:spPr>
+        <a:solidFill>
+          <a:schemeClr val="tx2"/>
+        </a:solidFill>
+      </dgm:spPr>
+      <dgm:t>
+        <a:bodyPr/>
+        <a:lstStyle/>
+        <a:p>
+          <a:endParaRPr lang="en-US" dirty="0"/>
+        </a:p>
+      </dgm:t>
+    </dgm:pt>
+    <dgm:pt modelId="{AB419B9E-3945-4566-9A1E-20D0C121F34A}" type="parTrans" cxnId="{AB059388-6109-41BA-B23E-2F6AFD00E249}">
+      <dgm:prSet/>
+      <dgm:spPr/>
+      <dgm:t>
+        <a:bodyPr/>
+        <a:lstStyle/>
+        <a:p>
+          <a:endParaRPr lang="en-US"/>
+        </a:p>
+      </dgm:t>
+    </dgm:pt>
+    <dgm:pt modelId="{65E561C0-757F-4225-AFB3-6596048760C7}" type="sibTrans" cxnId="{AB059388-6109-41BA-B23E-2F6AFD00E249}">
+      <dgm:prSet/>
+      <dgm:spPr/>
+      <dgm:t>
+        <a:bodyPr/>
+        <a:lstStyle/>
+        <a:p>
+          <a:endParaRPr lang="en-US"/>
+        </a:p>
+      </dgm:t>
+    </dgm:pt>
+    <dgm:pt modelId="{CDD028E7-0895-4620-BE36-FBF5D34608D8}">
+      <dgm:prSet phldrT="[Text]"/>
+      <dgm:spPr>
+        <a:solidFill>
+          <a:srgbClr val="8BC9DF"/>
+        </a:solidFill>
+      </dgm:spPr>
+      <dgm:t>
+        <a:bodyPr/>
+        <a:lstStyle/>
+        <a:p>
+          <a:endParaRPr lang="en-US" dirty="0"/>
+        </a:p>
+      </dgm:t>
+    </dgm:pt>
+    <dgm:pt modelId="{1149A5D2-A124-4B1D-8747-9E944E38501F}" type="parTrans" cxnId="{D0DC0F37-255B-42C5-AA23-A7C8B507B26F}">
+      <dgm:prSet/>
+      <dgm:spPr/>
+      <dgm:t>
+        <a:bodyPr/>
+        <a:lstStyle/>
+        <a:p>
+          <a:endParaRPr lang="en-US"/>
+        </a:p>
+      </dgm:t>
+    </dgm:pt>
+    <dgm:pt modelId="{3A88D9B5-AD42-4945-AADD-E146B26D210B}" type="sibTrans" cxnId="{D0DC0F37-255B-42C5-AA23-A7C8B507B26F}">
       <dgm:prSet/>
       <dgm:spPr/>
       <dgm:t>
@@ -4367,11 +3855,11 @@
       <dgm:spPr/>
     </dgm:pt>
     <dgm:pt modelId="{6948CBD6-5B42-4A81-A0DA-2C54230BDF0B}" type="pres">
-      <dgm:prSet presAssocID="{67141AF2-62A4-4886-9C27-38156BF371C7}" presName="parentLeftMargin" presStyleLbl="node1" presStyleIdx="0" presStyleCnt="4"/>
+      <dgm:prSet presAssocID="{67141AF2-62A4-4886-9C27-38156BF371C7}" presName="parentLeftMargin" presStyleLbl="node1" presStyleIdx="0" presStyleCnt="3"/>
       <dgm:spPr/>
     </dgm:pt>
     <dgm:pt modelId="{17C46FDE-72DB-48D6-B317-090A74270DA5}" type="pres">
-      <dgm:prSet presAssocID="{67141AF2-62A4-4886-9C27-38156BF371C7}" presName="parentText" presStyleLbl="node1" presStyleIdx="0" presStyleCnt="4">
+      <dgm:prSet presAssocID="{67141AF2-62A4-4886-9C27-38156BF371C7}" presName="parentText" presStyleLbl="node1" presStyleIdx="0" presStyleCnt="3" custLinFactNeighborX="-10618" custLinFactNeighborY="-14185">
         <dgm:presLayoutVars>
           <dgm:chMax val="0"/>
           <dgm:bulletEnabled val="1"/>
@@ -4384,7 +3872,7 @@
       <dgm:spPr/>
     </dgm:pt>
     <dgm:pt modelId="{B8354698-3920-4A0C-B7DA-906F6103C57D}" type="pres">
-      <dgm:prSet presAssocID="{67141AF2-62A4-4886-9C27-38156BF371C7}" presName="childText" presStyleLbl="conFgAcc1" presStyleIdx="0" presStyleCnt="4">
+      <dgm:prSet presAssocID="{67141AF2-62A4-4886-9C27-38156BF371C7}" presName="childText" presStyleLbl="conFgAcc1" presStyleIdx="0" presStyleCnt="3">
         <dgm:presLayoutVars>
           <dgm:bulletEnabled val="1"/>
         </dgm:presLayoutVars>
@@ -4400,11 +3888,11 @@
       <dgm:spPr/>
     </dgm:pt>
     <dgm:pt modelId="{5008E741-D483-4E85-A9D5-405F903A5134}" type="pres">
-      <dgm:prSet presAssocID="{CDD028E7-0895-4620-BE36-FBF5D34608D8}" presName="parentLeftMargin" presStyleLbl="node1" presStyleIdx="0" presStyleCnt="4"/>
+      <dgm:prSet presAssocID="{CDD028E7-0895-4620-BE36-FBF5D34608D8}" presName="parentLeftMargin" presStyleLbl="node1" presStyleIdx="0" presStyleCnt="3"/>
       <dgm:spPr/>
     </dgm:pt>
     <dgm:pt modelId="{A2876BE3-BD1D-475F-8E56-2E5003FBE21B}" type="pres">
-      <dgm:prSet presAssocID="{CDD028E7-0895-4620-BE36-FBF5D34608D8}" presName="parentText" presStyleLbl="node1" presStyleIdx="1" presStyleCnt="4">
+      <dgm:prSet presAssocID="{CDD028E7-0895-4620-BE36-FBF5D34608D8}" presName="parentText" presStyleLbl="node1" presStyleIdx="1" presStyleCnt="3">
         <dgm:presLayoutVars>
           <dgm:chMax val="0"/>
           <dgm:bulletEnabled val="1"/>
@@ -4417,7 +3905,7 @@
       <dgm:spPr/>
     </dgm:pt>
     <dgm:pt modelId="{5A22835E-E491-4864-B407-E709573B04D5}" type="pres">
-      <dgm:prSet presAssocID="{CDD028E7-0895-4620-BE36-FBF5D34608D8}" presName="childText" presStyleLbl="conFgAcc1" presStyleIdx="1" presStyleCnt="4">
+      <dgm:prSet presAssocID="{CDD028E7-0895-4620-BE36-FBF5D34608D8}" presName="childText" presStyleLbl="conFgAcc1" presStyleIdx="1" presStyleCnt="3">
         <dgm:presLayoutVars>
           <dgm:bulletEnabled val="1"/>
         </dgm:presLayoutVars>
@@ -4428,57 +3916,16 @@
       <dgm:prSet presAssocID="{3A88D9B5-AD42-4945-AADD-E146B26D210B}" presName="spaceBetweenRectangles" presStyleCnt="0"/>
       <dgm:spPr/>
     </dgm:pt>
-    <dgm:pt modelId="{A4DAEDC9-F194-468B-AD24-146BE7EBC3CE}" type="pres">
-      <dgm:prSet presAssocID="{F412A8C5-5BC0-4E49-A647-E1017878D97F}" presName="parentLin" presStyleCnt="0"/>
-      <dgm:spPr/>
-    </dgm:pt>
-    <dgm:pt modelId="{B23724F6-6F6A-4034-A076-AE1C92B57440}" type="pres">
-      <dgm:prSet presAssocID="{F412A8C5-5BC0-4E49-A647-E1017878D97F}" presName="parentLeftMargin" presStyleLbl="node1" presStyleIdx="1" presStyleCnt="4"/>
-      <dgm:spPr/>
-    </dgm:pt>
-    <dgm:pt modelId="{A339E047-B135-4500-9EC2-5389F8587BF4}" type="pres">
-      <dgm:prSet presAssocID="{F412A8C5-5BC0-4E49-A647-E1017878D97F}" presName="parentText" presStyleLbl="node1" presStyleIdx="2" presStyleCnt="4">
-        <dgm:presLayoutVars>
-          <dgm:chMax val="0"/>
-          <dgm:bulletEnabled val="1"/>
-        </dgm:presLayoutVars>
-      </dgm:prSet>
-      <dgm:spPr>
-        <a:xfrm>
-          <a:off x="292289" y="1409679"/>
-          <a:ext cx="4092053" cy="442800"/>
-        </a:xfrm>
-        <a:prstGeom prst="roundRect">
-          <a:avLst/>
-        </a:prstGeom>
-      </dgm:spPr>
-    </dgm:pt>
-    <dgm:pt modelId="{4F63ADDA-E8B4-40C5-8806-43FB595D33C9}" type="pres">
-      <dgm:prSet presAssocID="{F412A8C5-5BC0-4E49-A647-E1017878D97F}" presName="negativeSpace" presStyleCnt="0"/>
-      <dgm:spPr/>
-    </dgm:pt>
-    <dgm:pt modelId="{4F364EED-E8F4-4E28-8CD5-DBF066B83804}" type="pres">
-      <dgm:prSet presAssocID="{F412A8C5-5BC0-4E49-A647-E1017878D97F}" presName="childText" presStyleLbl="conFgAcc1" presStyleIdx="2" presStyleCnt="4">
-        <dgm:presLayoutVars>
-          <dgm:bulletEnabled val="1"/>
-        </dgm:presLayoutVars>
-      </dgm:prSet>
-      <dgm:spPr/>
-    </dgm:pt>
-    <dgm:pt modelId="{D67E4F56-C59B-453E-80F4-A1B60B83E2B3}" type="pres">
-      <dgm:prSet presAssocID="{057D4DC3-6F75-44E6-8877-A78E6565789D}" presName="spaceBetweenRectangles" presStyleCnt="0"/>
-      <dgm:spPr/>
-    </dgm:pt>
     <dgm:pt modelId="{1C57C553-0A1B-4CBA-A6D4-1EBD0DD532BB}" type="pres">
       <dgm:prSet presAssocID="{EBC7D7EA-FF1E-43AD-9A62-D1F59829ED2E}" presName="parentLin" presStyleCnt="0"/>
       <dgm:spPr/>
     </dgm:pt>
     <dgm:pt modelId="{A5D2D68C-9EB7-445C-BBCE-A06BA715D077}" type="pres">
-      <dgm:prSet presAssocID="{EBC7D7EA-FF1E-43AD-9A62-D1F59829ED2E}" presName="parentLeftMargin" presStyleLbl="node1" presStyleIdx="2" presStyleCnt="4"/>
+      <dgm:prSet presAssocID="{EBC7D7EA-FF1E-43AD-9A62-D1F59829ED2E}" presName="parentLeftMargin" presStyleLbl="node1" presStyleIdx="1" presStyleCnt="3"/>
       <dgm:spPr/>
     </dgm:pt>
     <dgm:pt modelId="{628CD393-5B28-47EB-B377-938AD11F2459}" type="pres">
-      <dgm:prSet presAssocID="{EBC7D7EA-FF1E-43AD-9A62-D1F59829ED2E}" presName="parentText" presStyleLbl="node1" presStyleIdx="3" presStyleCnt="4">
+      <dgm:prSet presAssocID="{EBC7D7EA-FF1E-43AD-9A62-D1F59829ED2E}" presName="parentText" presStyleLbl="node1" presStyleIdx="2" presStyleCnt="3">
         <dgm:presLayoutVars>
           <dgm:chMax val="0"/>
           <dgm:bulletEnabled val="1"/>
@@ -4499,7 +3946,7 @@
       <dgm:spPr/>
     </dgm:pt>
     <dgm:pt modelId="{63421B27-6F08-4476-83EC-98966E297891}" type="pres">
-      <dgm:prSet presAssocID="{EBC7D7EA-FF1E-43AD-9A62-D1F59829ED2E}" presName="childText" presStyleLbl="conFgAcc1" presStyleIdx="3" presStyleCnt="4">
+      <dgm:prSet presAssocID="{EBC7D7EA-FF1E-43AD-9A62-D1F59829ED2E}" presName="childText" presStyleLbl="conFgAcc1" presStyleIdx="2" presStyleCnt="3">
         <dgm:presLayoutVars>
           <dgm:bulletEnabled val="1"/>
         </dgm:presLayoutVars>
@@ -4508,14 +3955,11 @@
     </dgm:pt>
   </dgm:ptLst>
   <dgm:cxnLst>
-    <dgm:cxn modelId="{C906A916-1448-4275-A940-13ACAF881965}" type="presOf" srcId="{F412A8C5-5BC0-4E49-A647-E1017878D97F}" destId="{B23724F6-6F6A-4034-A076-AE1C92B57440}" srcOrd="0" destOrd="0" presId="urn:microsoft.com/office/officeart/2005/8/layout/list1"/>
     <dgm:cxn modelId="{783E552B-81A0-4E21-8508-B4BC016BE49A}" type="presOf" srcId="{D9A8028B-636E-4896-A089-1BB7836C8AA3}" destId="{34DE26C2-1F8B-4B39-B8D3-A7148252EE01}" srcOrd="0" destOrd="0" presId="urn:microsoft.com/office/officeart/2005/8/layout/list1"/>
-    <dgm:cxn modelId="{83E5DB34-E51F-4AD8-A52C-B221ACC406BB}" srcId="{D9A8028B-636E-4896-A089-1BB7836C8AA3}" destId="{EBC7D7EA-FF1E-43AD-9A62-D1F59829ED2E}" srcOrd="3" destOrd="0" parTransId="{8D5C894D-965F-4F9D-8A86-94DE66735D5E}" sibTransId="{9CA6DD2B-4514-4C7B-9309-BECECB96B37D}"/>
+    <dgm:cxn modelId="{83E5DB34-E51F-4AD8-A52C-B221ACC406BB}" srcId="{D9A8028B-636E-4896-A089-1BB7836C8AA3}" destId="{EBC7D7EA-FF1E-43AD-9A62-D1F59829ED2E}" srcOrd="2" destOrd="0" parTransId="{8D5C894D-965F-4F9D-8A86-94DE66735D5E}" sibTransId="{9CA6DD2B-4514-4C7B-9309-BECECB96B37D}"/>
     <dgm:cxn modelId="{D0DC0F37-255B-42C5-AA23-A7C8B507B26F}" srcId="{D9A8028B-636E-4896-A089-1BB7836C8AA3}" destId="{CDD028E7-0895-4620-BE36-FBF5D34608D8}" srcOrd="1" destOrd="0" parTransId="{1149A5D2-A124-4B1D-8747-9E944E38501F}" sibTransId="{3A88D9B5-AD42-4945-AADD-E146B26D210B}"/>
-    <dgm:cxn modelId="{37A69F6B-12F8-4725-9913-2BC72A373E57}" type="presOf" srcId="{F412A8C5-5BC0-4E49-A647-E1017878D97F}" destId="{A339E047-B135-4500-9EC2-5389F8587BF4}" srcOrd="1" destOrd="0" presId="urn:microsoft.com/office/officeart/2005/8/layout/list1"/>
     <dgm:cxn modelId="{63B02082-79E7-493C-B12C-1317E21D37C6}" type="presOf" srcId="{CDD028E7-0895-4620-BE36-FBF5D34608D8}" destId="{A2876BE3-BD1D-475F-8E56-2E5003FBE21B}" srcOrd="1" destOrd="0" presId="urn:microsoft.com/office/officeart/2005/8/layout/list1"/>
     <dgm:cxn modelId="{AB059388-6109-41BA-B23E-2F6AFD00E249}" srcId="{D9A8028B-636E-4896-A089-1BB7836C8AA3}" destId="{67141AF2-62A4-4886-9C27-38156BF371C7}" srcOrd="0" destOrd="0" parTransId="{AB419B9E-3945-4566-9A1E-20D0C121F34A}" sibTransId="{65E561C0-757F-4225-AFB3-6596048760C7}"/>
-    <dgm:cxn modelId="{3E94D592-B8BB-4385-AED7-4670B0122F8D}" srcId="{D9A8028B-636E-4896-A089-1BB7836C8AA3}" destId="{F412A8C5-5BC0-4E49-A647-E1017878D97F}" srcOrd="2" destOrd="0" parTransId="{019B5694-E498-4BAF-8361-1E113A0CD59A}" sibTransId="{057D4DC3-6F75-44E6-8877-A78E6565789D}"/>
     <dgm:cxn modelId="{965A54D6-6A63-4F13-B3CB-38D57A0DB08B}" type="presOf" srcId="{EBC7D7EA-FF1E-43AD-9A62-D1F59829ED2E}" destId="{A5D2D68C-9EB7-445C-BBCE-A06BA715D077}" srcOrd="0" destOrd="0" presId="urn:microsoft.com/office/officeart/2005/8/layout/list1"/>
     <dgm:cxn modelId="{1C9750E2-DAB6-458B-AD8F-078FD24C0DC6}" type="presOf" srcId="{67141AF2-62A4-4886-9C27-38156BF371C7}" destId="{17C46FDE-72DB-48D6-B317-090A74270DA5}" srcOrd="1" destOrd="0" presId="urn:microsoft.com/office/officeart/2005/8/layout/list1"/>
     <dgm:cxn modelId="{D1A807E4-334E-47FB-ACE5-ABCC5630407F}" type="presOf" srcId="{EBC7D7EA-FF1E-43AD-9A62-D1F59829ED2E}" destId="{628CD393-5B28-47EB-B377-938AD11F2459}" srcOrd="1" destOrd="0" presId="urn:microsoft.com/office/officeart/2005/8/layout/list1"/>
@@ -4533,456 +3977,11 @@
     <dgm:cxn modelId="{785D7BA0-49A7-4CAF-B427-DFF918F2B857}" type="presParOf" srcId="{34DE26C2-1F8B-4B39-B8D3-A7148252EE01}" destId="{9D0D59F5-5174-4699-8FBC-F21BB6ACD638}" srcOrd="5" destOrd="0" presId="urn:microsoft.com/office/officeart/2005/8/layout/list1"/>
     <dgm:cxn modelId="{0D2A1A66-22B5-4945-B21C-38F9CDF0FF4D}" type="presParOf" srcId="{34DE26C2-1F8B-4B39-B8D3-A7148252EE01}" destId="{5A22835E-E491-4864-B407-E709573B04D5}" srcOrd="6" destOrd="0" presId="urn:microsoft.com/office/officeart/2005/8/layout/list1"/>
     <dgm:cxn modelId="{5B70D220-CA7F-4BB8-A9E5-492FBB1E581C}" type="presParOf" srcId="{34DE26C2-1F8B-4B39-B8D3-A7148252EE01}" destId="{DEED20F0-98CF-408E-8896-1A58D648573F}" srcOrd="7" destOrd="0" presId="urn:microsoft.com/office/officeart/2005/8/layout/list1"/>
-    <dgm:cxn modelId="{5EB6D9E7-6F36-4AA4-B577-C91E97597D41}" type="presParOf" srcId="{34DE26C2-1F8B-4B39-B8D3-A7148252EE01}" destId="{A4DAEDC9-F194-468B-AD24-146BE7EBC3CE}" srcOrd="8" destOrd="0" presId="urn:microsoft.com/office/officeart/2005/8/layout/list1"/>
-    <dgm:cxn modelId="{496ED1CC-C8E6-4B1D-A01C-FB5DCCE511A3}" type="presParOf" srcId="{A4DAEDC9-F194-468B-AD24-146BE7EBC3CE}" destId="{B23724F6-6F6A-4034-A076-AE1C92B57440}" srcOrd="0" destOrd="0" presId="urn:microsoft.com/office/officeart/2005/8/layout/list1"/>
-    <dgm:cxn modelId="{DCB15D3A-72AE-46EF-AD3D-DF75A0A0F059}" type="presParOf" srcId="{A4DAEDC9-F194-468B-AD24-146BE7EBC3CE}" destId="{A339E047-B135-4500-9EC2-5389F8587BF4}" srcOrd="1" destOrd="0" presId="urn:microsoft.com/office/officeart/2005/8/layout/list1"/>
-    <dgm:cxn modelId="{62F52A5A-EDC5-4C68-999A-447CEB08C40D}" type="presParOf" srcId="{34DE26C2-1F8B-4B39-B8D3-A7148252EE01}" destId="{4F63ADDA-E8B4-40C5-8806-43FB595D33C9}" srcOrd="9" destOrd="0" presId="urn:microsoft.com/office/officeart/2005/8/layout/list1"/>
-    <dgm:cxn modelId="{488834F5-4BF6-496C-9D16-3B5A9B83B83B}" type="presParOf" srcId="{34DE26C2-1F8B-4B39-B8D3-A7148252EE01}" destId="{4F364EED-E8F4-4E28-8CD5-DBF066B83804}" srcOrd="10" destOrd="0" presId="urn:microsoft.com/office/officeart/2005/8/layout/list1"/>
-    <dgm:cxn modelId="{2E2C6625-6F64-45ED-9E17-45AFFDCA392D}" type="presParOf" srcId="{34DE26C2-1F8B-4B39-B8D3-A7148252EE01}" destId="{D67E4F56-C59B-453E-80F4-A1B60B83E2B3}" srcOrd="11" destOrd="0" presId="urn:microsoft.com/office/officeart/2005/8/layout/list1"/>
-    <dgm:cxn modelId="{921C0146-6BC0-4480-BC21-F0FF6CB02078}" type="presParOf" srcId="{34DE26C2-1F8B-4B39-B8D3-A7148252EE01}" destId="{1C57C553-0A1B-4CBA-A6D4-1EBD0DD532BB}" srcOrd="12" destOrd="0" presId="urn:microsoft.com/office/officeart/2005/8/layout/list1"/>
+    <dgm:cxn modelId="{921C0146-6BC0-4480-BC21-F0FF6CB02078}" type="presParOf" srcId="{34DE26C2-1F8B-4B39-B8D3-A7148252EE01}" destId="{1C57C553-0A1B-4CBA-A6D4-1EBD0DD532BB}" srcOrd="8" destOrd="0" presId="urn:microsoft.com/office/officeart/2005/8/layout/list1"/>
     <dgm:cxn modelId="{EB0D3D18-7AC7-439D-8FA3-A7B8A1F9585C}" type="presParOf" srcId="{1C57C553-0A1B-4CBA-A6D4-1EBD0DD532BB}" destId="{A5D2D68C-9EB7-445C-BBCE-A06BA715D077}" srcOrd="0" destOrd="0" presId="urn:microsoft.com/office/officeart/2005/8/layout/list1"/>
     <dgm:cxn modelId="{CAFDEA79-B4B3-4259-A26F-DD2C85089462}" type="presParOf" srcId="{1C57C553-0A1B-4CBA-A6D4-1EBD0DD532BB}" destId="{628CD393-5B28-47EB-B377-938AD11F2459}" srcOrd="1" destOrd="0" presId="urn:microsoft.com/office/officeart/2005/8/layout/list1"/>
-    <dgm:cxn modelId="{AF991284-9B1D-46E9-B602-819DF196654F}" type="presParOf" srcId="{34DE26C2-1F8B-4B39-B8D3-A7148252EE01}" destId="{EAC6D904-7F8D-4A9F-809B-D39455B2375C}" srcOrd="13" destOrd="0" presId="urn:microsoft.com/office/officeart/2005/8/layout/list1"/>
-    <dgm:cxn modelId="{67A78D01-5203-4F68-96E4-358E3B448716}" type="presParOf" srcId="{34DE26C2-1F8B-4B39-B8D3-A7148252EE01}" destId="{63421B27-6F08-4476-83EC-98966E297891}" srcOrd="14" destOrd="0" presId="urn:microsoft.com/office/officeart/2005/8/layout/list1"/>
-  </dgm:cxnLst>
-  <dgm:bg/>
-  <dgm:whole/>
-  <dgm:extLst>
-    <a:ext uri="http://schemas.microsoft.com/office/drawing/2008/diagram">
-      <dsp:dataModelExt xmlns:dsp="http://schemas.microsoft.com/office/drawing/2008/diagram" relId="rId7" minVer="http://schemas.openxmlformats.org/drawingml/2006/diagram"/>
-    </a:ext>
-  </dgm:extLst>
-</dgm:dataModel>
-</file>
-
-<file path=ppt/diagrams/data3.xml><?xml version="1.0" encoding="utf-8"?>
-<dgm:dataModel xmlns:dgm="http://schemas.openxmlformats.org/drawingml/2006/diagram" xmlns:a="http://schemas.openxmlformats.org/drawingml/2006/main">
-  <dgm:ptLst>
-    <dgm:pt modelId="{D9A8028B-636E-4896-A089-1BB7836C8AA3}" type="doc">
-      <dgm:prSet loTypeId="urn:microsoft.com/office/officeart/2005/8/layout/list1" loCatId="list" qsTypeId="urn:microsoft.com/office/officeart/2005/8/quickstyle/simple1" qsCatId="simple" csTypeId="urn:microsoft.com/office/officeart/2005/8/colors/accent0_3" csCatId="mainScheme" phldr="1"/>
-      <dgm:spPr/>
-      <dgm:t>
-        <a:bodyPr/>
-        <a:lstStyle/>
-        <a:p>
-          <a:endParaRPr lang="en-US"/>
-        </a:p>
-      </dgm:t>
-    </dgm:pt>
-    <dgm:pt modelId="{67141AF2-62A4-4886-9C27-38156BF371C7}">
-      <dgm:prSet phldrT="[Text]"/>
-      <dgm:spPr>
-        <a:solidFill>
-          <a:schemeClr val="tx2"/>
-        </a:solidFill>
-      </dgm:spPr>
-      <dgm:t>
-        <a:bodyPr/>
-        <a:lstStyle/>
-        <a:p>
-          <a:endParaRPr lang="en-US" dirty="0"/>
-        </a:p>
-      </dgm:t>
-    </dgm:pt>
-    <dgm:pt modelId="{AB419B9E-3945-4566-9A1E-20D0C121F34A}" type="parTrans" cxnId="{AB059388-6109-41BA-B23E-2F6AFD00E249}">
-      <dgm:prSet/>
-      <dgm:spPr/>
-      <dgm:t>
-        <a:bodyPr/>
-        <a:lstStyle/>
-        <a:p>
-          <a:endParaRPr lang="en-US"/>
-        </a:p>
-      </dgm:t>
-    </dgm:pt>
-    <dgm:pt modelId="{65E561C0-757F-4225-AFB3-6596048760C7}" type="sibTrans" cxnId="{AB059388-6109-41BA-B23E-2F6AFD00E249}">
-      <dgm:prSet/>
-      <dgm:spPr/>
-      <dgm:t>
-        <a:bodyPr/>
-        <a:lstStyle/>
-        <a:p>
-          <a:endParaRPr lang="en-US"/>
-        </a:p>
-      </dgm:t>
-    </dgm:pt>
-    <dgm:pt modelId="{CDD028E7-0895-4620-BE36-FBF5D34608D8}">
-      <dgm:prSet phldrT="[Text]"/>
-      <dgm:spPr>
-        <a:solidFill>
-          <a:srgbClr val="8BC9DF"/>
-        </a:solidFill>
-      </dgm:spPr>
-      <dgm:t>
-        <a:bodyPr/>
-        <a:lstStyle/>
-        <a:p>
-          <a:endParaRPr lang="en-US" dirty="0"/>
-        </a:p>
-      </dgm:t>
-    </dgm:pt>
-    <dgm:pt modelId="{1149A5D2-A124-4B1D-8747-9E944E38501F}" type="parTrans" cxnId="{D0DC0F37-255B-42C5-AA23-A7C8B507B26F}">
-      <dgm:prSet/>
-      <dgm:spPr/>
-      <dgm:t>
-        <a:bodyPr/>
-        <a:lstStyle/>
-        <a:p>
-          <a:endParaRPr lang="en-US"/>
-        </a:p>
-      </dgm:t>
-    </dgm:pt>
-    <dgm:pt modelId="{3A88D9B5-AD42-4945-AADD-E146B26D210B}" type="sibTrans" cxnId="{D0DC0F37-255B-42C5-AA23-A7C8B507B26F}">
-      <dgm:prSet/>
-      <dgm:spPr/>
-      <dgm:t>
-        <a:bodyPr/>
-        <a:lstStyle/>
-        <a:p>
-          <a:endParaRPr lang="en-US"/>
-        </a:p>
-      </dgm:t>
-    </dgm:pt>
-    <dgm:pt modelId="{F412A8C5-5BC0-4E49-A647-E1017878D97F}">
-      <dgm:prSet phldrT="[Text]" custT="1"/>
-      <dgm:spPr>
-        <a:solidFill>
-          <a:srgbClr val="44546A">
-            <a:hueOff val="0"/>
-            <a:satOff val="0"/>
-            <a:lumOff val="0"/>
-            <a:alphaOff val="0"/>
-          </a:srgbClr>
-        </a:solidFill>
-        <a:ln w="12700" cap="flat" cmpd="sng" algn="ctr">
-          <a:solidFill>
-            <a:srgbClr val="E7E6E6">
-              <a:hueOff val="0"/>
-              <a:satOff val="0"/>
-              <a:lumOff val="0"/>
-              <a:alphaOff val="0"/>
-            </a:srgbClr>
-          </a:solidFill>
-          <a:prstDash val="solid"/>
-          <a:miter lim="800000"/>
-        </a:ln>
-        <a:effectLst/>
-      </dgm:spPr>
-      <dgm:t>
-        <a:bodyPr spcFirstLastPara="0" vert="horz" wrap="square" lIns="154670" tIns="0" rIns="154670" bIns="0" numCol="1" spcCol="1270" anchor="ctr" anchorCtr="0"/>
-        <a:lstStyle/>
-        <a:p>
-          <a:pPr marL="0" lvl="0" indent="0" algn="l" defTabSz="666750">
-            <a:lnSpc>
-              <a:spcPct val="90000"/>
-            </a:lnSpc>
-            <a:spcBef>
-              <a:spcPct val="0"/>
-            </a:spcBef>
-            <a:spcAft>
-              <a:spcPct val="35000"/>
-            </a:spcAft>
-            <a:buNone/>
-          </a:pPr>
-          <a:endParaRPr lang="en-US" sz="1500" kern="1200" dirty="0">
-            <a:solidFill>
-              <a:prstClr val="white"/>
-            </a:solidFill>
-            <a:latin typeface="Arial" panose="020B0604020202020204"/>
-            <a:ea typeface="+mn-ea"/>
-            <a:cs typeface="+mn-cs"/>
-          </a:endParaRPr>
-        </a:p>
-      </dgm:t>
-    </dgm:pt>
-    <dgm:pt modelId="{019B5694-E498-4BAF-8361-1E113A0CD59A}" type="parTrans" cxnId="{3E94D592-B8BB-4385-AED7-4670B0122F8D}">
-      <dgm:prSet/>
-      <dgm:spPr/>
-      <dgm:t>
-        <a:bodyPr/>
-        <a:lstStyle/>
-        <a:p>
-          <a:endParaRPr lang="en-US"/>
-        </a:p>
-      </dgm:t>
-    </dgm:pt>
-    <dgm:pt modelId="{057D4DC3-6F75-44E6-8877-A78E6565789D}" type="sibTrans" cxnId="{3E94D592-B8BB-4385-AED7-4670B0122F8D}">
-      <dgm:prSet/>
-      <dgm:spPr/>
-      <dgm:t>
-        <a:bodyPr/>
-        <a:lstStyle/>
-        <a:p>
-          <a:endParaRPr lang="en-US"/>
-        </a:p>
-      </dgm:t>
-    </dgm:pt>
-    <dgm:pt modelId="{EBC7D7EA-FF1E-43AD-9A62-D1F59829ED2E}">
-      <dgm:prSet phldrT="[Text]" custT="1"/>
-      <dgm:spPr>
-        <a:solidFill>
-          <a:srgbClr val="44546A">
-            <a:hueOff val="0"/>
-            <a:satOff val="0"/>
-            <a:lumOff val="0"/>
-            <a:alphaOff val="0"/>
-          </a:srgbClr>
-        </a:solidFill>
-        <a:ln w="12700" cap="flat" cmpd="sng" algn="ctr">
-          <a:solidFill>
-            <a:srgbClr val="E7E6E6">
-              <a:hueOff val="0"/>
-              <a:satOff val="0"/>
-              <a:lumOff val="0"/>
-              <a:alphaOff val="0"/>
-            </a:srgbClr>
-          </a:solidFill>
-          <a:prstDash val="solid"/>
-          <a:miter lim="800000"/>
-        </a:ln>
-        <a:effectLst/>
-      </dgm:spPr>
-      <dgm:t>
-        <a:bodyPr spcFirstLastPara="0" vert="horz" wrap="square" lIns="154670" tIns="0" rIns="154670" bIns="0" numCol="1" spcCol="1270" anchor="ctr" anchorCtr="0"/>
-        <a:lstStyle/>
-        <a:p>
-          <a:pPr marL="0" lvl="0" indent="0" algn="l" defTabSz="666750">
-            <a:lnSpc>
-              <a:spcPct val="90000"/>
-            </a:lnSpc>
-            <a:spcBef>
-              <a:spcPct val="0"/>
-            </a:spcBef>
-            <a:spcAft>
-              <a:spcPct val="35000"/>
-            </a:spcAft>
-            <a:buNone/>
-          </a:pPr>
-          <a:endParaRPr lang="en-US" sz="1500" kern="1200" dirty="0">
-            <a:solidFill>
-              <a:prstClr val="white"/>
-            </a:solidFill>
-            <a:latin typeface="Arial" panose="020B0604020202020204"/>
-            <a:ea typeface="+mn-ea"/>
-            <a:cs typeface="+mn-cs"/>
-          </a:endParaRPr>
-        </a:p>
-      </dgm:t>
-    </dgm:pt>
-    <dgm:pt modelId="{8D5C894D-965F-4F9D-8A86-94DE66735D5E}" type="parTrans" cxnId="{83E5DB34-E51F-4AD8-A52C-B221ACC406BB}">
-      <dgm:prSet/>
-      <dgm:spPr/>
-      <dgm:t>
-        <a:bodyPr/>
-        <a:lstStyle/>
-        <a:p>
-          <a:endParaRPr lang="en-US"/>
-        </a:p>
-      </dgm:t>
-    </dgm:pt>
-    <dgm:pt modelId="{9CA6DD2B-4514-4C7B-9309-BECECB96B37D}" type="sibTrans" cxnId="{83E5DB34-E51F-4AD8-A52C-B221ACC406BB}">
-      <dgm:prSet/>
-      <dgm:spPr/>
-      <dgm:t>
-        <a:bodyPr/>
-        <a:lstStyle/>
-        <a:p>
-          <a:endParaRPr lang="en-US"/>
-        </a:p>
-      </dgm:t>
-    </dgm:pt>
-    <dgm:pt modelId="{34DE26C2-1F8B-4B39-B8D3-A7148252EE01}" type="pres">
-      <dgm:prSet presAssocID="{D9A8028B-636E-4896-A089-1BB7836C8AA3}" presName="linear" presStyleCnt="0">
-        <dgm:presLayoutVars>
-          <dgm:dir/>
-          <dgm:animLvl val="lvl"/>
-          <dgm:resizeHandles val="exact"/>
-        </dgm:presLayoutVars>
-      </dgm:prSet>
-      <dgm:spPr/>
-    </dgm:pt>
-    <dgm:pt modelId="{F02C9A1F-65E2-41CF-8413-F91CEF2563D7}" type="pres">
-      <dgm:prSet presAssocID="{67141AF2-62A4-4886-9C27-38156BF371C7}" presName="parentLin" presStyleCnt="0"/>
-      <dgm:spPr/>
-    </dgm:pt>
-    <dgm:pt modelId="{6948CBD6-5B42-4A81-A0DA-2C54230BDF0B}" type="pres">
-      <dgm:prSet presAssocID="{67141AF2-62A4-4886-9C27-38156BF371C7}" presName="parentLeftMargin" presStyleLbl="node1" presStyleIdx="0" presStyleCnt="4"/>
-      <dgm:spPr/>
-    </dgm:pt>
-    <dgm:pt modelId="{17C46FDE-72DB-48D6-B317-090A74270DA5}" type="pres">
-      <dgm:prSet presAssocID="{67141AF2-62A4-4886-9C27-38156BF371C7}" presName="parentText" presStyleLbl="node1" presStyleIdx="0" presStyleCnt="4" custLinFactNeighborX="-10618" custLinFactNeighborY="-14185">
-        <dgm:presLayoutVars>
-          <dgm:chMax val="0"/>
-          <dgm:bulletEnabled val="1"/>
-        </dgm:presLayoutVars>
-      </dgm:prSet>
-      <dgm:spPr/>
-    </dgm:pt>
-    <dgm:pt modelId="{9F4D9A84-A8DB-4C9D-9C65-227E7FF21E39}" type="pres">
-      <dgm:prSet presAssocID="{67141AF2-62A4-4886-9C27-38156BF371C7}" presName="negativeSpace" presStyleCnt="0"/>
-      <dgm:spPr/>
-    </dgm:pt>
-    <dgm:pt modelId="{B8354698-3920-4A0C-B7DA-906F6103C57D}" type="pres">
-      <dgm:prSet presAssocID="{67141AF2-62A4-4886-9C27-38156BF371C7}" presName="childText" presStyleLbl="conFgAcc1" presStyleIdx="0" presStyleCnt="4">
-        <dgm:presLayoutVars>
-          <dgm:bulletEnabled val="1"/>
-        </dgm:presLayoutVars>
-      </dgm:prSet>
-      <dgm:spPr/>
-    </dgm:pt>
-    <dgm:pt modelId="{84086CD6-F3E8-477D-9287-2D5E298034A8}" type="pres">
-      <dgm:prSet presAssocID="{65E561C0-757F-4225-AFB3-6596048760C7}" presName="spaceBetweenRectangles" presStyleCnt="0"/>
-      <dgm:spPr/>
-    </dgm:pt>
-    <dgm:pt modelId="{051DF7C6-13F7-47C6-A220-E04F2B28BD8F}" type="pres">
-      <dgm:prSet presAssocID="{CDD028E7-0895-4620-BE36-FBF5D34608D8}" presName="parentLin" presStyleCnt="0"/>
-      <dgm:spPr/>
-    </dgm:pt>
-    <dgm:pt modelId="{5008E741-D483-4E85-A9D5-405F903A5134}" type="pres">
-      <dgm:prSet presAssocID="{CDD028E7-0895-4620-BE36-FBF5D34608D8}" presName="parentLeftMargin" presStyleLbl="node1" presStyleIdx="0" presStyleCnt="4"/>
-      <dgm:spPr/>
-    </dgm:pt>
-    <dgm:pt modelId="{A2876BE3-BD1D-475F-8E56-2E5003FBE21B}" type="pres">
-      <dgm:prSet presAssocID="{CDD028E7-0895-4620-BE36-FBF5D34608D8}" presName="parentText" presStyleLbl="node1" presStyleIdx="1" presStyleCnt="4">
-        <dgm:presLayoutVars>
-          <dgm:chMax val="0"/>
-          <dgm:bulletEnabled val="1"/>
-        </dgm:presLayoutVars>
-      </dgm:prSet>
-      <dgm:spPr/>
-    </dgm:pt>
-    <dgm:pt modelId="{9D0D59F5-5174-4699-8FBC-F21BB6ACD638}" type="pres">
-      <dgm:prSet presAssocID="{CDD028E7-0895-4620-BE36-FBF5D34608D8}" presName="negativeSpace" presStyleCnt="0"/>
-      <dgm:spPr/>
-    </dgm:pt>
-    <dgm:pt modelId="{5A22835E-E491-4864-B407-E709573B04D5}" type="pres">
-      <dgm:prSet presAssocID="{CDD028E7-0895-4620-BE36-FBF5D34608D8}" presName="childText" presStyleLbl="conFgAcc1" presStyleIdx="1" presStyleCnt="4">
-        <dgm:presLayoutVars>
-          <dgm:bulletEnabled val="1"/>
-        </dgm:presLayoutVars>
-      </dgm:prSet>
-      <dgm:spPr/>
-    </dgm:pt>
-    <dgm:pt modelId="{DEED20F0-98CF-408E-8896-1A58D648573F}" type="pres">
-      <dgm:prSet presAssocID="{3A88D9B5-AD42-4945-AADD-E146B26D210B}" presName="spaceBetweenRectangles" presStyleCnt="0"/>
-      <dgm:spPr/>
-    </dgm:pt>
-    <dgm:pt modelId="{A4DAEDC9-F194-468B-AD24-146BE7EBC3CE}" type="pres">
-      <dgm:prSet presAssocID="{F412A8C5-5BC0-4E49-A647-E1017878D97F}" presName="parentLin" presStyleCnt="0"/>
-      <dgm:spPr/>
-    </dgm:pt>
-    <dgm:pt modelId="{B23724F6-6F6A-4034-A076-AE1C92B57440}" type="pres">
-      <dgm:prSet presAssocID="{F412A8C5-5BC0-4E49-A647-E1017878D97F}" presName="parentLeftMargin" presStyleLbl="node1" presStyleIdx="1" presStyleCnt="4"/>
-      <dgm:spPr/>
-    </dgm:pt>
-    <dgm:pt modelId="{A339E047-B135-4500-9EC2-5389F8587BF4}" type="pres">
-      <dgm:prSet presAssocID="{F412A8C5-5BC0-4E49-A647-E1017878D97F}" presName="parentText" presStyleLbl="node1" presStyleIdx="2" presStyleCnt="4">
-        <dgm:presLayoutVars>
-          <dgm:chMax val="0"/>
-          <dgm:bulletEnabled val="1"/>
-        </dgm:presLayoutVars>
-      </dgm:prSet>
-      <dgm:spPr>
-        <a:xfrm>
-          <a:off x="292289" y="1409679"/>
-          <a:ext cx="4092053" cy="442800"/>
-        </a:xfrm>
-        <a:prstGeom prst="roundRect">
-          <a:avLst/>
-        </a:prstGeom>
-      </dgm:spPr>
-    </dgm:pt>
-    <dgm:pt modelId="{4F63ADDA-E8B4-40C5-8806-43FB595D33C9}" type="pres">
-      <dgm:prSet presAssocID="{F412A8C5-5BC0-4E49-A647-E1017878D97F}" presName="negativeSpace" presStyleCnt="0"/>
-      <dgm:spPr/>
-    </dgm:pt>
-    <dgm:pt modelId="{4F364EED-E8F4-4E28-8CD5-DBF066B83804}" type="pres">
-      <dgm:prSet presAssocID="{F412A8C5-5BC0-4E49-A647-E1017878D97F}" presName="childText" presStyleLbl="conFgAcc1" presStyleIdx="2" presStyleCnt="4">
-        <dgm:presLayoutVars>
-          <dgm:bulletEnabled val="1"/>
-        </dgm:presLayoutVars>
-      </dgm:prSet>
-      <dgm:spPr/>
-    </dgm:pt>
-    <dgm:pt modelId="{D67E4F56-C59B-453E-80F4-A1B60B83E2B3}" type="pres">
-      <dgm:prSet presAssocID="{057D4DC3-6F75-44E6-8877-A78E6565789D}" presName="spaceBetweenRectangles" presStyleCnt="0"/>
-      <dgm:spPr/>
-    </dgm:pt>
-    <dgm:pt modelId="{1C57C553-0A1B-4CBA-A6D4-1EBD0DD532BB}" type="pres">
-      <dgm:prSet presAssocID="{EBC7D7EA-FF1E-43AD-9A62-D1F59829ED2E}" presName="parentLin" presStyleCnt="0"/>
-      <dgm:spPr/>
-    </dgm:pt>
-    <dgm:pt modelId="{A5D2D68C-9EB7-445C-BBCE-A06BA715D077}" type="pres">
-      <dgm:prSet presAssocID="{EBC7D7EA-FF1E-43AD-9A62-D1F59829ED2E}" presName="parentLeftMargin" presStyleLbl="node1" presStyleIdx="2" presStyleCnt="4"/>
-      <dgm:spPr/>
-    </dgm:pt>
-    <dgm:pt modelId="{628CD393-5B28-47EB-B377-938AD11F2459}" type="pres">
-      <dgm:prSet presAssocID="{EBC7D7EA-FF1E-43AD-9A62-D1F59829ED2E}" presName="parentText" presStyleLbl="node1" presStyleIdx="3" presStyleCnt="4">
-        <dgm:presLayoutVars>
-          <dgm:chMax val="0"/>
-          <dgm:bulletEnabled val="1"/>
-        </dgm:presLayoutVars>
-      </dgm:prSet>
-      <dgm:spPr>
-        <a:xfrm>
-          <a:off x="292289" y="2770480"/>
-          <a:ext cx="4092053" cy="442800"/>
-        </a:xfrm>
-        <a:prstGeom prst="roundRect">
-          <a:avLst/>
-        </a:prstGeom>
-      </dgm:spPr>
-    </dgm:pt>
-    <dgm:pt modelId="{EAC6D904-7F8D-4A9F-809B-D39455B2375C}" type="pres">
-      <dgm:prSet presAssocID="{EBC7D7EA-FF1E-43AD-9A62-D1F59829ED2E}" presName="negativeSpace" presStyleCnt="0"/>
-      <dgm:spPr/>
-    </dgm:pt>
-    <dgm:pt modelId="{63421B27-6F08-4476-83EC-98966E297891}" type="pres">
-      <dgm:prSet presAssocID="{EBC7D7EA-FF1E-43AD-9A62-D1F59829ED2E}" presName="childText" presStyleLbl="conFgAcc1" presStyleIdx="3" presStyleCnt="4">
-        <dgm:presLayoutVars>
-          <dgm:bulletEnabled val="1"/>
-        </dgm:presLayoutVars>
-      </dgm:prSet>
-      <dgm:spPr/>
-    </dgm:pt>
-  </dgm:ptLst>
-  <dgm:cxnLst>
-    <dgm:cxn modelId="{C906A916-1448-4275-A940-13ACAF881965}" type="presOf" srcId="{F412A8C5-5BC0-4E49-A647-E1017878D97F}" destId="{B23724F6-6F6A-4034-A076-AE1C92B57440}" srcOrd="0" destOrd="0" presId="urn:microsoft.com/office/officeart/2005/8/layout/list1"/>
-    <dgm:cxn modelId="{783E552B-81A0-4E21-8508-B4BC016BE49A}" type="presOf" srcId="{D9A8028B-636E-4896-A089-1BB7836C8AA3}" destId="{34DE26C2-1F8B-4B39-B8D3-A7148252EE01}" srcOrd="0" destOrd="0" presId="urn:microsoft.com/office/officeart/2005/8/layout/list1"/>
-    <dgm:cxn modelId="{83E5DB34-E51F-4AD8-A52C-B221ACC406BB}" srcId="{D9A8028B-636E-4896-A089-1BB7836C8AA3}" destId="{EBC7D7EA-FF1E-43AD-9A62-D1F59829ED2E}" srcOrd="3" destOrd="0" parTransId="{8D5C894D-965F-4F9D-8A86-94DE66735D5E}" sibTransId="{9CA6DD2B-4514-4C7B-9309-BECECB96B37D}"/>
-    <dgm:cxn modelId="{D0DC0F37-255B-42C5-AA23-A7C8B507B26F}" srcId="{D9A8028B-636E-4896-A089-1BB7836C8AA3}" destId="{CDD028E7-0895-4620-BE36-FBF5D34608D8}" srcOrd="1" destOrd="0" parTransId="{1149A5D2-A124-4B1D-8747-9E944E38501F}" sibTransId="{3A88D9B5-AD42-4945-AADD-E146B26D210B}"/>
-    <dgm:cxn modelId="{37A69F6B-12F8-4725-9913-2BC72A373E57}" type="presOf" srcId="{F412A8C5-5BC0-4E49-A647-E1017878D97F}" destId="{A339E047-B135-4500-9EC2-5389F8587BF4}" srcOrd="1" destOrd="0" presId="urn:microsoft.com/office/officeart/2005/8/layout/list1"/>
-    <dgm:cxn modelId="{63B02082-79E7-493C-B12C-1317E21D37C6}" type="presOf" srcId="{CDD028E7-0895-4620-BE36-FBF5D34608D8}" destId="{A2876BE3-BD1D-475F-8E56-2E5003FBE21B}" srcOrd="1" destOrd="0" presId="urn:microsoft.com/office/officeart/2005/8/layout/list1"/>
-    <dgm:cxn modelId="{AB059388-6109-41BA-B23E-2F6AFD00E249}" srcId="{D9A8028B-636E-4896-A089-1BB7836C8AA3}" destId="{67141AF2-62A4-4886-9C27-38156BF371C7}" srcOrd="0" destOrd="0" parTransId="{AB419B9E-3945-4566-9A1E-20D0C121F34A}" sibTransId="{65E561C0-757F-4225-AFB3-6596048760C7}"/>
-    <dgm:cxn modelId="{3E94D592-B8BB-4385-AED7-4670B0122F8D}" srcId="{D9A8028B-636E-4896-A089-1BB7836C8AA3}" destId="{F412A8C5-5BC0-4E49-A647-E1017878D97F}" srcOrd="2" destOrd="0" parTransId="{019B5694-E498-4BAF-8361-1E113A0CD59A}" sibTransId="{057D4DC3-6F75-44E6-8877-A78E6565789D}"/>
-    <dgm:cxn modelId="{965A54D6-6A63-4F13-B3CB-38D57A0DB08B}" type="presOf" srcId="{EBC7D7EA-FF1E-43AD-9A62-D1F59829ED2E}" destId="{A5D2D68C-9EB7-445C-BBCE-A06BA715D077}" srcOrd="0" destOrd="0" presId="urn:microsoft.com/office/officeart/2005/8/layout/list1"/>
-    <dgm:cxn modelId="{1C9750E2-DAB6-458B-AD8F-078FD24C0DC6}" type="presOf" srcId="{67141AF2-62A4-4886-9C27-38156BF371C7}" destId="{17C46FDE-72DB-48D6-B317-090A74270DA5}" srcOrd="1" destOrd="0" presId="urn:microsoft.com/office/officeart/2005/8/layout/list1"/>
-    <dgm:cxn modelId="{D1A807E4-334E-47FB-ACE5-ABCC5630407F}" type="presOf" srcId="{EBC7D7EA-FF1E-43AD-9A62-D1F59829ED2E}" destId="{628CD393-5B28-47EB-B377-938AD11F2459}" srcOrd="1" destOrd="0" presId="urn:microsoft.com/office/officeart/2005/8/layout/list1"/>
-    <dgm:cxn modelId="{760AA2EA-7C91-41E4-8938-66794560533E}" type="presOf" srcId="{CDD028E7-0895-4620-BE36-FBF5D34608D8}" destId="{5008E741-D483-4E85-A9D5-405F903A5134}" srcOrd="0" destOrd="0" presId="urn:microsoft.com/office/officeart/2005/8/layout/list1"/>
-    <dgm:cxn modelId="{1E4B14FE-AB97-4687-A758-4668B128E23B}" type="presOf" srcId="{67141AF2-62A4-4886-9C27-38156BF371C7}" destId="{6948CBD6-5B42-4A81-A0DA-2C54230BDF0B}" srcOrd="0" destOrd="0" presId="urn:microsoft.com/office/officeart/2005/8/layout/list1"/>
-    <dgm:cxn modelId="{665D60C3-82AA-4FE5-8711-DF1AAF08AE7A}" type="presParOf" srcId="{34DE26C2-1F8B-4B39-B8D3-A7148252EE01}" destId="{F02C9A1F-65E2-41CF-8413-F91CEF2563D7}" srcOrd="0" destOrd="0" presId="urn:microsoft.com/office/officeart/2005/8/layout/list1"/>
-    <dgm:cxn modelId="{FA19F6E5-1E3C-41B1-86A0-5480924EC874}" type="presParOf" srcId="{F02C9A1F-65E2-41CF-8413-F91CEF2563D7}" destId="{6948CBD6-5B42-4A81-A0DA-2C54230BDF0B}" srcOrd="0" destOrd="0" presId="urn:microsoft.com/office/officeart/2005/8/layout/list1"/>
-    <dgm:cxn modelId="{261BEEC3-66B3-4CBB-8F58-3DB355A86B45}" type="presParOf" srcId="{F02C9A1F-65E2-41CF-8413-F91CEF2563D7}" destId="{17C46FDE-72DB-48D6-B317-090A74270DA5}" srcOrd="1" destOrd="0" presId="urn:microsoft.com/office/officeart/2005/8/layout/list1"/>
-    <dgm:cxn modelId="{BEC75049-62D7-4B54-93D9-D717083E9E33}" type="presParOf" srcId="{34DE26C2-1F8B-4B39-B8D3-A7148252EE01}" destId="{9F4D9A84-A8DB-4C9D-9C65-227E7FF21E39}" srcOrd="1" destOrd="0" presId="urn:microsoft.com/office/officeart/2005/8/layout/list1"/>
-    <dgm:cxn modelId="{8AB35CFF-8281-41F0-B7AA-C7330FF5F553}" type="presParOf" srcId="{34DE26C2-1F8B-4B39-B8D3-A7148252EE01}" destId="{B8354698-3920-4A0C-B7DA-906F6103C57D}" srcOrd="2" destOrd="0" presId="urn:microsoft.com/office/officeart/2005/8/layout/list1"/>
-    <dgm:cxn modelId="{5215EE75-2842-41FA-9BC9-7ADDD56CDBDE}" type="presParOf" srcId="{34DE26C2-1F8B-4B39-B8D3-A7148252EE01}" destId="{84086CD6-F3E8-477D-9287-2D5E298034A8}" srcOrd="3" destOrd="0" presId="urn:microsoft.com/office/officeart/2005/8/layout/list1"/>
-    <dgm:cxn modelId="{332DEE3E-DD45-4281-A314-9325E20A0441}" type="presParOf" srcId="{34DE26C2-1F8B-4B39-B8D3-A7148252EE01}" destId="{051DF7C6-13F7-47C6-A220-E04F2B28BD8F}" srcOrd="4" destOrd="0" presId="urn:microsoft.com/office/officeart/2005/8/layout/list1"/>
-    <dgm:cxn modelId="{8CE98E5A-BFF1-4462-9D71-863520157BB0}" type="presParOf" srcId="{051DF7C6-13F7-47C6-A220-E04F2B28BD8F}" destId="{5008E741-D483-4E85-A9D5-405F903A5134}" srcOrd="0" destOrd="0" presId="urn:microsoft.com/office/officeart/2005/8/layout/list1"/>
-    <dgm:cxn modelId="{88E02442-F32D-4D2E-A654-07855401CF85}" type="presParOf" srcId="{051DF7C6-13F7-47C6-A220-E04F2B28BD8F}" destId="{A2876BE3-BD1D-475F-8E56-2E5003FBE21B}" srcOrd="1" destOrd="0" presId="urn:microsoft.com/office/officeart/2005/8/layout/list1"/>
-    <dgm:cxn modelId="{785D7BA0-49A7-4CAF-B427-DFF918F2B857}" type="presParOf" srcId="{34DE26C2-1F8B-4B39-B8D3-A7148252EE01}" destId="{9D0D59F5-5174-4699-8FBC-F21BB6ACD638}" srcOrd="5" destOrd="0" presId="urn:microsoft.com/office/officeart/2005/8/layout/list1"/>
-    <dgm:cxn modelId="{0D2A1A66-22B5-4945-B21C-38F9CDF0FF4D}" type="presParOf" srcId="{34DE26C2-1F8B-4B39-B8D3-A7148252EE01}" destId="{5A22835E-E491-4864-B407-E709573B04D5}" srcOrd="6" destOrd="0" presId="urn:microsoft.com/office/officeart/2005/8/layout/list1"/>
-    <dgm:cxn modelId="{5B70D220-CA7F-4BB8-A9E5-492FBB1E581C}" type="presParOf" srcId="{34DE26C2-1F8B-4B39-B8D3-A7148252EE01}" destId="{DEED20F0-98CF-408E-8896-1A58D648573F}" srcOrd="7" destOrd="0" presId="urn:microsoft.com/office/officeart/2005/8/layout/list1"/>
-    <dgm:cxn modelId="{5EB6D9E7-6F36-4AA4-B577-C91E97597D41}" type="presParOf" srcId="{34DE26C2-1F8B-4B39-B8D3-A7148252EE01}" destId="{A4DAEDC9-F194-468B-AD24-146BE7EBC3CE}" srcOrd="8" destOrd="0" presId="urn:microsoft.com/office/officeart/2005/8/layout/list1"/>
-    <dgm:cxn modelId="{496ED1CC-C8E6-4B1D-A01C-FB5DCCE511A3}" type="presParOf" srcId="{A4DAEDC9-F194-468B-AD24-146BE7EBC3CE}" destId="{B23724F6-6F6A-4034-A076-AE1C92B57440}" srcOrd="0" destOrd="0" presId="urn:microsoft.com/office/officeart/2005/8/layout/list1"/>
-    <dgm:cxn modelId="{DCB15D3A-72AE-46EF-AD3D-DF75A0A0F059}" type="presParOf" srcId="{A4DAEDC9-F194-468B-AD24-146BE7EBC3CE}" destId="{A339E047-B135-4500-9EC2-5389F8587BF4}" srcOrd="1" destOrd="0" presId="urn:microsoft.com/office/officeart/2005/8/layout/list1"/>
-    <dgm:cxn modelId="{62F52A5A-EDC5-4C68-999A-447CEB08C40D}" type="presParOf" srcId="{34DE26C2-1F8B-4B39-B8D3-A7148252EE01}" destId="{4F63ADDA-E8B4-40C5-8806-43FB595D33C9}" srcOrd="9" destOrd="0" presId="urn:microsoft.com/office/officeart/2005/8/layout/list1"/>
-    <dgm:cxn modelId="{488834F5-4BF6-496C-9D16-3B5A9B83B83B}" type="presParOf" srcId="{34DE26C2-1F8B-4B39-B8D3-A7148252EE01}" destId="{4F364EED-E8F4-4E28-8CD5-DBF066B83804}" srcOrd="10" destOrd="0" presId="urn:microsoft.com/office/officeart/2005/8/layout/list1"/>
-    <dgm:cxn modelId="{2E2C6625-6F64-45ED-9E17-45AFFDCA392D}" type="presParOf" srcId="{34DE26C2-1F8B-4B39-B8D3-A7148252EE01}" destId="{D67E4F56-C59B-453E-80F4-A1B60B83E2B3}" srcOrd="11" destOrd="0" presId="urn:microsoft.com/office/officeart/2005/8/layout/list1"/>
-    <dgm:cxn modelId="{921C0146-6BC0-4480-BC21-F0FF6CB02078}" type="presParOf" srcId="{34DE26C2-1F8B-4B39-B8D3-A7148252EE01}" destId="{1C57C553-0A1B-4CBA-A6D4-1EBD0DD532BB}" srcOrd="12" destOrd="0" presId="urn:microsoft.com/office/officeart/2005/8/layout/list1"/>
-    <dgm:cxn modelId="{EB0D3D18-7AC7-439D-8FA3-A7B8A1F9585C}" type="presParOf" srcId="{1C57C553-0A1B-4CBA-A6D4-1EBD0DD532BB}" destId="{A5D2D68C-9EB7-445C-BBCE-A06BA715D077}" srcOrd="0" destOrd="0" presId="urn:microsoft.com/office/officeart/2005/8/layout/list1"/>
-    <dgm:cxn modelId="{CAFDEA79-B4B3-4259-A26F-DD2C85089462}" type="presParOf" srcId="{1C57C553-0A1B-4CBA-A6D4-1EBD0DD532BB}" destId="{628CD393-5B28-47EB-B377-938AD11F2459}" srcOrd="1" destOrd="0" presId="urn:microsoft.com/office/officeart/2005/8/layout/list1"/>
-    <dgm:cxn modelId="{AF991284-9B1D-46E9-B602-819DF196654F}" type="presParOf" srcId="{34DE26C2-1F8B-4B39-B8D3-A7148252EE01}" destId="{EAC6D904-7F8D-4A9F-809B-D39455B2375C}" srcOrd="13" destOrd="0" presId="urn:microsoft.com/office/officeart/2005/8/layout/list1"/>
-    <dgm:cxn modelId="{67A78D01-5203-4F68-96E4-358E3B448716}" type="presParOf" srcId="{34DE26C2-1F8B-4B39-B8D3-A7148252EE01}" destId="{63421B27-6F08-4476-83EC-98966E297891}" srcOrd="14" destOrd="0" presId="urn:microsoft.com/office/officeart/2005/8/layout/list1"/>
+    <dgm:cxn modelId="{AF991284-9B1D-46E9-B602-819DF196654F}" type="presParOf" srcId="{34DE26C2-1F8B-4B39-B8D3-A7148252EE01}" destId="{EAC6D904-7F8D-4A9F-809B-D39455B2375C}" srcOrd="9" destOrd="0" presId="urn:microsoft.com/office/officeart/2005/8/layout/list1"/>
+    <dgm:cxn modelId="{67A78D01-5203-4F68-96E4-358E3B448716}" type="presParOf" srcId="{34DE26C2-1F8B-4B39-B8D3-A7148252EE01}" destId="{63421B27-6F08-4476-83EC-98966E297891}" srcOrd="10" destOrd="0" presId="urn:microsoft.com/office/officeart/2005/8/layout/list1"/>
   </dgm:cxnLst>
   <dgm:bg/>
   <dgm:whole/>
@@ -5082,509 +4081,6 @@
         </a:p>
       </dgm:t>
     </dgm:pt>
-    <dgm:pt modelId="{F412A8C5-5BC0-4E49-A647-E1017878D97F}">
-      <dgm:prSet phldrT="[Text]" custT="1"/>
-      <dgm:spPr>
-        <a:solidFill>
-          <a:srgbClr val="8BC9DF"/>
-        </a:solidFill>
-        <a:ln w="12700" cap="flat" cmpd="sng" algn="ctr">
-          <a:solidFill>
-            <a:srgbClr val="E7E6E6">
-              <a:hueOff val="0"/>
-              <a:satOff val="0"/>
-              <a:lumOff val="0"/>
-              <a:alphaOff val="0"/>
-            </a:srgbClr>
-          </a:solidFill>
-          <a:prstDash val="solid"/>
-          <a:miter lim="800000"/>
-        </a:ln>
-        <a:effectLst/>
-      </dgm:spPr>
-      <dgm:t>
-        <a:bodyPr spcFirstLastPara="0" vert="horz" wrap="square" lIns="154670" tIns="0" rIns="154670" bIns="0" numCol="1" spcCol="1270" anchor="ctr" anchorCtr="0"/>
-        <a:lstStyle/>
-        <a:p>
-          <a:pPr marL="0" lvl="0" indent="0" algn="l" defTabSz="666750">
-            <a:lnSpc>
-              <a:spcPct val="90000"/>
-            </a:lnSpc>
-            <a:spcBef>
-              <a:spcPct val="0"/>
-            </a:spcBef>
-            <a:spcAft>
-              <a:spcPct val="35000"/>
-            </a:spcAft>
-            <a:buNone/>
-          </a:pPr>
-          <a:endParaRPr lang="en-US" sz="1500" kern="1200" dirty="0">
-            <a:solidFill>
-              <a:prstClr val="white"/>
-            </a:solidFill>
-            <a:latin typeface="Arial" panose="020B0604020202020204"/>
-            <a:ea typeface="+mn-ea"/>
-            <a:cs typeface="+mn-cs"/>
-          </a:endParaRPr>
-        </a:p>
-      </dgm:t>
-    </dgm:pt>
-    <dgm:pt modelId="{019B5694-E498-4BAF-8361-1E113A0CD59A}" type="parTrans" cxnId="{3E94D592-B8BB-4385-AED7-4670B0122F8D}">
-      <dgm:prSet/>
-      <dgm:spPr/>
-      <dgm:t>
-        <a:bodyPr/>
-        <a:lstStyle/>
-        <a:p>
-          <a:endParaRPr lang="en-US"/>
-        </a:p>
-      </dgm:t>
-    </dgm:pt>
-    <dgm:pt modelId="{057D4DC3-6F75-44E6-8877-A78E6565789D}" type="sibTrans" cxnId="{3E94D592-B8BB-4385-AED7-4670B0122F8D}">
-      <dgm:prSet/>
-      <dgm:spPr/>
-      <dgm:t>
-        <a:bodyPr/>
-        <a:lstStyle/>
-        <a:p>
-          <a:endParaRPr lang="en-US"/>
-        </a:p>
-      </dgm:t>
-    </dgm:pt>
-    <dgm:pt modelId="{EBC7D7EA-FF1E-43AD-9A62-D1F59829ED2E}">
-      <dgm:prSet phldrT="[Text]" custT="1"/>
-      <dgm:spPr>
-        <a:solidFill>
-          <a:srgbClr val="44546A">
-            <a:hueOff val="0"/>
-            <a:satOff val="0"/>
-            <a:lumOff val="0"/>
-            <a:alphaOff val="0"/>
-          </a:srgbClr>
-        </a:solidFill>
-        <a:ln w="12700" cap="flat" cmpd="sng" algn="ctr">
-          <a:solidFill>
-            <a:srgbClr val="E7E6E6">
-              <a:hueOff val="0"/>
-              <a:satOff val="0"/>
-              <a:lumOff val="0"/>
-              <a:alphaOff val="0"/>
-            </a:srgbClr>
-          </a:solidFill>
-          <a:prstDash val="solid"/>
-          <a:miter lim="800000"/>
-        </a:ln>
-        <a:effectLst/>
-      </dgm:spPr>
-      <dgm:t>
-        <a:bodyPr spcFirstLastPara="0" vert="horz" wrap="square" lIns="154670" tIns="0" rIns="154670" bIns="0" numCol="1" spcCol="1270" anchor="ctr" anchorCtr="0"/>
-        <a:lstStyle/>
-        <a:p>
-          <a:pPr marL="0" lvl="0" indent="0" algn="l" defTabSz="666750">
-            <a:lnSpc>
-              <a:spcPct val="90000"/>
-            </a:lnSpc>
-            <a:spcBef>
-              <a:spcPct val="0"/>
-            </a:spcBef>
-            <a:spcAft>
-              <a:spcPct val="35000"/>
-            </a:spcAft>
-            <a:buNone/>
-          </a:pPr>
-          <a:endParaRPr lang="en-US" sz="1500" kern="1200" dirty="0">
-            <a:solidFill>
-              <a:prstClr val="white"/>
-            </a:solidFill>
-            <a:latin typeface="Arial" panose="020B0604020202020204"/>
-            <a:ea typeface="+mn-ea"/>
-            <a:cs typeface="+mn-cs"/>
-          </a:endParaRPr>
-        </a:p>
-      </dgm:t>
-    </dgm:pt>
-    <dgm:pt modelId="{8D5C894D-965F-4F9D-8A86-94DE66735D5E}" type="parTrans" cxnId="{83E5DB34-E51F-4AD8-A52C-B221ACC406BB}">
-      <dgm:prSet/>
-      <dgm:spPr/>
-      <dgm:t>
-        <a:bodyPr/>
-        <a:lstStyle/>
-        <a:p>
-          <a:endParaRPr lang="en-US"/>
-        </a:p>
-      </dgm:t>
-    </dgm:pt>
-    <dgm:pt modelId="{9CA6DD2B-4514-4C7B-9309-BECECB96B37D}" type="sibTrans" cxnId="{83E5DB34-E51F-4AD8-A52C-B221ACC406BB}">
-      <dgm:prSet/>
-      <dgm:spPr/>
-      <dgm:t>
-        <a:bodyPr/>
-        <a:lstStyle/>
-        <a:p>
-          <a:endParaRPr lang="en-US"/>
-        </a:p>
-      </dgm:t>
-    </dgm:pt>
-    <dgm:pt modelId="{34DE26C2-1F8B-4B39-B8D3-A7148252EE01}" type="pres">
-      <dgm:prSet presAssocID="{D9A8028B-636E-4896-A089-1BB7836C8AA3}" presName="linear" presStyleCnt="0">
-        <dgm:presLayoutVars>
-          <dgm:dir/>
-          <dgm:animLvl val="lvl"/>
-          <dgm:resizeHandles val="exact"/>
-        </dgm:presLayoutVars>
-      </dgm:prSet>
-      <dgm:spPr/>
-    </dgm:pt>
-    <dgm:pt modelId="{F02C9A1F-65E2-41CF-8413-F91CEF2563D7}" type="pres">
-      <dgm:prSet presAssocID="{67141AF2-62A4-4886-9C27-38156BF371C7}" presName="parentLin" presStyleCnt="0"/>
-      <dgm:spPr/>
-    </dgm:pt>
-    <dgm:pt modelId="{6948CBD6-5B42-4A81-A0DA-2C54230BDF0B}" type="pres">
-      <dgm:prSet presAssocID="{67141AF2-62A4-4886-9C27-38156BF371C7}" presName="parentLeftMargin" presStyleLbl="node1" presStyleIdx="0" presStyleCnt="4"/>
-      <dgm:spPr/>
-    </dgm:pt>
-    <dgm:pt modelId="{17C46FDE-72DB-48D6-B317-090A74270DA5}" type="pres">
-      <dgm:prSet presAssocID="{67141AF2-62A4-4886-9C27-38156BF371C7}" presName="parentText" presStyleLbl="node1" presStyleIdx="0" presStyleCnt="4" custLinFactNeighborX="-6132" custLinFactNeighborY="-9056">
-        <dgm:presLayoutVars>
-          <dgm:chMax val="0"/>
-          <dgm:bulletEnabled val="1"/>
-        </dgm:presLayoutVars>
-      </dgm:prSet>
-      <dgm:spPr/>
-    </dgm:pt>
-    <dgm:pt modelId="{9F4D9A84-A8DB-4C9D-9C65-227E7FF21E39}" type="pres">
-      <dgm:prSet presAssocID="{67141AF2-62A4-4886-9C27-38156BF371C7}" presName="negativeSpace" presStyleCnt="0"/>
-      <dgm:spPr/>
-    </dgm:pt>
-    <dgm:pt modelId="{B8354698-3920-4A0C-B7DA-906F6103C57D}" type="pres">
-      <dgm:prSet presAssocID="{67141AF2-62A4-4886-9C27-38156BF371C7}" presName="childText" presStyleLbl="conFgAcc1" presStyleIdx="0" presStyleCnt="4">
-        <dgm:presLayoutVars>
-          <dgm:bulletEnabled val="1"/>
-        </dgm:presLayoutVars>
-      </dgm:prSet>
-      <dgm:spPr/>
-    </dgm:pt>
-    <dgm:pt modelId="{84086CD6-F3E8-477D-9287-2D5E298034A8}" type="pres">
-      <dgm:prSet presAssocID="{65E561C0-757F-4225-AFB3-6596048760C7}" presName="spaceBetweenRectangles" presStyleCnt="0"/>
-      <dgm:spPr/>
-    </dgm:pt>
-    <dgm:pt modelId="{051DF7C6-13F7-47C6-A220-E04F2B28BD8F}" type="pres">
-      <dgm:prSet presAssocID="{CDD028E7-0895-4620-BE36-FBF5D34608D8}" presName="parentLin" presStyleCnt="0"/>
-      <dgm:spPr/>
-    </dgm:pt>
-    <dgm:pt modelId="{5008E741-D483-4E85-A9D5-405F903A5134}" type="pres">
-      <dgm:prSet presAssocID="{CDD028E7-0895-4620-BE36-FBF5D34608D8}" presName="parentLeftMargin" presStyleLbl="node1" presStyleIdx="0" presStyleCnt="4"/>
-      <dgm:spPr/>
-    </dgm:pt>
-    <dgm:pt modelId="{A2876BE3-BD1D-475F-8E56-2E5003FBE21B}" type="pres">
-      <dgm:prSet presAssocID="{CDD028E7-0895-4620-BE36-FBF5D34608D8}" presName="parentText" presStyleLbl="node1" presStyleIdx="1" presStyleCnt="4">
-        <dgm:presLayoutVars>
-          <dgm:chMax val="0"/>
-          <dgm:bulletEnabled val="1"/>
-        </dgm:presLayoutVars>
-      </dgm:prSet>
-      <dgm:spPr/>
-    </dgm:pt>
-    <dgm:pt modelId="{9D0D59F5-5174-4699-8FBC-F21BB6ACD638}" type="pres">
-      <dgm:prSet presAssocID="{CDD028E7-0895-4620-BE36-FBF5D34608D8}" presName="negativeSpace" presStyleCnt="0"/>
-      <dgm:spPr/>
-    </dgm:pt>
-    <dgm:pt modelId="{5A22835E-E491-4864-B407-E709573B04D5}" type="pres">
-      <dgm:prSet presAssocID="{CDD028E7-0895-4620-BE36-FBF5D34608D8}" presName="childText" presStyleLbl="conFgAcc1" presStyleIdx="1" presStyleCnt="4">
-        <dgm:presLayoutVars>
-          <dgm:bulletEnabled val="1"/>
-        </dgm:presLayoutVars>
-      </dgm:prSet>
-      <dgm:spPr/>
-    </dgm:pt>
-    <dgm:pt modelId="{DEED20F0-98CF-408E-8896-1A58D648573F}" type="pres">
-      <dgm:prSet presAssocID="{3A88D9B5-AD42-4945-AADD-E146B26D210B}" presName="spaceBetweenRectangles" presStyleCnt="0"/>
-      <dgm:spPr/>
-    </dgm:pt>
-    <dgm:pt modelId="{A4DAEDC9-F194-468B-AD24-146BE7EBC3CE}" type="pres">
-      <dgm:prSet presAssocID="{F412A8C5-5BC0-4E49-A647-E1017878D97F}" presName="parentLin" presStyleCnt="0"/>
-      <dgm:spPr/>
-    </dgm:pt>
-    <dgm:pt modelId="{B23724F6-6F6A-4034-A076-AE1C92B57440}" type="pres">
-      <dgm:prSet presAssocID="{F412A8C5-5BC0-4E49-A647-E1017878D97F}" presName="parentLeftMargin" presStyleLbl="node1" presStyleIdx="1" presStyleCnt="4"/>
-      <dgm:spPr/>
-    </dgm:pt>
-    <dgm:pt modelId="{A339E047-B135-4500-9EC2-5389F8587BF4}" type="pres">
-      <dgm:prSet presAssocID="{F412A8C5-5BC0-4E49-A647-E1017878D97F}" presName="parentText" presStyleLbl="node1" presStyleIdx="2" presStyleCnt="4">
-        <dgm:presLayoutVars>
-          <dgm:chMax val="0"/>
-          <dgm:bulletEnabled val="1"/>
-        </dgm:presLayoutVars>
-      </dgm:prSet>
-      <dgm:spPr>
-        <a:xfrm>
-          <a:off x="292289" y="1409679"/>
-          <a:ext cx="4092053" cy="442800"/>
-        </a:xfrm>
-        <a:prstGeom prst="roundRect">
-          <a:avLst/>
-        </a:prstGeom>
-      </dgm:spPr>
-    </dgm:pt>
-    <dgm:pt modelId="{4F63ADDA-E8B4-40C5-8806-43FB595D33C9}" type="pres">
-      <dgm:prSet presAssocID="{F412A8C5-5BC0-4E49-A647-E1017878D97F}" presName="negativeSpace" presStyleCnt="0"/>
-      <dgm:spPr/>
-    </dgm:pt>
-    <dgm:pt modelId="{4F364EED-E8F4-4E28-8CD5-DBF066B83804}" type="pres">
-      <dgm:prSet presAssocID="{F412A8C5-5BC0-4E49-A647-E1017878D97F}" presName="childText" presStyleLbl="conFgAcc1" presStyleIdx="2" presStyleCnt="4">
-        <dgm:presLayoutVars>
-          <dgm:bulletEnabled val="1"/>
-        </dgm:presLayoutVars>
-      </dgm:prSet>
-      <dgm:spPr/>
-    </dgm:pt>
-    <dgm:pt modelId="{D67E4F56-C59B-453E-80F4-A1B60B83E2B3}" type="pres">
-      <dgm:prSet presAssocID="{057D4DC3-6F75-44E6-8877-A78E6565789D}" presName="spaceBetweenRectangles" presStyleCnt="0"/>
-      <dgm:spPr/>
-    </dgm:pt>
-    <dgm:pt modelId="{1C57C553-0A1B-4CBA-A6D4-1EBD0DD532BB}" type="pres">
-      <dgm:prSet presAssocID="{EBC7D7EA-FF1E-43AD-9A62-D1F59829ED2E}" presName="parentLin" presStyleCnt="0"/>
-      <dgm:spPr/>
-    </dgm:pt>
-    <dgm:pt modelId="{A5D2D68C-9EB7-445C-BBCE-A06BA715D077}" type="pres">
-      <dgm:prSet presAssocID="{EBC7D7EA-FF1E-43AD-9A62-D1F59829ED2E}" presName="parentLeftMargin" presStyleLbl="node1" presStyleIdx="2" presStyleCnt="4"/>
-      <dgm:spPr/>
-    </dgm:pt>
-    <dgm:pt modelId="{628CD393-5B28-47EB-B377-938AD11F2459}" type="pres">
-      <dgm:prSet presAssocID="{EBC7D7EA-FF1E-43AD-9A62-D1F59829ED2E}" presName="parentText" presStyleLbl="node1" presStyleIdx="3" presStyleCnt="4">
-        <dgm:presLayoutVars>
-          <dgm:chMax val="0"/>
-          <dgm:bulletEnabled val="1"/>
-        </dgm:presLayoutVars>
-      </dgm:prSet>
-      <dgm:spPr>
-        <a:xfrm>
-          <a:off x="292289" y="2770480"/>
-          <a:ext cx="4092053" cy="442800"/>
-        </a:xfrm>
-        <a:prstGeom prst="roundRect">
-          <a:avLst/>
-        </a:prstGeom>
-      </dgm:spPr>
-    </dgm:pt>
-    <dgm:pt modelId="{EAC6D904-7F8D-4A9F-809B-D39455B2375C}" type="pres">
-      <dgm:prSet presAssocID="{EBC7D7EA-FF1E-43AD-9A62-D1F59829ED2E}" presName="negativeSpace" presStyleCnt="0"/>
-      <dgm:spPr/>
-    </dgm:pt>
-    <dgm:pt modelId="{63421B27-6F08-4476-83EC-98966E297891}" type="pres">
-      <dgm:prSet presAssocID="{EBC7D7EA-FF1E-43AD-9A62-D1F59829ED2E}" presName="childText" presStyleLbl="conFgAcc1" presStyleIdx="3" presStyleCnt="4">
-        <dgm:presLayoutVars>
-          <dgm:bulletEnabled val="1"/>
-        </dgm:presLayoutVars>
-      </dgm:prSet>
-      <dgm:spPr/>
-    </dgm:pt>
-  </dgm:ptLst>
-  <dgm:cxnLst>
-    <dgm:cxn modelId="{C906A916-1448-4275-A940-13ACAF881965}" type="presOf" srcId="{F412A8C5-5BC0-4E49-A647-E1017878D97F}" destId="{B23724F6-6F6A-4034-A076-AE1C92B57440}" srcOrd="0" destOrd="0" presId="urn:microsoft.com/office/officeart/2005/8/layout/list1"/>
-    <dgm:cxn modelId="{783E552B-81A0-4E21-8508-B4BC016BE49A}" type="presOf" srcId="{D9A8028B-636E-4896-A089-1BB7836C8AA3}" destId="{34DE26C2-1F8B-4B39-B8D3-A7148252EE01}" srcOrd="0" destOrd="0" presId="urn:microsoft.com/office/officeart/2005/8/layout/list1"/>
-    <dgm:cxn modelId="{83E5DB34-E51F-4AD8-A52C-B221ACC406BB}" srcId="{D9A8028B-636E-4896-A089-1BB7836C8AA3}" destId="{EBC7D7EA-FF1E-43AD-9A62-D1F59829ED2E}" srcOrd="3" destOrd="0" parTransId="{8D5C894D-965F-4F9D-8A86-94DE66735D5E}" sibTransId="{9CA6DD2B-4514-4C7B-9309-BECECB96B37D}"/>
-    <dgm:cxn modelId="{D0DC0F37-255B-42C5-AA23-A7C8B507B26F}" srcId="{D9A8028B-636E-4896-A089-1BB7836C8AA3}" destId="{CDD028E7-0895-4620-BE36-FBF5D34608D8}" srcOrd="1" destOrd="0" parTransId="{1149A5D2-A124-4B1D-8747-9E944E38501F}" sibTransId="{3A88D9B5-AD42-4945-AADD-E146B26D210B}"/>
-    <dgm:cxn modelId="{37A69F6B-12F8-4725-9913-2BC72A373E57}" type="presOf" srcId="{F412A8C5-5BC0-4E49-A647-E1017878D97F}" destId="{A339E047-B135-4500-9EC2-5389F8587BF4}" srcOrd="1" destOrd="0" presId="urn:microsoft.com/office/officeart/2005/8/layout/list1"/>
-    <dgm:cxn modelId="{63B02082-79E7-493C-B12C-1317E21D37C6}" type="presOf" srcId="{CDD028E7-0895-4620-BE36-FBF5D34608D8}" destId="{A2876BE3-BD1D-475F-8E56-2E5003FBE21B}" srcOrd="1" destOrd="0" presId="urn:microsoft.com/office/officeart/2005/8/layout/list1"/>
-    <dgm:cxn modelId="{AB059388-6109-41BA-B23E-2F6AFD00E249}" srcId="{D9A8028B-636E-4896-A089-1BB7836C8AA3}" destId="{67141AF2-62A4-4886-9C27-38156BF371C7}" srcOrd="0" destOrd="0" parTransId="{AB419B9E-3945-4566-9A1E-20D0C121F34A}" sibTransId="{65E561C0-757F-4225-AFB3-6596048760C7}"/>
-    <dgm:cxn modelId="{3E94D592-B8BB-4385-AED7-4670B0122F8D}" srcId="{D9A8028B-636E-4896-A089-1BB7836C8AA3}" destId="{F412A8C5-5BC0-4E49-A647-E1017878D97F}" srcOrd="2" destOrd="0" parTransId="{019B5694-E498-4BAF-8361-1E113A0CD59A}" sibTransId="{057D4DC3-6F75-44E6-8877-A78E6565789D}"/>
-    <dgm:cxn modelId="{965A54D6-6A63-4F13-B3CB-38D57A0DB08B}" type="presOf" srcId="{EBC7D7EA-FF1E-43AD-9A62-D1F59829ED2E}" destId="{A5D2D68C-9EB7-445C-BBCE-A06BA715D077}" srcOrd="0" destOrd="0" presId="urn:microsoft.com/office/officeart/2005/8/layout/list1"/>
-    <dgm:cxn modelId="{1C9750E2-DAB6-458B-AD8F-078FD24C0DC6}" type="presOf" srcId="{67141AF2-62A4-4886-9C27-38156BF371C7}" destId="{17C46FDE-72DB-48D6-B317-090A74270DA5}" srcOrd="1" destOrd="0" presId="urn:microsoft.com/office/officeart/2005/8/layout/list1"/>
-    <dgm:cxn modelId="{D1A807E4-334E-47FB-ACE5-ABCC5630407F}" type="presOf" srcId="{EBC7D7EA-FF1E-43AD-9A62-D1F59829ED2E}" destId="{628CD393-5B28-47EB-B377-938AD11F2459}" srcOrd="1" destOrd="0" presId="urn:microsoft.com/office/officeart/2005/8/layout/list1"/>
-    <dgm:cxn modelId="{760AA2EA-7C91-41E4-8938-66794560533E}" type="presOf" srcId="{CDD028E7-0895-4620-BE36-FBF5D34608D8}" destId="{5008E741-D483-4E85-A9D5-405F903A5134}" srcOrd="0" destOrd="0" presId="urn:microsoft.com/office/officeart/2005/8/layout/list1"/>
-    <dgm:cxn modelId="{1E4B14FE-AB97-4687-A758-4668B128E23B}" type="presOf" srcId="{67141AF2-62A4-4886-9C27-38156BF371C7}" destId="{6948CBD6-5B42-4A81-A0DA-2C54230BDF0B}" srcOrd="0" destOrd="0" presId="urn:microsoft.com/office/officeart/2005/8/layout/list1"/>
-    <dgm:cxn modelId="{665D60C3-82AA-4FE5-8711-DF1AAF08AE7A}" type="presParOf" srcId="{34DE26C2-1F8B-4B39-B8D3-A7148252EE01}" destId="{F02C9A1F-65E2-41CF-8413-F91CEF2563D7}" srcOrd="0" destOrd="0" presId="urn:microsoft.com/office/officeart/2005/8/layout/list1"/>
-    <dgm:cxn modelId="{FA19F6E5-1E3C-41B1-86A0-5480924EC874}" type="presParOf" srcId="{F02C9A1F-65E2-41CF-8413-F91CEF2563D7}" destId="{6948CBD6-5B42-4A81-A0DA-2C54230BDF0B}" srcOrd="0" destOrd="0" presId="urn:microsoft.com/office/officeart/2005/8/layout/list1"/>
-    <dgm:cxn modelId="{261BEEC3-66B3-4CBB-8F58-3DB355A86B45}" type="presParOf" srcId="{F02C9A1F-65E2-41CF-8413-F91CEF2563D7}" destId="{17C46FDE-72DB-48D6-B317-090A74270DA5}" srcOrd="1" destOrd="0" presId="urn:microsoft.com/office/officeart/2005/8/layout/list1"/>
-    <dgm:cxn modelId="{BEC75049-62D7-4B54-93D9-D717083E9E33}" type="presParOf" srcId="{34DE26C2-1F8B-4B39-B8D3-A7148252EE01}" destId="{9F4D9A84-A8DB-4C9D-9C65-227E7FF21E39}" srcOrd="1" destOrd="0" presId="urn:microsoft.com/office/officeart/2005/8/layout/list1"/>
-    <dgm:cxn modelId="{8AB35CFF-8281-41F0-B7AA-C7330FF5F553}" type="presParOf" srcId="{34DE26C2-1F8B-4B39-B8D3-A7148252EE01}" destId="{B8354698-3920-4A0C-B7DA-906F6103C57D}" srcOrd="2" destOrd="0" presId="urn:microsoft.com/office/officeart/2005/8/layout/list1"/>
-    <dgm:cxn modelId="{5215EE75-2842-41FA-9BC9-7ADDD56CDBDE}" type="presParOf" srcId="{34DE26C2-1F8B-4B39-B8D3-A7148252EE01}" destId="{84086CD6-F3E8-477D-9287-2D5E298034A8}" srcOrd="3" destOrd="0" presId="urn:microsoft.com/office/officeart/2005/8/layout/list1"/>
-    <dgm:cxn modelId="{332DEE3E-DD45-4281-A314-9325E20A0441}" type="presParOf" srcId="{34DE26C2-1F8B-4B39-B8D3-A7148252EE01}" destId="{051DF7C6-13F7-47C6-A220-E04F2B28BD8F}" srcOrd="4" destOrd="0" presId="urn:microsoft.com/office/officeart/2005/8/layout/list1"/>
-    <dgm:cxn modelId="{8CE98E5A-BFF1-4462-9D71-863520157BB0}" type="presParOf" srcId="{051DF7C6-13F7-47C6-A220-E04F2B28BD8F}" destId="{5008E741-D483-4E85-A9D5-405F903A5134}" srcOrd="0" destOrd="0" presId="urn:microsoft.com/office/officeart/2005/8/layout/list1"/>
-    <dgm:cxn modelId="{88E02442-F32D-4D2E-A654-07855401CF85}" type="presParOf" srcId="{051DF7C6-13F7-47C6-A220-E04F2B28BD8F}" destId="{A2876BE3-BD1D-475F-8E56-2E5003FBE21B}" srcOrd="1" destOrd="0" presId="urn:microsoft.com/office/officeart/2005/8/layout/list1"/>
-    <dgm:cxn modelId="{785D7BA0-49A7-4CAF-B427-DFF918F2B857}" type="presParOf" srcId="{34DE26C2-1F8B-4B39-B8D3-A7148252EE01}" destId="{9D0D59F5-5174-4699-8FBC-F21BB6ACD638}" srcOrd="5" destOrd="0" presId="urn:microsoft.com/office/officeart/2005/8/layout/list1"/>
-    <dgm:cxn modelId="{0D2A1A66-22B5-4945-B21C-38F9CDF0FF4D}" type="presParOf" srcId="{34DE26C2-1F8B-4B39-B8D3-A7148252EE01}" destId="{5A22835E-E491-4864-B407-E709573B04D5}" srcOrd="6" destOrd="0" presId="urn:microsoft.com/office/officeart/2005/8/layout/list1"/>
-    <dgm:cxn modelId="{5B70D220-CA7F-4BB8-A9E5-492FBB1E581C}" type="presParOf" srcId="{34DE26C2-1F8B-4B39-B8D3-A7148252EE01}" destId="{DEED20F0-98CF-408E-8896-1A58D648573F}" srcOrd="7" destOrd="0" presId="urn:microsoft.com/office/officeart/2005/8/layout/list1"/>
-    <dgm:cxn modelId="{5EB6D9E7-6F36-4AA4-B577-C91E97597D41}" type="presParOf" srcId="{34DE26C2-1F8B-4B39-B8D3-A7148252EE01}" destId="{A4DAEDC9-F194-468B-AD24-146BE7EBC3CE}" srcOrd="8" destOrd="0" presId="urn:microsoft.com/office/officeart/2005/8/layout/list1"/>
-    <dgm:cxn modelId="{496ED1CC-C8E6-4B1D-A01C-FB5DCCE511A3}" type="presParOf" srcId="{A4DAEDC9-F194-468B-AD24-146BE7EBC3CE}" destId="{B23724F6-6F6A-4034-A076-AE1C92B57440}" srcOrd="0" destOrd="0" presId="urn:microsoft.com/office/officeart/2005/8/layout/list1"/>
-    <dgm:cxn modelId="{DCB15D3A-72AE-46EF-AD3D-DF75A0A0F059}" type="presParOf" srcId="{A4DAEDC9-F194-468B-AD24-146BE7EBC3CE}" destId="{A339E047-B135-4500-9EC2-5389F8587BF4}" srcOrd="1" destOrd="0" presId="urn:microsoft.com/office/officeart/2005/8/layout/list1"/>
-    <dgm:cxn modelId="{62F52A5A-EDC5-4C68-999A-447CEB08C40D}" type="presParOf" srcId="{34DE26C2-1F8B-4B39-B8D3-A7148252EE01}" destId="{4F63ADDA-E8B4-40C5-8806-43FB595D33C9}" srcOrd="9" destOrd="0" presId="urn:microsoft.com/office/officeart/2005/8/layout/list1"/>
-    <dgm:cxn modelId="{488834F5-4BF6-496C-9D16-3B5A9B83B83B}" type="presParOf" srcId="{34DE26C2-1F8B-4B39-B8D3-A7148252EE01}" destId="{4F364EED-E8F4-4E28-8CD5-DBF066B83804}" srcOrd="10" destOrd="0" presId="urn:microsoft.com/office/officeart/2005/8/layout/list1"/>
-    <dgm:cxn modelId="{2E2C6625-6F64-45ED-9E17-45AFFDCA392D}" type="presParOf" srcId="{34DE26C2-1F8B-4B39-B8D3-A7148252EE01}" destId="{D67E4F56-C59B-453E-80F4-A1B60B83E2B3}" srcOrd="11" destOrd="0" presId="urn:microsoft.com/office/officeart/2005/8/layout/list1"/>
-    <dgm:cxn modelId="{921C0146-6BC0-4480-BC21-F0FF6CB02078}" type="presParOf" srcId="{34DE26C2-1F8B-4B39-B8D3-A7148252EE01}" destId="{1C57C553-0A1B-4CBA-A6D4-1EBD0DD532BB}" srcOrd="12" destOrd="0" presId="urn:microsoft.com/office/officeart/2005/8/layout/list1"/>
-    <dgm:cxn modelId="{EB0D3D18-7AC7-439D-8FA3-A7B8A1F9585C}" type="presParOf" srcId="{1C57C553-0A1B-4CBA-A6D4-1EBD0DD532BB}" destId="{A5D2D68C-9EB7-445C-BBCE-A06BA715D077}" srcOrd="0" destOrd="0" presId="urn:microsoft.com/office/officeart/2005/8/layout/list1"/>
-    <dgm:cxn modelId="{CAFDEA79-B4B3-4259-A26F-DD2C85089462}" type="presParOf" srcId="{1C57C553-0A1B-4CBA-A6D4-1EBD0DD532BB}" destId="{628CD393-5B28-47EB-B377-938AD11F2459}" srcOrd="1" destOrd="0" presId="urn:microsoft.com/office/officeart/2005/8/layout/list1"/>
-    <dgm:cxn modelId="{AF991284-9B1D-46E9-B602-819DF196654F}" type="presParOf" srcId="{34DE26C2-1F8B-4B39-B8D3-A7148252EE01}" destId="{EAC6D904-7F8D-4A9F-809B-D39455B2375C}" srcOrd="13" destOrd="0" presId="urn:microsoft.com/office/officeart/2005/8/layout/list1"/>
-    <dgm:cxn modelId="{67A78D01-5203-4F68-96E4-358E3B448716}" type="presParOf" srcId="{34DE26C2-1F8B-4B39-B8D3-A7148252EE01}" destId="{63421B27-6F08-4476-83EC-98966E297891}" srcOrd="14" destOrd="0" presId="urn:microsoft.com/office/officeart/2005/8/layout/list1"/>
-  </dgm:cxnLst>
-  <dgm:bg/>
-  <dgm:whole/>
-  <dgm:extLst>
-    <a:ext uri="http://schemas.microsoft.com/office/drawing/2008/diagram">
-      <dsp:dataModelExt xmlns:dsp="http://schemas.microsoft.com/office/drawing/2008/diagram" relId="rId7" minVer="http://schemas.openxmlformats.org/drawingml/2006/diagram"/>
-    </a:ext>
-  </dgm:extLst>
-</dgm:dataModel>
-</file>
-
-<file path=ppt/diagrams/data5.xml><?xml version="1.0" encoding="utf-8"?>
-<dgm:dataModel xmlns:dgm="http://schemas.openxmlformats.org/drawingml/2006/diagram" xmlns:a="http://schemas.openxmlformats.org/drawingml/2006/main">
-  <dgm:ptLst>
-    <dgm:pt modelId="{D9A8028B-636E-4896-A089-1BB7836C8AA3}" type="doc">
-      <dgm:prSet loTypeId="urn:microsoft.com/office/officeart/2005/8/layout/list1" loCatId="list" qsTypeId="urn:microsoft.com/office/officeart/2005/8/quickstyle/simple1" qsCatId="simple" csTypeId="urn:microsoft.com/office/officeart/2005/8/colors/accent0_3" csCatId="mainScheme" phldr="1"/>
-      <dgm:spPr/>
-      <dgm:t>
-        <a:bodyPr/>
-        <a:lstStyle/>
-        <a:p>
-          <a:endParaRPr lang="en-US"/>
-        </a:p>
-      </dgm:t>
-    </dgm:pt>
-    <dgm:pt modelId="{67141AF2-62A4-4886-9C27-38156BF371C7}">
-      <dgm:prSet phldrT="[Text]"/>
-      <dgm:spPr>
-        <a:solidFill>
-          <a:schemeClr val="tx2"/>
-        </a:solidFill>
-      </dgm:spPr>
-      <dgm:t>
-        <a:bodyPr/>
-        <a:lstStyle/>
-        <a:p>
-          <a:endParaRPr lang="en-US" dirty="0"/>
-        </a:p>
-      </dgm:t>
-    </dgm:pt>
-    <dgm:pt modelId="{AB419B9E-3945-4566-9A1E-20D0C121F34A}" type="parTrans" cxnId="{AB059388-6109-41BA-B23E-2F6AFD00E249}">
-      <dgm:prSet/>
-      <dgm:spPr/>
-      <dgm:t>
-        <a:bodyPr/>
-        <a:lstStyle/>
-        <a:p>
-          <a:endParaRPr lang="en-US"/>
-        </a:p>
-      </dgm:t>
-    </dgm:pt>
-    <dgm:pt modelId="{65E561C0-757F-4225-AFB3-6596048760C7}" type="sibTrans" cxnId="{AB059388-6109-41BA-B23E-2F6AFD00E249}">
-      <dgm:prSet/>
-      <dgm:spPr/>
-      <dgm:t>
-        <a:bodyPr/>
-        <a:lstStyle/>
-        <a:p>
-          <a:endParaRPr lang="en-US"/>
-        </a:p>
-      </dgm:t>
-    </dgm:pt>
-    <dgm:pt modelId="{CDD028E7-0895-4620-BE36-FBF5D34608D8}">
-      <dgm:prSet phldrT="[Text]"/>
-      <dgm:spPr>
-        <a:solidFill>
-          <a:srgbClr val="44546A"/>
-        </a:solidFill>
-      </dgm:spPr>
-      <dgm:t>
-        <a:bodyPr/>
-        <a:lstStyle/>
-        <a:p>
-          <a:endParaRPr lang="en-US" dirty="0"/>
-        </a:p>
-      </dgm:t>
-    </dgm:pt>
-    <dgm:pt modelId="{1149A5D2-A124-4B1D-8747-9E944E38501F}" type="parTrans" cxnId="{D0DC0F37-255B-42C5-AA23-A7C8B507B26F}">
-      <dgm:prSet/>
-      <dgm:spPr/>
-      <dgm:t>
-        <a:bodyPr/>
-        <a:lstStyle/>
-        <a:p>
-          <a:endParaRPr lang="en-US"/>
-        </a:p>
-      </dgm:t>
-    </dgm:pt>
-    <dgm:pt modelId="{3A88D9B5-AD42-4945-AADD-E146B26D210B}" type="sibTrans" cxnId="{D0DC0F37-255B-42C5-AA23-A7C8B507B26F}">
-      <dgm:prSet/>
-      <dgm:spPr/>
-      <dgm:t>
-        <a:bodyPr/>
-        <a:lstStyle/>
-        <a:p>
-          <a:endParaRPr lang="en-US"/>
-        </a:p>
-      </dgm:t>
-    </dgm:pt>
-    <dgm:pt modelId="{F412A8C5-5BC0-4E49-A647-E1017878D97F}">
-      <dgm:prSet phldrT="[Text]" custT="1"/>
-      <dgm:spPr>
-        <a:solidFill>
-          <a:srgbClr val="44546A"/>
-        </a:solidFill>
-        <a:ln w="12700" cap="flat" cmpd="sng" algn="ctr">
-          <a:solidFill>
-            <a:srgbClr val="E7E6E6">
-              <a:hueOff val="0"/>
-              <a:satOff val="0"/>
-              <a:lumOff val="0"/>
-              <a:alphaOff val="0"/>
-            </a:srgbClr>
-          </a:solidFill>
-          <a:prstDash val="solid"/>
-          <a:miter lim="800000"/>
-        </a:ln>
-        <a:effectLst/>
-      </dgm:spPr>
-      <dgm:t>
-        <a:bodyPr spcFirstLastPara="0" vert="horz" wrap="square" lIns="154670" tIns="0" rIns="154670" bIns="0" numCol="1" spcCol="1270" anchor="ctr" anchorCtr="0"/>
-        <a:lstStyle/>
-        <a:p>
-          <a:pPr marL="0" lvl="0" indent="0" algn="l" defTabSz="666750">
-            <a:lnSpc>
-              <a:spcPct val="90000"/>
-            </a:lnSpc>
-            <a:spcBef>
-              <a:spcPct val="0"/>
-            </a:spcBef>
-            <a:spcAft>
-              <a:spcPct val="35000"/>
-            </a:spcAft>
-            <a:buNone/>
-          </a:pPr>
-          <a:endParaRPr lang="en-US" sz="1500" kern="1200" dirty="0">
-            <a:solidFill>
-              <a:prstClr val="white"/>
-            </a:solidFill>
-            <a:latin typeface="Arial" panose="020B0604020202020204"/>
-            <a:ea typeface="+mn-ea"/>
-            <a:cs typeface="+mn-cs"/>
-          </a:endParaRPr>
-        </a:p>
-      </dgm:t>
-    </dgm:pt>
-    <dgm:pt modelId="{019B5694-E498-4BAF-8361-1E113A0CD59A}" type="parTrans" cxnId="{3E94D592-B8BB-4385-AED7-4670B0122F8D}">
-      <dgm:prSet/>
-      <dgm:spPr/>
-      <dgm:t>
-        <a:bodyPr/>
-        <a:lstStyle/>
-        <a:p>
-          <a:endParaRPr lang="en-US"/>
-        </a:p>
-      </dgm:t>
-    </dgm:pt>
-    <dgm:pt modelId="{057D4DC3-6F75-44E6-8877-A78E6565789D}" type="sibTrans" cxnId="{3E94D592-B8BB-4385-AED7-4670B0122F8D}">
-      <dgm:prSet/>
-      <dgm:spPr/>
-      <dgm:t>
-        <a:bodyPr/>
-        <a:lstStyle/>
-        <a:p>
-          <a:endParaRPr lang="en-US"/>
-        </a:p>
-      </dgm:t>
-    </dgm:pt>
     <dgm:pt modelId="{EBC7D7EA-FF1E-43AD-9A62-D1F59829ED2E}">
       <dgm:prSet phldrT="[Text]" custT="1"/>
       <dgm:spPr>
@@ -5669,11 +4165,11 @@
       <dgm:spPr/>
     </dgm:pt>
     <dgm:pt modelId="{6948CBD6-5B42-4A81-A0DA-2C54230BDF0B}" type="pres">
-      <dgm:prSet presAssocID="{67141AF2-62A4-4886-9C27-38156BF371C7}" presName="parentLeftMargin" presStyleLbl="node1" presStyleIdx="0" presStyleCnt="4"/>
+      <dgm:prSet presAssocID="{67141AF2-62A4-4886-9C27-38156BF371C7}" presName="parentLeftMargin" presStyleLbl="node1" presStyleIdx="0" presStyleCnt="3"/>
       <dgm:spPr/>
     </dgm:pt>
     <dgm:pt modelId="{17C46FDE-72DB-48D6-B317-090A74270DA5}" type="pres">
-      <dgm:prSet presAssocID="{67141AF2-62A4-4886-9C27-38156BF371C7}" presName="parentText" presStyleLbl="node1" presStyleIdx="0" presStyleCnt="4" custLinFactNeighborX="-6133" custLinFactNeighborY="-4029">
+      <dgm:prSet presAssocID="{67141AF2-62A4-4886-9C27-38156BF371C7}" presName="parentText" presStyleLbl="node1" presStyleIdx="0" presStyleCnt="3" custLinFactNeighborX="-6133" custLinFactNeighborY="-4029">
         <dgm:presLayoutVars>
           <dgm:chMax val="0"/>
           <dgm:bulletEnabled val="1"/>
@@ -5686,7 +4182,7 @@
       <dgm:spPr/>
     </dgm:pt>
     <dgm:pt modelId="{B8354698-3920-4A0C-B7DA-906F6103C57D}" type="pres">
-      <dgm:prSet presAssocID="{67141AF2-62A4-4886-9C27-38156BF371C7}" presName="childText" presStyleLbl="conFgAcc1" presStyleIdx="0" presStyleCnt="4">
+      <dgm:prSet presAssocID="{67141AF2-62A4-4886-9C27-38156BF371C7}" presName="childText" presStyleLbl="conFgAcc1" presStyleIdx="0" presStyleCnt="3">
         <dgm:presLayoutVars>
           <dgm:bulletEnabled val="1"/>
         </dgm:presLayoutVars>
@@ -5702,11 +4198,11 @@
       <dgm:spPr/>
     </dgm:pt>
     <dgm:pt modelId="{5008E741-D483-4E85-A9D5-405F903A5134}" type="pres">
-      <dgm:prSet presAssocID="{CDD028E7-0895-4620-BE36-FBF5D34608D8}" presName="parentLeftMargin" presStyleLbl="node1" presStyleIdx="0" presStyleCnt="4"/>
+      <dgm:prSet presAssocID="{CDD028E7-0895-4620-BE36-FBF5D34608D8}" presName="parentLeftMargin" presStyleLbl="node1" presStyleIdx="0" presStyleCnt="3"/>
       <dgm:spPr/>
     </dgm:pt>
     <dgm:pt modelId="{A2876BE3-BD1D-475F-8E56-2E5003FBE21B}" type="pres">
-      <dgm:prSet presAssocID="{CDD028E7-0895-4620-BE36-FBF5D34608D8}" presName="parentText" presStyleLbl="node1" presStyleIdx="1" presStyleCnt="4">
+      <dgm:prSet presAssocID="{CDD028E7-0895-4620-BE36-FBF5D34608D8}" presName="parentText" presStyleLbl="node1" presStyleIdx="1" presStyleCnt="3">
         <dgm:presLayoutVars>
           <dgm:chMax val="0"/>
           <dgm:bulletEnabled val="1"/>
@@ -5719,7 +4215,7 @@
       <dgm:spPr/>
     </dgm:pt>
     <dgm:pt modelId="{5A22835E-E491-4864-B407-E709573B04D5}" type="pres">
-      <dgm:prSet presAssocID="{CDD028E7-0895-4620-BE36-FBF5D34608D8}" presName="childText" presStyleLbl="conFgAcc1" presStyleIdx="1" presStyleCnt="4">
+      <dgm:prSet presAssocID="{CDD028E7-0895-4620-BE36-FBF5D34608D8}" presName="childText" presStyleLbl="conFgAcc1" presStyleIdx="1" presStyleCnt="3">
         <dgm:presLayoutVars>
           <dgm:bulletEnabled val="1"/>
         </dgm:presLayoutVars>
@@ -5730,57 +4226,16 @@
       <dgm:prSet presAssocID="{3A88D9B5-AD42-4945-AADD-E146B26D210B}" presName="spaceBetweenRectangles" presStyleCnt="0"/>
       <dgm:spPr/>
     </dgm:pt>
-    <dgm:pt modelId="{A4DAEDC9-F194-468B-AD24-146BE7EBC3CE}" type="pres">
-      <dgm:prSet presAssocID="{F412A8C5-5BC0-4E49-A647-E1017878D97F}" presName="parentLin" presStyleCnt="0"/>
-      <dgm:spPr/>
-    </dgm:pt>
-    <dgm:pt modelId="{B23724F6-6F6A-4034-A076-AE1C92B57440}" type="pres">
-      <dgm:prSet presAssocID="{F412A8C5-5BC0-4E49-A647-E1017878D97F}" presName="parentLeftMargin" presStyleLbl="node1" presStyleIdx="1" presStyleCnt="4"/>
-      <dgm:spPr/>
-    </dgm:pt>
-    <dgm:pt modelId="{A339E047-B135-4500-9EC2-5389F8587BF4}" type="pres">
-      <dgm:prSet presAssocID="{F412A8C5-5BC0-4E49-A647-E1017878D97F}" presName="parentText" presStyleLbl="node1" presStyleIdx="2" presStyleCnt="4">
-        <dgm:presLayoutVars>
-          <dgm:chMax val="0"/>
-          <dgm:bulletEnabled val="1"/>
-        </dgm:presLayoutVars>
-      </dgm:prSet>
-      <dgm:spPr>
-        <a:xfrm>
-          <a:off x="292289" y="1409679"/>
-          <a:ext cx="4092053" cy="442800"/>
-        </a:xfrm>
-        <a:prstGeom prst="roundRect">
-          <a:avLst/>
-        </a:prstGeom>
-      </dgm:spPr>
-    </dgm:pt>
-    <dgm:pt modelId="{4F63ADDA-E8B4-40C5-8806-43FB595D33C9}" type="pres">
-      <dgm:prSet presAssocID="{F412A8C5-5BC0-4E49-A647-E1017878D97F}" presName="negativeSpace" presStyleCnt="0"/>
-      <dgm:spPr/>
-    </dgm:pt>
-    <dgm:pt modelId="{4F364EED-E8F4-4E28-8CD5-DBF066B83804}" type="pres">
-      <dgm:prSet presAssocID="{F412A8C5-5BC0-4E49-A647-E1017878D97F}" presName="childText" presStyleLbl="conFgAcc1" presStyleIdx="2" presStyleCnt="4">
-        <dgm:presLayoutVars>
-          <dgm:bulletEnabled val="1"/>
-        </dgm:presLayoutVars>
-      </dgm:prSet>
-      <dgm:spPr/>
-    </dgm:pt>
-    <dgm:pt modelId="{D67E4F56-C59B-453E-80F4-A1B60B83E2B3}" type="pres">
-      <dgm:prSet presAssocID="{057D4DC3-6F75-44E6-8877-A78E6565789D}" presName="spaceBetweenRectangles" presStyleCnt="0"/>
-      <dgm:spPr/>
-    </dgm:pt>
     <dgm:pt modelId="{1C57C553-0A1B-4CBA-A6D4-1EBD0DD532BB}" type="pres">
       <dgm:prSet presAssocID="{EBC7D7EA-FF1E-43AD-9A62-D1F59829ED2E}" presName="parentLin" presStyleCnt="0"/>
       <dgm:spPr/>
     </dgm:pt>
     <dgm:pt modelId="{A5D2D68C-9EB7-445C-BBCE-A06BA715D077}" type="pres">
-      <dgm:prSet presAssocID="{EBC7D7EA-FF1E-43AD-9A62-D1F59829ED2E}" presName="parentLeftMargin" presStyleLbl="node1" presStyleIdx="2" presStyleCnt="4"/>
+      <dgm:prSet presAssocID="{EBC7D7EA-FF1E-43AD-9A62-D1F59829ED2E}" presName="parentLeftMargin" presStyleLbl="node1" presStyleIdx="1" presStyleCnt="3"/>
       <dgm:spPr/>
     </dgm:pt>
     <dgm:pt modelId="{628CD393-5B28-47EB-B377-938AD11F2459}" type="pres">
-      <dgm:prSet presAssocID="{EBC7D7EA-FF1E-43AD-9A62-D1F59829ED2E}" presName="parentText" presStyleLbl="node1" presStyleIdx="3" presStyleCnt="4">
+      <dgm:prSet presAssocID="{EBC7D7EA-FF1E-43AD-9A62-D1F59829ED2E}" presName="parentText" presStyleLbl="node1" presStyleIdx="2" presStyleCnt="3">
         <dgm:presLayoutVars>
           <dgm:chMax val="0"/>
           <dgm:bulletEnabled val="1"/>
@@ -5801,7 +4256,7 @@
       <dgm:spPr/>
     </dgm:pt>
     <dgm:pt modelId="{63421B27-6F08-4476-83EC-98966E297891}" type="pres">
-      <dgm:prSet presAssocID="{EBC7D7EA-FF1E-43AD-9A62-D1F59829ED2E}" presName="childText" presStyleLbl="conFgAcc1" presStyleIdx="3" presStyleCnt="4">
+      <dgm:prSet presAssocID="{EBC7D7EA-FF1E-43AD-9A62-D1F59829ED2E}" presName="childText" presStyleLbl="conFgAcc1" presStyleIdx="2" presStyleCnt="3">
         <dgm:presLayoutVars>
           <dgm:bulletEnabled val="1"/>
         </dgm:presLayoutVars>
@@ -5810,14 +4265,11 @@
     </dgm:pt>
   </dgm:ptLst>
   <dgm:cxnLst>
-    <dgm:cxn modelId="{C906A916-1448-4275-A940-13ACAF881965}" type="presOf" srcId="{F412A8C5-5BC0-4E49-A647-E1017878D97F}" destId="{B23724F6-6F6A-4034-A076-AE1C92B57440}" srcOrd="0" destOrd="0" presId="urn:microsoft.com/office/officeart/2005/8/layout/list1"/>
     <dgm:cxn modelId="{783E552B-81A0-4E21-8508-B4BC016BE49A}" type="presOf" srcId="{D9A8028B-636E-4896-A089-1BB7836C8AA3}" destId="{34DE26C2-1F8B-4B39-B8D3-A7148252EE01}" srcOrd="0" destOrd="0" presId="urn:microsoft.com/office/officeart/2005/8/layout/list1"/>
-    <dgm:cxn modelId="{83E5DB34-E51F-4AD8-A52C-B221ACC406BB}" srcId="{D9A8028B-636E-4896-A089-1BB7836C8AA3}" destId="{EBC7D7EA-FF1E-43AD-9A62-D1F59829ED2E}" srcOrd="3" destOrd="0" parTransId="{8D5C894D-965F-4F9D-8A86-94DE66735D5E}" sibTransId="{9CA6DD2B-4514-4C7B-9309-BECECB96B37D}"/>
+    <dgm:cxn modelId="{83E5DB34-E51F-4AD8-A52C-B221ACC406BB}" srcId="{D9A8028B-636E-4896-A089-1BB7836C8AA3}" destId="{EBC7D7EA-FF1E-43AD-9A62-D1F59829ED2E}" srcOrd="2" destOrd="0" parTransId="{8D5C894D-965F-4F9D-8A86-94DE66735D5E}" sibTransId="{9CA6DD2B-4514-4C7B-9309-BECECB96B37D}"/>
     <dgm:cxn modelId="{D0DC0F37-255B-42C5-AA23-A7C8B507B26F}" srcId="{D9A8028B-636E-4896-A089-1BB7836C8AA3}" destId="{CDD028E7-0895-4620-BE36-FBF5D34608D8}" srcOrd="1" destOrd="0" parTransId="{1149A5D2-A124-4B1D-8747-9E944E38501F}" sibTransId="{3A88D9B5-AD42-4945-AADD-E146B26D210B}"/>
-    <dgm:cxn modelId="{37A69F6B-12F8-4725-9913-2BC72A373E57}" type="presOf" srcId="{F412A8C5-5BC0-4E49-A647-E1017878D97F}" destId="{A339E047-B135-4500-9EC2-5389F8587BF4}" srcOrd="1" destOrd="0" presId="urn:microsoft.com/office/officeart/2005/8/layout/list1"/>
     <dgm:cxn modelId="{63B02082-79E7-493C-B12C-1317E21D37C6}" type="presOf" srcId="{CDD028E7-0895-4620-BE36-FBF5D34608D8}" destId="{A2876BE3-BD1D-475F-8E56-2E5003FBE21B}" srcOrd="1" destOrd="0" presId="urn:microsoft.com/office/officeart/2005/8/layout/list1"/>
     <dgm:cxn modelId="{AB059388-6109-41BA-B23E-2F6AFD00E249}" srcId="{D9A8028B-636E-4896-A089-1BB7836C8AA3}" destId="{67141AF2-62A4-4886-9C27-38156BF371C7}" srcOrd="0" destOrd="0" parTransId="{AB419B9E-3945-4566-9A1E-20D0C121F34A}" sibTransId="{65E561C0-757F-4225-AFB3-6596048760C7}"/>
-    <dgm:cxn modelId="{3E94D592-B8BB-4385-AED7-4670B0122F8D}" srcId="{D9A8028B-636E-4896-A089-1BB7836C8AA3}" destId="{F412A8C5-5BC0-4E49-A647-E1017878D97F}" srcOrd="2" destOrd="0" parTransId="{019B5694-E498-4BAF-8361-1E113A0CD59A}" sibTransId="{057D4DC3-6F75-44E6-8877-A78E6565789D}"/>
     <dgm:cxn modelId="{965A54D6-6A63-4F13-B3CB-38D57A0DB08B}" type="presOf" srcId="{EBC7D7EA-FF1E-43AD-9A62-D1F59829ED2E}" destId="{A5D2D68C-9EB7-445C-BBCE-A06BA715D077}" srcOrd="0" destOrd="0" presId="urn:microsoft.com/office/officeart/2005/8/layout/list1"/>
     <dgm:cxn modelId="{1C9750E2-DAB6-458B-AD8F-078FD24C0DC6}" type="presOf" srcId="{67141AF2-62A4-4886-9C27-38156BF371C7}" destId="{17C46FDE-72DB-48D6-B317-090A74270DA5}" srcOrd="1" destOrd="0" presId="urn:microsoft.com/office/officeart/2005/8/layout/list1"/>
     <dgm:cxn modelId="{D1A807E4-334E-47FB-ACE5-ABCC5630407F}" type="presOf" srcId="{EBC7D7EA-FF1E-43AD-9A62-D1F59829ED2E}" destId="{628CD393-5B28-47EB-B377-938AD11F2459}" srcOrd="1" destOrd="0" presId="urn:microsoft.com/office/officeart/2005/8/layout/list1"/>
@@ -5835,17 +4287,11 @@
     <dgm:cxn modelId="{785D7BA0-49A7-4CAF-B427-DFF918F2B857}" type="presParOf" srcId="{34DE26C2-1F8B-4B39-B8D3-A7148252EE01}" destId="{9D0D59F5-5174-4699-8FBC-F21BB6ACD638}" srcOrd="5" destOrd="0" presId="urn:microsoft.com/office/officeart/2005/8/layout/list1"/>
     <dgm:cxn modelId="{0D2A1A66-22B5-4945-B21C-38F9CDF0FF4D}" type="presParOf" srcId="{34DE26C2-1F8B-4B39-B8D3-A7148252EE01}" destId="{5A22835E-E491-4864-B407-E709573B04D5}" srcOrd="6" destOrd="0" presId="urn:microsoft.com/office/officeart/2005/8/layout/list1"/>
     <dgm:cxn modelId="{5B70D220-CA7F-4BB8-A9E5-492FBB1E581C}" type="presParOf" srcId="{34DE26C2-1F8B-4B39-B8D3-A7148252EE01}" destId="{DEED20F0-98CF-408E-8896-1A58D648573F}" srcOrd="7" destOrd="0" presId="urn:microsoft.com/office/officeart/2005/8/layout/list1"/>
-    <dgm:cxn modelId="{5EB6D9E7-6F36-4AA4-B577-C91E97597D41}" type="presParOf" srcId="{34DE26C2-1F8B-4B39-B8D3-A7148252EE01}" destId="{A4DAEDC9-F194-468B-AD24-146BE7EBC3CE}" srcOrd="8" destOrd="0" presId="urn:microsoft.com/office/officeart/2005/8/layout/list1"/>
-    <dgm:cxn modelId="{496ED1CC-C8E6-4B1D-A01C-FB5DCCE511A3}" type="presParOf" srcId="{A4DAEDC9-F194-468B-AD24-146BE7EBC3CE}" destId="{B23724F6-6F6A-4034-A076-AE1C92B57440}" srcOrd="0" destOrd="0" presId="urn:microsoft.com/office/officeart/2005/8/layout/list1"/>
-    <dgm:cxn modelId="{DCB15D3A-72AE-46EF-AD3D-DF75A0A0F059}" type="presParOf" srcId="{A4DAEDC9-F194-468B-AD24-146BE7EBC3CE}" destId="{A339E047-B135-4500-9EC2-5389F8587BF4}" srcOrd="1" destOrd="0" presId="urn:microsoft.com/office/officeart/2005/8/layout/list1"/>
-    <dgm:cxn modelId="{62F52A5A-EDC5-4C68-999A-447CEB08C40D}" type="presParOf" srcId="{34DE26C2-1F8B-4B39-B8D3-A7148252EE01}" destId="{4F63ADDA-E8B4-40C5-8806-43FB595D33C9}" srcOrd="9" destOrd="0" presId="urn:microsoft.com/office/officeart/2005/8/layout/list1"/>
-    <dgm:cxn modelId="{488834F5-4BF6-496C-9D16-3B5A9B83B83B}" type="presParOf" srcId="{34DE26C2-1F8B-4B39-B8D3-A7148252EE01}" destId="{4F364EED-E8F4-4E28-8CD5-DBF066B83804}" srcOrd="10" destOrd="0" presId="urn:microsoft.com/office/officeart/2005/8/layout/list1"/>
-    <dgm:cxn modelId="{2E2C6625-6F64-45ED-9E17-45AFFDCA392D}" type="presParOf" srcId="{34DE26C2-1F8B-4B39-B8D3-A7148252EE01}" destId="{D67E4F56-C59B-453E-80F4-A1B60B83E2B3}" srcOrd="11" destOrd="0" presId="urn:microsoft.com/office/officeart/2005/8/layout/list1"/>
-    <dgm:cxn modelId="{921C0146-6BC0-4480-BC21-F0FF6CB02078}" type="presParOf" srcId="{34DE26C2-1F8B-4B39-B8D3-A7148252EE01}" destId="{1C57C553-0A1B-4CBA-A6D4-1EBD0DD532BB}" srcOrd="12" destOrd="0" presId="urn:microsoft.com/office/officeart/2005/8/layout/list1"/>
+    <dgm:cxn modelId="{921C0146-6BC0-4480-BC21-F0FF6CB02078}" type="presParOf" srcId="{34DE26C2-1F8B-4B39-B8D3-A7148252EE01}" destId="{1C57C553-0A1B-4CBA-A6D4-1EBD0DD532BB}" srcOrd="8" destOrd="0" presId="urn:microsoft.com/office/officeart/2005/8/layout/list1"/>
     <dgm:cxn modelId="{EB0D3D18-7AC7-439D-8FA3-A7B8A1F9585C}" type="presParOf" srcId="{1C57C553-0A1B-4CBA-A6D4-1EBD0DD532BB}" destId="{A5D2D68C-9EB7-445C-BBCE-A06BA715D077}" srcOrd="0" destOrd="0" presId="urn:microsoft.com/office/officeart/2005/8/layout/list1"/>
     <dgm:cxn modelId="{CAFDEA79-B4B3-4259-A26F-DD2C85089462}" type="presParOf" srcId="{1C57C553-0A1B-4CBA-A6D4-1EBD0DD532BB}" destId="{628CD393-5B28-47EB-B377-938AD11F2459}" srcOrd="1" destOrd="0" presId="urn:microsoft.com/office/officeart/2005/8/layout/list1"/>
-    <dgm:cxn modelId="{AF991284-9B1D-46E9-B602-819DF196654F}" type="presParOf" srcId="{34DE26C2-1F8B-4B39-B8D3-A7148252EE01}" destId="{EAC6D904-7F8D-4A9F-809B-D39455B2375C}" srcOrd="13" destOrd="0" presId="urn:microsoft.com/office/officeart/2005/8/layout/list1"/>
-    <dgm:cxn modelId="{67A78D01-5203-4F68-96E4-358E3B448716}" type="presParOf" srcId="{34DE26C2-1F8B-4B39-B8D3-A7148252EE01}" destId="{63421B27-6F08-4476-83EC-98966E297891}" srcOrd="14" destOrd="0" presId="urn:microsoft.com/office/officeart/2005/8/layout/list1"/>
+    <dgm:cxn modelId="{AF991284-9B1D-46E9-B602-819DF196654F}" type="presParOf" srcId="{34DE26C2-1F8B-4B39-B8D3-A7148252EE01}" destId="{EAC6D904-7F8D-4A9F-809B-D39455B2375C}" srcOrd="9" destOrd="0" presId="urn:microsoft.com/office/officeart/2005/8/layout/list1"/>
+    <dgm:cxn modelId="{67A78D01-5203-4F68-96E4-358E3B448716}" type="presParOf" srcId="{34DE26C2-1F8B-4B39-B8D3-A7148252EE01}" destId="{63421B27-6F08-4476-83EC-98966E297891}" srcOrd="10" destOrd="0" presId="urn:microsoft.com/office/officeart/2005/8/layout/list1"/>
   </dgm:cxnLst>
   <dgm:bg/>
   <dgm:whole/>
@@ -6153,8 +4599,8 @@
       </dsp:nvSpPr>
       <dsp:spPr>
         <a:xfrm>
-          <a:off x="0" y="317439"/>
-          <a:ext cx="5845791" cy="478800"/>
+          <a:off x="0" y="394299"/>
+          <a:ext cx="5845791" cy="655200"/>
         </a:xfrm>
         <a:prstGeom prst="rect">
           <a:avLst/>
@@ -6202,8 +4648,8 @@
       </dsp:nvSpPr>
       <dsp:spPr>
         <a:xfrm>
-          <a:off x="292289" y="36999"/>
-          <a:ext cx="4092053" cy="560880"/>
+          <a:off x="292289" y="10539"/>
+          <a:ext cx="4092053" cy="767520"/>
         </a:xfrm>
         <a:prstGeom prst="roundRect">
           <a:avLst/>
@@ -6245,7 +4691,7 @@
         </a:bodyPr>
         <a:lstStyle/>
         <a:p>
-          <a:pPr marL="0" lvl="0" indent="0" algn="l" defTabSz="844550">
+          <a:pPr marL="0" lvl="0" indent="0" algn="l" defTabSz="1155700">
             <a:lnSpc>
               <a:spcPct val="90000"/>
             </a:lnSpc>
@@ -6257,12 +4703,12 @@
             </a:spcAft>
             <a:buNone/>
           </a:pPr>
-          <a:endParaRPr lang="en-US" sz="1900" kern="1200" dirty="0"/>
+          <a:endParaRPr lang="en-US" sz="2600" kern="1200" dirty="0"/>
         </a:p>
       </dsp:txBody>
       <dsp:txXfrm>
-        <a:off x="319669" y="64379"/>
-        <a:ext cx="4037293" cy="506120"/>
+        <a:off x="329756" y="48006"/>
+        <a:ext cx="4017119" cy="692586"/>
       </dsp:txXfrm>
     </dsp:sp>
     <dsp:sp modelId="{5A22835E-E491-4864-B407-E709573B04D5}">
@@ -6272,8 +4718,8 @@
       </dsp:nvSpPr>
       <dsp:spPr>
         <a:xfrm>
-          <a:off x="0" y="1179280"/>
-          <a:ext cx="5845791" cy="478800"/>
+          <a:off x="0" y="1573659"/>
+          <a:ext cx="5845791" cy="655200"/>
         </a:xfrm>
         <a:prstGeom prst="rect">
           <a:avLst/>
@@ -6321,8 +4767,8 @@
       </dsp:nvSpPr>
       <dsp:spPr>
         <a:xfrm>
-          <a:off x="292289" y="898840"/>
-          <a:ext cx="4092053" cy="560880"/>
+          <a:off x="292289" y="1189900"/>
+          <a:ext cx="4092053" cy="767520"/>
         </a:xfrm>
         <a:prstGeom prst="roundRect">
           <a:avLst/>
@@ -6369,7 +4815,7 @@
         </a:bodyPr>
         <a:lstStyle/>
         <a:p>
-          <a:pPr marL="0" lvl="0" indent="0" algn="l" defTabSz="844550">
+          <a:pPr marL="0" lvl="0" indent="0" algn="l" defTabSz="1155700">
             <a:lnSpc>
               <a:spcPct val="90000"/>
             </a:lnSpc>
@@ -6381,23 +4827,23 @@
             </a:spcAft>
             <a:buNone/>
           </a:pPr>
-          <a:endParaRPr lang="en-US" sz="1900" kern="1200" dirty="0"/>
+          <a:endParaRPr lang="en-US" sz="2600" kern="1200" dirty="0"/>
         </a:p>
       </dsp:txBody>
       <dsp:txXfrm>
-        <a:off x="319669" y="926220"/>
-        <a:ext cx="4037293" cy="506120"/>
+        <a:off x="329756" y="1227367"/>
+        <a:ext cx="4017119" cy="692586"/>
       </dsp:txXfrm>
     </dsp:sp>
-    <dsp:sp modelId="{4F364EED-E8F4-4E28-8CD5-DBF066B83804}">
+    <dsp:sp modelId="{63421B27-6F08-4476-83EC-98966E297891}">
       <dsp:nvSpPr>
         <dsp:cNvPr id="0" name=""/>
         <dsp:cNvSpPr/>
       </dsp:nvSpPr>
       <dsp:spPr>
         <a:xfrm>
-          <a:off x="0" y="2041120"/>
-          <a:ext cx="5845791" cy="478800"/>
+          <a:off x="0" y="2753020"/>
+          <a:ext cx="5845791" cy="655200"/>
         </a:xfrm>
         <a:prstGeom prst="rect">
           <a:avLst/>
@@ -6438,15 +4884,15 @@
         <a:fontRef idx="minor"/>
       </dsp:style>
     </dsp:sp>
-    <dsp:sp modelId="{A339E047-B135-4500-9EC2-5389F8587BF4}">
+    <dsp:sp modelId="{628CD393-5B28-47EB-B377-938AD11F2459}">
       <dsp:nvSpPr>
         <dsp:cNvPr id="0" name=""/>
         <dsp:cNvSpPr/>
       </dsp:nvSpPr>
       <dsp:spPr>
         <a:xfrm>
-          <a:off x="292289" y="1760680"/>
-          <a:ext cx="4092053" cy="560880"/>
+          <a:off x="292289" y="2369260"/>
+          <a:ext cx="4092053" cy="767520"/>
         </a:xfrm>
         <a:prstGeom prst="roundRect">
           <a:avLst/>
@@ -6516,8 +4962,258 @@
         </a:p>
       </dsp:txBody>
       <dsp:txXfrm>
-        <a:off x="319669" y="1788060"/>
-        <a:ext cx="4037293" cy="506120"/>
+        <a:off x="329756" y="2406727"/>
+        <a:ext cx="4017119" cy="692586"/>
+      </dsp:txXfrm>
+    </dsp:sp>
+  </dsp:spTree>
+</dsp:drawing>
+</file>
+
+<file path=ppt/diagrams/drawing3.xml><?xml version="1.0" encoding="utf-8"?>
+<dsp:drawing xmlns:dgm="http://schemas.openxmlformats.org/drawingml/2006/diagram" xmlns:dsp="http://schemas.microsoft.com/office/drawing/2008/diagram" xmlns:a="http://schemas.openxmlformats.org/drawingml/2006/main">
+  <dsp:spTree>
+    <dsp:nvGrpSpPr>
+      <dsp:cNvPr id="0" name=""/>
+      <dsp:cNvGrpSpPr/>
+    </dsp:nvGrpSpPr>
+    <dsp:grpSpPr/>
+    <dsp:sp modelId="{B8354698-3920-4A0C-B7DA-906F6103C57D}">
+      <dsp:nvSpPr>
+        <dsp:cNvPr id="0" name=""/>
+        <dsp:cNvSpPr/>
+      </dsp:nvSpPr>
+      <dsp:spPr>
+        <a:xfrm>
+          <a:off x="0" y="394299"/>
+          <a:ext cx="5845791" cy="655200"/>
+        </a:xfrm>
+        <a:prstGeom prst="rect">
+          <a:avLst/>
+        </a:prstGeom>
+        <a:solidFill>
+          <a:schemeClr val="lt2">
+            <a:alpha val="90000"/>
+            <a:hueOff val="0"/>
+            <a:satOff val="0"/>
+            <a:lumOff val="0"/>
+            <a:alphaOff val="0"/>
+          </a:schemeClr>
+        </a:solidFill>
+        <a:ln w="12700" cap="flat" cmpd="sng" algn="ctr">
+          <a:solidFill>
+            <a:schemeClr val="dk2">
+              <a:hueOff val="0"/>
+              <a:satOff val="0"/>
+              <a:lumOff val="0"/>
+              <a:alphaOff val="0"/>
+            </a:schemeClr>
+          </a:solidFill>
+          <a:prstDash val="solid"/>
+          <a:miter lim="800000"/>
+        </a:ln>
+        <a:effectLst/>
+      </dsp:spPr>
+      <dsp:style>
+        <a:lnRef idx="2">
+          <a:scrgbClr r="0" g="0" b="0"/>
+        </a:lnRef>
+        <a:fillRef idx="1">
+          <a:scrgbClr r="0" g="0" b="0"/>
+        </a:fillRef>
+        <a:effectRef idx="0">
+          <a:scrgbClr r="0" g="0" b="0"/>
+        </a:effectRef>
+        <a:fontRef idx="minor"/>
+      </dsp:style>
+    </dsp:sp>
+    <dsp:sp modelId="{17C46FDE-72DB-48D6-B317-090A74270DA5}">
+      <dsp:nvSpPr>
+        <dsp:cNvPr id="0" name=""/>
+        <dsp:cNvSpPr/>
+      </dsp:nvSpPr>
+      <dsp:spPr>
+        <a:xfrm>
+          <a:off x="261254" y="0"/>
+          <a:ext cx="4092053" cy="767520"/>
+        </a:xfrm>
+        <a:prstGeom prst="roundRect">
+          <a:avLst/>
+        </a:prstGeom>
+        <a:solidFill>
+          <a:schemeClr val="tx2"/>
+        </a:solidFill>
+        <a:ln w="12700" cap="flat" cmpd="sng" algn="ctr">
+          <a:solidFill>
+            <a:schemeClr val="lt2">
+              <a:hueOff val="0"/>
+              <a:satOff val="0"/>
+              <a:lumOff val="0"/>
+              <a:alphaOff val="0"/>
+            </a:schemeClr>
+          </a:solidFill>
+          <a:prstDash val="solid"/>
+          <a:miter lim="800000"/>
+        </a:ln>
+        <a:effectLst/>
+      </dsp:spPr>
+      <dsp:style>
+        <a:lnRef idx="2">
+          <a:scrgbClr r="0" g="0" b="0"/>
+        </a:lnRef>
+        <a:fillRef idx="1">
+          <a:scrgbClr r="0" g="0" b="0"/>
+        </a:fillRef>
+        <a:effectRef idx="0">
+          <a:scrgbClr r="0" g="0" b="0"/>
+        </a:effectRef>
+        <a:fontRef idx="minor">
+          <a:schemeClr val="lt1"/>
+        </a:fontRef>
+      </dsp:style>
+      <dsp:txBody>
+        <a:bodyPr spcFirstLastPara="0" vert="horz" wrap="square" lIns="154670" tIns="0" rIns="154670" bIns="0" numCol="1" spcCol="1270" anchor="ctr" anchorCtr="0">
+          <a:noAutofit/>
+        </a:bodyPr>
+        <a:lstStyle/>
+        <a:p>
+          <a:pPr marL="0" lvl="0" indent="0" algn="l" defTabSz="1155700">
+            <a:lnSpc>
+              <a:spcPct val="90000"/>
+            </a:lnSpc>
+            <a:spcBef>
+              <a:spcPct val="0"/>
+            </a:spcBef>
+            <a:spcAft>
+              <a:spcPct val="35000"/>
+            </a:spcAft>
+            <a:buNone/>
+          </a:pPr>
+          <a:endParaRPr lang="en-US" sz="2600" kern="1200" dirty="0"/>
+        </a:p>
+      </dsp:txBody>
+      <dsp:txXfrm>
+        <a:off x="298721" y="37467"/>
+        <a:ext cx="4017119" cy="692586"/>
+      </dsp:txXfrm>
+    </dsp:sp>
+    <dsp:sp modelId="{5A22835E-E491-4864-B407-E709573B04D5}">
+      <dsp:nvSpPr>
+        <dsp:cNvPr id="0" name=""/>
+        <dsp:cNvSpPr/>
+      </dsp:nvSpPr>
+      <dsp:spPr>
+        <a:xfrm>
+          <a:off x="0" y="1573659"/>
+          <a:ext cx="5845791" cy="655200"/>
+        </a:xfrm>
+        <a:prstGeom prst="rect">
+          <a:avLst/>
+        </a:prstGeom>
+        <a:solidFill>
+          <a:schemeClr val="lt2">
+            <a:alpha val="90000"/>
+            <a:hueOff val="0"/>
+            <a:satOff val="0"/>
+            <a:lumOff val="0"/>
+            <a:alphaOff val="0"/>
+          </a:schemeClr>
+        </a:solidFill>
+        <a:ln w="12700" cap="flat" cmpd="sng" algn="ctr">
+          <a:solidFill>
+            <a:schemeClr val="dk2">
+              <a:hueOff val="0"/>
+              <a:satOff val="0"/>
+              <a:lumOff val="0"/>
+              <a:alphaOff val="0"/>
+            </a:schemeClr>
+          </a:solidFill>
+          <a:prstDash val="solid"/>
+          <a:miter lim="800000"/>
+        </a:ln>
+        <a:effectLst/>
+      </dsp:spPr>
+      <dsp:style>
+        <a:lnRef idx="2">
+          <a:scrgbClr r="0" g="0" b="0"/>
+        </a:lnRef>
+        <a:fillRef idx="1">
+          <a:scrgbClr r="0" g="0" b="0"/>
+        </a:fillRef>
+        <a:effectRef idx="0">
+          <a:scrgbClr r="0" g="0" b="0"/>
+        </a:effectRef>
+        <a:fontRef idx="minor"/>
+      </dsp:style>
+    </dsp:sp>
+    <dsp:sp modelId="{A2876BE3-BD1D-475F-8E56-2E5003FBE21B}">
+      <dsp:nvSpPr>
+        <dsp:cNvPr id="0" name=""/>
+        <dsp:cNvSpPr/>
+      </dsp:nvSpPr>
+      <dsp:spPr>
+        <a:xfrm>
+          <a:off x="292289" y="1189900"/>
+          <a:ext cx="4092053" cy="767520"/>
+        </a:xfrm>
+        <a:prstGeom prst="roundRect">
+          <a:avLst/>
+        </a:prstGeom>
+        <a:solidFill>
+          <a:srgbClr val="8BC9DF"/>
+        </a:solidFill>
+        <a:ln w="12700" cap="flat" cmpd="sng" algn="ctr">
+          <a:solidFill>
+            <a:schemeClr val="lt2">
+              <a:hueOff val="0"/>
+              <a:satOff val="0"/>
+              <a:lumOff val="0"/>
+              <a:alphaOff val="0"/>
+            </a:schemeClr>
+          </a:solidFill>
+          <a:prstDash val="solid"/>
+          <a:miter lim="800000"/>
+        </a:ln>
+        <a:effectLst/>
+      </dsp:spPr>
+      <dsp:style>
+        <a:lnRef idx="2">
+          <a:scrgbClr r="0" g="0" b="0"/>
+        </a:lnRef>
+        <a:fillRef idx="1">
+          <a:scrgbClr r="0" g="0" b="0"/>
+        </a:fillRef>
+        <a:effectRef idx="0">
+          <a:scrgbClr r="0" g="0" b="0"/>
+        </a:effectRef>
+        <a:fontRef idx="minor">
+          <a:schemeClr val="lt1"/>
+        </a:fontRef>
+      </dsp:style>
+      <dsp:txBody>
+        <a:bodyPr spcFirstLastPara="0" vert="horz" wrap="square" lIns="154670" tIns="0" rIns="154670" bIns="0" numCol="1" spcCol="1270" anchor="ctr" anchorCtr="0">
+          <a:noAutofit/>
+        </a:bodyPr>
+        <a:lstStyle/>
+        <a:p>
+          <a:pPr marL="0" lvl="0" indent="0" algn="l" defTabSz="1155700">
+            <a:lnSpc>
+              <a:spcPct val="90000"/>
+            </a:lnSpc>
+            <a:spcBef>
+              <a:spcPct val="0"/>
+            </a:spcBef>
+            <a:spcAft>
+              <a:spcPct val="35000"/>
+            </a:spcAft>
+            <a:buNone/>
+          </a:pPr>
+          <a:endParaRPr lang="en-US" sz="2600" kern="1200" dirty="0"/>
+        </a:p>
+      </dsp:txBody>
+      <dsp:txXfrm>
+        <a:off x="329756" y="1227367"/>
+        <a:ext cx="4017119" cy="692586"/>
       </dsp:txXfrm>
     </dsp:sp>
     <dsp:sp modelId="{63421B27-6F08-4476-83EC-98966E297891}">
@@ -6527,8 +5223,8 @@
       </dsp:nvSpPr>
       <dsp:spPr>
         <a:xfrm>
-          <a:off x="0" y="2902960"/>
-          <a:ext cx="5845791" cy="478800"/>
+          <a:off x="0" y="2753020"/>
+          <a:ext cx="5845791" cy="655200"/>
         </a:xfrm>
         <a:prstGeom prst="rect">
           <a:avLst/>
@@ -6576,8 +5272,8 @@
       </dsp:nvSpPr>
       <dsp:spPr>
         <a:xfrm>
-          <a:off x="292289" y="2622520"/>
-          <a:ext cx="4092053" cy="560880"/>
+          <a:off x="292289" y="2369260"/>
+          <a:ext cx="4092053" cy="767520"/>
         </a:xfrm>
         <a:prstGeom prst="roundRect">
           <a:avLst/>
@@ -6647,15 +5343,15 @@
         </a:p>
       </dsp:txBody>
       <dsp:txXfrm>
-        <a:off x="319669" y="2649900"/>
-        <a:ext cx="4037293" cy="506120"/>
+        <a:off x="329756" y="2406727"/>
+        <a:ext cx="4017119" cy="692586"/>
       </dsp:txXfrm>
     </dsp:sp>
   </dsp:spTree>
 </dsp:drawing>
 </file>
 
-<file path=ppt/diagrams/drawing3.xml><?xml version="1.0" encoding="utf-8"?>
+<file path=ppt/diagrams/drawing4.xml><?xml version="1.0" encoding="utf-8"?>
 <dsp:drawing xmlns:dgm="http://schemas.openxmlformats.org/drawingml/2006/diagram" xmlns:dsp="http://schemas.microsoft.com/office/drawing/2008/diagram" xmlns:a="http://schemas.openxmlformats.org/drawingml/2006/main">
   <dsp:spTree>
     <dsp:nvGrpSpPr>
@@ -6670,8 +5366,8 @@
       </dsp:nvSpPr>
       <dsp:spPr>
         <a:xfrm>
-          <a:off x="0" y="317439"/>
-          <a:ext cx="5845791" cy="478800"/>
+          <a:off x="0" y="394299"/>
+          <a:ext cx="5845791" cy="655200"/>
         </a:xfrm>
         <a:prstGeom prst="rect">
           <a:avLst/>
@@ -6719,8 +5415,8 @@
       </dsp:nvSpPr>
       <dsp:spPr>
         <a:xfrm>
-          <a:off x="261254" y="0"/>
-          <a:ext cx="4092053" cy="560880"/>
+          <a:off x="274363" y="0"/>
+          <a:ext cx="4092053" cy="767520"/>
         </a:xfrm>
         <a:prstGeom prst="roundRect">
           <a:avLst/>
@@ -6762,7 +5458,7 @@
         </a:bodyPr>
         <a:lstStyle/>
         <a:p>
-          <a:pPr marL="0" lvl="0" indent="0" algn="l" defTabSz="844550">
+          <a:pPr marL="0" lvl="0" indent="0" algn="l" defTabSz="1155700">
             <a:lnSpc>
               <a:spcPct val="90000"/>
             </a:lnSpc>
@@ -6774,12 +5470,12 @@
             </a:spcAft>
             <a:buNone/>
           </a:pPr>
-          <a:endParaRPr lang="en-US" sz="1900" kern="1200" dirty="0"/>
+          <a:endParaRPr lang="en-US" sz="2600" kern="1200" dirty="0"/>
         </a:p>
       </dsp:txBody>
       <dsp:txXfrm>
-        <a:off x="288634" y="27380"/>
-        <a:ext cx="4037293" cy="506120"/>
+        <a:off x="311830" y="37467"/>
+        <a:ext cx="4017119" cy="692586"/>
       </dsp:txXfrm>
     </dsp:sp>
     <dsp:sp modelId="{5A22835E-E491-4864-B407-E709573B04D5}">
@@ -6789,8 +5485,8 @@
       </dsp:nvSpPr>
       <dsp:spPr>
         <a:xfrm>
-          <a:off x="0" y="1179280"/>
-          <a:ext cx="5845791" cy="478800"/>
+          <a:off x="0" y="1573659"/>
+          <a:ext cx="5845791" cy="655200"/>
         </a:xfrm>
         <a:prstGeom prst="rect">
           <a:avLst/>
@@ -6838,14 +5534,14 @@
       </dsp:nvSpPr>
       <dsp:spPr>
         <a:xfrm>
-          <a:off x="292289" y="898840"/>
-          <a:ext cx="4092053" cy="560880"/>
+          <a:off x="292289" y="1189900"/>
+          <a:ext cx="4092053" cy="767520"/>
         </a:xfrm>
         <a:prstGeom prst="roundRect">
           <a:avLst/>
         </a:prstGeom>
         <a:solidFill>
-          <a:srgbClr val="8BC9DF"/>
+          <a:srgbClr val="44546A"/>
         </a:solidFill>
         <a:ln w="12700" cap="flat" cmpd="sng" algn="ctr">
           <a:solidFill>
@@ -6881,7 +5577,7 @@
         </a:bodyPr>
         <a:lstStyle/>
         <a:p>
-          <a:pPr marL="0" lvl="0" indent="0" algn="l" defTabSz="844550">
+          <a:pPr marL="0" lvl="0" indent="0" algn="l" defTabSz="1155700">
             <a:lnSpc>
               <a:spcPct val="90000"/>
             </a:lnSpc>
@@ -6893,143 +5589,12 @@
             </a:spcAft>
             <a:buNone/>
           </a:pPr>
-          <a:endParaRPr lang="en-US" sz="1900" kern="1200" dirty="0"/>
+          <a:endParaRPr lang="en-US" sz="2600" kern="1200" dirty="0"/>
         </a:p>
       </dsp:txBody>
       <dsp:txXfrm>
-        <a:off x="319669" y="926220"/>
-        <a:ext cx="4037293" cy="506120"/>
-      </dsp:txXfrm>
-    </dsp:sp>
-    <dsp:sp modelId="{4F364EED-E8F4-4E28-8CD5-DBF066B83804}">
-      <dsp:nvSpPr>
-        <dsp:cNvPr id="0" name=""/>
-        <dsp:cNvSpPr/>
-      </dsp:nvSpPr>
-      <dsp:spPr>
-        <a:xfrm>
-          <a:off x="0" y="2041120"/>
-          <a:ext cx="5845791" cy="478800"/>
-        </a:xfrm>
-        <a:prstGeom prst="rect">
-          <a:avLst/>
-        </a:prstGeom>
-        <a:solidFill>
-          <a:schemeClr val="lt2">
-            <a:alpha val="90000"/>
-            <a:hueOff val="0"/>
-            <a:satOff val="0"/>
-            <a:lumOff val="0"/>
-            <a:alphaOff val="0"/>
-          </a:schemeClr>
-        </a:solidFill>
-        <a:ln w="12700" cap="flat" cmpd="sng" algn="ctr">
-          <a:solidFill>
-            <a:schemeClr val="dk2">
-              <a:hueOff val="0"/>
-              <a:satOff val="0"/>
-              <a:lumOff val="0"/>
-              <a:alphaOff val="0"/>
-            </a:schemeClr>
-          </a:solidFill>
-          <a:prstDash val="solid"/>
-          <a:miter lim="800000"/>
-        </a:ln>
-        <a:effectLst/>
-      </dsp:spPr>
-      <dsp:style>
-        <a:lnRef idx="2">
-          <a:scrgbClr r="0" g="0" b="0"/>
-        </a:lnRef>
-        <a:fillRef idx="1">
-          <a:scrgbClr r="0" g="0" b="0"/>
-        </a:fillRef>
-        <a:effectRef idx="0">
-          <a:scrgbClr r="0" g="0" b="0"/>
-        </a:effectRef>
-        <a:fontRef idx="minor"/>
-      </dsp:style>
-    </dsp:sp>
-    <dsp:sp modelId="{A339E047-B135-4500-9EC2-5389F8587BF4}">
-      <dsp:nvSpPr>
-        <dsp:cNvPr id="0" name=""/>
-        <dsp:cNvSpPr/>
-      </dsp:nvSpPr>
-      <dsp:spPr>
-        <a:xfrm>
-          <a:off x="292289" y="1760680"/>
-          <a:ext cx="4092053" cy="560880"/>
-        </a:xfrm>
-        <a:prstGeom prst="roundRect">
-          <a:avLst/>
-        </a:prstGeom>
-        <a:solidFill>
-          <a:srgbClr val="44546A">
-            <a:hueOff val="0"/>
-            <a:satOff val="0"/>
-            <a:lumOff val="0"/>
-            <a:alphaOff val="0"/>
-          </a:srgbClr>
-        </a:solidFill>
-        <a:ln w="12700" cap="flat" cmpd="sng" algn="ctr">
-          <a:solidFill>
-            <a:srgbClr val="E7E6E6">
-              <a:hueOff val="0"/>
-              <a:satOff val="0"/>
-              <a:lumOff val="0"/>
-              <a:alphaOff val="0"/>
-            </a:srgbClr>
-          </a:solidFill>
-          <a:prstDash val="solid"/>
-          <a:miter lim="800000"/>
-        </a:ln>
-        <a:effectLst/>
-      </dsp:spPr>
-      <dsp:style>
-        <a:lnRef idx="2">
-          <a:scrgbClr r="0" g="0" b="0"/>
-        </a:lnRef>
-        <a:fillRef idx="1">
-          <a:scrgbClr r="0" g="0" b="0"/>
-        </a:fillRef>
-        <a:effectRef idx="0">
-          <a:scrgbClr r="0" g="0" b="0"/>
-        </a:effectRef>
-        <a:fontRef idx="minor">
-          <a:schemeClr val="lt1"/>
-        </a:fontRef>
-      </dsp:style>
-      <dsp:txBody>
-        <a:bodyPr spcFirstLastPara="0" vert="horz" wrap="square" lIns="154670" tIns="0" rIns="154670" bIns="0" numCol="1" spcCol="1270" anchor="ctr" anchorCtr="0">
-          <a:noAutofit/>
-        </a:bodyPr>
-        <a:lstStyle/>
-        <a:p>
-          <a:pPr marL="0" lvl="0" indent="0" algn="l" defTabSz="666750">
-            <a:lnSpc>
-              <a:spcPct val="90000"/>
-            </a:lnSpc>
-            <a:spcBef>
-              <a:spcPct val="0"/>
-            </a:spcBef>
-            <a:spcAft>
-              <a:spcPct val="35000"/>
-            </a:spcAft>
-            <a:buNone/>
-          </a:pPr>
-          <a:endParaRPr lang="en-US" sz="1500" kern="1200" dirty="0">
-            <a:solidFill>
-              <a:prstClr val="white"/>
-            </a:solidFill>
-            <a:latin typeface="Arial" panose="020B0604020202020204"/>
-            <a:ea typeface="+mn-ea"/>
-            <a:cs typeface="+mn-cs"/>
-          </a:endParaRPr>
-        </a:p>
-      </dsp:txBody>
-      <dsp:txXfrm>
-        <a:off x="319669" y="1788060"/>
-        <a:ext cx="4037293" cy="506120"/>
+        <a:off x="329756" y="1227367"/>
+        <a:ext cx="4017119" cy="692586"/>
       </dsp:txXfrm>
     </dsp:sp>
     <dsp:sp modelId="{63421B27-6F08-4476-83EC-98966E297891}">
@@ -7039,8 +5604,8 @@
       </dsp:nvSpPr>
       <dsp:spPr>
         <a:xfrm>
-          <a:off x="0" y="2902960"/>
-          <a:ext cx="5845791" cy="478800"/>
+          <a:off x="0" y="2753020"/>
+          <a:ext cx="5845791" cy="655200"/>
         </a:xfrm>
         <a:prstGeom prst="rect">
           <a:avLst/>
@@ -7088,389 +5653,8 @@
       </dsp:nvSpPr>
       <dsp:spPr>
         <a:xfrm>
-          <a:off x="292289" y="2622520"/>
-          <a:ext cx="4092053" cy="560880"/>
-        </a:xfrm>
-        <a:prstGeom prst="roundRect">
-          <a:avLst/>
-        </a:prstGeom>
-        <a:solidFill>
-          <a:srgbClr val="44546A">
-            <a:hueOff val="0"/>
-            <a:satOff val="0"/>
-            <a:lumOff val="0"/>
-            <a:alphaOff val="0"/>
-          </a:srgbClr>
-        </a:solidFill>
-        <a:ln w="12700" cap="flat" cmpd="sng" algn="ctr">
-          <a:solidFill>
-            <a:srgbClr val="E7E6E6">
-              <a:hueOff val="0"/>
-              <a:satOff val="0"/>
-              <a:lumOff val="0"/>
-              <a:alphaOff val="0"/>
-            </a:srgbClr>
-          </a:solidFill>
-          <a:prstDash val="solid"/>
-          <a:miter lim="800000"/>
-        </a:ln>
-        <a:effectLst/>
-      </dsp:spPr>
-      <dsp:style>
-        <a:lnRef idx="2">
-          <a:scrgbClr r="0" g="0" b="0"/>
-        </a:lnRef>
-        <a:fillRef idx="1">
-          <a:scrgbClr r="0" g="0" b="0"/>
-        </a:fillRef>
-        <a:effectRef idx="0">
-          <a:scrgbClr r="0" g="0" b="0"/>
-        </a:effectRef>
-        <a:fontRef idx="minor">
-          <a:schemeClr val="lt1"/>
-        </a:fontRef>
-      </dsp:style>
-      <dsp:txBody>
-        <a:bodyPr spcFirstLastPara="0" vert="horz" wrap="square" lIns="154670" tIns="0" rIns="154670" bIns="0" numCol="1" spcCol="1270" anchor="ctr" anchorCtr="0">
-          <a:noAutofit/>
-        </a:bodyPr>
-        <a:lstStyle/>
-        <a:p>
-          <a:pPr marL="0" lvl="0" indent="0" algn="l" defTabSz="666750">
-            <a:lnSpc>
-              <a:spcPct val="90000"/>
-            </a:lnSpc>
-            <a:spcBef>
-              <a:spcPct val="0"/>
-            </a:spcBef>
-            <a:spcAft>
-              <a:spcPct val="35000"/>
-            </a:spcAft>
-            <a:buNone/>
-          </a:pPr>
-          <a:endParaRPr lang="en-US" sz="1500" kern="1200" dirty="0">
-            <a:solidFill>
-              <a:prstClr val="white"/>
-            </a:solidFill>
-            <a:latin typeface="Arial" panose="020B0604020202020204"/>
-            <a:ea typeface="+mn-ea"/>
-            <a:cs typeface="+mn-cs"/>
-          </a:endParaRPr>
-        </a:p>
-      </dsp:txBody>
-      <dsp:txXfrm>
-        <a:off x="319669" y="2649900"/>
-        <a:ext cx="4037293" cy="506120"/>
-      </dsp:txXfrm>
-    </dsp:sp>
-  </dsp:spTree>
-</dsp:drawing>
-</file>
-
-<file path=ppt/diagrams/drawing4.xml><?xml version="1.0" encoding="utf-8"?>
-<dsp:drawing xmlns:dgm="http://schemas.openxmlformats.org/drawingml/2006/diagram" xmlns:dsp="http://schemas.microsoft.com/office/drawing/2008/diagram" xmlns:a="http://schemas.openxmlformats.org/drawingml/2006/main">
-  <dsp:spTree>
-    <dsp:nvGrpSpPr>
-      <dsp:cNvPr id="0" name=""/>
-      <dsp:cNvGrpSpPr/>
-    </dsp:nvGrpSpPr>
-    <dsp:grpSpPr/>
-    <dsp:sp modelId="{B8354698-3920-4A0C-B7DA-906F6103C57D}">
-      <dsp:nvSpPr>
-        <dsp:cNvPr id="0" name=""/>
-        <dsp:cNvSpPr/>
-      </dsp:nvSpPr>
-      <dsp:spPr>
-        <a:xfrm>
-          <a:off x="0" y="317439"/>
-          <a:ext cx="5845791" cy="478800"/>
-        </a:xfrm>
-        <a:prstGeom prst="rect">
-          <a:avLst/>
-        </a:prstGeom>
-        <a:solidFill>
-          <a:schemeClr val="lt2">
-            <a:alpha val="90000"/>
-            <a:hueOff val="0"/>
-            <a:satOff val="0"/>
-            <a:lumOff val="0"/>
-            <a:alphaOff val="0"/>
-          </a:schemeClr>
-        </a:solidFill>
-        <a:ln w="12700" cap="flat" cmpd="sng" algn="ctr">
-          <a:solidFill>
-            <a:schemeClr val="dk2">
-              <a:hueOff val="0"/>
-              <a:satOff val="0"/>
-              <a:lumOff val="0"/>
-              <a:alphaOff val="0"/>
-            </a:schemeClr>
-          </a:solidFill>
-          <a:prstDash val="solid"/>
-          <a:miter lim="800000"/>
-        </a:ln>
-        <a:effectLst/>
-      </dsp:spPr>
-      <dsp:style>
-        <a:lnRef idx="2">
-          <a:scrgbClr r="0" g="0" b="0"/>
-        </a:lnRef>
-        <a:fillRef idx="1">
-          <a:scrgbClr r="0" g="0" b="0"/>
-        </a:fillRef>
-        <a:effectRef idx="0">
-          <a:scrgbClr r="0" g="0" b="0"/>
-        </a:effectRef>
-        <a:fontRef idx="minor"/>
-      </dsp:style>
-    </dsp:sp>
-    <dsp:sp modelId="{17C46FDE-72DB-48D6-B317-090A74270DA5}">
-      <dsp:nvSpPr>
-        <dsp:cNvPr id="0" name=""/>
-        <dsp:cNvSpPr/>
-      </dsp:nvSpPr>
-      <dsp:spPr>
-        <a:xfrm>
-          <a:off x="274366" y="0"/>
-          <a:ext cx="4092053" cy="560880"/>
-        </a:xfrm>
-        <a:prstGeom prst="roundRect">
-          <a:avLst/>
-        </a:prstGeom>
-        <a:solidFill>
-          <a:schemeClr val="tx2"/>
-        </a:solidFill>
-        <a:ln w="12700" cap="flat" cmpd="sng" algn="ctr">
-          <a:solidFill>
-            <a:schemeClr val="lt2">
-              <a:hueOff val="0"/>
-              <a:satOff val="0"/>
-              <a:lumOff val="0"/>
-              <a:alphaOff val="0"/>
-            </a:schemeClr>
-          </a:solidFill>
-          <a:prstDash val="solid"/>
-          <a:miter lim="800000"/>
-        </a:ln>
-        <a:effectLst/>
-      </dsp:spPr>
-      <dsp:style>
-        <a:lnRef idx="2">
-          <a:scrgbClr r="0" g="0" b="0"/>
-        </a:lnRef>
-        <a:fillRef idx="1">
-          <a:scrgbClr r="0" g="0" b="0"/>
-        </a:fillRef>
-        <a:effectRef idx="0">
-          <a:scrgbClr r="0" g="0" b="0"/>
-        </a:effectRef>
-        <a:fontRef idx="minor">
-          <a:schemeClr val="lt1"/>
-        </a:fontRef>
-      </dsp:style>
-      <dsp:txBody>
-        <a:bodyPr spcFirstLastPara="0" vert="horz" wrap="square" lIns="154670" tIns="0" rIns="154670" bIns="0" numCol="1" spcCol="1270" anchor="ctr" anchorCtr="0">
-          <a:noAutofit/>
-        </a:bodyPr>
-        <a:lstStyle/>
-        <a:p>
-          <a:pPr marL="0" lvl="0" indent="0" algn="l" defTabSz="844550">
-            <a:lnSpc>
-              <a:spcPct val="90000"/>
-            </a:lnSpc>
-            <a:spcBef>
-              <a:spcPct val="0"/>
-            </a:spcBef>
-            <a:spcAft>
-              <a:spcPct val="35000"/>
-            </a:spcAft>
-            <a:buNone/>
-          </a:pPr>
-          <a:endParaRPr lang="en-US" sz="1900" kern="1200" dirty="0"/>
-        </a:p>
-      </dsp:txBody>
-      <dsp:txXfrm>
-        <a:off x="301746" y="27380"/>
-        <a:ext cx="4037293" cy="506120"/>
-      </dsp:txXfrm>
-    </dsp:sp>
-    <dsp:sp modelId="{5A22835E-E491-4864-B407-E709573B04D5}">
-      <dsp:nvSpPr>
-        <dsp:cNvPr id="0" name=""/>
-        <dsp:cNvSpPr/>
-      </dsp:nvSpPr>
-      <dsp:spPr>
-        <a:xfrm>
-          <a:off x="0" y="1179280"/>
-          <a:ext cx="5845791" cy="478800"/>
-        </a:xfrm>
-        <a:prstGeom prst="rect">
-          <a:avLst/>
-        </a:prstGeom>
-        <a:solidFill>
-          <a:schemeClr val="lt2">
-            <a:alpha val="90000"/>
-            <a:hueOff val="0"/>
-            <a:satOff val="0"/>
-            <a:lumOff val="0"/>
-            <a:alphaOff val="0"/>
-          </a:schemeClr>
-        </a:solidFill>
-        <a:ln w="12700" cap="flat" cmpd="sng" algn="ctr">
-          <a:solidFill>
-            <a:schemeClr val="dk2">
-              <a:hueOff val="0"/>
-              <a:satOff val="0"/>
-              <a:lumOff val="0"/>
-              <a:alphaOff val="0"/>
-            </a:schemeClr>
-          </a:solidFill>
-          <a:prstDash val="solid"/>
-          <a:miter lim="800000"/>
-        </a:ln>
-        <a:effectLst/>
-      </dsp:spPr>
-      <dsp:style>
-        <a:lnRef idx="2">
-          <a:scrgbClr r="0" g="0" b="0"/>
-        </a:lnRef>
-        <a:fillRef idx="1">
-          <a:scrgbClr r="0" g="0" b="0"/>
-        </a:fillRef>
-        <a:effectRef idx="0">
-          <a:scrgbClr r="0" g="0" b="0"/>
-        </a:effectRef>
-        <a:fontRef idx="minor"/>
-      </dsp:style>
-    </dsp:sp>
-    <dsp:sp modelId="{A2876BE3-BD1D-475F-8E56-2E5003FBE21B}">
-      <dsp:nvSpPr>
-        <dsp:cNvPr id="0" name=""/>
-        <dsp:cNvSpPr/>
-      </dsp:nvSpPr>
-      <dsp:spPr>
-        <a:xfrm>
-          <a:off x="292289" y="898840"/>
-          <a:ext cx="4092053" cy="560880"/>
-        </a:xfrm>
-        <a:prstGeom prst="roundRect">
-          <a:avLst/>
-        </a:prstGeom>
-        <a:solidFill>
-          <a:srgbClr val="44546A"/>
-        </a:solidFill>
-        <a:ln w="12700" cap="flat" cmpd="sng" algn="ctr">
-          <a:solidFill>
-            <a:schemeClr val="lt2">
-              <a:hueOff val="0"/>
-              <a:satOff val="0"/>
-              <a:lumOff val="0"/>
-              <a:alphaOff val="0"/>
-            </a:schemeClr>
-          </a:solidFill>
-          <a:prstDash val="solid"/>
-          <a:miter lim="800000"/>
-        </a:ln>
-        <a:effectLst/>
-      </dsp:spPr>
-      <dsp:style>
-        <a:lnRef idx="2">
-          <a:scrgbClr r="0" g="0" b="0"/>
-        </a:lnRef>
-        <a:fillRef idx="1">
-          <a:scrgbClr r="0" g="0" b="0"/>
-        </a:fillRef>
-        <a:effectRef idx="0">
-          <a:scrgbClr r="0" g="0" b="0"/>
-        </a:effectRef>
-        <a:fontRef idx="minor">
-          <a:schemeClr val="lt1"/>
-        </a:fontRef>
-      </dsp:style>
-      <dsp:txBody>
-        <a:bodyPr spcFirstLastPara="0" vert="horz" wrap="square" lIns="154670" tIns="0" rIns="154670" bIns="0" numCol="1" spcCol="1270" anchor="ctr" anchorCtr="0">
-          <a:noAutofit/>
-        </a:bodyPr>
-        <a:lstStyle/>
-        <a:p>
-          <a:pPr marL="0" lvl="0" indent="0" algn="l" defTabSz="844550">
-            <a:lnSpc>
-              <a:spcPct val="90000"/>
-            </a:lnSpc>
-            <a:spcBef>
-              <a:spcPct val="0"/>
-            </a:spcBef>
-            <a:spcAft>
-              <a:spcPct val="35000"/>
-            </a:spcAft>
-            <a:buNone/>
-          </a:pPr>
-          <a:endParaRPr lang="en-US" sz="1900" kern="1200" dirty="0"/>
-        </a:p>
-      </dsp:txBody>
-      <dsp:txXfrm>
-        <a:off x="319669" y="926220"/>
-        <a:ext cx="4037293" cy="506120"/>
-      </dsp:txXfrm>
-    </dsp:sp>
-    <dsp:sp modelId="{4F364EED-E8F4-4E28-8CD5-DBF066B83804}">
-      <dsp:nvSpPr>
-        <dsp:cNvPr id="0" name=""/>
-        <dsp:cNvSpPr/>
-      </dsp:nvSpPr>
-      <dsp:spPr>
-        <a:xfrm>
-          <a:off x="0" y="2041120"/>
-          <a:ext cx="5845791" cy="478800"/>
-        </a:xfrm>
-        <a:prstGeom prst="rect">
-          <a:avLst/>
-        </a:prstGeom>
-        <a:solidFill>
-          <a:schemeClr val="lt2">
-            <a:alpha val="90000"/>
-            <a:hueOff val="0"/>
-            <a:satOff val="0"/>
-            <a:lumOff val="0"/>
-            <a:alphaOff val="0"/>
-          </a:schemeClr>
-        </a:solidFill>
-        <a:ln w="12700" cap="flat" cmpd="sng" algn="ctr">
-          <a:solidFill>
-            <a:schemeClr val="dk2">
-              <a:hueOff val="0"/>
-              <a:satOff val="0"/>
-              <a:lumOff val="0"/>
-              <a:alphaOff val="0"/>
-            </a:schemeClr>
-          </a:solidFill>
-          <a:prstDash val="solid"/>
-          <a:miter lim="800000"/>
-        </a:ln>
-        <a:effectLst/>
-      </dsp:spPr>
-      <dsp:style>
-        <a:lnRef idx="2">
-          <a:scrgbClr r="0" g="0" b="0"/>
-        </a:lnRef>
-        <a:fillRef idx="1">
-          <a:scrgbClr r="0" g="0" b="0"/>
-        </a:fillRef>
-        <a:effectRef idx="0">
-          <a:scrgbClr r="0" g="0" b="0"/>
-        </a:effectRef>
-        <a:fontRef idx="minor"/>
-      </dsp:style>
-    </dsp:sp>
-    <dsp:sp modelId="{A339E047-B135-4500-9EC2-5389F8587BF4}">
-      <dsp:nvSpPr>
-        <dsp:cNvPr id="0" name=""/>
-        <dsp:cNvSpPr/>
-      </dsp:nvSpPr>
-      <dsp:spPr>
-        <a:xfrm>
-          <a:off x="292289" y="1760680"/>
-          <a:ext cx="4092053" cy="560880"/>
+          <a:off x="292289" y="2369260"/>
+          <a:ext cx="4092053" cy="767520"/>
         </a:xfrm>
         <a:prstGeom prst="roundRect">
           <a:avLst/>
@@ -7535,641 +5719,8 @@
         </a:p>
       </dsp:txBody>
       <dsp:txXfrm>
-        <a:off x="319669" y="1788060"/>
-        <a:ext cx="4037293" cy="506120"/>
-      </dsp:txXfrm>
-    </dsp:sp>
-    <dsp:sp modelId="{63421B27-6F08-4476-83EC-98966E297891}">
-      <dsp:nvSpPr>
-        <dsp:cNvPr id="0" name=""/>
-        <dsp:cNvSpPr/>
-      </dsp:nvSpPr>
-      <dsp:spPr>
-        <a:xfrm>
-          <a:off x="0" y="2902960"/>
-          <a:ext cx="5845791" cy="478800"/>
-        </a:xfrm>
-        <a:prstGeom prst="rect">
-          <a:avLst/>
-        </a:prstGeom>
-        <a:solidFill>
-          <a:schemeClr val="lt2">
-            <a:alpha val="90000"/>
-            <a:hueOff val="0"/>
-            <a:satOff val="0"/>
-            <a:lumOff val="0"/>
-            <a:alphaOff val="0"/>
-          </a:schemeClr>
-        </a:solidFill>
-        <a:ln w="12700" cap="flat" cmpd="sng" algn="ctr">
-          <a:solidFill>
-            <a:schemeClr val="dk2">
-              <a:hueOff val="0"/>
-              <a:satOff val="0"/>
-              <a:lumOff val="0"/>
-              <a:alphaOff val="0"/>
-            </a:schemeClr>
-          </a:solidFill>
-          <a:prstDash val="solid"/>
-          <a:miter lim="800000"/>
-        </a:ln>
-        <a:effectLst/>
-      </dsp:spPr>
-      <dsp:style>
-        <a:lnRef idx="2">
-          <a:scrgbClr r="0" g="0" b="0"/>
-        </a:lnRef>
-        <a:fillRef idx="1">
-          <a:scrgbClr r="0" g="0" b="0"/>
-        </a:fillRef>
-        <a:effectRef idx="0">
-          <a:scrgbClr r="0" g="0" b="0"/>
-        </a:effectRef>
-        <a:fontRef idx="minor"/>
-      </dsp:style>
-    </dsp:sp>
-    <dsp:sp modelId="{628CD393-5B28-47EB-B377-938AD11F2459}">
-      <dsp:nvSpPr>
-        <dsp:cNvPr id="0" name=""/>
-        <dsp:cNvSpPr/>
-      </dsp:nvSpPr>
-      <dsp:spPr>
-        <a:xfrm>
-          <a:off x="292289" y="2622520"/>
-          <a:ext cx="4092053" cy="560880"/>
-        </a:xfrm>
-        <a:prstGeom prst="roundRect">
-          <a:avLst/>
-        </a:prstGeom>
-        <a:solidFill>
-          <a:srgbClr val="44546A">
-            <a:hueOff val="0"/>
-            <a:satOff val="0"/>
-            <a:lumOff val="0"/>
-            <a:alphaOff val="0"/>
-          </a:srgbClr>
-        </a:solidFill>
-        <a:ln w="12700" cap="flat" cmpd="sng" algn="ctr">
-          <a:solidFill>
-            <a:srgbClr val="E7E6E6">
-              <a:hueOff val="0"/>
-              <a:satOff val="0"/>
-              <a:lumOff val="0"/>
-              <a:alphaOff val="0"/>
-            </a:srgbClr>
-          </a:solidFill>
-          <a:prstDash val="solid"/>
-          <a:miter lim="800000"/>
-        </a:ln>
-        <a:effectLst/>
-      </dsp:spPr>
-      <dsp:style>
-        <a:lnRef idx="2">
-          <a:scrgbClr r="0" g="0" b="0"/>
-        </a:lnRef>
-        <a:fillRef idx="1">
-          <a:scrgbClr r="0" g="0" b="0"/>
-        </a:fillRef>
-        <a:effectRef idx="0">
-          <a:scrgbClr r="0" g="0" b="0"/>
-        </a:effectRef>
-        <a:fontRef idx="minor">
-          <a:schemeClr val="lt1"/>
-        </a:fontRef>
-      </dsp:style>
-      <dsp:txBody>
-        <a:bodyPr spcFirstLastPara="0" vert="horz" wrap="square" lIns="154670" tIns="0" rIns="154670" bIns="0" numCol="1" spcCol="1270" anchor="ctr" anchorCtr="0">
-          <a:noAutofit/>
-        </a:bodyPr>
-        <a:lstStyle/>
-        <a:p>
-          <a:pPr marL="0" lvl="0" indent="0" algn="l" defTabSz="666750">
-            <a:lnSpc>
-              <a:spcPct val="90000"/>
-            </a:lnSpc>
-            <a:spcBef>
-              <a:spcPct val="0"/>
-            </a:spcBef>
-            <a:spcAft>
-              <a:spcPct val="35000"/>
-            </a:spcAft>
-            <a:buNone/>
-          </a:pPr>
-          <a:endParaRPr lang="en-US" sz="1500" kern="1200" dirty="0">
-            <a:solidFill>
-              <a:prstClr val="white"/>
-            </a:solidFill>
-            <a:latin typeface="Arial" panose="020B0604020202020204"/>
-            <a:ea typeface="+mn-ea"/>
-            <a:cs typeface="+mn-cs"/>
-          </a:endParaRPr>
-        </a:p>
-      </dsp:txBody>
-      <dsp:txXfrm>
-        <a:off x="319669" y="2649900"/>
-        <a:ext cx="4037293" cy="506120"/>
-      </dsp:txXfrm>
-    </dsp:sp>
-  </dsp:spTree>
-</dsp:drawing>
-</file>
-
-<file path=ppt/diagrams/drawing5.xml><?xml version="1.0" encoding="utf-8"?>
-<dsp:drawing xmlns:dgm="http://schemas.openxmlformats.org/drawingml/2006/diagram" xmlns:dsp="http://schemas.microsoft.com/office/drawing/2008/diagram" xmlns:a="http://schemas.openxmlformats.org/drawingml/2006/main">
-  <dsp:spTree>
-    <dsp:nvGrpSpPr>
-      <dsp:cNvPr id="0" name=""/>
-      <dsp:cNvGrpSpPr/>
-    </dsp:nvGrpSpPr>
-    <dsp:grpSpPr/>
-    <dsp:sp modelId="{B8354698-3920-4A0C-B7DA-906F6103C57D}">
-      <dsp:nvSpPr>
-        <dsp:cNvPr id="0" name=""/>
-        <dsp:cNvSpPr/>
-      </dsp:nvSpPr>
-      <dsp:spPr>
-        <a:xfrm>
-          <a:off x="0" y="317439"/>
-          <a:ext cx="5845791" cy="478800"/>
-        </a:xfrm>
-        <a:prstGeom prst="rect">
-          <a:avLst/>
-        </a:prstGeom>
-        <a:solidFill>
-          <a:schemeClr val="lt2">
-            <a:alpha val="90000"/>
-            <a:hueOff val="0"/>
-            <a:satOff val="0"/>
-            <a:lumOff val="0"/>
-            <a:alphaOff val="0"/>
-          </a:schemeClr>
-        </a:solidFill>
-        <a:ln w="12700" cap="flat" cmpd="sng" algn="ctr">
-          <a:solidFill>
-            <a:schemeClr val="dk2">
-              <a:hueOff val="0"/>
-              <a:satOff val="0"/>
-              <a:lumOff val="0"/>
-              <a:alphaOff val="0"/>
-            </a:schemeClr>
-          </a:solidFill>
-          <a:prstDash val="solid"/>
-          <a:miter lim="800000"/>
-        </a:ln>
-        <a:effectLst/>
-      </dsp:spPr>
-      <dsp:style>
-        <a:lnRef idx="2">
-          <a:scrgbClr r="0" g="0" b="0"/>
-        </a:lnRef>
-        <a:fillRef idx="1">
-          <a:scrgbClr r="0" g="0" b="0"/>
-        </a:fillRef>
-        <a:effectRef idx="0">
-          <a:scrgbClr r="0" g="0" b="0"/>
-        </a:effectRef>
-        <a:fontRef idx="minor"/>
-      </dsp:style>
-    </dsp:sp>
-    <dsp:sp modelId="{17C46FDE-72DB-48D6-B317-090A74270DA5}">
-      <dsp:nvSpPr>
-        <dsp:cNvPr id="0" name=""/>
-        <dsp:cNvSpPr/>
-      </dsp:nvSpPr>
-      <dsp:spPr>
-        <a:xfrm>
-          <a:off x="274363" y="14402"/>
-          <a:ext cx="4092053" cy="560880"/>
-        </a:xfrm>
-        <a:prstGeom prst="roundRect">
-          <a:avLst/>
-        </a:prstGeom>
-        <a:solidFill>
-          <a:schemeClr val="tx2"/>
-        </a:solidFill>
-        <a:ln w="12700" cap="flat" cmpd="sng" algn="ctr">
-          <a:solidFill>
-            <a:schemeClr val="lt2">
-              <a:hueOff val="0"/>
-              <a:satOff val="0"/>
-              <a:lumOff val="0"/>
-              <a:alphaOff val="0"/>
-            </a:schemeClr>
-          </a:solidFill>
-          <a:prstDash val="solid"/>
-          <a:miter lim="800000"/>
-        </a:ln>
-        <a:effectLst/>
-      </dsp:spPr>
-      <dsp:style>
-        <a:lnRef idx="2">
-          <a:scrgbClr r="0" g="0" b="0"/>
-        </a:lnRef>
-        <a:fillRef idx="1">
-          <a:scrgbClr r="0" g="0" b="0"/>
-        </a:fillRef>
-        <a:effectRef idx="0">
-          <a:scrgbClr r="0" g="0" b="0"/>
-        </a:effectRef>
-        <a:fontRef idx="minor">
-          <a:schemeClr val="lt1"/>
-        </a:fontRef>
-      </dsp:style>
-      <dsp:txBody>
-        <a:bodyPr spcFirstLastPara="0" vert="horz" wrap="square" lIns="154670" tIns="0" rIns="154670" bIns="0" numCol="1" spcCol="1270" anchor="ctr" anchorCtr="0">
-          <a:noAutofit/>
-        </a:bodyPr>
-        <a:lstStyle/>
-        <a:p>
-          <a:pPr marL="0" lvl="0" indent="0" algn="l" defTabSz="844550">
-            <a:lnSpc>
-              <a:spcPct val="90000"/>
-            </a:lnSpc>
-            <a:spcBef>
-              <a:spcPct val="0"/>
-            </a:spcBef>
-            <a:spcAft>
-              <a:spcPct val="35000"/>
-            </a:spcAft>
-            <a:buNone/>
-          </a:pPr>
-          <a:endParaRPr lang="en-US" sz="1900" kern="1200" dirty="0"/>
-        </a:p>
-      </dsp:txBody>
-      <dsp:txXfrm>
-        <a:off x="301743" y="41782"/>
-        <a:ext cx="4037293" cy="506120"/>
-      </dsp:txXfrm>
-    </dsp:sp>
-    <dsp:sp modelId="{5A22835E-E491-4864-B407-E709573B04D5}">
-      <dsp:nvSpPr>
-        <dsp:cNvPr id="0" name=""/>
-        <dsp:cNvSpPr/>
-      </dsp:nvSpPr>
-      <dsp:spPr>
-        <a:xfrm>
-          <a:off x="0" y="1179280"/>
-          <a:ext cx="5845791" cy="478800"/>
-        </a:xfrm>
-        <a:prstGeom prst="rect">
-          <a:avLst/>
-        </a:prstGeom>
-        <a:solidFill>
-          <a:schemeClr val="lt2">
-            <a:alpha val="90000"/>
-            <a:hueOff val="0"/>
-            <a:satOff val="0"/>
-            <a:lumOff val="0"/>
-            <a:alphaOff val="0"/>
-          </a:schemeClr>
-        </a:solidFill>
-        <a:ln w="12700" cap="flat" cmpd="sng" algn="ctr">
-          <a:solidFill>
-            <a:schemeClr val="dk2">
-              <a:hueOff val="0"/>
-              <a:satOff val="0"/>
-              <a:lumOff val="0"/>
-              <a:alphaOff val="0"/>
-            </a:schemeClr>
-          </a:solidFill>
-          <a:prstDash val="solid"/>
-          <a:miter lim="800000"/>
-        </a:ln>
-        <a:effectLst/>
-      </dsp:spPr>
-      <dsp:style>
-        <a:lnRef idx="2">
-          <a:scrgbClr r="0" g="0" b="0"/>
-        </a:lnRef>
-        <a:fillRef idx="1">
-          <a:scrgbClr r="0" g="0" b="0"/>
-        </a:fillRef>
-        <a:effectRef idx="0">
-          <a:scrgbClr r="0" g="0" b="0"/>
-        </a:effectRef>
-        <a:fontRef idx="minor"/>
-      </dsp:style>
-    </dsp:sp>
-    <dsp:sp modelId="{A2876BE3-BD1D-475F-8E56-2E5003FBE21B}">
-      <dsp:nvSpPr>
-        <dsp:cNvPr id="0" name=""/>
-        <dsp:cNvSpPr/>
-      </dsp:nvSpPr>
-      <dsp:spPr>
-        <a:xfrm>
-          <a:off x="292289" y="898840"/>
-          <a:ext cx="4092053" cy="560880"/>
-        </a:xfrm>
-        <a:prstGeom prst="roundRect">
-          <a:avLst/>
-        </a:prstGeom>
-        <a:solidFill>
-          <a:srgbClr val="44546A"/>
-        </a:solidFill>
-        <a:ln w="12700" cap="flat" cmpd="sng" algn="ctr">
-          <a:solidFill>
-            <a:schemeClr val="lt2">
-              <a:hueOff val="0"/>
-              <a:satOff val="0"/>
-              <a:lumOff val="0"/>
-              <a:alphaOff val="0"/>
-            </a:schemeClr>
-          </a:solidFill>
-          <a:prstDash val="solid"/>
-          <a:miter lim="800000"/>
-        </a:ln>
-        <a:effectLst/>
-      </dsp:spPr>
-      <dsp:style>
-        <a:lnRef idx="2">
-          <a:scrgbClr r="0" g="0" b="0"/>
-        </a:lnRef>
-        <a:fillRef idx="1">
-          <a:scrgbClr r="0" g="0" b="0"/>
-        </a:fillRef>
-        <a:effectRef idx="0">
-          <a:scrgbClr r="0" g="0" b="0"/>
-        </a:effectRef>
-        <a:fontRef idx="minor">
-          <a:schemeClr val="lt1"/>
-        </a:fontRef>
-      </dsp:style>
-      <dsp:txBody>
-        <a:bodyPr spcFirstLastPara="0" vert="horz" wrap="square" lIns="154670" tIns="0" rIns="154670" bIns="0" numCol="1" spcCol="1270" anchor="ctr" anchorCtr="0">
-          <a:noAutofit/>
-        </a:bodyPr>
-        <a:lstStyle/>
-        <a:p>
-          <a:pPr marL="0" lvl="0" indent="0" algn="l" defTabSz="844550">
-            <a:lnSpc>
-              <a:spcPct val="90000"/>
-            </a:lnSpc>
-            <a:spcBef>
-              <a:spcPct val="0"/>
-            </a:spcBef>
-            <a:spcAft>
-              <a:spcPct val="35000"/>
-            </a:spcAft>
-            <a:buNone/>
-          </a:pPr>
-          <a:endParaRPr lang="en-US" sz="1900" kern="1200" dirty="0"/>
-        </a:p>
-      </dsp:txBody>
-      <dsp:txXfrm>
-        <a:off x="319669" y="926220"/>
-        <a:ext cx="4037293" cy="506120"/>
-      </dsp:txXfrm>
-    </dsp:sp>
-    <dsp:sp modelId="{4F364EED-E8F4-4E28-8CD5-DBF066B83804}">
-      <dsp:nvSpPr>
-        <dsp:cNvPr id="0" name=""/>
-        <dsp:cNvSpPr/>
-      </dsp:nvSpPr>
-      <dsp:spPr>
-        <a:xfrm>
-          <a:off x="0" y="2041120"/>
-          <a:ext cx="5845791" cy="478800"/>
-        </a:xfrm>
-        <a:prstGeom prst="rect">
-          <a:avLst/>
-        </a:prstGeom>
-        <a:solidFill>
-          <a:schemeClr val="lt2">
-            <a:alpha val="90000"/>
-            <a:hueOff val="0"/>
-            <a:satOff val="0"/>
-            <a:lumOff val="0"/>
-            <a:alphaOff val="0"/>
-          </a:schemeClr>
-        </a:solidFill>
-        <a:ln w="12700" cap="flat" cmpd="sng" algn="ctr">
-          <a:solidFill>
-            <a:schemeClr val="dk2">
-              <a:hueOff val="0"/>
-              <a:satOff val="0"/>
-              <a:lumOff val="0"/>
-              <a:alphaOff val="0"/>
-            </a:schemeClr>
-          </a:solidFill>
-          <a:prstDash val="solid"/>
-          <a:miter lim="800000"/>
-        </a:ln>
-        <a:effectLst/>
-      </dsp:spPr>
-      <dsp:style>
-        <a:lnRef idx="2">
-          <a:scrgbClr r="0" g="0" b="0"/>
-        </a:lnRef>
-        <a:fillRef idx="1">
-          <a:scrgbClr r="0" g="0" b="0"/>
-        </a:fillRef>
-        <a:effectRef idx="0">
-          <a:scrgbClr r="0" g="0" b="0"/>
-        </a:effectRef>
-        <a:fontRef idx="minor"/>
-      </dsp:style>
-    </dsp:sp>
-    <dsp:sp modelId="{A339E047-B135-4500-9EC2-5389F8587BF4}">
-      <dsp:nvSpPr>
-        <dsp:cNvPr id="0" name=""/>
-        <dsp:cNvSpPr/>
-      </dsp:nvSpPr>
-      <dsp:spPr>
-        <a:xfrm>
-          <a:off x="292289" y="1760680"/>
-          <a:ext cx="4092053" cy="560880"/>
-        </a:xfrm>
-        <a:prstGeom prst="roundRect">
-          <a:avLst/>
-        </a:prstGeom>
-        <a:solidFill>
-          <a:srgbClr val="44546A"/>
-        </a:solidFill>
-        <a:ln w="12700" cap="flat" cmpd="sng" algn="ctr">
-          <a:solidFill>
-            <a:srgbClr val="E7E6E6">
-              <a:hueOff val="0"/>
-              <a:satOff val="0"/>
-              <a:lumOff val="0"/>
-              <a:alphaOff val="0"/>
-            </a:srgbClr>
-          </a:solidFill>
-          <a:prstDash val="solid"/>
-          <a:miter lim="800000"/>
-        </a:ln>
-        <a:effectLst/>
-      </dsp:spPr>
-      <dsp:style>
-        <a:lnRef idx="2">
-          <a:scrgbClr r="0" g="0" b="0"/>
-        </a:lnRef>
-        <a:fillRef idx="1">
-          <a:scrgbClr r="0" g="0" b="0"/>
-        </a:fillRef>
-        <a:effectRef idx="0">
-          <a:scrgbClr r="0" g="0" b="0"/>
-        </a:effectRef>
-        <a:fontRef idx="minor">
-          <a:schemeClr val="lt1"/>
-        </a:fontRef>
-      </dsp:style>
-      <dsp:txBody>
-        <a:bodyPr spcFirstLastPara="0" vert="horz" wrap="square" lIns="154670" tIns="0" rIns="154670" bIns="0" numCol="1" spcCol="1270" anchor="ctr" anchorCtr="0">
-          <a:noAutofit/>
-        </a:bodyPr>
-        <a:lstStyle/>
-        <a:p>
-          <a:pPr marL="0" lvl="0" indent="0" algn="l" defTabSz="666750">
-            <a:lnSpc>
-              <a:spcPct val="90000"/>
-            </a:lnSpc>
-            <a:spcBef>
-              <a:spcPct val="0"/>
-            </a:spcBef>
-            <a:spcAft>
-              <a:spcPct val="35000"/>
-            </a:spcAft>
-            <a:buNone/>
-          </a:pPr>
-          <a:endParaRPr lang="en-US" sz="1500" kern="1200" dirty="0">
-            <a:solidFill>
-              <a:prstClr val="white"/>
-            </a:solidFill>
-            <a:latin typeface="Arial" panose="020B0604020202020204"/>
-            <a:ea typeface="+mn-ea"/>
-            <a:cs typeface="+mn-cs"/>
-          </a:endParaRPr>
-        </a:p>
-      </dsp:txBody>
-      <dsp:txXfrm>
-        <a:off x="319669" y="1788060"/>
-        <a:ext cx="4037293" cy="506120"/>
-      </dsp:txXfrm>
-    </dsp:sp>
-    <dsp:sp modelId="{63421B27-6F08-4476-83EC-98966E297891}">
-      <dsp:nvSpPr>
-        <dsp:cNvPr id="0" name=""/>
-        <dsp:cNvSpPr/>
-      </dsp:nvSpPr>
-      <dsp:spPr>
-        <a:xfrm>
-          <a:off x="0" y="2902960"/>
-          <a:ext cx="5845791" cy="478800"/>
-        </a:xfrm>
-        <a:prstGeom prst="rect">
-          <a:avLst/>
-        </a:prstGeom>
-        <a:solidFill>
-          <a:schemeClr val="lt2">
-            <a:alpha val="90000"/>
-            <a:hueOff val="0"/>
-            <a:satOff val="0"/>
-            <a:lumOff val="0"/>
-            <a:alphaOff val="0"/>
-          </a:schemeClr>
-        </a:solidFill>
-        <a:ln w="12700" cap="flat" cmpd="sng" algn="ctr">
-          <a:solidFill>
-            <a:schemeClr val="dk2">
-              <a:hueOff val="0"/>
-              <a:satOff val="0"/>
-              <a:lumOff val="0"/>
-              <a:alphaOff val="0"/>
-            </a:schemeClr>
-          </a:solidFill>
-          <a:prstDash val="solid"/>
-          <a:miter lim="800000"/>
-        </a:ln>
-        <a:effectLst/>
-      </dsp:spPr>
-      <dsp:style>
-        <a:lnRef idx="2">
-          <a:scrgbClr r="0" g="0" b="0"/>
-        </a:lnRef>
-        <a:fillRef idx="1">
-          <a:scrgbClr r="0" g="0" b="0"/>
-        </a:fillRef>
-        <a:effectRef idx="0">
-          <a:scrgbClr r="0" g="0" b="0"/>
-        </a:effectRef>
-        <a:fontRef idx="minor"/>
-      </dsp:style>
-    </dsp:sp>
-    <dsp:sp modelId="{628CD393-5B28-47EB-B377-938AD11F2459}">
-      <dsp:nvSpPr>
-        <dsp:cNvPr id="0" name=""/>
-        <dsp:cNvSpPr/>
-      </dsp:nvSpPr>
-      <dsp:spPr>
-        <a:xfrm>
-          <a:off x="292289" y="2622520"/>
-          <a:ext cx="4092053" cy="560880"/>
-        </a:xfrm>
-        <a:prstGeom prst="roundRect">
-          <a:avLst/>
-        </a:prstGeom>
-        <a:solidFill>
-          <a:srgbClr val="8BC9DF"/>
-        </a:solidFill>
-        <a:ln w="12700" cap="flat" cmpd="sng" algn="ctr">
-          <a:solidFill>
-            <a:srgbClr val="E7E6E6">
-              <a:hueOff val="0"/>
-              <a:satOff val="0"/>
-              <a:lumOff val="0"/>
-              <a:alphaOff val="0"/>
-            </a:srgbClr>
-          </a:solidFill>
-          <a:prstDash val="solid"/>
-          <a:miter lim="800000"/>
-        </a:ln>
-        <a:effectLst/>
-      </dsp:spPr>
-      <dsp:style>
-        <a:lnRef idx="2">
-          <a:scrgbClr r="0" g="0" b="0"/>
-        </a:lnRef>
-        <a:fillRef idx="1">
-          <a:scrgbClr r="0" g="0" b="0"/>
-        </a:fillRef>
-        <a:effectRef idx="0">
-          <a:scrgbClr r="0" g="0" b="0"/>
-        </a:effectRef>
-        <a:fontRef idx="minor">
-          <a:schemeClr val="lt1"/>
-        </a:fontRef>
-      </dsp:style>
-      <dsp:txBody>
-        <a:bodyPr spcFirstLastPara="0" vert="horz" wrap="square" lIns="154670" tIns="0" rIns="154670" bIns="0" numCol="1" spcCol="1270" anchor="ctr" anchorCtr="0">
-          <a:noAutofit/>
-        </a:bodyPr>
-        <a:lstStyle/>
-        <a:p>
-          <a:pPr marL="0" lvl="0" indent="0" algn="l" defTabSz="666750">
-            <a:lnSpc>
-              <a:spcPct val="90000"/>
-            </a:lnSpc>
-            <a:spcBef>
-              <a:spcPct val="0"/>
-            </a:spcBef>
-            <a:spcAft>
-              <a:spcPct val="35000"/>
-            </a:spcAft>
-            <a:buNone/>
-          </a:pPr>
-          <a:endParaRPr lang="en-US" sz="1500" kern="1200" dirty="0">
-            <a:solidFill>
-              <a:prstClr val="white"/>
-            </a:solidFill>
-            <a:latin typeface="Arial" panose="020B0604020202020204"/>
-            <a:ea typeface="+mn-ea"/>
-            <a:cs typeface="+mn-cs"/>
-          </a:endParaRPr>
-        </a:p>
-      </dsp:txBody>
-      <dsp:txXfrm>
-        <a:off x="319669" y="2649900"/>
-        <a:ext cx="4037293" cy="506120"/>
+        <a:off x="329756" y="2406727"/>
+        <a:ext cx="4017119" cy="692586"/>
       </dsp:txXfrm>
     </dsp:sp>
   </dsp:spTree>
@@ -9076,231 +6627,6 @@
 </dgm:layoutDef>
 </file>
 
-<file path=ppt/diagrams/layout5.xml><?xml version="1.0" encoding="utf-8"?>
-<dgm:layoutDef xmlns:dgm="http://schemas.openxmlformats.org/drawingml/2006/diagram" xmlns:a="http://schemas.openxmlformats.org/drawingml/2006/main" uniqueId="urn:microsoft.com/office/officeart/2005/8/layout/list1">
-  <dgm:title val=""/>
-  <dgm:desc val=""/>
-  <dgm:catLst>
-    <dgm:cat type="list" pri="4000"/>
-  </dgm:catLst>
-  <dgm:sampData>
-    <dgm:dataModel>
-      <dgm:ptLst>
-        <dgm:pt modelId="0" type="doc"/>
-        <dgm:pt modelId="1">
-          <dgm:prSet phldr="1"/>
-        </dgm:pt>
-        <dgm:pt modelId="2">
-          <dgm:prSet phldr="1"/>
-        </dgm:pt>
-        <dgm:pt modelId="3">
-          <dgm:prSet phldr="1"/>
-        </dgm:pt>
-      </dgm:ptLst>
-      <dgm:cxnLst>
-        <dgm:cxn modelId="4" srcId="0" destId="1" srcOrd="0" destOrd="0"/>
-        <dgm:cxn modelId="5" srcId="0" destId="2" srcOrd="1" destOrd="0"/>
-        <dgm:cxn modelId="6" srcId="0" destId="3" srcOrd="2" destOrd="0"/>
-      </dgm:cxnLst>
-      <dgm:bg/>
-      <dgm:whole/>
-    </dgm:dataModel>
-  </dgm:sampData>
-  <dgm:styleData>
-    <dgm:dataModel>
-      <dgm:ptLst>
-        <dgm:pt modelId="0" type="doc"/>
-        <dgm:pt modelId="1"/>
-        <dgm:pt modelId="2"/>
-      </dgm:ptLst>
-      <dgm:cxnLst>
-        <dgm:cxn modelId="4" srcId="0" destId="1" srcOrd="0" destOrd="0"/>
-        <dgm:cxn modelId="5" srcId="0" destId="2" srcOrd="1" destOrd="0"/>
-      </dgm:cxnLst>
-      <dgm:bg/>
-      <dgm:whole/>
-    </dgm:dataModel>
-  </dgm:styleData>
-  <dgm:clrData>
-    <dgm:dataModel>
-      <dgm:ptLst>
-        <dgm:pt modelId="0" type="doc"/>
-        <dgm:pt modelId="1"/>
-        <dgm:pt modelId="2"/>
-        <dgm:pt modelId="3"/>
-        <dgm:pt modelId="4"/>
-      </dgm:ptLst>
-      <dgm:cxnLst>
-        <dgm:cxn modelId="5" srcId="0" destId="1" srcOrd="0" destOrd="0"/>
-        <dgm:cxn modelId="6" srcId="0" destId="2" srcOrd="1" destOrd="0"/>
-        <dgm:cxn modelId="7" srcId="0" destId="3" srcOrd="2" destOrd="0"/>
-        <dgm:cxn modelId="8" srcId="0" destId="4" srcOrd="3" destOrd="0"/>
-      </dgm:cxnLst>
-      <dgm:bg/>
-      <dgm:whole/>
-    </dgm:dataModel>
-  </dgm:clrData>
-  <dgm:layoutNode name="linear">
-    <dgm:varLst>
-      <dgm:dir/>
-      <dgm:animLvl val="lvl"/>
-      <dgm:resizeHandles val="exact"/>
-    </dgm:varLst>
-    <dgm:choose name="Name0">
-      <dgm:if name="Name1" func="var" arg="dir" op="equ" val="norm">
-        <dgm:alg type="lin">
-          <dgm:param type="linDir" val="fromT"/>
-          <dgm:param type="vertAlign" val="mid"/>
-          <dgm:param type="horzAlign" val="l"/>
-          <dgm:param type="nodeHorzAlign" val="l"/>
-        </dgm:alg>
-      </dgm:if>
-      <dgm:else name="Name2">
-        <dgm:alg type="lin">
-          <dgm:param type="linDir" val="fromT"/>
-          <dgm:param type="vertAlign" val="mid"/>
-          <dgm:param type="horzAlign" val="r"/>
-          <dgm:param type="nodeHorzAlign" val="r"/>
-        </dgm:alg>
-      </dgm:else>
-    </dgm:choose>
-    <dgm:shape xmlns:r="http://schemas.openxmlformats.org/officeDocument/2006/relationships" r:blip="">
-      <dgm:adjLst/>
-    </dgm:shape>
-    <dgm:presOf/>
-    <dgm:constrLst>
-      <dgm:constr type="w" for="ch" forName="parentLin" refType="w"/>
-      <dgm:constr type="h" for="ch" forName="parentLin" val="INF"/>
-      <dgm:constr type="w" for="des" forName="parentLeftMargin" refType="w" fact="0.05"/>
-      <dgm:constr type="w" for="des" forName="parentText" refType="w" fact="0.7"/>
-      <dgm:constr type="h" for="des" forName="parentText" refType="primFontSz" refFor="des" refForName="parentText" fact="0.82"/>
-      <dgm:constr type="h" for="ch" forName="negativeSpace" refType="primFontSz" refFor="des" refForName="parentText" fact="-0.41"/>
-      <dgm:constr type="h" for="ch" forName="negativeSpace" refType="h" refFor="des" refForName="parentText" op="lte" fact="-0.82"/>
-      <dgm:constr type="h" for="ch" forName="negativeSpace" refType="h" refFor="des" refForName="parentText" op="gte" fact="-0.82"/>
-      <dgm:constr type="w" for="ch" forName="childText" refType="w"/>
-      <dgm:constr type="h" for="ch" forName="childText" refType="primFontSz" refFor="des" refForName="parentText" fact="0.7"/>
-      <dgm:constr type="primFontSz" for="des" forName="parentText" val="65"/>
-      <dgm:constr type="primFontSz" for="ch" forName="childText" refType="primFontSz" refFor="des" refForName="parentText"/>
-      <dgm:constr type="tMarg" for="ch" forName="childText" refType="primFontSz" refFor="des" refForName="parentText" fact="1.64"/>
-      <dgm:constr type="tMarg" for="ch" forName="childText" refType="h" refFor="des" refForName="parentText" op="lte" fact="3.28"/>
-      <dgm:constr type="tMarg" for="ch" forName="childText" refType="h" refFor="des" refForName="parentText" op="gte" fact="3.28"/>
-      <dgm:constr type="lMarg" for="ch" forName="childText" refType="w" fact="0.22"/>
-      <dgm:constr type="rMarg" for="ch" forName="childText" refType="lMarg" refFor="ch" refForName="childText"/>
-      <dgm:constr type="lMarg" for="des" forName="parentText" refType="w" fact="0.075"/>
-      <dgm:constr type="rMarg" for="des" forName="parentText" refType="lMarg" refFor="des" refForName="parentText"/>
-      <dgm:constr type="h" for="ch" forName="spaceBetweenRectangles" refType="primFontSz" refFor="des" refForName="parentText" fact="0.15"/>
-    </dgm:constrLst>
-    <dgm:ruleLst>
-      <dgm:rule type="primFontSz" for="des" forName="parentText" val="5" fact="NaN" max="NaN"/>
-    </dgm:ruleLst>
-    <dgm:forEach name="Name3" axis="ch" ptType="node">
-      <dgm:layoutNode name="parentLin">
-        <dgm:choose name="Name4">
-          <dgm:if name="Name5" func="var" arg="dir" op="equ" val="norm">
-            <dgm:alg type="lin">
-              <dgm:param type="linDir" val="fromL"/>
-              <dgm:param type="horzAlign" val="l"/>
-              <dgm:param type="nodeHorzAlign" val="l"/>
-            </dgm:alg>
-          </dgm:if>
-          <dgm:else name="Name6">
-            <dgm:alg type="lin">
-              <dgm:param type="linDir" val="fromR"/>
-              <dgm:param type="horzAlign" val="r"/>
-              <dgm:param type="nodeHorzAlign" val="r"/>
-            </dgm:alg>
-          </dgm:else>
-        </dgm:choose>
-        <dgm:shape xmlns:r="http://schemas.openxmlformats.org/officeDocument/2006/relationships" r:blip="">
-          <dgm:adjLst/>
-        </dgm:shape>
-        <dgm:presOf/>
-        <dgm:constrLst/>
-        <dgm:ruleLst/>
-        <dgm:layoutNode name="parentLeftMargin">
-          <dgm:alg type="sp"/>
-          <dgm:shape xmlns:r="http://schemas.openxmlformats.org/officeDocument/2006/relationships" type="rect" r:blip="" hideGeom="1">
-            <dgm:adjLst/>
-          </dgm:shape>
-          <dgm:presOf axis="self"/>
-          <dgm:constrLst>
-            <dgm:constr type="h"/>
-          </dgm:constrLst>
-          <dgm:ruleLst/>
-        </dgm:layoutNode>
-        <dgm:layoutNode name="parentText" styleLbl="node1">
-          <dgm:varLst>
-            <dgm:chMax val="0"/>
-            <dgm:bulletEnabled val="1"/>
-          </dgm:varLst>
-          <dgm:choose name="Name7">
-            <dgm:if name="Name8" func="var" arg="dir" op="equ" val="norm">
-              <dgm:alg type="tx">
-                <dgm:param type="parTxLTRAlign" val="l"/>
-                <dgm:param type="parTxRTLAlign" val="l"/>
-              </dgm:alg>
-            </dgm:if>
-            <dgm:else name="Name9">
-              <dgm:alg type="tx">
-                <dgm:param type="parTxLTRAlign" val="r"/>
-                <dgm:param type="parTxRTLAlign" val="r"/>
-              </dgm:alg>
-            </dgm:else>
-          </dgm:choose>
-          <dgm:shape xmlns:r="http://schemas.openxmlformats.org/officeDocument/2006/relationships" type="roundRect" r:blip="">
-            <dgm:adjLst/>
-          </dgm:shape>
-          <dgm:presOf axis="self" ptType="node"/>
-          <dgm:constrLst>
-            <dgm:constr type="tMarg"/>
-            <dgm:constr type="bMarg"/>
-          </dgm:constrLst>
-          <dgm:ruleLst/>
-        </dgm:layoutNode>
-      </dgm:layoutNode>
-      <dgm:layoutNode name="negativeSpace">
-        <dgm:alg type="sp"/>
-        <dgm:shape xmlns:r="http://schemas.openxmlformats.org/officeDocument/2006/relationships" r:blip="">
-          <dgm:adjLst/>
-        </dgm:shape>
-        <dgm:presOf/>
-        <dgm:constrLst/>
-        <dgm:ruleLst/>
-      </dgm:layoutNode>
-      <dgm:layoutNode name="childText" styleLbl="conFgAcc1">
-        <dgm:varLst>
-          <dgm:bulletEnabled val="1"/>
-        </dgm:varLst>
-        <dgm:alg type="tx">
-          <dgm:param type="stBulletLvl" val="1"/>
-        </dgm:alg>
-        <dgm:shape xmlns:r="http://schemas.openxmlformats.org/officeDocument/2006/relationships" type="rect" r:blip="" zOrderOff="-2">
-          <dgm:adjLst/>
-        </dgm:shape>
-        <dgm:presOf axis="des" ptType="node"/>
-        <dgm:constrLst>
-          <dgm:constr type="secFontSz" refType="primFontSz"/>
-        </dgm:constrLst>
-        <dgm:ruleLst>
-          <dgm:rule type="h" val="INF" fact="NaN" max="NaN"/>
-        </dgm:ruleLst>
-      </dgm:layoutNode>
-      <dgm:forEach name="Name10" axis="followSib" ptType="sibTrans" cnt="1">
-        <dgm:layoutNode name="spaceBetweenRectangles">
-          <dgm:alg type="sp"/>
-          <dgm:shape xmlns:r="http://schemas.openxmlformats.org/officeDocument/2006/relationships" r:blip="">
-            <dgm:adjLst/>
-          </dgm:shape>
-          <dgm:presOf/>
-          <dgm:constrLst/>
-          <dgm:ruleLst/>
-        </dgm:layoutNode>
-      </dgm:forEach>
-    </dgm:forEach>
-  </dgm:layoutNode>
-</dgm:layoutDef>
-</file>
-
 <file path=ppt/diagrams/quickStyle1.xml><?xml version="1.0" encoding="utf-8"?>
 <dgm:styleDef xmlns:dgm="http://schemas.openxmlformats.org/drawingml/2006/diagram" xmlns:a="http://schemas.openxmlformats.org/drawingml/2006/main" uniqueId="urn:microsoft.com/office/officeart/2005/8/quickstyle/simple1">
   <dgm:title val=""/>
@@ -12404,1040 +9730,6 @@
 </file>
 
 <file path=ppt/diagrams/quickStyle4.xml><?xml version="1.0" encoding="utf-8"?>
-<dgm:styleDef xmlns:dgm="http://schemas.openxmlformats.org/drawingml/2006/diagram" xmlns:a="http://schemas.openxmlformats.org/drawingml/2006/main" uniqueId="urn:microsoft.com/office/officeart/2005/8/quickstyle/simple1">
-  <dgm:title val=""/>
-  <dgm:desc val=""/>
-  <dgm:catLst>
-    <dgm:cat type="simple" pri="10100"/>
-  </dgm:catLst>
-  <dgm:scene3d>
-    <a:camera prst="orthographicFront"/>
-    <a:lightRig rig="threePt" dir="t"/>
-  </dgm:scene3d>
-  <dgm:styleLbl name="node0">
-    <dgm:scene3d>
-      <a:camera prst="orthographicFront"/>
-      <a:lightRig rig="threePt" dir="t"/>
-    </dgm:scene3d>
-    <dgm:sp3d/>
-    <dgm:txPr/>
-    <dgm:style>
-      <a:lnRef idx="2">
-        <a:scrgbClr r="0" g="0" b="0"/>
-      </a:lnRef>
-      <a:fillRef idx="1">
-        <a:scrgbClr r="0" g="0" b="0"/>
-      </a:fillRef>
-      <a:effectRef idx="0">
-        <a:scrgbClr r="0" g="0" b="0"/>
-      </a:effectRef>
-      <a:fontRef idx="minor">
-        <a:schemeClr val="lt1"/>
-      </a:fontRef>
-    </dgm:style>
-  </dgm:styleLbl>
-  <dgm:styleLbl name="lnNode1">
-    <dgm:scene3d>
-      <a:camera prst="orthographicFront"/>
-      <a:lightRig rig="threePt" dir="t"/>
-    </dgm:scene3d>
-    <dgm:sp3d/>
-    <dgm:txPr/>
-    <dgm:style>
-      <a:lnRef idx="2">
-        <a:scrgbClr r="0" g="0" b="0"/>
-      </a:lnRef>
-      <a:fillRef idx="1">
-        <a:scrgbClr r="0" g="0" b="0"/>
-      </a:fillRef>
-      <a:effectRef idx="0">
-        <a:scrgbClr r="0" g="0" b="0"/>
-      </a:effectRef>
-      <a:fontRef idx="minor">
-        <a:schemeClr val="lt1"/>
-      </a:fontRef>
-    </dgm:style>
-  </dgm:styleLbl>
-  <dgm:styleLbl name="vennNode1">
-    <dgm:scene3d>
-      <a:camera prst="orthographicFront"/>
-      <a:lightRig rig="threePt" dir="t"/>
-    </dgm:scene3d>
-    <dgm:sp3d/>
-    <dgm:txPr/>
-    <dgm:style>
-      <a:lnRef idx="2">
-        <a:scrgbClr r="0" g="0" b="0"/>
-      </a:lnRef>
-      <a:fillRef idx="1">
-        <a:scrgbClr r="0" g="0" b="0"/>
-      </a:fillRef>
-      <a:effectRef idx="0">
-        <a:scrgbClr r="0" g="0" b="0"/>
-      </a:effectRef>
-      <a:fontRef idx="minor">
-        <a:schemeClr val="tx1"/>
-      </a:fontRef>
-    </dgm:style>
-  </dgm:styleLbl>
-  <dgm:styleLbl name="alignNode1">
-    <dgm:scene3d>
-      <a:camera prst="orthographicFront"/>
-      <a:lightRig rig="threePt" dir="t"/>
-    </dgm:scene3d>
-    <dgm:sp3d/>
-    <dgm:txPr/>
-    <dgm:style>
-      <a:lnRef idx="2">
-        <a:scrgbClr r="0" g="0" b="0"/>
-      </a:lnRef>
-      <a:fillRef idx="1">
-        <a:scrgbClr r="0" g="0" b="0"/>
-      </a:fillRef>
-      <a:effectRef idx="0">
-        <a:scrgbClr r="0" g="0" b="0"/>
-      </a:effectRef>
-      <a:fontRef idx="minor">
-        <a:schemeClr val="lt1"/>
-      </a:fontRef>
-    </dgm:style>
-  </dgm:styleLbl>
-  <dgm:styleLbl name="node1">
-    <dgm:scene3d>
-      <a:camera prst="orthographicFront"/>
-      <a:lightRig rig="threePt" dir="t"/>
-    </dgm:scene3d>
-    <dgm:sp3d/>
-    <dgm:txPr/>
-    <dgm:style>
-      <a:lnRef idx="2">
-        <a:scrgbClr r="0" g="0" b="0"/>
-      </a:lnRef>
-      <a:fillRef idx="1">
-        <a:scrgbClr r="0" g="0" b="0"/>
-      </a:fillRef>
-      <a:effectRef idx="0">
-        <a:scrgbClr r="0" g="0" b="0"/>
-      </a:effectRef>
-      <a:fontRef idx="minor">
-        <a:schemeClr val="lt1"/>
-      </a:fontRef>
-    </dgm:style>
-  </dgm:styleLbl>
-  <dgm:styleLbl name="node2">
-    <dgm:scene3d>
-      <a:camera prst="orthographicFront"/>
-      <a:lightRig rig="threePt" dir="t"/>
-    </dgm:scene3d>
-    <dgm:sp3d/>
-    <dgm:txPr/>
-    <dgm:style>
-      <a:lnRef idx="2">
-        <a:scrgbClr r="0" g="0" b="0"/>
-      </a:lnRef>
-      <a:fillRef idx="1">
-        <a:scrgbClr r="0" g="0" b="0"/>
-      </a:fillRef>
-      <a:effectRef idx="0">
-        <a:scrgbClr r="0" g="0" b="0"/>
-      </a:effectRef>
-      <a:fontRef idx="minor">
-        <a:schemeClr val="lt1"/>
-      </a:fontRef>
-    </dgm:style>
-  </dgm:styleLbl>
-  <dgm:styleLbl name="node3">
-    <dgm:scene3d>
-      <a:camera prst="orthographicFront"/>
-      <a:lightRig rig="threePt" dir="t"/>
-    </dgm:scene3d>
-    <dgm:sp3d/>
-    <dgm:txPr/>
-    <dgm:style>
-      <a:lnRef idx="2">
-        <a:scrgbClr r="0" g="0" b="0"/>
-      </a:lnRef>
-      <a:fillRef idx="1">
-        <a:scrgbClr r="0" g="0" b="0"/>
-      </a:fillRef>
-      <a:effectRef idx="0">
-        <a:scrgbClr r="0" g="0" b="0"/>
-      </a:effectRef>
-      <a:fontRef idx="minor">
-        <a:schemeClr val="lt1"/>
-      </a:fontRef>
-    </dgm:style>
-  </dgm:styleLbl>
-  <dgm:styleLbl name="node4">
-    <dgm:scene3d>
-      <a:camera prst="orthographicFront"/>
-      <a:lightRig rig="threePt" dir="t"/>
-    </dgm:scene3d>
-    <dgm:sp3d/>
-    <dgm:txPr/>
-    <dgm:style>
-      <a:lnRef idx="2">
-        <a:scrgbClr r="0" g="0" b="0"/>
-      </a:lnRef>
-      <a:fillRef idx="1">
-        <a:scrgbClr r="0" g="0" b="0"/>
-      </a:fillRef>
-      <a:effectRef idx="0">
-        <a:scrgbClr r="0" g="0" b="0"/>
-      </a:effectRef>
-      <a:fontRef idx="minor">
-        <a:schemeClr val="lt1"/>
-      </a:fontRef>
-    </dgm:style>
-  </dgm:styleLbl>
-  <dgm:styleLbl name="fgImgPlace1">
-    <dgm:scene3d>
-      <a:camera prst="orthographicFront"/>
-      <a:lightRig rig="threePt" dir="t"/>
-    </dgm:scene3d>
-    <dgm:sp3d/>
-    <dgm:txPr/>
-    <dgm:style>
-      <a:lnRef idx="2">
-        <a:scrgbClr r="0" g="0" b="0"/>
-      </a:lnRef>
-      <a:fillRef idx="1">
-        <a:scrgbClr r="0" g="0" b="0"/>
-      </a:fillRef>
-      <a:effectRef idx="0">
-        <a:scrgbClr r="0" g="0" b="0"/>
-      </a:effectRef>
-      <a:fontRef idx="minor"/>
-    </dgm:style>
-  </dgm:styleLbl>
-  <dgm:styleLbl name="alignImgPlace1">
-    <dgm:scene3d>
-      <a:camera prst="orthographicFront"/>
-      <a:lightRig rig="threePt" dir="t"/>
-    </dgm:scene3d>
-    <dgm:sp3d/>
-    <dgm:txPr/>
-    <dgm:style>
-      <a:lnRef idx="2">
-        <a:scrgbClr r="0" g="0" b="0"/>
-      </a:lnRef>
-      <a:fillRef idx="1">
-        <a:scrgbClr r="0" g="0" b="0"/>
-      </a:fillRef>
-      <a:effectRef idx="0">
-        <a:scrgbClr r="0" g="0" b="0"/>
-      </a:effectRef>
-      <a:fontRef idx="minor"/>
-    </dgm:style>
-  </dgm:styleLbl>
-  <dgm:styleLbl name="bgImgPlace1">
-    <dgm:scene3d>
-      <a:camera prst="orthographicFront"/>
-      <a:lightRig rig="threePt" dir="t"/>
-    </dgm:scene3d>
-    <dgm:sp3d/>
-    <dgm:txPr/>
-    <dgm:style>
-      <a:lnRef idx="2">
-        <a:scrgbClr r="0" g="0" b="0"/>
-      </a:lnRef>
-      <a:fillRef idx="1">
-        <a:scrgbClr r="0" g="0" b="0"/>
-      </a:fillRef>
-      <a:effectRef idx="0">
-        <a:scrgbClr r="0" g="0" b="0"/>
-      </a:effectRef>
-      <a:fontRef idx="minor"/>
-    </dgm:style>
-  </dgm:styleLbl>
-  <dgm:styleLbl name="sibTrans2D1">
-    <dgm:scene3d>
-      <a:camera prst="orthographicFront"/>
-      <a:lightRig rig="threePt" dir="t"/>
-    </dgm:scene3d>
-    <dgm:sp3d/>
-    <dgm:txPr/>
-    <dgm:style>
-      <a:lnRef idx="0">
-        <a:scrgbClr r="0" g="0" b="0"/>
-      </a:lnRef>
-      <a:fillRef idx="1">
-        <a:scrgbClr r="0" g="0" b="0"/>
-      </a:fillRef>
-      <a:effectRef idx="0">
-        <a:scrgbClr r="0" g="0" b="0"/>
-      </a:effectRef>
-      <a:fontRef idx="minor">
-        <a:schemeClr val="lt1"/>
-      </a:fontRef>
-    </dgm:style>
-  </dgm:styleLbl>
-  <dgm:styleLbl name="fgSibTrans2D1">
-    <dgm:scene3d>
-      <a:camera prst="orthographicFront"/>
-      <a:lightRig rig="threePt" dir="t"/>
-    </dgm:scene3d>
-    <dgm:sp3d/>
-    <dgm:txPr/>
-    <dgm:style>
-      <a:lnRef idx="0">
-        <a:scrgbClr r="0" g="0" b="0"/>
-      </a:lnRef>
-      <a:fillRef idx="1">
-        <a:scrgbClr r="0" g="0" b="0"/>
-      </a:fillRef>
-      <a:effectRef idx="0">
-        <a:scrgbClr r="0" g="0" b="0"/>
-      </a:effectRef>
-      <a:fontRef idx="minor">
-        <a:schemeClr val="lt1"/>
-      </a:fontRef>
-    </dgm:style>
-  </dgm:styleLbl>
-  <dgm:styleLbl name="bgSibTrans2D1">
-    <dgm:scene3d>
-      <a:camera prst="orthographicFront"/>
-      <a:lightRig rig="threePt" dir="t"/>
-    </dgm:scene3d>
-    <dgm:sp3d/>
-    <dgm:txPr/>
-    <dgm:style>
-      <a:lnRef idx="0">
-        <a:scrgbClr r="0" g="0" b="0"/>
-      </a:lnRef>
-      <a:fillRef idx="1">
-        <a:scrgbClr r="0" g="0" b="0"/>
-      </a:fillRef>
-      <a:effectRef idx="0">
-        <a:scrgbClr r="0" g="0" b="0"/>
-      </a:effectRef>
-      <a:fontRef idx="minor">
-        <a:schemeClr val="lt1"/>
-      </a:fontRef>
-    </dgm:style>
-  </dgm:styleLbl>
-  <dgm:styleLbl name="sibTrans1D1">
-    <dgm:scene3d>
-      <a:camera prst="orthographicFront"/>
-      <a:lightRig rig="threePt" dir="t"/>
-    </dgm:scene3d>
-    <dgm:sp3d/>
-    <dgm:txPr/>
-    <dgm:style>
-      <a:lnRef idx="1">
-        <a:scrgbClr r="0" g="0" b="0"/>
-      </a:lnRef>
-      <a:fillRef idx="0">
-        <a:scrgbClr r="0" g="0" b="0"/>
-      </a:fillRef>
-      <a:effectRef idx="0">
-        <a:scrgbClr r="0" g="0" b="0"/>
-      </a:effectRef>
-      <a:fontRef idx="minor"/>
-    </dgm:style>
-  </dgm:styleLbl>
-  <dgm:styleLbl name="callout">
-    <dgm:scene3d>
-      <a:camera prst="orthographicFront"/>
-      <a:lightRig rig="threePt" dir="t"/>
-    </dgm:scene3d>
-    <dgm:sp3d/>
-    <dgm:txPr/>
-    <dgm:style>
-      <a:lnRef idx="2">
-        <a:scrgbClr r="0" g="0" b="0"/>
-      </a:lnRef>
-      <a:fillRef idx="1">
-        <a:scrgbClr r="0" g="0" b="0"/>
-      </a:fillRef>
-      <a:effectRef idx="0">
-        <a:scrgbClr r="0" g="0" b="0"/>
-      </a:effectRef>
-      <a:fontRef idx="minor"/>
-    </dgm:style>
-  </dgm:styleLbl>
-  <dgm:styleLbl name="asst0">
-    <dgm:scene3d>
-      <a:camera prst="orthographicFront"/>
-      <a:lightRig rig="threePt" dir="t"/>
-    </dgm:scene3d>
-    <dgm:sp3d/>
-    <dgm:txPr/>
-    <dgm:style>
-      <a:lnRef idx="2">
-        <a:scrgbClr r="0" g="0" b="0"/>
-      </a:lnRef>
-      <a:fillRef idx="1">
-        <a:scrgbClr r="0" g="0" b="0"/>
-      </a:fillRef>
-      <a:effectRef idx="0">
-        <a:scrgbClr r="0" g="0" b="0"/>
-      </a:effectRef>
-      <a:fontRef idx="minor">
-        <a:schemeClr val="lt1"/>
-      </a:fontRef>
-    </dgm:style>
-  </dgm:styleLbl>
-  <dgm:styleLbl name="asst1">
-    <dgm:scene3d>
-      <a:camera prst="orthographicFront"/>
-      <a:lightRig rig="threePt" dir="t"/>
-    </dgm:scene3d>
-    <dgm:sp3d/>
-    <dgm:txPr/>
-    <dgm:style>
-      <a:lnRef idx="2">
-        <a:scrgbClr r="0" g="0" b="0"/>
-      </a:lnRef>
-      <a:fillRef idx="1">
-        <a:scrgbClr r="0" g="0" b="0"/>
-      </a:fillRef>
-      <a:effectRef idx="0">
-        <a:scrgbClr r="0" g="0" b="0"/>
-      </a:effectRef>
-      <a:fontRef idx="minor">
-        <a:schemeClr val="lt1"/>
-      </a:fontRef>
-    </dgm:style>
-  </dgm:styleLbl>
-  <dgm:styleLbl name="asst2">
-    <dgm:scene3d>
-      <a:camera prst="orthographicFront"/>
-      <a:lightRig rig="threePt" dir="t"/>
-    </dgm:scene3d>
-    <dgm:sp3d/>
-    <dgm:txPr/>
-    <dgm:style>
-      <a:lnRef idx="2">
-        <a:scrgbClr r="0" g="0" b="0"/>
-      </a:lnRef>
-      <a:fillRef idx="1">
-        <a:scrgbClr r="0" g="0" b="0"/>
-      </a:fillRef>
-      <a:effectRef idx="0">
-        <a:scrgbClr r="0" g="0" b="0"/>
-      </a:effectRef>
-      <a:fontRef idx="minor">
-        <a:schemeClr val="lt1"/>
-      </a:fontRef>
-    </dgm:style>
-  </dgm:styleLbl>
-  <dgm:styleLbl name="asst3">
-    <dgm:scene3d>
-      <a:camera prst="orthographicFront"/>
-      <a:lightRig rig="threePt" dir="t"/>
-    </dgm:scene3d>
-    <dgm:sp3d/>
-    <dgm:txPr/>
-    <dgm:style>
-      <a:lnRef idx="2">
-        <a:scrgbClr r="0" g="0" b="0"/>
-      </a:lnRef>
-      <a:fillRef idx="1">
-        <a:scrgbClr r="0" g="0" b="0"/>
-      </a:fillRef>
-      <a:effectRef idx="0">
-        <a:scrgbClr r="0" g="0" b="0"/>
-      </a:effectRef>
-      <a:fontRef idx="minor">
-        <a:schemeClr val="lt1"/>
-      </a:fontRef>
-    </dgm:style>
-  </dgm:styleLbl>
-  <dgm:styleLbl name="asst4">
-    <dgm:scene3d>
-      <a:camera prst="orthographicFront"/>
-      <a:lightRig rig="threePt" dir="t"/>
-    </dgm:scene3d>
-    <dgm:sp3d/>
-    <dgm:txPr/>
-    <dgm:style>
-      <a:lnRef idx="2">
-        <a:scrgbClr r="0" g="0" b="0"/>
-      </a:lnRef>
-      <a:fillRef idx="1">
-        <a:scrgbClr r="0" g="0" b="0"/>
-      </a:fillRef>
-      <a:effectRef idx="0">
-        <a:scrgbClr r="0" g="0" b="0"/>
-      </a:effectRef>
-      <a:fontRef idx="minor">
-        <a:schemeClr val="lt1"/>
-      </a:fontRef>
-    </dgm:style>
-  </dgm:styleLbl>
-  <dgm:styleLbl name="parChTrans2D1">
-    <dgm:scene3d>
-      <a:camera prst="orthographicFront"/>
-      <a:lightRig rig="threePt" dir="t"/>
-    </dgm:scene3d>
-    <dgm:sp3d/>
-    <dgm:txPr/>
-    <dgm:style>
-      <a:lnRef idx="2">
-        <a:scrgbClr r="0" g="0" b="0"/>
-      </a:lnRef>
-      <a:fillRef idx="1">
-        <a:scrgbClr r="0" g="0" b="0"/>
-      </a:fillRef>
-      <a:effectRef idx="0">
-        <a:scrgbClr r="0" g="0" b="0"/>
-      </a:effectRef>
-      <a:fontRef idx="minor">
-        <a:schemeClr val="lt1"/>
-      </a:fontRef>
-    </dgm:style>
-  </dgm:styleLbl>
-  <dgm:styleLbl name="parChTrans2D2">
-    <dgm:scene3d>
-      <a:camera prst="orthographicFront"/>
-      <a:lightRig rig="threePt" dir="t"/>
-    </dgm:scene3d>
-    <dgm:sp3d/>
-    <dgm:txPr/>
-    <dgm:style>
-      <a:lnRef idx="2">
-        <a:scrgbClr r="0" g="0" b="0"/>
-      </a:lnRef>
-      <a:fillRef idx="1">
-        <a:scrgbClr r="0" g="0" b="0"/>
-      </a:fillRef>
-      <a:effectRef idx="0">
-        <a:scrgbClr r="0" g="0" b="0"/>
-      </a:effectRef>
-      <a:fontRef idx="minor">
-        <a:schemeClr val="lt1"/>
-      </a:fontRef>
-    </dgm:style>
-  </dgm:styleLbl>
-  <dgm:styleLbl name="parChTrans2D3">
-    <dgm:scene3d>
-      <a:camera prst="orthographicFront"/>
-      <a:lightRig rig="threePt" dir="t"/>
-    </dgm:scene3d>
-    <dgm:sp3d/>
-    <dgm:txPr/>
-    <dgm:style>
-      <a:lnRef idx="2">
-        <a:scrgbClr r="0" g="0" b="0"/>
-      </a:lnRef>
-      <a:fillRef idx="1">
-        <a:scrgbClr r="0" g="0" b="0"/>
-      </a:fillRef>
-      <a:effectRef idx="0">
-        <a:scrgbClr r="0" g="0" b="0"/>
-      </a:effectRef>
-      <a:fontRef idx="minor">
-        <a:schemeClr val="lt1"/>
-      </a:fontRef>
-    </dgm:style>
-  </dgm:styleLbl>
-  <dgm:styleLbl name="parChTrans2D4">
-    <dgm:scene3d>
-      <a:camera prst="orthographicFront"/>
-      <a:lightRig rig="threePt" dir="t"/>
-    </dgm:scene3d>
-    <dgm:sp3d/>
-    <dgm:txPr/>
-    <dgm:style>
-      <a:lnRef idx="2">
-        <a:scrgbClr r="0" g="0" b="0"/>
-      </a:lnRef>
-      <a:fillRef idx="1">
-        <a:scrgbClr r="0" g="0" b="0"/>
-      </a:fillRef>
-      <a:effectRef idx="0">
-        <a:scrgbClr r="0" g="0" b="0"/>
-      </a:effectRef>
-      <a:fontRef idx="minor">
-        <a:schemeClr val="lt1"/>
-      </a:fontRef>
-    </dgm:style>
-  </dgm:styleLbl>
-  <dgm:styleLbl name="parChTrans1D1">
-    <dgm:scene3d>
-      <a:camera prst="orthographicFront"/>
-      <a:lightRig rig="threePt" dir="t"/>
-    </dgm:scene3d>
-    <dgm:sp3d/>
-    <dgm:txPr/>
-    <dgm:style>
-      <a:lnRef idx="2">
-        <a:scrgbClr r="0" g="0" b="0"/>
-      </a:lnRef>
-      <a:fillRef idx="0">
-        <a:scrgbClr r="0" g="0" b="0"/>
-      </a:fillRef>
-      <a:effectRef idx="0">
-        <a:scrgbClr r="0" g="0" b="0"/>
-      </a:effectRef>
-      <a:fontRef idx="minor"/>
-    </dgm:style>
-  </dgm:styleLbl>
-  <dgm:styleLbl name="parChTrans1D2">
-    <dgm:scene3d>
-      <a:camera prst="orthographicFront"/>
-      <a:lightRig rig="threePt" dir="t"/>
-    </dgm:scene3d>
-    <dgm:sp3d/>
-    <dgm:txPr/>
-    <dgm:style>
-      <a:lnRef idx="2">
-        <a:scrgbClr r="0" g="0" b="0"/>
-      </a:lnRef>
-      <a:fillRef idx="0">
-        <a:scrgbClr r="0" g="0" b="0"/>
-      </a:fillRef>
-      <a:effectRef idx="0">
-        <a:scrgbClr r="0" g="0" b="0"/>
-      </a:effectRef>
-      <a:fontRef idx="minor"/>
-    </dgm:style>
-  </dgm:styleLbl>
-  <dgm:styleLbl name="parChTrans1D3">
-    <dgm:scene3d>
-      <a:camera prst="orthographicFront"/>
-      <a:lightRig rig="threePt" dir="t"/>
-    </dgm:scene3d>
-    <dgm:sp3d/>
-    <dgm:txPr/>
-    <dgm:style>
-      <a:lnRef idx="2">
-        <a:scrgbClr r="0" g="0" b="0"/>
-      </a:lnRef>
-      <a:fillRef idx="0">
-        <a:scrgbClr r="0" g="0" b="0"/>
-      </a:fillRef>
-      <a:effectRef idx="0">
-        <a:scrgbClr r="0" g="0" b="0"/>
-      </a:effectRef>
-      <a:fontRef idx="minor"/>
-    </dgm:style>
-  </dgm:styleLbl>
-  <dgm:styleLbl name="parChTrans1D4">
-    <dgm:scene3d>
-      <a:camera prst="orthographicFront"/>
-      <a:lightRig rig="threePt" dir="t"/>
-    </dgm:scene3d>
-    <dgm:sp3d/>
-    <dgm:txPr/>
-    <dgm:style>
-      <a:lnRef idx="2">
-        <a:scrgbClr r="0" g="0" b="0"/>
-      </a:lnRef>
-      <a:fillRef idx="0">
-        <a:scrgbClr r="0" g="0" b="0"/>
-      </a:fillRef>
-      <a:effectRef idx="0">
-        <a:scrgbClr r="0" g="0" b="0"/>
-      </a:effectRef>
-      <a:fontRef idx="minor"/>
-    </dgm:style>
-  </dgm:styleLbl>
-  <dgm:styleLbl name="fgAcc1">
-    <dgm:scene3d>
-      <a:camera prst="orthographicFront"/>
-      <a:lightRig rig="threePt" dir="t"/>
-    </dgm:scene3d>
-    <dgm:sp3d/>
-    <dgm:txPr/>
-    <dgm:style>
-      <a:lnRef idx="2">
-        <a:scrgbClr r="0" g="0" b="0"/>
-      </a:lnRef>
-      <a:fillRef idx="1">
-        <a:scrgbClr r="0" g="0" b="0"/>
-      </a:fillRef>
-      <a:effectRef idx="0">
-        <a:scrgbClr r="0" g="0" b="0"/>
-      </a:effectRef>
-      <a:fontRef idx="minor"/>
-    </dgm:style>
-  </dgm:styleLbl>
-  <dgm:styleLbl name="conFgAcc1">
-    <dgm:scene3d>
-      <a:camera prst="orthographicFront"/>
-      <a:lightRig rig="threePt" dir="t"/>
-    </dgm:scene3d>
-    <dgm:sp3d/>
-    <dgm:txPr/>
-    <dgm:style>
-      <a:lnRef idx="2">
-        <a:scrgbClr r="0" g="0" b="0"/>
-      </a:lnRef>
-      <a:fillRef idx="1">
-        <a:scrgbClr r="0" g="0" b="0"/>
-      </a:fillRef>
-      <a:effectRef idx="0">
-        <a:scrgbClr r="0" g="0" b="0"/>
-      </a:effectRef>
-      <a:fontRef idx="minor"/>
-    </dgm:style>
-  </dgm:styleLbl>
-  <dgm:styleLbl name="alignAcc1">
-    <dgm:scene3d>
-      <a:camera prst="orthographicFront"/>
-      <a:lightRig rig="threePt" dir="t"/>
-    </dgm:scene3d>
-    <dgm:sp3d/>
-    <dgm:txPr/>
-    <dgm:style>
-      <a:lnRef idx="2">
-        <a:scrgbClr r="0" g="0" b="0"/>
-      </a:lnRef>
-      <a:fillRef idx="1">
-        <a:scrgbClr r="0" g="0" b="0"/>
-      </a:fillRef>
-      <a:effectRef idx="0">
-        <a:scrgbClr r="0" g="0" b="0"/>
-      </a:effectRef>
-      <a:fontRef idx="minor"/>
-    </dgm:style>
-  </dgm:styleLbl>
-  <dgm:styleLbl name="trAlignAcc1">
-    <dgm:scene3d>
-      <a:camera prst="orthographicFront"/>
-      <a:lightRig rig="threePt" dir="t"/>
-    </dgm:scene3d>
-    <dgm:sp3d/>
-    <dgm:txPr/>
-    <dgm:style>
-      <a:lnRef idx="1">
-        <a:scrgbClr r="0" g="0" b="0"/>
-      </a:lnRef>
-      <a:fillRef idx="1">
-        <a:scrgbClr r="0" g="0" b="0"/>
-      </a:fillRef>
-      <a:effectRef idx="0">
-        <a:scrgbClr r="0" g="0" b="0"/>
-      </a:effectRef>
-      <a:fontRef idx="minor"/>
-    </dgm:style>
-  </dgm:styleLbl>
-  <dgm:styleLbl name="bgAcc1">
-    <dgm:scene3d>
-      <a:camera prst="orthographicFront"/>
-      <a:lightRig rig="threePt" dir="t"/>
-    </dgm:scene3d>
-    <dgm:sp3d/>
-    <dgm:txPr/>
-    <dgm:style>
-      <a:lnRef idx="2">
-        <a:scrgbClr r="0" g="0" b="0"/>
-      </a:lnRef>
-      <a:fillRef idx="1">
-        <a:scrgbClr r="0" g="0" b="0"/>
-      </a:fillRef>
-      <a:effectRef idx="0">
-        <a:scrgbClr r="0" g="0" b="0"/>
-      </a:effectRef>
-      <a:fontRef idx="minor"/>
-    </dgm:style>
-  </dgm:styleLbl>
-  <dgm:styleLbl name="solidFgAcc1">
-    <dgm:scene3d>
-      <a:camera prst="orthographicFront"/>
-      <a:lightRig rig="threePt" dir="t"/>
-    </dgm:scene3d>
-    <dgm:sp3d/>
-    <dgm:txPr/>
-    <dgm:style>
-      <a:lnRef idx="2">
-        <a:scrgbClr r="0" g="0" b="0"/>
-      </a:lnRef>
-      <a:fillRef idx="1">
-        <a:scrgbClr r="0" g="0" b="0"/>
-      </a:fillRef>
-      <a:effectRef idx="0">
-        <a:scrgbClr r="0" g="0" b="0"/>
-      </a:effectRef>
-      <a:fontRef idx="minor"/>
-    </dgm:style>
-  </dgm:styleLbl>
-  <dgm:styleLbl name="solidAlignAcc1">
-    <dgm:scene3d>
-      <a:camera prst="orthographicFront"/>
-      <a:lightRig rig="threePt" dir="t"/>
-    </dgm:scene3d>
-    <dgm:sp3d/>
-    <dgm:txPr/>
-    <dgm:style>
-      <a:lnRef idx="2">
-        <a:scrgbClr r="0" g="0" b="0"/>
-      </a:lnRef>
-      <a:fillRef idx="1">
-        <a:scrgbClr r="0" g="0" b="0"/>
-      </a:fillRef>
-      <a:effectRef idx="0">
-        <a:scrgbClr r="0" g="0" b="0"/>
-      </a:effectRef>
-      <a:fontRef idx="minor"/>
-    </dgm:style>
-  </dgm:styleLbl>
-  <dgm:styleLbl name="solidBgAcc1">
-    <dgm:scene3d>
-      <a:camera prst="orthographicFront"/>
-      <a:lightRig rig="threePt" dir="t"/>
-    </dgm:scene3d>
-    <dgm:sp3d/>
-    <dgm:txPr/>
-    <dgm:style>
-      <a:lnRef idx="2">
-        <a:scrgbClr r="0" g="0" b="0"/>
-      </a:lnRef>
-      <a:fillRef idx="1">
-        <a:scrgbClr r="0" g="0" b="0"/>
-      </a:fillRef>
-      <a:effectRef idx="0">
-        <a:scrgbClr r="0" g="0" b="0"/>
-      </a:effectRef>
-      <a:fontRef idx="minor"/>
-    </dgm:style>
-  </dgm:styleLbl>
-  <dgm:styleLbl name="fgAccFollowNode1">
-    <dgm:scene3d>
-      <a:camera prst="orthographicFront"/>
-      <a:lightRig rig="threePt" dir="t"/>
-    </dgm:scene3d>
-    <dgm:sp3d/>
-    <dgm:txPr/>
-    <dgm:style>
-      <a:lnRef idx="2">
-        <a:scrgbClr r="0" g="0" b="0"/>
-      </a:lnRef>
-      <a:fillRef idx="1">
-        <a:scrgbClr r="0" g="0" b="0"/>
-      </a:fillRef>
-      <a:effectRef idx="0">
-        <a:scrgbClr r="0" g="0" b="0"/>
-      </a:effectRef>
-      <a:fontRef idx="minor"/>
-    </dgm:style>
-  </dgm:styleLbl>
-  <dgm:styleLbl name="alignAccFollowNode1">
-    <dgm:scene3d>
-      <a:camera prst="orthographicFront"/>
-      <a:lightRig rig="threePt" dir="t"/>
-    </dgm:scene3d>
-    <dgm:sp3d/>
-    <dgm:txPr/>
-    <dgm:style>
-      <a:lnRef idx="2">
-        <a:scrgbClr r="0" g="0" b="0"/>
-      </a:lnRef>
-      <a:fillRef idx="1">
-        <a:scrgbClr r="0" g="0" b="0"/>
-      </a:fillRef>
-      <a:effectRef idx="0">
-        <a:scrgbClr r="0" g="0" b="0"/>
-      </a:effectRef>
-      <a:fontRef idx="minor"/>
-    </dgm:style>
-  </dgm:styleLbl>
-  <dgm:styleLbl name="bgAccFollowNode1">
-    <dgm:scene3d>
-      <a:camera prst="orthographicFront"/>
-      <a:lightRig rig="threePt" dir="t"/>
-    </dgm:scene3d>
-    <dgm:sp3d/>
-    <dgm:txPr/>
-    <dgm:style>
-      <a:lnRef idx="2">
-        <a:scrgbClr r="0" g="0" b="0"/>
-      </a:lnRef>
-      <a:fillRef idx="1">
-        <a:scrgbClr r="0" g="0" b="0"/>
-      </a:fillRef>
-      <a:effectRef idx="0">
-        <a:scrgbClr r="0" g="0" b="0"/>
-      </a:effectRef>
-      <a:fontRef idx="minor"/>
-    </dgm:style>
-  </dgm:styleLbl>
-  <dgm:styleLbl name="fgAcc0">
-    <dgm:scene3d>
-      <a:camera prst="orthographicFront"/>
-      <a:lightRig rig="threePt" dir="t"/>
-    </dgm:scene3d>
-    <dgm:sp3d/>
-    <dgm:txPr/>
-    <dgm:style>
-      <a:lnRef idx="2">
-        <a:scrgbClr r="0" g="0" b="0"/>
-      </a:lnRef>
-      <a:fillRef idx="1">
-        <a:scrgbClr r="0" g="0" b="0"/>
-      </a:fillRef>
-      <a:effectRef idx="0">
-        <a:scrgbClr r="0" g="0" b="0"/>
-      </a:effectRef>
-      <a:fontRef idx="minor"/>
-    </dgm:style>
-  </dgm:styleLbl>
-  <dgm:styleLbl name="fgAcc2">
-    <dgm:scene3d>
-      <a:camera prst="orthographicFront"/>
-      <a:lightRig rig="threePt" dir="t"/>
-    </dgm:scene3d>
-    <dgm:sp3d/>
-    <dgm:txPr/>
-    <dgm:style>
-      <a:lnRef idx="2">
-        <a:scrgbClr r="0" g="0" b="0"/>
-      </a:lnRef>
-      <a:fillRef idx="1">
-        <a:scrgbClr r="0" g="0" b="0"/>
-      </a:fillRef>
-      <a:effectRef idx="0">
-        <a:scrgbClr r="0" g="0" b="0"/>
-      </a:effectRef>
-      <a:fontRef idx="minor"/>
-    </dgm:style>
-  </dgm:styleLbl>
-  <dgm:styleLbl name="fgAcc3">
-    <dgm:scene3d>
-      <a:camera prst="orthographicFront"/>
-      <a:lightRig rig="threePt" dir="t"/>
-    </dgm:scene3d>
-    <dgm:sp3d/>
-    <dgm:txPr/>
-    <dgm:style>
-      <a:lnRef idx="2">
-        <a:scrgbClr r="0" g="0" b="0"/>
-      </a:lnRef>
-      <a:fillRef idx="1">
-        <a:scrgbClr r="0" g="0" b="0"/>
-      </a:fillRef>
-      <a:effectRef idx="0">
-        <a:scrgbClr r="0" g="0" b="0"/>
-      </a:effectRef>
-      <a:fontRef idx="minor"/>
-    </dgm:style>
-  </dgm:styleLbl>
-  <dgm:styleLbl name="fgAcc4">
-    <dgm:scene3d>
-      <a:camera prst="orthographicFront"/>
-      <a:lightRig rig="threePt" dir="t"/>
-    </dgm:scene3d>
-    <dgm:sp3d/>
-    <dgm:txPr/>
-    <dgm:style>
-      <a:lnRef idx="2">
-        <a:scrgbClr r="0" g="0" b="0"/>
-      </a:lnRef>
-      <a:fillRef idx="1">
-        <a:scrgbClr r="0" g="0" b="0"/>
-      </a:fillRef>
-      <a:effectRef idx="0">
-        <a:scrgbClr r="0" g="0" b="0"/>
-      </a:effectRef>
-      <a:fontRef idx="minor"/>
-    </dgm:style>
-  </dgm:styleLbl>
-  <dgm:styleLbl name="bgShp">
-    <dgm:scene3d>
-      <a:camera prst="orthographicFront"/>
-      <a:lightRig rig="threePt" dir="t"/>
-    </dgm:scene3d>
-    <dgm:sp3d/>
-    <dgm:txPr/>
-    <dgm:style>
-      <a:lnRef idx="0">
-        <a:scrgbClr r="0" g="0" b="0"/>
-      </a:lnRef>
-      <a:fillRef idx="1">
-        <a:scrgbClr r="0" g="0" b="0"/>
-      </a:fillRef>
-      <a:effectRef idx="0">
-        <a:scrgbClr r="0" g="0" b="0"/>
-      </a:effectRef>
-      <a:fontRef idx="minor"/>
-    </dgm:style>
-  </dgm:styleLbl>
-  <dgm:styleLbl name="dkBgShp">
-    <dgm:scene3d>
-      <a:camera prst="orthographicFront"/>
-      <a:lightRig rig="threePt" dir="t"/>
-    </dgm:scene3d>
-    <dgm:sp3d/>
-    <dgm:txPr/>
-    <dgm:style>
-      <a:lnRef idx="0">
-        <a:scrgbClr r="0" g="0" b="0"/>
-      </a:lnRef>
-      <a:fillRef idx="1">
-        <a:scrgbClr r="0" g="0" b="0"/>
-      </a:fillRef>
-      <a:effectRef idx="0">
-        <a:scrgbClr r="0" g="0" b="0"/>
-      </a:effectRef>
-      <a:fontRef idx="minor"/>
-    </dgm:style>
-  </dgm:styleLbl>
-  <dgm:styleLbl name="trBgShp">
-    <dgm:scene3d>
-      <a:camera prst="orthographicFront"/>
-      <a:lightRig rig="threePt" dir="t"/>
-    </dgm:scene3d>
-    <dgm:sp3d/>
-    <dgm:txPr/>
-    <dgm:style>
-      <a:lnRef idx="0">
-        <a:scrgbClr r="0" g="0" b="0"/>
-      </a:lnRef>
-      <a:fillRef idx="1">
-        <a:scrgbClr r="0" g="0" b="0"/>
-      </a:fillRef>
-      <a:effectRef idx="0">
-        <a:scrgbClr r="0" g="0" b="0"/>
-      </a:effectRef>
-      <a:fontRef idx="minor"/>
-    </dgm:style>
-  </dgm:styleLbl>
-  <dgm:styleLbl name="fgShp">
-    <dgm:scene3d>
-      <a:camera prst="orthographicFront"/>
-      <a:lightRig rig="threePt" dir="t"/>
-    </dgm:scene3d>
-    <dgm:sp3d/>
-    <dgm:txPr/>
-    <dgm:style>
-      <a:lnRef idx="2">
-        <a:scrgbClr r="0" g="0" b="0"/>
-      </a:lnRef>
-      <a:fillRef idx="1">
-        <a:scrgbClr r="0" g="0" b="0"/>
-      </a:fillRef>
-      <a:effectRef idx="0">
-        <a:scrgbClr r="0" g="0" b="0"/>
-      </a:effectRef>
-      <a:fontRef idx="minor"/>
-    </dgm:style>
-  </dgm:styleLbl>
-  <dgm:styleLbl name="revTx">
-    <dgm:scene3d>
-      <a:camera prst="orthographicFront"/>
-      <a:lightRig rig="threePt" dir="t"/>
-    </dgm:scene3d>
-    <dgm:sp3d/>
-    <dgm:txPr/>
-    <dgm:style>
-      <a:lnRef idx="0">
-        <a:scrgbClr r="0" g="0" b="0"/>
-      </a:lnRef>
-      <a:fillRef idx="0">
-        <a:scrgbClr r="0" g="0" b="0"/>
-      </a:fillRef>
-      <a:effectRef idx="0">
-        <a:scrgbClr r="0" g="0" b="0"/>
-      </a:effectRef>
-      <a:fontRef idx="minor"/>
-    </dgm:style>
-  </dgm:styleLbl>
-</dgm:styleDef>
-</file>
-
-<file path=ppt/diagrams/quickStyle5.xml><?xml version="1.0" encoding="utf-8"?>
 <dgm:styleDef xmlns:dgm="http://schemas.openxmlformats.org/drawingml/2006/diagram" xmlns:a="http://schemas.openxmlformats.org/drawingml/2006/main" uniqueId="urn:microsoft.com/office/officeart/2005/8/quickstyle/simple1">
   <dgm:title val=""/>
   <dgm:desc val=""/>
@@ -16527,7 +12819,7 @@
     </p:spTree>
     <p:extLst>
       <p:ext uri="{BB962C8B-B14F-4D97-AF65-F5344CB8AC3E}">
-        <p14:creationId xmlns:p14="http://schemas.microsoft.com/office/powerpoint/2010/main" val="601810557"/>
+        <p14:creationId xmlns:p14="http://schemas.microsoft.com/office/powerpoint/2010/main" val="2458253079"/>
       </p:ext>
     </p:extLst>
   </p:cSld>
@@ -16538,224 +12830,6 @@
 </file>
 
 <file path=ppt/notesSlides/notesSlide23.xml><?xml version="1.0" encoding="utf-8"?>
-<p:notes xmlns:a="http://schemas.openxmlformats.org/drawingml/2006/main" xmlns:r="http://schemas.openxmlformats.org/officeDocument/2006/relationships" xmlns:p="http://schemas.openxmlformats.org/presentationml/2006/main" showMasterSp="0" showMasterPhAnim="0">
-  <p:cSld>
-    <p:spTree>
-      <p:nvGrpSpPr>
-        <p:cNvPr id="1" name="Shape 139"/>
-        <p:cNvGrpSpPr/>
-        <p:nvPr/>
-      </p:nvGrpSpPr>
-      <p:grpSpPr>
-        <a:xfrm>
-          <a:off x="0" y="0"/>
-          <a:ext cx="0" cy="0"/>
-          <a:chOff x="0" y="0"/>
-          <a:chExt cx="0" cy="0"/>
-        </a:xfrm>
-      </p:grpSpPr>
-      <p:sp>
-        <p:nvSpPr>
-          <p:cNvPr id="140" name="Google Shape;140;g41abfbaf28_3_172:notes"/>
-          <p:cNvSpPr>
-            <a:spLocks noGrp="1" noRot="1" noChangeAspect="1"/>
-          </p:cNvSpPr>
-          <p:nvPr>
-            <p:ph type="sldImg" idx="2"/>
-          </p:nvPr>
-        </p:nvSpPr>
-        <p:spPr>
-          <a:xfrm>
-            <a:off x="381000" y="685800"/>
-            <a:ext cx="6096000" cy="3429000"/>
-          </a:xfrm>
-          <a:custGeom>
-            <a:avLst/>
-            <a:gdLst/>
-            <a:ahLst/>
-            <a:cxnLst/>
-            <a:rect l="l" t="t" r="r" b="b"/>
-            <a:pathLst>
-              <a:path w="120000" h="120000" extrusionOk="0">
-                <a:moveTo>
-                  <a:pt x="0" y="0"/>
-                </a:moveTo>
-                <a:lnTo>
-                  <a:pt x="120000" y="0"/>
-                </a:lnTo>
-                <a:lnTo>
-                  <a:pt x="120000" y="120000"/>
-                </a:lnTo>
-                <a:lnTo>
-                  <a:pt x="0" y="120000"/>
-                </a:lnTo>
-                <a:close/>
-              </a:path>
-            </a:pathLst>
-          </a:custGeom>
-        </p:spPr>
-      </p:sp>
-      <p:sp>
-        <p:nvSpPr>
-          <p:cNvPr id="141" name="Google Shape;141;g41abfbaf28_3_172:notes"/>
-          <p:cNvSpPr txBox="1">
-            <a:spLocks noGrp="1"/>
-          </p:cNvSpPr>
-          <p:nvPr>
-            <p:ph type="body" idx="1"/>
-          </p:nvPr>
-        </p:nvSpPr>
-        <p:spPr>
-          <a:xfrm>
-            <a:off x="685800" y="4343400"/>
-            <a:ext cx="5486400" cy="4114800"/>
-          </a:xfrm>
-          <a:prstGeom prst="rect">
-            <a:avLst/>
-          </a:prstGeom>
-        </p:spPr>
-        <p:txBody>
-          <a:bodyPr spcFirstLastPara="1" wrap="square" lIns="91425" tIns="91425" rIns="91425" bIns="91425" anchor="t" anchorCtr="0">
-            <a:noAutofit/>
-          </a:bodyPr>
-          <a:lstStyle/>
-          <a:p>
-            <a:pPr marL="0" lvl="0" indent="0" algn="l" rtl="0">
-              <a:spcBef>
-                <a:spcPts val="0"/>
-              </a:spcBef>
-              <a:spcAft>
-                <a:spcPts val="0"/>
-              </a:spcAft>
-              <a:buNone/>
-            </a:pPr>
-            <a:endParaRPr dirty="0"/>
-          </a:p>
-        </p:txBody>
-      </p:sp>
-    </p:spTree>
-    <p:extLst>
-      <p:ext uri="{BB962C8B-B14F-4D97-AF65-F5344CB8AC3E}">
-        <p14:creationId xmlns:p14="http://schemas.microsoft.com/office/powerpoint/2010/main" val="767053907"/>
-      </p:ext>
-    </p:extLst>
-  </p:cSld>
-  <p:clrMapOvr>
-    <a:masterClrMapping/>
-  </p:clrMapOvr>
-</p:notes>
-</file>
-
-<file path=ppt/notesSlides/notesSlide24.xml><?xml version="1.0" encoding="utf-8"?>
-<p:notes xmlns:a="http://schemas.openxmlformats.org/drawingml/2006/main" xmlns:r="http://schemas.openxmlformats.org/officeDocument/2006/relationships" xmlns:p="http://schemas.openxmlformats.org/presentationml/2006/main" showMasterSp="0" showMasterPhAnim="0">
-  <p:cSld>
-    <p:spTree>
-      <p:nvGrpSpPr>
-        <p:cNvPr id="1" name="Shape 179"/>
-        <p:cNvGrpSpPr/>
-        <p:nvPr/>
-      </p:nvGrpSpPr>
-      <p:grpSpPr>
-        <a:xfrm>
-          <a:off x="0" y="0"/>
-          <a:ext cx="0" cy="0"/>
-          <a:chOff x="0" y="0"/>
-          <a:chExt cx="0" cy="0"/>
-        </a:xfrm>
-      </p:grpSpPr>
-      <p:sp>
-        <p:nvSpPr>
-          <p:cNvPr id="180" name="Google Shape;180;g5465e7bc0b_1_119:notes"/>
-          <p:cNvSpPr>
-            <a:spLocks noGrp="1" noRot="1" noChangeAspect="1"/>
-          </p:cNvSpPr>
-          <p:nvPr>
-            <p:ph type="sldImg" idx="2"/>
-          </p:nvPr>
-        </p:nvSpPr>
-        <p:spPr>
-          <a:xfrm>
-            <a:off x="381000" y="685800"/>
-            <a:ext cx="6096000" cy="3429000"/>
-          </a:xfrm>
-          <a:custGeom>
-            <a:avLst/>
-            <a:gdLst/>
-            <a:ahLst/>
-            <a:cxnLst/>
-            <a:rect l="l" t="t" r="r" b="b"/>
-            <a:pathLst>
-              <a:path w="120000" h="120000" extrusionOk="0">
-                <a:moveTo>
-                  <a:pt x="0" y="0"/>
-                </a:moveTo>
-                <a:lnTo>
-                  <a:pt x="120000" y="0"/>
-                </a:lnTo>
-                <a:lnTo>
-                  <a:pt x="120000" y="120000"/>
-                </a:lnTo>
-                <a:lnTo>
-                  <a:pt x="0" y="120000"/>
-                </a:lnTo>
-                <a:close/>
-              </a:path>
-            </a:pathLst>
-          </a:custGeom>
-        </p:spPr>
-      </p:sp>
-      <p:sp>
-        <p:nvSpPr>
-          <p:cNvPr id="181" name="Google Shape;181;g5465e7bc0b_1_119:notes"/>
-          <p:cNvSpPr txBox="1">
-            <a:spLocks noGrp="1"/>
-          </p:cNvSpPr>
-          <p:nvPr>
-            <p:ph type="body" idx="1"/>
-          </p:nvPr>
-        </p:nvSpPr>
-        <p:spPr>
-          <a:xfrm>
-            <a:off x="685800" y="4343400"/>
-            <a:ext cx="5486400" cy="4114800"/>
-          </a:xfrm>
-          <a:prstGeom prst="rect">
-            <a:avLst/>
-          </a:prstGeom>
-        </p:spPr>
-        <p:txBody>
-          <a:bodyPr spcFirstLastPara="1" wrap="square" lIns="91425" tIns="91425" rIns="91425" bIns="91425" anchor="t" anchorCtr="0">
-            <a:noAutofit/>
-          </a:bodyPr>
-          <a:lstStyle/>
-          <a:p>
-            <a:pPr marL="0" lvl="0" indent="0" algn="l" rtl="0">
-              <a:spcBef>
-                <a:spcPts val="0"/>
-              </a:spcBef>
-              <a:spcAft>
-                <a:spcPts val="0"/>
-              </a:spcAft>
-              <a:buNone/>
-            </a:pPr>
-            <a:endParaRPr dirty="0"/>
-          </a:p>
-        </p:txBody>
-      </p:sp>
-    </p:spTree>
-    <p:extLst>
-      <p:ext uri="{BB962C8B-B14F-4D97-AF65-F5344CB8AC3E}">
-        <p14:creationId xmlns:p14="http://schemas.microsoft.com/office/powerpoint/2010/main" val="2458253079"/>
-      </p:ext>
-    </p:extLst>
-  </p:cSld>
-  <p:clrMapOvr>
-    <a:masterClrMapping/>
-  </p:clrMapOvr>
-</p:notes>
-</file>
-
-<file path=ppt/notesSlides/notesSlide25.xml><?xml version="1.0" encoding="utf-8"?>
 <p:notes xmlns:a="http://schemas.openxmlformats.org/drawingml/2006/main" xmlns:r="http://schemas.openxmlformats.org/officeDocument/2006/relationships" xmlns:p="http://schemas.openxmlformats.org/presentationml/2006/main" showMasterSp="0" showMasterPhAnim="0">
   <p:cSld>
     <p:spTree>
@@ -17738,7 +13812,7 @@
           <a:p>
             <a:fld id="{6F65847A-E097-4E30-8D7B-0C75C09AEFCB}" type="datetimeFigureOut">
               <a:rPr lang="en-US" smtClean="0"/>
-              <a:t>7/19/2021</a:t>
+              <a:t>7/20/2021</a:t>
             </a:fld>
             <a:endParaRPr lang="en-US"/>
           </a:p>
@@ -17909,7 +13983,7 @@
           <a:p>
             <a:fld id="{6F65847A-E097-4E30-8D7B-0C75C09AEFCB}" type="datetimeFigureOut">
               <a:rPr lang="en-US" smtClean="0"/>
-              <a:t>7/19/2021</a:t>
+              <a:t>7/20/2021</a:t>
             </a:fld>
             <a:endParaRPr lang="en-US"/>
           </a:p>
@@ -18090,7 +14164,7 @@
           <a:p>
             <a:fld id="{6F65847A-E097-4E30-8D7B-0C75C09AEFCB}" type="datetimeFigureOut">
               <a:rPr lang="en-US" smtClean="0"/>
-              <a:t>7/19/2021</a:t>
+              <a:t>7/20/2021</a:t>
             </a:fld>
             <a:endParaRPr lang="en-US"/>
           </a:p>
@@ -24144,7 +20218,7 @@
           <a:p>
             <a:fld id="{6F65847A-E097-4E30-8D7B-0C75C09AEFCB}" type="datetimeFigureOut">
               <a:rPr lang="en-US" smtClean="0"/>
-              <a:t>7/19/2021</a:t>
+              <a:t>7/20/2021</a:t>
             </a:fld>
             <a:endParaRPr lang="en-US"/>
           </a:p>
@@ -24391,7 +20465,7 @@
           <a:p>
             <a:fld id="{6F65847A-E097-4E30-8D7B-0C75C09AEFCB}" type="datetimeFigureOut">
               <a:rPr lang="en-US" smtClean="0"/>
-              <a:t>7/19/2021</a:t>
+              <a:t>7/20/2021</a:t>
             </a:fld>
             <a:endParaRPr lang="en-US"/>
           </a:p>
@@ -24624,7 +20698,7 @@
           <a:p>
             <a:fld id="{6F65847A-E097-4E30-8D7B-0C75C09AEFCB}" type="datetimeFigureOut">
               <a:rPr lang="en-US" smtClean="0"/>
-              <a:t>7/19/2021</a:t>
+              <a:t>7/20/2021</a:t>
             </a:fld>
             <a:endParaRPr lang="en-US"/>
           </a:p>
@@ -24992,7 +21066,7 @@
           <a:p>
             <a:fld id="{6F65847A-E097-4E30-8D7B-0C75C09AEFCB}" type="datetimeFigureOut">
               <a:rPr lang="en-US" smtClean="0"/>
-              <a:t>7/19/2021</a:t>
+              <a:t>7/20/2021</a:t>
             </a:fld>
             <a:endParaRPr lang="en-US"/>
           </a:p>
@@ -25111,7 +21185,7 @@
           <a:p>
             <a:fld id="{6F65847A-E097-4E30-8D7B-0C75C09AEFCB}" type="datetimeFigureOut">
               <a:rPr lang="en-US" smtClean="0"/>
-              <a:t>7/19/2021</a:t>
+              <a:t>7/20/2021</a:t>
             </a:fld>
             <a:endParaRPr lang="en-US"/>
           </a:p>
@@ -25207,7 +21281,7 @@
           <a:p>
             <a:fld id="{6F65847A-E097-4E30-8D7B-0C75C09AEFCB}" type="datetimeFigureOut">
               <a:rPr lang="en-US" smtClean="0"/>
-              <a:t>7/19/2021</a:t>
+              <a:t>7/20/2021</a:t>
             </a:fld>
             <a:endParaRPr lang="en-US"/>
           </a:p>
@@ -25485,7 +21559,7 @@
           <a:p>
             <a:fld id="{6F65847A-E097-4E30-8D7B-0C75C09AEFCB}" type="datetimeFigureOut">
               <a:rPr lang="en-US" smtClean="0"/>
-              <a:t>7/19/2021</a:t>
+              <a:t>7/20/2021</a:t>
             </a:fld>
             <a:endParaRPr lang="en-US"/>
           </a:p>
@@ -25743,7 +21817,7 @@
           <a:p>
             <a:fld id="{6F65847A-E097-4E30-8D7B-0C75C09AEFCB}" type="datetimeFigureOut">
               <a:rPr lang="en-US" smtClean="0"/>
-              <a:t>7/19/2021</a:t>
+              <a:t>7/20/2021</a:t>
             </a:fld>
             <a:endParaRPr lang="en-US"/>
           </a:p>
@@ -25957,7 +22031,7 @@
           <a:p>
             <a:fld id="{6F65847A-E097-4E30-8D7B-0C75C09AEFCB}" type="datetimeFigureOut">
               <a:rPr lang="en-US" smtClean="0"/>
-              <a:t>7/19/2021</a:t>
+              <a:t>7/20/2021</a:t>
             </a:fld>
             <a:endParaRPr lang="en-US"/>
           </a:p>
@@ -29390,7 +25464,7 @@
           <p:nvPr>
             <p:extLst>
               <p:ext uri="{D42A27DB-BD31-4B8C-83A1-F6EECF244321}">
-                <p14:modId xmlns:p14="http://schemas.microsoft.com/office/powerpoint/2010/main" val="4210974297"/>
+                <p14:modId xmlns:p14="http://schemas.microsoft.com/office/powerpoint/2010/main" val="4183173788"/>
               </p:ext>
             </p:extLst>
           </p:nvPr>
@@ -29455,7 +25529,7 @@
         </p:nvSpPr>
         <p:spPr>
           <a:xfrm>
-            <a:off x="2163344" y="2174028"/>
+            <a:off x="2143609" y="2621232"/>
             <a:ext cx="3651384" cy="646331"/>
           </a:xfrm>
           <a:prstGeom prst="rect">
@@ -29489,10 +25563,10 @@
       </p:sp>
       <p:sp>
         <p:nvSpPr>
-          <p:cNvPr id="5" name="TextBox 4">
+          <p:cNvPr id="7" name="TextBox 6">
             <a:extLst>
               <a:ext uri="{FF2B5EF4-FFF2-40B4-BE49-F238E27FC236}">
-                <a16:creationId xmlns:a16="http://schemas.microsoft.com/office/drawing/2014/main" id="{4C9BEAF0-3520-44CC-B81D-1D77ECB77274}"/>
+                <a16:creationId xmlns:a16="http://schemas.microsoft.com/office/drawing/2014/main" id="{892235D8-BA12-414A-8F6F-39E57F014F55}"/>
               </a:ext>
             </a:extLst>
           </p:cNvPr>
@@ -29501,8 +25575,8 @@
         </p:nvSpPr>
         <p:spPr>
           <a:xfrm>
-            <a:off x="2177960" y="3058013"/>
-            <a:ext cx="1223412" cy="646331"/>
+            <a:off x="2200506" y="3764462"/>
+            <a:ext cx="1826141" cy="923330"/>
           </a:xfrm>
           <a:prstGeom prst="rect">
             <a:avLst/>
@@ -29516,7 +25590,16 @@
           <a:lstStyle/>
           <a:p>
             <a:r>
-              <a:rPr lang="en-US" sz="1800" b="1" kern="1200" dirty="0">
+              <a:rPr lang="en-US" b="1">
+                <a:solidFill>
+                  <a:prstClr val="white"/>
+                </a:solidFill>
+                <a:latin typeface="Arial" panose="020B0604020202020204"/>
+              </a:rPr>
+              <a:t>III</a:t>
+            </a:r>
+            <a:r>
+              <a:rPr lang="en-US" sz="1800" b="1" kern="1200">
                 <a:solidFill>
                   <a:prstClr val="white"/>
                 </a:solidFill>
@@ -29524,52 +25607,7 @@
                 <a:ea typeface="+mn-ea"/>
                 <a:cs typeface="+mn-cs"/>
               </a:rPr>
-              <a:t>III. Hardly</a:t>
-            </a:r>
-          </a:p>
-          <a:p>
-            <a:endParaRPr lang="en-US" dirty="0"/>
-          </a:p>
-        </p:txBody>
-      </p:sp>
-      <p:sp>
-        <p:nvSpPr>
-          <p:cNvPr id="7" name="TextBox 6">
-            <a:extLst>
-              <a:ext uri="{FF2B5EF4-FFF2-40B4-BE49-F238E27FC236}">
-                <a16:creationId xmlns:a16="http://schemas.microsoft.com/office/drawing/2014/main" id="{892235D8-BA12-414A-8F6F-39E57F014F55}"/>
-              </a:ext>
-            </a:extLst>
-          </p:cNvPr>
-          <p:cNvSpPr txBox="1"/>
-          <p:nvPr/>
-        </p:nvSpPr>
-        <p:spPr>
-          <a:xfrm>
-            <a:off x="2200506" y="3889451"/>
-            <a:ext cx="1851789" cy="923330"/>
-          </a:xfrm>
-          <a:prstGeom prst="rect">
-            <a:avLst/>
-          </a:prstGeom>
-          <a:noFill/>
-        </p:spPr>
-        <p:txBody>
-          <a:bodyPr wrap="none" rtlCol="0">
-            <a:spAutoFit/>
-          </a:bodyPr>
-          <a:lstStyle/>
-          <a:p>
-            <a:r>
-              <a:rPr lang="en-US" sz="1800" b="1" kern="1200" dirty="0">
-                <a:solidFill>
-                  <a:prstClr val="white"/>
-                </a:solidFill>
-                <a:latin typeface="Arial" panose="020B0604020202020204"/>
-                <a:ea typeface="+mn-ea"/>
-                <a:cs typeface="+mn-cs"/>
-              </a:rPr>
-              <a:t>VI. </a:t>
+              <a:t>. </a:t>
             </a:r>
             <a:r>
               <a:rPr lang="en-US" b="1" dirty="0">
@@ -29811,7 +25849,7 @@
                                           </p:stCondLst>
                                         </p:cTn>
                                         <p:tgtEl>
-                                          <p:spTgt spid="5"/>
+                                          <p:spTgt spid="7"/>
                                         </p:tgtEl>
                                         <p:attrNameLst>
                                           <p:attrName>style.visibility</p:attrName>
@@ -29824,41 +25862,6 @@
                                     <p:animEffect transition="in" filter="fade">
                                       <p:cBhvr>
                                         <p:cTn id="16" dur="500"/>
-                                        <p:tgtEl>
-                                          <p:spTgt spid="5"/>
-                                        </p:tgtEl>
-                                      </p:cBhvr>
-                                    </p:animEffect>
-                                  </p:childTnLst>
-                                </p:cTn>
-                              </p:par>
-                              <p:par>
-                                <p:cTn id="17" presetID="10" presetClass="entr" presetSubtype="0" fill="hold" grpId="0" nodeType="withEffect">
-                                  <p:stCondLst>
-                                    <p:cond delay="0"/>
-                                  </p:stCondLst>
-                                  <p:childTnLst>
-                                    <p:set>
-                                      <p:cBhvr>
-                                        <p:cTn id="18" dur="1" fill="hold">
-                                          <p:stCondLst>
-                                            <p:cond delay="0"/>
-                                          </p:stCondLst>
-                                        </p:cTn>
-                                        <p:tgtEl>
-                                          <p:spTgt spid="7"/>
-                                        </p:tgtEl>
-                                        <p:attrNameLst>
-                                          <p:attrName>style.visibility</p:attrName>
-                                        </p:attrNameLst>
-                                      </p:cBhvr>
-                                      <p:to>
-                                        <p:strVal val="visible"/>
-                                      </p:to>
-                                    </p:set>
-                                    <p:animEffect transition="in" filter="fade">
-                                      <p:cBhvr>
-                                        <p:cTn id="19" dur="500"/>
                                         <p:tgtEl>
                                           <p:spTgt spid="7"/>
                                         </p:tgtEl>
@@ -29899,7 +25902,6 @@
         <p:bldAsOne/>
       </p:bldGraphic>
       <p:bldP spid="4" grpId="0"/>
-      <p:bldP spid="5" grpId="0"/>
       <p:bldP spid="7" grpId="0"/>
       <p:bldP spid="3" grpId="0"/>
     </p:bldLst>
@@ -36028,41 +32030,6 @@
       </p:sp>
       <p:sp>
         <p:nvSpPr>
-          <p:cNvPr id="17" name="TextBox 16">
-            <a:extLst>
-              <a:ext uri="{FF2B5EF4-FFF2-40B4-BE49-F238E27FC236}">
-                <a16:creationId xmlns:a16="http://schemas.microsoft.com/office/drawing/2014/main" id="{FFCCA24E-48B7-47E3-8CDC-0277C4172935}"/>
-              </a:ext>
-            </a:extLst>
-          </p:cNvPr>
-          <p:cNvSpPr txBox="1"/>
-          <p:nvPr/>
-        </p:nvSpPr>
-        <p:spPr>
-          <a:xfrm>
-            <a:off x="2496531" y="1764455"/>
-            <a:ext cx="2813591" cy="369332"/>
-          </a:xfrm>
-          <a:prstGeom prst="rect">
-            <a:avLst/>
-          </a:prstGeom>
-          <a:noFill/>
-        </p:spPr>
-        <p:txBody>
-          <a:bodyPr wrap="none" rtlCol="0">
-            <a:spAutoFit/>
-          </a:bodyPr>
-          <a:lstStyle/>
-          <a:p>
-            <a:r>
-              <a:rPr lang="en-US" dirty="0"/>
-              <a:t>Improve website interface</a:t>
-            </a:r>
-          </a:p>
-        </p:txBody>
-      </p:sp>
-      <p:sp>
-        <p:nvSpPr>
           <p:cNvPr id="25" name="TextBox 24">
             <a:extLst>
               <a:ext uri="{FF2B5EF4-FFF2-40B4-BE49-F238E27FC236}">
@@ -36075,7 +32042,7 @@
         </p:nvSpPr>
         <p:spPr>
           <a:xfrm>
-            <a:off x="2496531" y="2416976"/>
+            <a:off x="2496531" y="1788557"/>
             <a:ext cx="1668085" cy="369332"/>
           </a:xfrm>
           <a:prstGeom prst="rect">
@@ -36110,7 +32077,7 @@
         </p:nvSpPr>
         <p:spPr>
           <a:xfrm>
-            <a:off x="2496531" y="3003177"/>
+            <a:off x="2496531" y="2374758"/>
             <a:ext cx="671979" cy="369332"/>
           </a:xfrm>
           <a:prstGeom prst="rect">
@@ -36145,7 +32112,7 @@
         </p:nvSpPr>
         <p:spPr>
           <a:xfrm>
-            <a:off x="2496531" y="3562480"/>
+            <a:off x="2496531" y="2934061"/>
             <a:ext cx="3416320" cy="369332"/>
           </a:xfrm>
           <a:prstGeom prst="rect">
@@ -36180,7 +32147,7 @@
         </p:nvSpPr>
         <p:spPr>
           <a:xfrm>
-            <a:off x="2496531" y="4183126"/>
+            <a:off x="2496531" y="3554707"/>
             <a:ext cx="1338828" cy="369332"/>
           </a:xfrm>
           <a:prstGeom prst="rect">
@@ -36203,152 +32170,6 @@
       </p:sp>
       <p:sp>
         <p:nvSpPr>
-          <p:cNvPr id="36" name="Google Shape;767;p9">
-            <a:extLst>
-              <a:ext uri="{FF2B5EF4-FFF2-40B4-BE49-F238E27FC236}">
-                <a16:creationId xmlns:a16="http://schemas.microsoft.com/office/drawing/2014/main" id="{54FF2920-8402-4192-866D-36A0E32DCBCD}"/>
-              </a:ext>
-            </a:extLst>
-          </p:cNvPr>
-          <p:cNvSpPr/>
-          <p:nvPr/>
-        </p:nvSpPr>
-        <p:spPr>
-          <a:xfrm>
-            <a:off x="1782616" y="1751082"/>
-            <a:ext cx="337678" cy="357621"/>
-          </a:xfrm>
-          <a:prstGeom prst="rect">
-            <a:avLst/>
-          </a:prstGeom>
-          <a:solidFill>
-            <a:schemeClr val="accent6">
-              <a:lumMod val="60000"/>
-              <a:lumOff val="40000"/>
-            </a:schemeClr>
-          </a:solidFill>
-          <a:ln/>
-        </p:spPr>
-        <p:style>
-          <a:lnRef idx="0">
-            <a:schemeClr val="accent6"/>
-          </a:lnRef>
-          <a:fillRef idx="3">
-            <a:schemeClr val="accent6"/>
-          </a:fillRef>
-          <a:effectRef idx="3">
-            <a:schemeClr val="accent6"/>
-          </a:effectRef>
-          <a:fontRef idx="minor">
-            <a:schemeClr val="lt1"/>
-          </a:fontRef>
-        </p:style>
-        <p:txBody>
-          <a:bodyPr spcFirstLastPara="1" wrap="square" lIns="34284" tIns="34284" rIns="34284" bIns="34284" anchor="ctr" anchorCtr="0">
-            <a:noAutofit/>
-          </a:bodyPr>
-          <a:lstStyle/>
-          <a:p>
-            <a:pPr>
-              <a:buClr>
-                <a:srgbClr val="74808C"/>
-              </a:buClr>
-              <a:buSzPts val="2000"/>
-            </a:pPr>
-            <a:endParaRPr sz="750" dirty="0">
-              <a:solidFill>
-                <a:srgbClr val="283945"/>
-              </a:solidFill>
-              <a:latin typeface="Poppins"/>
-              <a:ea typeface="Poppins"/>
-              <a:cs typeface="Poppins"/>
-              <a:sym typeface="Poppins"/>
-            </a:endParaRPr>
-          </a:p>
-        </p:txBody>
-      </p:sp>
-      <p:sp>
-        <p:nvSpPr>
-          <p:cNvPr id="37" name="Google Shape;779;p9">
-            <a:extLst>
-              <a:ext uri="{FF2B5EF4-FFF2-40B4-BE49-F238E27FC236}">
-                <a16:creationId xmlns:a16="http://schemas.microsoft.com/office/drawing/2014/main" id="{75D1695D-8EE2-4D92-8F8F-4F81921EB7F8}"/>
-              </a:ext>
-            </a:extLst>
-          </p:cNvPr>
-          <p:cNvSpPr/>
-          <p:nvPr/>
-        </p:nvSpPr>
-        <p:spPr>
-          <a:xfrm>
-            <a:off x="1870510" y="1863536"/>
-            <a:ext cx="191578" cy="144753"/>
-          </a:xfrm>
-          <a:custGeom>
-            <a:avLst/>
-            <a:gdLst/>
-            <a:ahLst/>
-            <a:cxnLst/>
-            <a:rect l="l" t="t" r="r" b="b"/>
-            <a:pathLst>
-              <a:path w="1603" h="1211" fill="none" extrusionOk="0">
-                <a:moveTo>
-                  <a:pt x="0" y="849"/>
-                </a:moveTo>
-                <a:lnTo>
-                  <a:pt x="534" y="1211"/>
-                </a:lnTo>
-                <a:lnTo>
-                  <a:pt x="1603" y="1"/>
-                </a:lnTo>
-              </a:path>
-            </a:pathLst>
-          </a:custGeom>
-          <a:ln>
-            <a:headEnd type="none" w="sm" len="sm"/>
-            <a:tailEnd type="none" w="sm" len="sm"/>
-          </a:ln>
-        </p:spPr>
-        <p:style>
-          <a:lnRef idx="3">
-            <a:schemeClr val="dk1"/>
-          </a:lnRef>
-          <a:fillRef idx="0">
-            <a:schemeClr val="dk1"/>
-          </a:fillRef>
-          <a:effectRef idx="2">
-            <a:schemeClr val="dk1"/>
-          </a:effectRef>
-          <a:fontRef idx="minor">
-            <a:schemeClr val="tx1"/>
-          </a:fontRef>
-        </p:style>
-        <p:txBody>
-          <a:bodyPr spcFirstLastPara="1" wrap="square" lIns="34284" tIns="34284" rIns="34284" bIns="34284" anchor="ctr" anchorCtr="0">
-            <a:noAutofit/>
-          </a:bodyPr>
-          <a:lstStyle/>
-          <a:p>
-            <a:pPr>
-              <a:buClr>
-                <a:srgbClr val="74808C"/>
-              </a:buClr>
-              <a:buSzPts val="2000"/>
-            </a:pPr>
-            <a:endParaRPr sz="750" dirty="0">
-              <a:solidFill>
-                <a:srgbClr val="74808C"/>
-              </a:solidFill>
-              <a:latin typeface="Poppins"/>
-              <a:ea typeface="Poppins"/>
-              <a:cs typeface="Poppins"/>
-              <a:sym typeface="Poppins"/>
-            </a:endParaRPr>
-          </a:p>
-        </p:txBody>
-      </p:sp>
-      <p:sp>
-        <p:nvSpPr>
           <p:cNvPr id="38" name="Google Shape;767;p9">
             <a:extLst>
               <a:ext uri="{FF2B5EF4-FFF2-40B4-BE49-F238E27FC236}">
@@ -36361,7 +32182,7 @@
         </p:nvSpPr>
         <p:spPr>
           <a:xfrm>
-            <a:off x="1783718" y="2390287"/>
+            <a:off x="1783718" y="1761868"/>
             <a:ext cx="337678" cy="357621"/>
           </a:xfrm>
           <a:prstGeom prst="rect">
@@ -36427,7 +32248,7 @@
         </p:nvSpPr>
         <p:spPr>
           <a:xfrm>
-            <a:off x="1871612" y="2502741"/>
+            <a:off x="1871612" y="1874322"/>
             <a:ext cx="191578" cy="144753"/>
           </a:xfrm>
           <a:custGeom>
@@ -36507,7 +32328,7 @@
         </p:nvSpPr>
         <p:spPr>
           <a:xfrm>
-            <a:off x="1782065" y="2993128"/>
+            <a:off x="1782065" y="2364709"/>
             <a:ext cx="337678" cy="357621"/>
           </a:xfrm>
           <a:prstGeom prst="rect">
@@ -36573,7 +32394,7 @@
         </p:nvSpPr>
         <p:spPr>
           <a:xfrm>
-            <a:off x="1869959" y="3105582"/>
+            <a:off x="1869959" y="2477163"/>
             <a:ext cx="191578" cy="144753"/>
           </a:xfrm>
           <a:custGeom>
@@ -36653,7 +32474,7 @@
         </p:nvSpPr>
         <p:spPr>
           <a:xfrm>
-            <a:off x="1781514" y="3620565"/>
+            <a:off x="1781514" y="2992146"/>
             <a:ext cx="337678" cy="357621"/>
           </a:xfrm>
           <a:prstGeom prst="rect">
@@ -36719,7 +32540,7 @@
         </p:nvSpPr>
         <p:spPr>
           <a:xfrm>
-            <a:off x="1869408" y="3733019"/>
+            <a:off x="1869408" y="3104600"/>
             <a:ext cx="191578" cy="144753"/>
           </a:xfrm>
           <a:custGeom>
@@ -36799,7 +32620,7 @@
         </p:nvSpPr>
         <p:spPr>
           <a:xfrm>
-            <a:off x="1782616" y="4259770"/>
+            <a:off x="1782616" y="3631351"/>
             <a:ext cx="337678" cy="357621"/>
           </a:xfrm>
           <a:prstGeom prst="rect">
@@ -36865,7 +32686,7 @@
         </p:nvSpPr>
         <p:spPr>
           <a:xfrm>
-            <a:off x="1870510" y="4372224"/>
+            <a:off x="1870510" y="3743805"/>
             <a:ext cx="191578" cy="144753"/>
           </a:xfrm>
           <a:custGeom>
@@ -37110,7 +32931,7 @@
                                           </p:stCondLst>
                                         </p:cTn>
                                         <p:tgtEl>
-                                          <p:spTgt spid="37"/>
+                                          <p:spTgt spid="39"/>
                                         </p:tgtEl>
                                         <p:attrNameLst>
                                           <p:attrName>style.visibility</p:attrName>
@@ -37124,7 +32945,7 @@
                                       <p:cBhvr>
                                         <p:cTn id="18" dur="500"/>
                                         <p:tgtEl>
-                                          <p:spTgt spid="37"/>
+                                          <p:spTgt spid="39"/>
                                         </p:tgtEl>
                                       </p:cBhvr>
                                     </p:animEffect>
@@ -37145,7 +32966,7 @@
                                           </p:stCondLst>
                                         </p:cTn>
                                         <p:tgtEl>
-                                          <p:spTgt spid="36"/>
+                                          <p:spTgt spid="38"/>
                                         </p:tgtEl>
                                         <p:attrNameLst>
                                           <p:attrName>style.visibility</p:attrName>
@@ -37159,7 +32980,7 @@
                                       <p:cBhvr>
                                         <p:cTn id="21" dur="500"/>
                                         <p:tgtEl>
-                                          <p:spTgt spid="36"/>
+                                          <p:spTgt spid="38"/>
                                         </p:tgtEl>
                                       </p:cBhvr>
                                     </p:animEffect>
@@ -37180,7 +33001,7 @@
                                           </p:stCondLst>
                                         </p:cTn>
                                         <p:tgtEl>
-                                          <p:spTgt spid="17"/>
+                                          <p:spTgt spid="25"/>
                                         </p:tgtEl>
                                         <p:attrNameLst>
                                           <p:attrName>style.visibility</p:attrName>
@@ -37194,7 +33015,7 @@
                                       <p:cBhvr>
                                         <p:cTn id="24" dur="500"/>
                                         <p:tgtEl>
-                                          <p:spTgt spid="17"/>
+                                          <p:spTgt spid="25"/>
                                         </p:tgtEl>
                                       </p:cBhvr>
                                     </p:animEffect>
@@ -37233,7 +33054,7 @@
                                           </p:stCondLst>
                                         </p:cTn>
                                         <p:tgtEl>
-                                          <p:spTgt spid="39"/>
+                                          <p:spTgt spid="47"/>
                                         </p:tgtEl>
                                         <p:attrNameLst>
                                           <p:attrName>style.visibility</p:attrName>
@@ -37247,7 +33068,7 @@
                                       <p:cBhvr>
                                         <p:cTn id="29" dur="500"/>
                                         <p:tgtEl>
-                                          <p:spTgt spid="39"/>
+                                          <p:spTgt spid="47"/>
                                         </p:tgtEl>
                                       </p:cBhvr>
                                     </p:animEffect>
@@ -37268,7 +33089,7 @@
                                           </p:stCondLst>
                                         </p:cTn>
                                         <p:tgtEl>
-                                          <p:spTgt spid="38"/>
+                                          <p:spTgt spid="46"/>
                                         </p:tgtEl>
                                         <p:attrNameLst>
                                           <p:attrName>style.visibility</p:attrName>
@@ -37282,7 +33103,7 @@
                                       <p:cBhvr>
                                         <p:cTn id="32" dur="500"/>
                                         <p:tgtEl>
-                                          <p:spTgt spid="38"/>
+                                          <p:spTgt spid="46"/>
                                         </p:tgtEl>
                                       </p:cBhvr>
                                     </p:animEffect>
@@ -37303,7 +33124,7 @@
                                           </p:stCondLst>
                                         </p:cTn>
                                         <p:tgtEl>
-                                          <p:spTgt spid="25"/>
+                                          <p:spTgt spid="28"/>
                                         </p:tgtEl>
                                         <p:attrNameLst>
                                           <p:attrName>style.visibility</p:attrName>
@@ -37317,7 +33138,7 @@
                                       <p:cBhvr>
                                         <p:cTn id="35" dur="500"/>
                                         <p:tgtEl>
-                                          <p:spTgt spid="25"/>
+                                          <p:spTgt spid="28"/>
                                         </p:tgtEl>
                                       </p:cBhvr>
                                     </p:animEffect>
@@ -37356,7 +33177,7 @@
                                           </p:stCondLst>
                                         </p:cTn>
                                         <p:tgtEl>
-                                          <p:spTgt spid="47"/>
+                                          <p:spTgt spid="49"/>
                                         </p:tgtEl>
                                         <p:attrNameLst>
                                           <p:attrName>style.visibility</p:attrName>
@@ -37370,7 +33191,7 @@
                                       <p:cBhvr>
                                         <p:cTn id="40" dur="500"/>
                                         <p:tgtEl>
-                                          <p:spTgt spid="47"/>
+                                          <p:spTgt spid="49"/>
                                         </p:tgtEl>
                                       </p:cBhvr>
                                     </p:animEffect>
@@ -37391,7 +33212,7 @@
                                           </p:stCondLst>
                                         </p:cTn>
                                         <p:tgtEl>
-                                          <p:spTgt spid="46"/>
+                                          <p:spTgt spid="48"/>
                                         </p:tgtEl>
                                         <p:attrNameLst>
                                           <p:attrName>style.visibility</p:attrName>
@@ -37405,7 +33226,7 @@
                                       <p:cBhvr>
                                         <p:cTn id="43" dur="500"/>
                                         <p:tgtEl>
-                                          <p:spTgt spid="46"/>
+                                          <p:spTgt spid="48"/>
                                         </p:tgtEl>
                                       </p:cBhvr>
                                     </p:animEffect>
@@ -37426,7 +33247,7 @@
                                           </p:stCondLst>
                                         </p:cTn>
                                         <p:tgtEl>
-                                          <p:spTgt spid="28"/>
+                                          <p:spTgt spid="31"/>
                                         </p:tgtEl>
                                         <p:attrNameLst>
                                           <p:attrName>style.visibility</p:attrName>
@@ -37440,7 +33261,7 @@
                                       <p:cBhvr>
                                         <p:cTn id="46" dur="500"/>
                                         <p:tgtEl>
-                                          <p:spTgt spid="28"/>
+                                          <p:spTgt spid="31"/>
                                         </p:tgtEl>
                                       </p:cBhvr>
                                     </p:animEffect>
@@ -37479,7 +33300,7 @@
                                           </p:stCondLst>
                                         </p:cTn>
                                         <p:tgtEl>
-                                          <p:spTgt spid="49"/>
+                                          <p:spTgt spid="51"/>
                                         </p:tgtEl>
                                         <p:attrNameLst>
                                           <p:attrName>style.visibility</p:attrName>
@@ -37493,7 +33314,7 @@
                                       <p:cBhvr>
                                         <p:cTn id="51" dur="500"/>
                                         <p:tgtEl>
-                                          <p:spTgt spid="49"/>
+                                          <p:spTgt spid="51"/>
                                         </p:tgtEl>
                                       </p:cBhvr>
                                     </p:animEffect>
@@ -37514,7 +33335,7 @@
                                           </p:stCondLst>
                                         </p:cTn>
                                         <p:tgtEl>
-                                          <p:spTgt spid="48"/>
+                                          <p:spTgt spid="50"/>
                                         </p:tgtEl>
                                         <p:attrNameLst>
                                           <p:attrName>style.visibility</p:attrName>
@@ -37528,7 +33349,7 @@
                                       <p:cBhvr>
                                         <p:cTn id="54" dur="500"/>
                                         <p:tgtEl>
-                                          <p:spTgt spid="48"/>
+                                          <p:spTgt spid="50"/>
                                         </p:tgtEl>
                                       </p:cBhvr>
                                     </p:animEffect>
@@ -37549,7 +33370,7 @@
                                           </p:stCondLst>
                                         </p:cTn>
                                         <p:tgtEl>
-                                          <p:spTgt spid="31"/>
+                                          <p:spTgt spid="34"/>
                                         </p:tgtEl>
                                         <p:attrNameLst>
                                           <p:attrName>style.visibility</p:attrName>
@@ -37562,129 +33383,6 @@
                                     <p:animEffect transition="in" filter="fade">
                                       <p:cBhvr>
                                         <p:cTn id="57" dur="500"/>
-                                        <p:tgtEl>
-                                          <p:spTgt spid="31"/>
-                                        </p:tgtEl>
-                                      </p:cBhvr>
-                                    </p:animEffect>
-                                  </p:childTnLst>
-                                </p:cTn>
-                              </p:par>
-                            </p:childTnLst>
-                          </p:cTn>
-                        </p:par>
-                      </p:childTnLst>
-                    </p:cTn>
-                  </p:par>
-                  <p:par>
-                    <p:cTn id="58" fill="hold">
-                      <p:stCondLst>
-                        <p:cond delay="indefinite"/>
-                      </p:stCondLst>
-                      <p:childTnLst>
-                        <p:par>
-                          <p:cTn id="59" fill="hold">
-                            <p:stCondLst>
-                              <p:cond delay="0"/>
-                            </p:stCondLst>
-                            <p:childTnLst>
-                              <p:par>
-                                <p:cTn id="60" presetID="10" presetClass="entr" presetSubtype="0" fill="hold" grpId="0" nodeType="clickEffect">
-                                  <p:stCondLst>
-                                    <p:cond delay="0"/>
-                                  </p:stCondLst>
-                                  <p:childTnLst>
-                                    <p:set>
-                                      <p:cBhvr>
-                                        <p:cTn id="61" dur="1" fill="hold">
-                                          <p:stCondLst>
-                                            <p:cond delay="0"/>
-                                          </p:stCondLst>
-                                        </p:cTn>
-                                        <p:tgtEl>
-                                          <p:spTgt spid="51"/>
-                                        </p:tgtEl>
-                                        <p:attrNameLst>
-                                          <p:attrName>style.visibility</p:attrName>
-                                        </p:attrNameLst>
-                                      </p:cBhvr>
-                                      <p:to>
-                                        <p:strVal val="visible"/>
-                                      </p:to>
-                                    </p:set>
-                                    <p:animEffect transition="in" filter="fade">
-                                      <p:cBhvr>
-                                        <p:cTn id="62" dur="500"/>
-                                        <p:tgtEl>
-                                          <p:spTgt spid="51"/>
-                                        </p:tgtEl>
-                                      </p:cBhvr>
-                                    </p:animEffect>
-                                  </p:childTnLst>
-                                </p:cTn>
-                              </p:par>
-                              <p:par>
-                                <p:cTn id="63" presetID="10" presetClass="entr" presetSubtype="0" fill="hold" grpId="0" nodeType="withEffect">
-                                  <p:stCondLst>
-                                    <p:cond delay="0"/>
-                                  </p:stCondLst>
-                                  <p:childTnLst>
-                                    <p:set>
-                                      <p:cBhvr>
-                                        <p:cTn id="64" dur="1" fill="hold">
-                                          <p:stCondLst>
-                                            <p:cond delay="0"/>
-                                          </p:stCondLst>
-                                        </p:cTn>
-                                        <p:tgtEl>
-                                          <p:spTgt spid="50"/>
-                                        </p:tgtEl>
-                                        <p:attrNameLst>
-                                          <p:attrName>style.visibility</p:attrName>
-                                        </p:attrNameLst>
-                                      </p:cBhvr>
-                                      <p:to>
-                                        <p:strVal val="visible"/>
-                                      </p:to>
-                                    </p:set>
-                                    <p:animEffect transition="in" filter="fade">
-                                      <p:cBhvr>
-                                        <p:cTn id="65" dur="500"/>
-                                        <p:tgtEl>
-                                          <p:spTgt spid="50"/>
-                                        </p:tgtEl>
-                                      </p:cBhvr>
-                                    </p:animEffect>
-                                  </p:childTnLst>
-                                </p:cTn>
-                              </p:par>
-                              <p:par>
-                                <p:cTn id="66" presetID="10" presetClass="entr" presetSubtype="0" fill="hold" grpId="0" nodeType="withEffect">
-                                  <p:stCondLst>
-                                    <p:cond delay="0"/>
-                                  </p:stCondLst>
-                                  <p:childTnLst>
-                                    <p:set>
-                                      <p:cBhvr>
-                                        <p:cTn id="67" dur="1" fill="hold">
-                                          <p:stCondLst>
-                                            <p:cond delay="0"/>
-                                          </p:stCondLst>
-                                        </p:cTn>
-                                        <p:tgtEl>
-                                          <p:spTgt spid="34"/>
-                                        </p:tgtEl>
-                                        <p:attrNameLst>
-                                          <p:attrName>style.visibility</p:attrName>
-                                        </p:attrNameLst>
-                                      </p:cBhvr>
-                                      <p:to>
-                                        <p:strVal val="visible"/>
-                                      </p:to>
-                                    </p:set>
-                                    <p:animEffect transition="in" filter="fade">
-                                      <p:cBhvr>
-                                        <p:cTn id="68" dur="500"/>
                                         <p:tgtEl>
                                           <p:spTgt spid="34"/>
                                         </p:tgtEl>
@@ -37724,13 +33422,10 @@
       <p:bldP spid="14" grpId="0" animBg="1"/>
       <p:bldP spid="15" grpId="0" animBg="1"/>
       <p:bldP spid="4" grpId="0"/>
-      <p:bldP spid="17" grpId="0"/>
       <p:bldP spid="25" grpId="0"/>
       <p:bldP spid="28" grpId="0"/>
       <p:bldP spid="31" grpId="0"/>
       <p:bldP spid="34" grpId="0"/>
-      <p:bldP spid="36" grpId="0" animBg="1"/>
-      <p:bldP spid="37" grpId="0" animBg="1"/>
       <p:bldP spid="38" grpId="0" animBg="1"/>
       <p:bldP spid="39" grpId="0" animBg="1"/>
       <p:bldP spid="46" grpId="0" animBg="1"/>
@@ -38159,7 +33854,7 @@
           <p:nvPr>
             <p:extLst>
               <p:ext uri="{D42A27DB-BD31-4B8C-83A1-F6EECF244321}">
-                <p14:modId xmlns:p14="http://schemas.microsoft.com/office/powerpoint/2010/main" val="2310460565"/>
+                <p14:modId xmlns:p14="http://schemas.microsoft.com/office/powerpoint/2010/main" val="614318119"/>
               </p:ext>
             </p:extLst>
           </p:nvPr>
@@ -38188,7 +33883,7 @@
         </p:nvSpPr>
         <p:spPr>
           <a:xfrm>
-            <a:off x="2163344" y="2174028"/>
+            <a:off x="2156765" y="2583703"/>
             <a:ext cx="3651384" cy="646331"/>
           </a:xfrm>
           <a:prstGeom prst="rect">
@@ -38222,10 +33917,10 @@
       </p:sp>
       <p:sp>
         <p:nvSpPr>
-          <p:cNvPr id="15" name="TextBox 14">
+          <p:cNvPr id="16" name="TextBox 15">
             <a:extLst>
               <a:ext uri="{FF2B5EF4-FFF2-40B4-BE49-F238E27FC236}">
-                <a16:creationId xmlns:a16="http://schemas.microsoft.com/office/drawing/2014/main" id="{5BFF1E40-388F-487F-89DF-95E4407C64C9}"/>
+                <a16:creationId xmlns:a16="http://schemas.microsoft.com/office/drawing/2014/main" id="{C338F1C3-21FB-4305-8E15-8E77470B5EBA}"/>
               </a:ext>
             </a:extLst>
           </p:cNvPr>
@@ -38234,8 +33929,8 @@
         </p:nvSpPr>
         <p:spPr>
           <a:xfrm>
-            <a:off x="2177960" y="3058013"/>
-            <a:ext cx="1223412" cy="646331"/>
+            <a:off x="2200506" y="3889451"/>
+            <a:ext cx="1826141" cy="923330"/>
           </a:xfrm>
           <a:prstGeom prst="rect">
             <a:avLst/>
@@ -38249,50 +33944,14 @@
           <a:lstStyle/>
           <a:p>
             <a:r>
-              <a:rPr lang="en-US" sz="1800" b="1" kern="1200" dirty="0">
+              <a:rPr lang="en-US" b="1" dirty="0">
                 <a:solidFill>
                   <a:prstClr val="white"/>
                 </a:solidFill>
                 <a:latin typeface="Arial" panose="020B0604020202020204"/>
-                <a:ea typeface="+mn-ea"/>
-                <a:cs typeface="+mn-cs"/>
               </a:rPr>
-              <a:t>III. Hardly</a:t>
+              <a:t>III</a:t>
             </a:r>
-          </a:p>
-          <a:p>
-            <a:endParaRPr lang="en-US" dirty="0"/>
-          </a:p>
-        </p:txBody>
-      </p:sp>
-      <p:sp>
-        <p:nvSpPr>
-          <p:cNvPr id="16" name="TextBox 15">
-            <a:extLst>
-              <a:ext uri="{FF2B5EF4-FFF2-40B4-BE49-F238E27FC236}">
-                <a16:creationId xmlns:a16="http://schemas.microsoft.com/office/drawing/2014/main" id="{C338F1C3-21FB-4305-8E15-8E77470B5EBA}"/>
-              </a:ext>
-            </a:extLst>
-          </p:cNvPr>
-          <p:cNvSpPr txBox="1"/>
-          <p:nvPr/>
-        </p:nvSpPr>
-        <p:spPr>
-          <a:xfrm>
-            <a:off x="2200506" y="3889451"/>
-            <a:ext cx="1851789" cy="923330"/>
-          </a:xfrm>
-          <a:prstGeom prst="rect">
-            <a:avLst/>
-          </a:prstGeom>
-          <a:noFill/>
-        </p:spPr>
-        <p:txBody>
-          <a:bodyPr wrap="none" rtlCol="0">
-            <a:spAutoFit/>
-          </a:bodyPr>
-          <a:lstStyle/>
-          <a:p>
             <a:r>
               <a:rPr lang="en-US" sz="1800" b="1" kern="1200" dirty="0">
                 <a:solidFill>
@@ -38302,7 +33961,7 @@
                 <a:ea typeface="+mn-ea"/>
                 <a:cs typeface="+mn-cs"/>
               </a:rPr>
-              <a:t>VI. Future work</a:t>
+              <a:t>. Future work</a:t>
             </a:r>
           </a:p>
           <a:p>
@@ -38535,7 +34194,7 @@
                                           </p:stCondLst>
                                         </p:cTn>
                                         <p:tgtEl>
-                                          <p:spTgt spid="15"/>
+                                          <p:spTgt spid="16"/>
                                         </p:tgtEl>
                                         <p:attrNameLst>
                                           <p:attrName>style.visibility</p:attrName>
@@ -38548,41 +34207,6 @@
                                     <p:animEffect transition="in" filter="fade">
                                       <p:cBhvr>
                                         <p:cTn id="16" dur="500"/>
-                                        <p:tgtEl>
-                                          <p:spTgt spid="15"/>
-                                        </p:tgtEl>
-                                      </p:cBhvr>
-                                    </p:animEffect>
-                                  </p:childTnLst>
-                                </p:cTn>
-                              </p:par>
-                              <p:par>
-                                <p:cTn id="17" presetID="10" presetClass="entr" presetSubtype="0" fill="hold" grpId="0" nodeType="withEffect">
-                                  <p:stCondLst>
-                                    <p:cond delay="0"/>
-                                  </p:stCondLst>
-                                  <p:childTnLst>
-                                    <p:set>
-                                      <p:cBhvr>
-                                        <p:cTn id="18" dur="1" fill="hold">
-                                          <p:stCondLst>
-                                            <p:cond delay="0"/>
-                                          </p:stCondLst>
-                                        </p:cTn>
-                                        <p:tgtEl>
-                                          <p:spTgt spid="16"/>
-                                        </p:tgtEl>
-                                        <p:attrNameLst>
-                                          <p:attrName>style.visibility</p:attrName>
-                                        </p:attrNameLst>
-                                      </p:cBhvr>
-                                      <p:to>
-                                        <p:strVal val="visible"/>
-                                      </p:to>
-                                    </p:set>
-                                    <p:animEffect transition="in" filter="fade">
-                                      <p:cBhvr>
-                                        <p:cTn id="19" dur="500"/>
                                         <p:tgtEl>
                                           <p:spTgt spid="16"/>
                                         </p:tgtEl>
@@ -38623,7 +34247,6 @@
         <p:bldAsOne/>
       </p:bldGraphic>
       <p:bldP spid="14" grpId="0"/>
-      <p:bldP spid="15" grpId="0"/>
       <p:bldP spid="16" grpId="0"/>
       <p:bldP spid="17" grpId="0"/>
     </p:bldLst>
@@ -39786,17 +35409,17 @@
             <a:pPr algn="ctr"/>
             <a:r>
               <a:rPr lang="en-US" sz="1600" dirty="0"/>
-              <a:t>20</a:t>
+              <a:t>22</a:t>
             </a:r>
           </a:p>
         </p:txBody>
       </p:sp>
       <p:graphicFrame>
         <p:nvGraphicFramePr>
-          <p:cNvPr id="12" name="Diagram 11">
+          <p:cNvPr id="18" name="Diagram 17">
             <a:extLst>
               <a:ext uri="{FF2B5EF4-FFF2-40B4-BE49-F238E27FC236}">
-                <a16:creationId xmlns:a16="http://schemas.microsoft.com/office/drawing/2014/main" id="{89586175-C40E-4FC3-B35A-95519B0C7270}"/>
+                <a16:creationId xmlns:a16="http://schemas.microsoft.com/office/drawing/2014/main" id="{DB9F2276-692F-4F96-A770-C1B87E9715BA}"/>
               </a:ext>
             </a:extLst>
           </p:cNvPr>
@@ -39804,7 +35427,7 @@
           <p:nvPr>
             <p:extLst>
               <p:ext uri="{D42A27DB-BD31-4B8C-83A1-F6EECF244321}">
-                <p14:modId xmlns:p14="http://schemas.microsoft.com/office/powerpoint/2010/main" val="3814487150"/>
+                <p14:modId xmlns:p14="http://schemas.microsoft.com/office/powerpoint/2010/main" val="749485170"/>
               </p:ext>
             </p:extLst>
           </p:nvPr>
@@ -39821,10 +35444,10 @@
       </p:graphicFrame>
       <p:sp>
         <p:nvSpPr>
-          <p:cNvPr id="14" name="TextBox 13">
+          <p:cNvPr id="20" name="TextBox 19">
             <a:extLst>
               <a:ext uri="{FF2B5EF4-FFF2-40B4-BE49-F238E27FC236}">
-                <a16:creationId xmlns:a16="http://schemas.microsoft.com/office/drawing/2014/main" id="{C56B0083-30E8-4F2E-8B65-E7BD6AFADE2F}"/>
+                <a16:creationId xmlns:a16="http://schemas.microsoft.com/office/drawing/2014/main" id="{56ADC9D5-4CC8-45EB-811B-737B56BBC94D}"/>
               </a:ext>
             </a:extLst>
           </p:cNvPr>
@@ -39833,7 +35456,7 @@
         </p:nvSpPr>
         <p:spPr>
           <a:xfrm>
-            <a:off x="2163344" y="2174028"/>
+            <a:off x="2163344" y="2586917"/>
             <a:ext cx="3651384" cy="646331"/>
           </a:xfrm>
           <a:prstGeom prst="rect">
@@ -39867,10 +35490,10 @@
       </p:sp>
       <p:sp>
         <p:nvSpPr>
-          <p:cNvPr id="15" name="TextBox 14">
+          <p:cNvPr id="22" name="TextBox 21">
             <a:extLst>
               <a:ext uri="{FF2B5EF4-FFF2-40B4-BE49-F238E27FC236}">
-                <a16:creationId xmlns:a16="http://schemas.microsoft.com/office/drawing/2014/main" id="{BE5F918E-D0AE-4077-B765-FB41C81C70C8}"/>
+                <a16:creationId xmlns:a16="http://schemas.microsoft.com/office/drawing/2014/main" id="{DF5707DC-A8CE-4CD0-BB0E-97856393A3D7}"/>
               </a:ext>
             </a:extLst>
           </p:cNvPr>
@@ -39879,1684 +35502,8 @@
         </p:nvSpPr>
         <p:spPr>
           <a:xfrm>
-            <a:off x="2177960" y="3058013"/>
-            <a:ext cx="1223412" cy="646331"/>
-          </a:xfrm>
-          <a:prstGeom prst="rect">
-            <a:avLst/>
-          </a:prstGeom>
-          <a:noFill/>
-        </p:spPr>
-        <p:txBody>
-          <a:bodyPr wrap="none" rtlCol="0">
-            <a:spAutoFit/>
-          </a:bodyPr>
-          <a:lstStyle/>
-          <a:p>
-            <a:r>
-              <a:rPr lang="en-US" sz="1800" b="1" kern="1200" dirty="0">
-                <a:solidFill>
-                  <a:srgbClr val="002060"/>
-                </a:solidFill>
-                <a:latin typeface="Arial" panose="020B0604020202020204"/>
-                <a:ea typeface="+mn-ea"/>
-                <a:cs typeface="+mn-cs"/>
-              </a:rPr>
-              <a:t>III. Hardly</a:t>
-            </a:r>
-          </a:p>
-          <a:p>
-            <a:endParaRPr lang="en-US" dirty="0"/>
-          </a:p>
-        </p:txBody>
-      </p:sp>
-      <p:sp>
-        <p:nvSpPr>
-          <p:cNvPr id="16" name="TextBox 15">
-            <a:extLst>
-              <a:ext uri="{FF2B5EF4-FFF2-40B4-BE49-F238E27FC236}">
-                <a16:creationId xmlns:a16="http://schemas.microsoft.com/office/drawing/2014/main" id="{CBD5EE4C-3B97-4622-812B-0A348D2BC88A}"/>
-              </a:ext>
-            </a:extLst>
-          </p:cNvPr>
-          <p:cNvSpPr txBox="1"/>
-          <p:nvPr/>
-        </p:nvSpPr>
-        <p:spPr>
-          <a:xfrm>
-            <a:off x="2200506" y="3889451"/>
-            <a:ext cx="1851789" cy="923330"/>
-          </a:xfrm>
-          <a:prstGeom prst="rect">
-            <a:avLst/>
-          </a:prstGeom>
-          <a:noFill/>
-        </p:spPr>
-        <p:txBody>
-          <a:bodyPr wrap="none" rtlCol="0">
-            <a:spAutoFit/>
-          </a:bodyPr>
-          <a:lstStyle/>
-          <a:p>
-            <a:r>
-              <a:rPr lang="en-US" sz="1800" b="1" kern="1200" dirty="0">
-                <a:solidFill>
-                  <a:prstClr val="white"/>
-                </a:solidFill>
-                <a:latin typeface="Arial" panose="020B0604020202020204"/>
-                <a:ea typeface="+mn-ea"/>
-                <a:cs typeface="+mn-cs"/>
-              </a:rPr>
-              <a:t>VI. Future work</a:t>
-            </a:r>
-          </a:p>
-          <a:p>
-            <a:endParaRPr lang="en-US" sz="1800" b="1" kern="1200" dirty="0">
-              <a:solidFill>
-                <a:prstClr val="white"/>
-              </a:solidFill>
-              <a:latin typeface="Arial" panose="020B0604020202020204"/>
-              <a:ea typeface="+mn-ea"/>
-              <a:cs typeface="+mn-cs"/>
-            </a:endParaRPr>
-          </a:p>
-          <a:p>
-            <a:endParaRPr lang="en-US" dirty="0"/>
-          </a:p>
-        </p:txBody>
-      </p:sp>
-      <p:sp>
-        <p:nvSpPr>
-          <p:cNvPr id="17" name="TextBox 16">
-            <a:extLst>
-              <a:ext uri="{FF2B5EF4-FFF2-40B4-BE49-F238E27FC236}">
-                <a16:creationId xmlns:a16="http://schemas.microsoft.com/office/drawing/2014/main" id="{E8362C90-29EB-4F0D-BAA0-4E3C9ADAD45E}"/>
-              </a:ext>
-            </a:extLst>
-          </p:cNvPr>
-          <p:cNvSpPr txBox="1"/>
-          <p:nvPr/>
-        </p:nvSpPr>
-        <p:spPr>
-          <a:xfrm>
-            <a:off x="2200506" y="1350671"/>
-            <a:ext cx="1133644" cy="734817"/>
-          </a:xfrm>
-          <a:prstGeom prst="rect">
-            <a:avLst/>
-          </a:prstGeom>
-          <a:noFill/>
-        </p:spPr>
-        <p:txBody>
-          <a:bodyPr wrap="none" rtlCol="0">
-            <a:spAutoFit/>
-          </a:bodyPr>
-          <a:lstStyle/>
-          <a:p>
-            <a:pPr defTabSz="844550">
-              <a:lnSpc>
-                <a:spcPct val="90000"/>
-              </a:lnSpc>
-              <a:spcBef>
-                <a:spcPct val="0"/>
-              </a:spcBef>
-              <a:spcAft>
-                <a:spcPct val="35000"/>
-              </a:spcAft>
-            </a:pPr>
-            <a:r>
-              <a:rPr lang="en-US" sz="1900" b="1" dirty="0">
-                <a:solidFill>
-                  <a:schemeClr val="bg1"/>
-                </a:solidFill>
-                <a:latin typeface="Arial" panose="020B0604020202020204"/>
-              </a:rPr>
-              <a:t>I. Result</a:t>
-            </a:r>
-          </a:p>
-          <a:p>
-            <a:endParaRPr lang="en-US" dirty="0"/>
-          </a:p>
-        </p:txBody>
-      </p:sp>
-    </p:spTree>
-    <p:extLst>
-      <p:ext uri="{BB962C8B-B14F-4D97-AF65-F5344CB8AC3E}">
-        <p14:creationId xmlns:p14="http://schemas.microsoft.com/office/powerpoint/2010/main" val="1190309167"/>
-      </p:ext>
-    </p:extLst>
-  </p:cSld>
-  <p:clrMapOvr>
-    <a:masterClrMapping/>
-  </p:clrMapOvr>
-  <mc:AlternateContent xmlns:mc="http://schemas.openxmlformats.org/markup-compatibility/2006" xmlns:p14="http://schemas.microsoft.com/office/powerpoint/2010/main">
-    <mc:Choice Requires="p14">
-      <p:transition spd="med" p14:dur="700">
-        <p:fade/>
-      </p:transition>
-    </mc:Choice>
-    <mc:Fallback xmlns="">
-      <p:transition spd="med">
-        <p:fade/>
-      </p:transition>
-    </mc:Fallback>
-  </mc:AlternateContent>
-  <p:timing>
-    <p:tnLst>
-      <p:par>
-        <p:cTn id="1" dur="indefinite" restart="never" nodeType="tmRoot">
-          <p:childTnLst>
-            <p:seq concurrent="1" nextAc="seek">
-              <p:cTn id="2" dur="indefinite" nodeType="mainSeq">
-                <p:childTnLst>
-                  <p:par>
-                    <p:cTn id="3" fill="hold">
-                      <p:stCondLst>
-                        <p:cond delay="indefinite"/>
-                      </p:stCondLst>
-                      <p:childTnLst>
-                        <p:par>
-                          <p:cTn id="4" fill="hold">
-                            <p:stCondLst>
-                              <p:cond delay="0"/>
-                            </p:stCondLst>
-                            <p:childTnLst>
-                              <p:par>
-                                <p:cTn id="5" presetID="10" presetClass="entr" presetSubtype="0" fill="hold" grpId="0" nodeType="clickEffect">
-                                  <p:stCondLst>
-                                    <p:cond delay="0"/>
-                                  </p:stCondLst>
-                                  <p:childTnLst>
-                                    <p:set>
-                                      <p:cBhvr>
-                                        <p:cTn id="6" dur="1" fill="hold">
-                                          <p:stCondLst>
-                                            <p:cond delay="0"/>
-                                          </p:stCondLst>
-                                        </p:cTn>
-                                        <p:tgtEl>
-                                          <p:spTgt spid="12"/>
-                                        </p:tgtEl>
-                                        <p:attrNameLst>
-                                          <p:attrName>style.visibility</p:attrName>
-                                        </p:attrNameLst>
-                                      </p:cBhvr>
-                                      <p:to>
-                                        <p:strVal val="visible"/>
-                                      </p:to>
-                                    </p:set>
-                                    <p:animEffect transition="in" filter="fade">
-                                      <p:cBhvr>
-                                        <p:cTn id="7" dur="500"/>
-                                        <p:tgtEl>
-                                          <p:spTgt spid="12"/>
-                                        </p:tgtEl>
-                                      </p:cBhvr>
-                                    </p:animEffect>
-                                  </p:childTnLst>
-                                </p:cTn>
-                              </p:par>
-                              <p:par>
-                                <p:cTn id="8" presetID="10" presetClass="entr" presetSubtype="0" fill="hold" grpId="0" nodeType="withEffect">
-                                  <p:stCondLst>
-                                    <p:cond delay="0"/>
-                                  </p:stCondLst>
-                                  <p:childTnLst>
-                                    <p:set>
-                                      <p:cBhvr>
-                                        <p:cTn id="9" dur="1" fill="hold">
-                                          <p:stCondLst>
-                                            <p:cond delay="0"/>
-                                          </p:stCondLst>
-                                        </p:cTn>
-                                        <p:tgtEl>
-                                          <p:spTgt spid="17"/>
-                                        </p:tgtEl>
-                                        <p:attrNameLst>
-                                          <p:attrName>style.visibility</p:attrName>
-                                        </p:attrNameLst>
-                                      </p:cBhvr>
-                                      <p:to>
-                                        <p:strVal val="visible"/>
-                                      </p:to>
-                                    </p:set>
-                                    <p:animEffect transition="in" filter="fade">
-                                      <p:cBhvr>
-                                        <p:cTn id="10" dur="500"/>
-                                        <p:tgtEl>
-                                          <p:spTgt spid="17"/>
-                                        </p:tgtEl>
-                                      </p:cBhvr>
-                                    </p:animEffect>
-                                  </p:childTnLst>
-                                </p:cTn>
-                              </p:par>
-                              <p:par>
-                                <p:cTn id="11" presetID="10" presetClass="entr" presetSubtype="0" fill="hold" grpId="0" nodeType="withEffect">
-                                  <p:stCondLst>
-                                    <p:cond delay="0"/>
-                                  </p:stCondLst>
-                                  <p:childTnLst>
-                                    <p:set>
-                                      <p:cBhvr>
-                                        <p:cTn id="12" dur="1" fill="hold">
-                                          <p:stCondLst>
-                                            <p:cond delay="0"/>
-                                          </p:stCondLst>
-                                        </p:cTn>
-                                        <p:tgtEl>
-                                          <p:spTgt spid="14"/>
-                                        </p:tgtEl>
-                                        <p:attrNameLst>
-                                          <p:attrName>style.visibility</p:attrName>
-                                        </p:attrNameLst>
-                                      </p:cBhvr>
-                                      <p:to>
-                                        <p:strVal val="visible"/>
-                                      </p:to>
-                                    </p:set>
-                                    <p:animEffect transition="in" filter="fade">
-                                      <p:cBhvr>
-                                        <p:cTn id="13" dur="500"/>
-                                        <p:tgtEl>
-                                          <p:spTgt spid="14"/>
-                                        </p:tgtEl>
-                                      </p:cBhvr>
-                                    </p:animEffect>
-                                  </p:childTnLst>
-                                </p:cTn>
-                              </p:par>
-                              <p:par>
-                                <p:cTn id="14" presetID="10" presetClass="entr" presetSubtype="0" fill="hold" grpId="0" nodeType="withEffect">
-                                  <p:stCondLst>
-                                    <p:cond delay="0"/>
-                                  </p:stCondLst>
-                                  <p:childTnLst>
-                                    <p:set>
-                                      <p:cBhvr>
-                                        <p:cTn id="15" dur="1" fill="hold">
-                                          <p:stCondLst>
-                                            <p:cond delay="0"/>
-                                          </p:stCondLst>
-                                        </p:cTn>
-                                        <p:tgtEl>
-                                          <p:spTgt spid="15"/>
-                                        </p:tgtEl>
-                                        <p:attrNameLst>
-                                          <p:attrName>style.visibility</p:attrName>
-                                        </p:attrNameLst>
-                                      </p:cBhvr>
-                                      <p:to>
-                                        <p:strVal val="visible"/>
-                                      </p:to>
-                                    </p:set>
-                                    <p:animEffect transition="in" filter="fade">
-                                      <p:cBhvr>
-                                        <p:cTn id="16" dur="500"/>
-                                        <p:tgtEl>
-                                          <p:spTgt spid="15"/>
-                                        </p:tgtEl>
-                                      </p:cBhvr>
-                                    </p:animEffect>
-                                  </p:childTnLst>
-                                </p:cTn>
-                              </p:par>
-                              <p:par>
-                                <p:cTn id="17" presetID="10" presetClass="entr" presetSubtype="0" fill="hold" grpId="0" nodeType="withEffect">
-                                  <p:stCondLst>
-                                    <p:cond delay="0"/>
-                                  </p:stCondLst>
-                                  <p:childTnLst>
-                                    <p:set>
-                                      <p:cBhvr>
-                                        <p:cTn id="18" dur="1" fill="hold">
-                                          <p:stCondLst>
-                                            <p:cond delay="0"/>
-                                          </p:stCondLst>
-                                        </p:cTn>
-                                        <p:tgtEl>
-                                          <p:spTgt spid="16"/>
-                                        </p:tgtEl>
-                                        <p:attrNameLst>
-                                          <p:attrName>style.visibility</p:attrName>
-                                        </p:attrNameLst>
-                                      </p:cBhvr>
-                                      <p:to>
-                                        <p:strVal val="visible"/>
-                                      </p:to>
-                                    </p:set>
-                                    <p:animEffect transition="in" filter="fade">
-                                      <p:cBhvr>
-                                        <p:cTn id="19" dur="500"/>
-                                        <p:tgtEl>
-                                          <p:spTgt spid="16"/>
-                                        </p:tgtEl>
-                                      </p:cBhvr>
-                                    </p:animEffect>
-                                  </p:childTnLst>
-                                </p:cTn>
-                              </p:par>
-                            </p:childTnLst>
-                          </p:cTn>
-                        </p:par>
-                      </p:childTnLst>
-                    </p:cTn>
-                  </p:par>
-                </p:childTnLst>
-              </p:cTn>
-              <p:prevCondLst>
-                <p:cond evt="onPrev" delay="0">
-                  <p:tgtEl>
-                    <p:sldTgt/>
-                  </p:tgtEl>
-                </p:cond>
-              </p:prevCondLst>
-              <p:nextCondLst>
-                <p:cond evt="onNext" delay="0">
-                  <p:tgtEl>
-                    <p:sldTgt/>
-                  </p:tgtEl>
-                </p:cond>
-              </p:nextCondLst>
-            </p:seq>
-          </p:childTnLst>
-        </p:cTn>
-      </p:par>
-    </p:tnLst>
-    <p:bldLst>
-      <p:bldGraphic spid="12" grpId="0">
-        <p:bldAsOne/>
-      </p:bldGraphic>
-      <p:bldP spid="14" grpId="0"/>
-      <p:bldP spid="15" grpId="0"/>
-      <p:bldP spid="16" grpId="0"/>
-      <p:bldP spid="17" grpId="0"/>
-    </p:bldLst>
-  </p:timing>
-</p:sld>
-</file>
-
-<file path=ppt/slides/slide24.xml><?xml version="1.0" encoding="utf-8"?>
-<p:sld xmlns:a="http://schemas.openxmlformats.org/drawingml/2006/main" xmlns:r="http://schemas.openxmlformats.org/officeDocument/2006/relationships" xmlns:p="http://schemas.openxmlformats.org/presentationml/2006/main">
-  <p:cSld>
-    <p:spTree>
-      <p:nvGrpSpPr>
-        <p:cNvPr id="1" name="Shape 142"/>
-        <p:cNvGrpSpPr/>
-        <p:nvPr/>
-      </p:nvGrpSpPr>
-      <p:grpSpPr>
-        <a:xfrm>
-          <a:off x="0" y="0"/>
-          <a:ext cx="0" cy="0"/>
-          <a:chOff x="0" y="0"/>
-          <a:chExt cx="0" cy="0"/>
-        </a:xfrm>
-      </p:grpSpPr>
-      <p:sp>
-        <p:nvSpPr>
-          <p:cNvPr id="143" name="Google Shape;143;p29"/>
-          <p:cNvSpPr txBox="1">
-            <a:spLocks noGrp="1"/>
-          </p:cNvSpPr>
-          <p:nvPr>
-            <p:ph type="body" idx="1"/>
-          </p:nvPr>
-        </p:nvSpPr>
-        <p:spPr>
-          <a:xfrm>
-            <a:off x="870650" y="1296600"/>
-            <a:ext cx="6919200" cy="1476000"/>
-          </a:xfrm>
-          <a:prstGeom prst="rect">
-            <a:avLst/>
-          </a:prstGeom>
-        </p:spPr>
-        <p:txBody>
-          <a:bodyPr spcFirstLastPara="1" wrap="square" lIns="91425" tIns="91425" rIns="91425" bIns="91425" anchor="t" anchorCtr="0">
-            <a:noAutofit/>
-          </a:bodyPr>
-          <a:lstStyle/>
-          <a:p>
-            <a:pPr marL="0" lvl="0" indent="0" algn="l" rtl="0">
-              <a:spcBef>
-                <a:spcPts val="1600"/>
-              </a:spcBef>
-              <a:spcAft>
-                <a:spcPts val="0"/>
-              </a:spcAft>
-              <a:buNone/>
-            </a:pPr>
-            <a:endParaRPr dirty="0">
-              <a:solidFill>
-                <a:schemeClr val="dk1"/>
-              </a:solidFill>
-            </a:endParaRPr>
-          </a:p>
-          <a:p>
-            <a:pPr marL="0" lvl="0" indent="0" algn="l" rtl="0">
-              <a:spcBef>
-                <a:spcPts val="1600"/>
-              </a:spcBef>
-              <a:spcAft>
-                <a:spcPts val="1600"/>
-              </a:spcAft>
-              <a:buNone/>
-            </a:pPr>
-            <a:endParaRPr dirty="0"/>
-          </a:p>
-        </p:txBody>
-      </p:sp>
-      <p:sp>
-        <p:nvSpPr>
-          <p:cNvPr id="18" name="Google Shape;144;p29">
-            <a:extLst>
-              <a:ext uri="{FF2B5EF4-FFF2-40B4-BE49-F238E27FC236}">
-                <a16:creationId xmlns:a16="http://schemas.microsoft.com/office/drawing/2014/main" id="{10EE7BC4-9EB3-4696-B731-CE69E86B2655}"/>
-              </a:ext>
-            </a:extLst>
-          </p:cNvPr>
-          <p:cNvSpPr txBox="1">
-            <a:spLocks/>
-          </p:cNvSpPr>
-          <p:nvPr/>
-        </p:nvSpPr>
-        <p:spPr>
-          <a:xfrm>
-            <a:off x="6883745" y="142457"/>
-            <a:ext cx="2189969" cy="855240"/>
-          </a:xfrm>
-          <a:prstGeom prst="rect">
-            <a:avLst/>
-          </a:prstGeom>
-          <a:noFill/>
-          <a:ln>
-            <a:solidFill>
-              <a:srgbClr val="FFC000"/>
-            </a:solidFill>
-          </a:ln>
-        </p:spPr>
-        <p:txBody>
-          <a:bodyPr spcFirstLastPara="1" wrap="square" lIns="91425" tIns="91425" rIns="91425" bIns="91425" anchor="t" anchorCtr="0">
-            <a:noAutofit/>
-          </a:bodyPr>
-          <a:lstStyle>
-            <a:defPPr marR="0" lvl="0" algn="l" rtl="0">
-              <a:lnSpc>
-                <a:spcPct val="100000"/>
-              </a:lnSpc>
-              <a:spcBef>
-                <a:spcPts val="0"/>
-              </a:spcBef>
-              <a:spcAft>
-                <a:spcPts val="0"/>
-              </a:spcAft>
-            </a:defPPr>
-            <a:lvl1pPr marR="0" lvl="0" algn="ctr" rtl="0">
-              <a:lnSpc>
-                <a:spcPct val="100000"/>
-              </a:lnSpc>
-              <a:spcBef>
-                <a:spcPts val="0"/>
-              </a:spcBef>
-              <a:spcAft>
-                <a:spcPts val="0"/>
-              </a:spcAft>
-              <a:buClr>
-                <a:schemeClr val="dk1"/>
-              </a:buClr>
-              <a:buSzPts val="2800"/>
-              <a:buFont typeface="Exo 2"/>
-              <a:buNone/>
-              <a:defRPr sz="2800" b="1" i="0" u="none" strike="noStrike" cap="none">
-                <a:solidFill>
-                  <a:schemeClr val="dk1"/>
-                </a:solidFill>
-                <a:latin typeface="Exo 2"/>
-                <a:ea typeface="Exo 2"/>
-                <a:cs typeface="Exo 2"/>
-                <a:sym typeface="Exo 2"/>
-              </a:defRPr>
-            </a:lvl1pPr>
-            <a:lvl2pPr marR="0" lvl="1" algn="l" rtl="0">
-              <a:lnSpc>
-                <a:spcPct val="100000"/>
-              </a:lnSpc>
-              <a:spcBef>
-                <a:spcPts val="0"/>
-              </a:spcBef>
-              <a:spcAft>
-                <a:spcPts val="0"/>
-              </a:spcAft>
-              <a:buClr>
-                <a:srgbClr val="000000"/>
-              </a:buClr>
-              <a:buSzPts val="1600"/>
-              <a:buFont typeface="Squada One"/>
-              <a:buNone/>
-              <a:defRPr sz="1600" b="0" i="0" u="none" strike="noStrike" cap="none">
-                <a:solidFill>
-                  <a:srgbClr val="000000"/>
-                </a:solidFill>
-                <a:latin typeface="Squada One"/>
-                <a:ea typeface="Squada One"/>
-                <a:cs typeface="Squada One"/>
-                <a:sym typeface="Squada One"/>
-              </a:defRPr>
-            </a:lvl2pPr>
-            <a:lvl3pPr marR="0" lvl="2" algn="l" rtl="0">
-              <a:lnSpc>
-                <a:spcPct val="100000"/>
-              </a:lnSpc>
-              <a:spcBef>
-                <a:spcPts val="0"/>
-              </a:spcBef>
-              <a:spcAft>
-                <a:spcPts val="0"/>
-              </a:spcAft>
-              <a:buClr>
-                <a:srgbClr val="000000"/>
-              </a:buClr>
-              <a:buSzPts val="1600"/>
-              <a:buFont typeface="Squada One"/>
-              <a:buNone/>
-              <a:defRPr sz="1600" b="0" i="0" u="none" strike="noStrike" cap="none">
-                <a:solidFill>
-                  <a:srgbClr val="000000"/>
-                </a:solidFill>
-                <a:latin typeface="Squada One"/>
-                <a:ea typeface="Squada One"/>
-                <a:cs typeface="Squada One"/>
-                <a:sym typeface="Squada One"/>
-              </a:defRPr>
-            </a:lvl3pPr>
-            <a:lvl4pPr marR="0" lvl="3" algn="l" rtl="0">
-              <a:lnSpc>
-                <a:spcPct val="100000"/>
-              </a:lnSpc>
-              <a:spcBef>
-                <a:spcPts val="0"/>
-              </a:spcBef>
-              <a:spcAft>
-                <a:spcPts val="0"/>
-              </a:spcAft>
-              <a:buClr>
-                <a:srgbClr val="000000"/>
-              </a:buClr>
-              <a:buSzPts val="1600"/>
-              <a:buFont typeface="Squada One"/>
-              <a:buNone/>
-              <a:defRPr sz="1600" b="0" i="0" u="none" strike="noStrike" cap="none">
-                <a:solidFill>
-                  <a:srgbClr val="000000"/>
-                </a:solidFill>
-                <a:latin typeface="Squada One"/>
-                <a:ea typeface="Squada One"/>
-                <a:cs typeface="Squada One"/>
-                <a:sym typeface="Squada One"/>
-              </a:defRPr>
-            </a:lvl4pPr>
-            <a:lvl5pPr marR="0" lvl="4" algn="l" rtl="0">
-              <a:lnSpc>
-                <a:spcPct val="100000"/>
-              </a:lnSpc>
-              <a:spcBef>
-                <a:spcPts val="0"/>
-              </a:spcBef>
-              <a:spcAft>
-                <a:spcPts val="0"/>
-              </a:spcAft>
-              <a:buClr>
-                <a:srgbClr val="000000"/>
-              </a:buClr>
-              <a:buSzPts val="1600"/>
-              <a:buFont typeface="Squada One"/>
-              <a:buNone/>
-              <a:defRPr sz="1600" b="0" i="0" u="none" strike="noStrike" cap="none">
-                <a:solidFill>
-                  <a:srgbClr val="000000"/>
-                </a:solidFill>
-                <a:latin typeface="Squada One"/>
-                <a:ea typeface="Squada One"/>
-                <a:cs typeface="Squada One"/>
-                <a:sym typeface="Squada One"/>
-              </a:defRPr>
-            </a:lvl5pPr>
-            <a:lvl6pPr marR="0" lvl="5" algn="l" rtl="0">
-              <a:lnSpc>
-                <a:spcPct val="100000"/>
-              </a:lnSpc>
-              <a:spcBef>
-                <a:spcPts val="0"/>
-              </a:spcBef>
-              <a:spcAft>
-                <a:spcPts val="0"/>
-              </a:spcAft>
-              <a:buClr>
-                <a:srgbClr val="000000"/>
-              </a:buClr>
-              <a:buSzPts val="1600"/>
-              <a:buFont typeface="Squada One"/>
-              <a:buNone/>
-              <a:defRPr sz="1600" b="0" i="0" u="none" strike="noStrike" cap="none">
-                <a:solidFill>
-                  <a:srgbClr val="000000"/>
-                </a:solidFill>
-                <a:latin typeface="Squada One"/>
-                <a:ea typeface="Squada One"/>
-                <a:cs typeface="Squada One"/>
-                <a:sym typeface="Squada One"/>
-              </a:defRPr>
-            </a:lvl6pPr>
-            <a:lvl7pPr marR="0" lvl="6" algn="l" rtl="0">
-              <a:lnSpc>
-                <a:spcPct val="100000"/>
-              </a:lnSpc>
-              <a:spcBef>
-                <a:spcPts val="0"/>
-              </a:spcBef>
-              <a:spcAft>
-                <a:spcPts val="0"/>
-              </a:spcAft>
-              <a:buClr>
-                <a:srgbClr val="000000"/>
-              </a:buClr>
-              <a:buSzPts val="1600"/>
-              <a:buFont typeface="Squada One"/>
-              <a:buNone/>
-              <a:defRPr sz="1600" b="0" i="0" u="none" strike="noStrike" cap="none">
-                <a:solidFill>
-                  <a:srgbClr val="000000"/>
-                </a:solidFill>
-                <a:latin typeface="Squada One"/>
-                <a:ea typeface="Squada One"/>
-                <a:cs typeface="Squada One"/>
-                <a:sym typeface="Squada One"/>
-              </a:defRPr>
-            </a:lvl7pPr>
-            <a:lvl8pPr marR="0" lvl="7" algn="l" rtl="0">
-              <a:lnSpc>
-                <a:spcPct val="100000"/>
-              </a:lnSpc>
-              <a:spcBef>
-                <a:spcPts val="0"/>
-              </a:spcBef>
-              <a:spcAft>
-                <a:spcPts val="0"/>
-              </a:spcAft>
-              <a:buClr>
-                <a:srgbClr val="000000"/>
-              </a:buClr>
-              <a:buSzPts val="1600"/>
-              <a:buFont typeface="Squada One"/>
-              <a:buNone/>
-              <a:defRPr sz="1600" b="0" i="0" u="none" strike="noStrike" cap="none">
-                <a:solidFill>
-                  <a:srgbClr val="000000"/>
-                </a:solidFill>
-                <a:latin typeface="Squada One"/>
-                <a:ea typeface="Squada One"/>
-                <a:cs typeface="Squada One"/>
-                <a:sym typeface="Squada One"/>
-              </a:defRPr>
-            </a:lvl8pPr>
-            <a:lvl9pPr marR="0" lvl="8" algn="l" rtl="0">
-              <a:lnSpc>
-                <a:spcPct val="100000"/>
-              </a:lnSpc>
-              <a:spcBef>
-                <a:spcPts val="0"/>
-              </a:spcBef>
-              <a:spcAft>
-                <a:spcPts val="0"/>
-              </a:spcAft>
-              <a:buClr>
-                <a:srgbClr val="000000"/>
-              </a:buClr>
-              <a:buSzPts val="1600"/>
-              <a:buFont typeface="Squada One"/>
-              <a:buNone/>
-              <a:defRPr sz="1600" b="0" i="0" u="none" strike="noStrike" cap="none">
-                <a:solidFill>
-                  <a:srgbClr val="000000"/>
-                </a:solidFill>
-                <a:latin typeface="Squada One"/>
-                <a:ea typeface="Squada One"/>
-                <a:cs typeface="Squada One"/>
-                <a:sym typeface="Squada One"/>
-              </a:defRPr>
-            </a:lvl9pPr>
-          </a:lstStyle>
-          <a:p>
-            <a:pPr algn="r"/>
-            <a:r>
-              <a:rPr lang="en-US" dirty="0">
-                <a:latin typeface="Arial" panose="020B0604020202020204" pitchFamily="34" charset="0"/>
-                <a:cs typeface="Arial" panose="020B0604020202020204" pitchFamily="34" charset="0"/>
-              </a:rPr>
-              <a:t>Conclusion</a:t>
-            </a:r>
-          </a:p>
-          <a:p>
-            <a:pPr algn="r"/>
-            <a:r>
-              <a:rPr lang="en-US" sz="1800" b="0" dirty="0">
-                <a:latin typeface="Arial" panose="020B0604020202020204" pitchFamily="34" charset="0"/>
-                <a:cs typeface="Arial" panose="020B0604020202020204" pitchFamily="34" charset="0"/>
-              </a:rPr>
-              <a:t>III. Hardly</a:t>
-            </a:r>
-          </a:p>
-          <a:p>
-            <a:endParaRPr lang="en-US" dirty="0"/>
-          </a:p>
-        </p:txBody>
-      </p:sp>
-      <p:sp>
-        <p:nvSpPr>
-          <p:cNvPr id="2" name="Rectangle 1">
-            <a:extLst>
-              <a:ext uri="{FF2B5EF4-FFF2-40B4-BE49-F238E27FC236}">
-                <a16:creationId xmlns:a16="http://schemas.microsoft.com/office/drawing/2014/main" id="{0A640A8C-4867-489A-8B80-60F44681DE18}"/>
-              </a:ext>
-            </a:extLst>
-          </p:cNvPr>
-          <p:cNvSpPr/>
-          <p:nvPr/>
-        </p:nvSpPr>
-        <p:spPr>
-          <a:xfrm>
-            <a:off x="2207061" y="1249587"/>
-            <a:ext cx="6301828" cy="3272691"/>
-          </a:xfrm>
-          <a:prstGeom prst="rect">
-            <a:avLst/>
-          </a:prstGeom>
-        </p:spPr>
-        <p:txBody>
-          <a:bodyPr wrap="square">
-            <a:spAutoFit/>
-          </a:bodyPr>
-          <a:lstStyle/>
-          <a:p>
-            <a:pPr marL="514350" indent="-285750" algn="just">
-              <a:lnSpc>
-                <a:spcPct val="150000"/>
-              </a:lnSpc>
-              <a:spcAft>
-                <a:spcPts val="800"/>
-              </a:spcAft>
-              <a:buFont typeface="Arial" panose="020B0604020202020204" pitchFamily="34" charset="0"/>
-              <a:buChar char="•"/>
-            </a:pPr>
-            <a:r>
-              <a:rPr lang="en-US" sz="2400" dirty="0">
-                <a:solidFill>
-                  <a:srgbClr val="000000"/>
-                </a:solidFill>
-                <a:latin typeface="+mj-lt"/>
-              </a:rPr>
-              <a:t>Time limit</a:t>
-            </a:r>
-            <a:endParaRPr lang="vi-VN" sz="2400" dirty="0">
-              <a:solidFill>
-                <a:srgbClr val="000000"/>
-              </a:solidFill>
-              <a:latin typeface="+mj-lt"/>
-            </a:endParaRPr>
-          </a:p>
-          <a:p>
-            <a:pPr marL="514350" indent="-285750" algn="just">
-              <a:lnSpc>
-                <a:spcPct val="150000"/>
-              </a:lnSpc>
-              <a:spcAft>
-                <a:spcPts val="800"/>
-              </a:spcAft>
-              <a:buFont typeface="Arial" panose="020B0604020202020204" pitchFamily="34" charset="0"/>
-              <a:buChar char="•"/>
-            </a:pPr>
-            <a:r>
-              <a:rPr lang="en-US" sz="2400" dirty="0">
-                <a:solidFill>
-                  <a:srgbClr val="000000"/>
-                </a:solidFill>
-                <a:latin typeface="+mj-lt"/>
-              </a:rPr>
-              <a:t>Register business account</a:t>
-            </a:r>
-          </a:p>
-          <a:p>
-            <a:pPr marL="514350" indent="-285750" algn="just">
-              <a:lnSpc>
-                <a:spcPct val="150000"/>
-              </a:lnSpc>
-              <a:spcAft>
-                <a:spcPts val="800"/>
-              </a:spcAft>
-              <a:buFont typeface="Arial" panose="020B0604020202020204" pitchFamily="34" charset="0"/>
-              <a:buChar char="•"/>
-            </a:pPr>
-            <a:r>
-              <a:rPr lang="en-US" sz="2400" dirty="0">
-                <a:solidFill>
-                  <a:srgbClr val="000000"/>
-                </a:solidFill>
-                <a:latin typeface="+mj-lt"/>
-              </a:rPr>
-              <a:t>Response time</a:t>
-            </a:r>
-          </a:p>
-          <a:p>
-            <a:pPr marL="514350" indent="-285750" algn="just">
-              <a:lnSpc>
-                <a:spcPct val="150000"/>
-              </a:lnSpc>
-              <a:spcAft>
-                <a:spcPts val="800"/>
-              </a:spcAft>
-              <a:buFont typeface="Arial" panose="020B0604020202020204" pitchFamily="34" charset="0"/>
-              <a:buChar char="•"/>
-            </a:pPr>
-            <a:r>
-              <a:rPr lang="en-US" sz="2400" dirty="0">
-                <a:latin typeface="+mj-lt"/>
-              </a:rPr>
-              <a:t>Improved map accuracy</a:t>
-            </a:r>
-            <a:endParaRPr lang="vi-VN" sz="2400" dirty="0">
-              <a:latin typeface="+mj-lt"/>
-            </a:endParaRPr>
-          </a:p>
-          <a:p>
-            <a:br>
-              <a:rPr lang="vi-VN" dirty="0"/>
-            </a:br>
-            <a:endParaRPr lang="en-US" dirty="0"/>
-          </a:p>
-        </p:txBody>
-      </p:sp>
-      <p:sp>
-        <p:nvSpPr>
-          <p:cNvPr id="5" name="TextBox 4">
-            <a:extLst>
-              <a:ext uri="{FF2B5EF4-FFF2-40B4-BE49-F238E27FC236}">
-                <a16:creationId xmlns:a16="http://schemas.microsoft.com/office/drawing/2014/main" id="{D974C736-CE38-4B0D-8494-36DAF637AED7}"/>
-              </a:ext>
-            </a:extLst>
-          </p:cNvPr>
-          <p:cNvSpPr txBox="1"/>
-          <p:nvPr/>
-        </p:nvSpPr>
-        <p:spPr>
-          <a:xfrm>
-            <a:off x="8712820" y="4774168"/>
-            <a:ext cx="431180" cy="338554"/>
-          </a:xfrm>
-          <a:prstGeom prst="rect">
-            <a:avLst/>
-          </a:prstGeom>
-          <a:noFill/>
-        </p:spPr>
-        <p:txBody>
-          <a:bodyPr wrap="square" rtlCol="0">
-            <a:spAutoFit/>
-          </a:bodyPr>
-          <a:lstStyle/>
-          <a:p>
-            <a:pPr algn="ctr"/>
-            <a:r>
-              <a:rPr lang="en-US" sz="1600" dirty="0"/>
-              <a:t>21</a:t>
-            </a:r>
-          </a:p>
-        </p:txBody>
-      </p:sp>
-    </p:spTree>
-    <p:extLst>
-      <p:ext uri="{BB962C8B-B14F-4D97-AF65-F5344CB8AC3E}">
-        <p14:creationId xmlns:p14="http://schemas.microsoft.com/office/powerpoint/2010/main" val="1387666708"/>
-      </p:ext>
-    </p:extLst>
-  </p:cSld>
-  <p:clrMapOvr>
-    <a:masterClrMapping/>
-  </p:clrMapOvr>
-  <mc:AlternateContent xmlns:mc="http://schemas.openxmlformats.org/markup-compatibility/2006" xmlns:p14="http://schemas.microsoft.com/office/powerpoint/2010/main">
-    <mc:Choice Requires="p14">
-      <p:transition spd="med" p14:dur="700">
-        <p:fade/>
-      </p:transition>
-    </mc:Choice>
-    <mc:Fallback xmlns="">
-      <p:transition spd="med">
-        <p:fade/>
-      </p:transition>
-    </mc:Fallback>
-  </mc:AlternateContent>
-  <p:timing>
-    <p:tnLst>
-      <p:par>
-        <p:cTn id="1" dur="indefinite" restart="never" nodeType="tmRoot">
-          <p:childTnLst>
-            <p:seq concurrent="1" nextAc="seek">
-              <p:cTn id="2" dur="indefinite" nodeType="mainSeq">
-                <p:childTnLst>
-                  <p:par>
-                    <p:cTn id="3" fill="hold">
-                      <p:stCondLst>
-                        <p:cond delay="indefinite"/>
-                      </p:stCondLst>
-                      <p:childTnLst>
-                        <p:par>
-                          <p:cTn id="4" fill="hold">
-                            <p:stCondLst>
-                              <p:cond delay="0"/>
-                            </p:stCondLst>
-                            <p:childTnLst>
-                              <p:par>
-                                <p:cTn id="5" presetID="10" presetClass="entr" presetSubtype="0" fill="hold" nodeType="clickEffect">
-                                  <p:stCondLst>
-                                    <p:cond delay="0"/>
-                                  </p:stCondLst>
-                                  <p:childTnLst>
-                                    <p:set>
-                                      <p:cBhvr>
-                                        <p:cTn id="6" dur="1" fill="hold">
-                                          <p:stCondLst>
-                                            <p:cond delay="0"/>
-                                          </p:stCondLst>
-                                        </p:cTn>
-                                        <p:tgtEl>
-                                          <p:spTgt spid="2">
-                                            <p:txEl>
-                                              <p:pRg st="0" end="0"/>
-                                            </p:txEl>
-                                          </p:spTgt>
-                                        </p:tgtEl>
-                                        <p:attrNameLst>
-                                          <p:attrName>style.visibility</p:attrName>
-                                        </p:attrNameLst>
-                                      </p:cBhvr>
-                                      <p:to>
-                                        <p:strVal val="visible"/>
-                                      </p:to>
-                                    </p:set>
-                                    <p:animEffect transition="in" filter="fade">
-                                      <p:cBhvr>
-                                        <p:cTn id="7" dur="500"/>
-                                        <p:tgtEl>
-                                          <p:spTgt spid="2">
-                                            <p:txEl>
-                                              <p:pRg st="0" end="0"/>
-                                            </p:txEl>
-                                          </p:spTgt>
-                                        </p:tgtEl>
-                                      </p:cBhvr>
-                                    </p:animEffect>
-                                  </p:childTnLst>
-                                </p:cTn>
-                              </p:par>
-                            </p:childTnLst>
-                          </p:cTn>
-                        </p:par>
-                      </p:childTnLst>
-                    </p:cTn>
-                  </p:par>
-                  <p:par>
-                    <p:cTn id="8" fill="hold">
-                      <p:stCondLst>
-                        <p:cond delay="indefinite"/>
-                      </p:stCondLst>
-                      <p:childTnLst>
-                        <p:par>
-                          <p:cTn id="9" fill="hold">
-                            <p:stCondLst>
-                              <p:cond delay="0"/>
-                            </p:stCondLst>
-                            <p:childTnLst>
-                              <p:par>
-                                <p:cTn id="10" presetID="10" presetClass="entr" presetSubtype="0" fill="hold" nodeType="clickEffect">
-                                  <p:stCondLst>
-                                    <p:cond delay="0"/>
-                                  </p:stCondLst>
-                                  <p:childTnLst>
-                                    <p:set>
-                                      <p:cBhvr>
-                                        <p:cTn id="11" dur="1" fill="hold">
-                                          <p:stCondLst>
-                                            <p:cond delay="0"/>
-                                          </p:stCondLst>
-                                        </p:cTn>
-                                        <p:tgtEl>
-                                          <p:spTgt spid="2">
-                                            <p:txEl>
-                                              <p:pRg st="1" end="1"/>
-                                            </p:txEl>
-                                          </p:spTgt>
-                                        </p:tgtEl>
-                                        <p:attrNameLst>
-                                          <p:attrName>style.visibility</p:attrName>
-                                        </p:attrNameLst>
-                                      </p:cBhvr>
-                                      <p:to>
-                                        <p:strVal val="visible"/>
-                                      </p:to>
-                                    </p:set>
-                                    <p:animEffect transition="in" filter="fade">
-                                      <p:cBhvr>
-                                        <p:cTn id="12" dur="500"/>
-                                        <p:tgtEl>
-                                          <p:spTgt spid="2">
-                                            <p:txEl>
-                                              <p:pRg st="1" end="1"/>
-                                            </p:txEl>
-                                          </p:spTgt>
-                                        </p:tgtEl>
-                                      </p:cBhvr>
-                                    </p:animEffect>
-                                  </p:childTnLst>
-                                </p:cTn>
-                              </p:par>
-                            </p:childTnLst>
-                          </p:cTn>
-                        </p:par>
-                      </p:childTnLst>
-                    </p:cTn>
-                  </p:par>
-                  <p:par>
-                    <p:cTn id="13" fill="hold">
-                      <p:stCondLst>
-                        <p:cond delay="indefinite"/>
-                      </p:stCondLst>
-                      <p:childTnLst>
-                        <p:par>
-                          <p:cTn id="14" fill="hold">
-                            <p:stCondLst>
-                              <p:cond delay="0"/>
-                            </p:stCondLst>
-                            <p:childTnLst>
-                              <p:par>
-                                <p:cTn id="15" presetID="10" presetClass="entr" presetSubtype="0" fill="hold" nodeType="clickEffect">
-                                  <p:stCondLst>
-                                    <p:cond delay="0"/>
-                                  </p:stCondLst>
-                                  <p:childTnLst>
-                                    <p:set>
-                                      <p:cBhvr>
-                                        <p:cTn id="16" dur="1" fill="hold">
-                                          <p:stCondLst>
-                                            <p:cond delay="0"/>
-                                          </p:stCondLst>
-                                        </p:cTn>
-                                        <p:tgtEl>
-                                          <p:spTgt spid="2">
-                                            <p:txEl>
-                                              <p:pRg st="2" end="2"/>
-                                            </p:txEl>
-                                          </p:spTgt>
-                                        </p:tgtEl>
-                                        <p:attrNameLst>
-                                          <p:attrName>style.visibility</p:attrName>
-                                        </p:attrNameLst>
-                                      </p:cBhvr>
-                                      <p:to>
-                                        <p:strVal val="visible"/>
-                                      </p:to>
-                                    </p:set>
-                                    <p:animEffect transition="in" filter="fade">
-                                      <p:cBhvr>
-                                        <p:cTn id="17" dur="500"/>
-                                        <p:tgtEl>
-                                          <p:spTgt spid="2">
-                                            <p:txEl>
-                                              <p:pRg st="2" end="2"/>
-                                            </p:txEl>
-                                          </p:spTgt>
-                                        </p:tgtEl>
-                                      </p:cBhvr>
-                                    </p:animEffect>
-                                  </p:childTnLst>
-                                </p:cTn>
-                              </p:par>
-                            </p:childTnLst>
-                          </p:cTn>
-                        </p:par>
-                      </p:childTnLst>
-                    </p:cTn>
-                  </p:par>
-                  <p:par>
-                    <p:cTn id="18" fill="hold">
-                      <p:stCondLst>
-                        <p:cond delay="indefinite"/>
-                      </p:stCondLst>
-                      <p:childTnLst>
-                        <p:par>
-                          <p:cTn id="19" fill="hold">
-                            <p:stCondLst>
-                              <p:cond delay="0"/>
-                            </p:stCondLst>
-                            <p:childTnLst>
-                              <p:par>
-                                <p:cTn id="20" presetID="10" presetClass="entr" presetSubtype="0" fill="hold" nodeType="clickEffect">
-                                  <p:stCondLst>
-                                    <p:cond delay="0"/>
-                                  </p:stCondLst>
-                                  <p:childTnLst>
-                                    <p:set>
-                                      <p:cBhvr>
-                                        <p:cTn id="21" dur="1" fill="hold">
-                                          <p:stCondLst>
-                                            <p:cond delay="0"/>
-                                          </p:stCondLst>
-                                        </p:cTn>
-                                        <p:tgtEl>
-                                          <p:spTgt spid="2">
-                                            <p:txEl>
-                                              <p:pRg st="3" end="3"/>
-                                            </p:txEl>
-                                          </p:spTgt>
-                                        </p:tgtEl>
-                                        <p:attrNameLst>
-                                          <p:attrName>style.visibility</p:attrName>
-                                        </p:attrNameLst>
-                                      </p:cBhvr>
-                                      <p:to>
-                                        <p:strVal val="visible"/>
-                                      </p:to>
-                                    </p:set>
-                                    <p:animEffect transition="in" filter="fade">
-                                      <p:cBhvr>
-                                        <p:cTn id="22" dur="500"/>
-                                        <p:tgtEl>
-                                          <p:spTgt spid="2">
-                                            <p:txEl>
-                                              <p:pRg st="3" end="3"/>
-                                            </p:txEl>
-                                          </p:spTgt>
-                                        </p:tgtEl>
-                                      </p:cBhvr>
-                                    </p:animEffect>
-                                  </p:childTnLst>
-                                </p:cTn>
-                              </p:par>
-                            </p:childTnLst>
-                          </p:cTn>
-                        </p:par>
-                      </p:childTnLst>
-                    </p:cTn>
-                  </p:par>
-                </p:childTnLst>
-              </p:cTn>
-              <p:prevCondLst>
-                <p:cond evt="onPrev" delay="0">
-                  <p:tgtEl>
-                    <p:sldTgt/>
-                  </p:tgtEl>
-                </p:cond>
-              </p:prevCondLst>
-              <p:nextCondLst>
-                <p:cond evt="onNext" delay="0">
-                  <p:tgtEl>
-                    <p:sldTgt/>
-                  </p:tgtEl>
-                </p:cond>
-              </p:nextCondLst>
-            </p:seq>
-          </p:childTnLst>
-        </p:cTn>
-      </p:par>
-    </p:tnLst>
-  </p:timing>
-</p:sld>
-</file>
-
-<file path=ppt/slides/slide25.xml><?xml version="1.0" encoding="utf-8"?>
-<p:sld xmlns:a="http://schemas.openxmlformats.org/drawingml/2006/main" xmlns:r="http://schemas.openxmlformats.org/officeDocument/2006/relationships" xmlns:p="http://schemas.openxmlformats.org/presentationml/2006/main">
-  <p:cSld>
-    <p:spTree>
-      <p:nvGrpSpPr>
-        <p:cNvPr id="1" name="Shape 182"/>
-        <p:cNvGrpSpPr/>
-        <p:nvPr/>
-      </p:nvGrpSpPr>
-      <p:grpSpPr>
-        <a:xfrm>
-          <a:off x="0" y="0"/>
-          <a:ext cx="0" cy="0"/>
-          <a:chOff x="0" y="0"/>
-          <a:chExt cx="0" cy="0"/>
-        </a:xfrm>
-      </p:grpSpPr>
-      <p:cxnSp>
-        <p:nvCxnSpPr>
-          <p:cNvPr id="185" name="Google Shape;185;p32"/>
-          <p:cNvCxnSpPr/>
-          <p:nvPr/>
-        </p:nvCxnSpPr>
-        <p:spPr>
-          <a:xfrm>
-            <a:off x="4569600" y="949554"/>
-            <a:ext cx="4574400" cy="0"/>
-          </a:xfrm>
-          <a:prstGeom prst="straightConnector1">
-            <a:avLst/>
-          </a:prstGeom>
-          <a:noFill/>
-          <a:ln w="9525" cap="flat" cmpd="sng">
-            <a:solidFill>
-              <a:schemeClr val="dk1"/>
-            </a:solidFill>
-            <a:prstDash val="solid"/>
-            <a:round/>
-            <a:headEnd type="none" w="med" len="med"/>
-            <a:tailEnd type="none" w="med" len="med"/>
-          </a:ln>
-        </p:spPr>
-      </p:cxnSp>
-      <p:sp>
-        <p:nvSpPr>
-          <p:cNvPr id="8" name="Google Shape;144;p29">
-            <a:extLst>
-              <a:ext uri="{FF2B5EF4-FFF2-40B4-BE49-F238E27FC236}">
-                <a16:creationId xmlns:a16="http://schemas.microsoft.com/office/drawing/2014/main" id="{A59F27EC-9A67-4966-BB49-EB24126A6274}"/>
-              </a:ext>
-            </a:extLst>
-          </p:cNvPr>
-          <p:cNvSpPr txBox="1">
-            <a:spLocks/>
-          </p:cNvSpPr>
-          <p:nvPr/>
-        </p:nvSpPr>
-        <p:spPr>
-          <a:xfrm>
-            <a:off x="5153219" y="282531"/>
-            <a:ext cx="3990781" cy="534738"/>
-          </a:xfrm>
-          <a:prstGeom prst="rect">
-            <a:avLst/>
-          </a:prstGeom>
-          <a:noFill/>
-          <a:ln>
-            <a:solidFill>
-              <a:srgbClr val="FFC000"/>
-            </a:solidFill>
-          </a:ln>
-        </p:spPr>
-        <p:txBody>
-          <a:bodyPr spcFirstLastPara="1" wrap="square" lIns="91425" tIns="91425" rIns="91425" bIns="91425" anchor="t" anchorCtr="0">
-            <a:noAutofit/>
-          </a:bodyPr>
-          <a:lstStyle>
-            <a:defPPr marR="0" lvl="0" algn="l" rtl="0">
-              <a:lnSpc>
-                <a:spcPct val="100000"/>
-              </a:lnSpc>
-              <a:spcBef>
-                <a:spcPts val="0"/>
-              </a:spcBef>
-              <a:spcAft>
-                <a:spcPts val="0"/>
-              </a:spcAft>
-            </a:defPPr>
-            <a:lvl1pPr marR="0" lvl="0" algn="ctr" rtl="0">
-              <a:lnSpc>
-                <a:spcPct val="100000"/>
-              </a:lnSpc>
-              <a:spcBef>
-                <a:spcPts val="0"/>
-              </a:spcBef>
-              <a:spcAft>
-                <a:spcPts val="0"/>
-              </a:spcAft>
-              <a:buClr>
-                <a:schemeClr val="dk1"/>
-              </a:buClr>
-              <a:buSzPts val="2800"/>
-              <a:buFont typeface="Exo 2"/>
-              <a:buNone/>
-              <a:defRPr sz="2800" b="1" i="0" u="none" strike="noStrike" cap="none">
-                <a:solidFill>
-                  <a:schemeClr val="dk1"/>
-                </a:solidFill>
-                <a:latin typeface="Exo 2"/>
-                <a:ea typeface="Exo 2"/>
-                <a:cs typeface="Exo 2"/>
-                <a:sym typeface="Exo 2"/>
-              </a:defRPr>
-            </a:lvl1pPr>
-            <a:lvl2pPr marR="0" lvl="1" algn="l" rtl="0">
-              <a:lnSpc>
-                <a:spcPct val="100000"/>
-              </a:lnSpc>
-              <a:spcBef>
-                <a:spcPts val="0"/>
-              </a:spcBef>
-              <a:spcAft>
-                <a:spcPts val="0"/>
-              </a:spcAft>
-              <a:buClr>
-                <a:srgbClr val="000000"/>
-              </a:buClr>
-              <a:buSzPts val="1600"/>
-              <a:buFont typeface="Squada One"/>
-              <a:buNone/>
-              <a:defRPr sz="1600" b="0" i="0" u="none" strike="noStrike" cap="none">
-                <a:solidFill>
-                  <a:srgbClr val="000000"/>
-                </a:solidFill>
-                <a:latin typeface="Squada One"/>
-                <a:ea typeface="Squada One"/>
-                <a:cs typeface="Squada One"/>
-                <a:sym typeface="Squada One"/>
-              </a:defRPr>
-            </a:lvl2pPr>
-            <a:lvl3pPr marR="0" lvl="2" algn="l" rtl="0">
-              <a:lnSpc>
-                <a:spcPct val="100000"/>
-              </a:lnSpc>
-              <a:spcBef>
-                <a:spcPts val="0"/>
-              </a:spcBef>
-              <a:spcAft>
-                <a:spcPts val="0"/>
-              </a:spcAft>
-              <a:buClr>
-                <a:srgbClr val="000000"/>
-              </a:buClr>
-              <a:buSzPts val="1600"/>
-              <a:buFont typeface="Squada One"/>
-              <a:buNone/>
-              <a:defRPr sz="1600" b="0" i="0" u="none" strike="noStrike" cap="none">
-                <a:solidFill>
-                  <a:srgbClr val="000000"/>
-                </a:solidFill>
-                <a:latin typeface="Squada One"/>
-                <a:ea typeface="Squada One"/>
-                <a:cs typeface="Squada One"/>
-                <a:sym typeface="Squada One"/>
-              </a:defRPr>
-            </a:lvl3pPr>
-            <a:lvl4pPr marR="0" lvl="3" algn="l" rtl="0">
-              <a:lnSpc>
-                <a:spcPct val="100000"/>
-              </a:lnSpc>
-              <a:spcBef>
-                <a:spcPts val="0"/>
-              </a:spcBef>
-              <a:spcAft>
-                <a:spcPts val="0"/>
-              </a:spcAft>
-              <a:buClr>
-                <a:srgbClr val="000000"/>
-              </a:buClr>
-              <a:buSzPts val="1600"/>
-              <a:buFont typeface="Squada One"/>
-              <a:buNone/>
-              <a:defRPr sz="1600" b="0" i="0" u="none" strike="noStrike" cap="none">
-                <a:solidFill>
-                  <a:srgbClr val="000000"/>
-                </a:solidFill>
-                <a:latin typeface="Squada One"/>
-                <a:ea typeface="Squada One"/>
-                <a:cs typeface="Squada One"/>
-                <a:sym typeface="Squada One"/>
-              </a:defRPr>
-            </a:lvl4pPr>
-            <a:lvl5pPr marR="0" lvl="4" algn="l" rtl="0">
-              <a:lnSpc>
-                <a:spcPct val="100000"/>
-              </a:lnSpc>
-              <a:spcBef>
-                <a:spcPts val="0"/>
-              </a:spcBef>
-              <a:spcAft>
-                <a:spcPts val="0"/>
-              </a:spcAft>
-              <a:buClr>
-                <a:srgbClr val="000000"/>
-              </a:buClr>
-              <a:buSzPts val="1600"/>
-              <a:buFont typeface="Squada One"/>
-              <a:buNone/>
-              <a:defRPr sz="1600" b="0" i="0" u="none" strike="noStrike" cap="none">
-                <a:solidFill>
-                  <a:srgbClr val="000000"/>
-                </a:solidFill>
-                <a:latin typeface="Squada One"/>
-                <a:ea typeface="Squada One"/>
-                <a:cs typeface="Squada One"/>
-                <a:sym typeface="Squada One"/>
-              </a:defRPr>
-            </a:lvl5pPr>
-            <a:lvl6pPr marR="0" lvl="5" algn="l" rtl="0">
-              <a:lnSpc>
-                <a:spcPct val="100000"/>
-              </a:lnSpc>
-              <a:spcBef>
-                <a:spcPts val="0"/>
-              </a:spcBef>
-              <a:spcAft>
-                <a:spcPts val="0"/>
-              </a:spcAft>
-              <a:buClr>
-                <a:srgbClr val="000000"/>
-              </a:buClr>
-              <a:buSzPts val="1600"/>
-              <a:buFont typeface="Squada One"/>
-              <a:buNone/>
-              <a:defRPr sz="1600" b="0" i="0" u="none" strike="noStrike" cap="none">
-                <a:solidFill>
-                  <a:srgbClr val="000000"/>
-                </a:solidFill>
-                <a:latin typeface="Squada One"/>
-                <a:ea typeface="Squada One"/>
-                <a:cs typeface="Squada One"/>
-                <a:sym typeface="Squada One"/>
-              </a:defRPr>
-            </a:lvl6pPr>
-            <a:lvl7pPr marR="0" lvl="6" algn="l" rtl="0">
-              <a:lnSpc>
-                <a:spcPct val="100000"/>
-              </a:lnSpc>
-              <a:spcBef>
-                <a:spcPts val="0"/>
-              </a:spcBef>
-              <a:spcAft>
-                <a:spcPts val="0"/>
-              </a:spcAft>
-              <a:buClr>
-                <a:srgbClr val="000000"/>
-              </a:buClr>
-              <a:buSzPts val="1600"/>
-              <a:buFont typeface="Squada One"/>
-              <a:buNone/>
-              <a:defRPr sz="1600" b="0" i="0" u="none" strike="noStrike" cap="none">
-                <a:solidFill>
-                  <a:srgbClr val="000000"/>
-                </a:solidFill>
-                <a:latin typeface="Squada One"/>
-                <a:ea typeface="Squada One"/>
-                <a:cs typeface="Squada One"/>
-                <a:sym typeface="Squada One"/>
-              </a:defRPr>
-            </a:lvl7pPr>
-            <a:lvl8pPr marR="0" lvl="7" algn="l" rtl="0">
-              <a:lnSpc>
-                <a:spcPct val="100000"/>
-              </a:lnSpc>
-              <a:spcBef>
-                <a:spcPts val="0"/>
-              </a:spcBef>
-              <a:spcAft>
-                <a:spcPts val="0"/>
-              </a:spcAft>
-              <a:buClr>
-                <a:srgbClr val="000000"/>
-              </a:buClr>
-              <a:buSzPts val="1600"/>
-              <a:buFont typeface="Squada One"/>
-              <a:buNone/>
-              <a:defRPr sz="1600" b="0" i="0" u="none" strike="noStrike" cap="none">
-                <a:solidFill>
-                  <a:srgbClr val="000000"/>
-                </a:solidFill>
-                <a:latin typeface="Squada One"/>
-                <a:ea typeface="Squada One"/>
-                <a:cs typeface="Squada One"/>
-                <a:sym typeface="Squada One"/>
-              </a:defRPr>
-            </a:lvl8pPr>
-            <a:lvl9pPr marR="0" lvl="8" algn="l" rtl="0">
-              <a:lnSpc>
-                <a:spcPct val="100000"/>
-              </a:lnSpc>
-              <a:spcBef>
-                <a:spcPts val="0"/>
-              </a:spcBef>
-              <a:spcAft>
-                <a:spcPts val="0"/>
-              </a:spcAft>
-              <a:buClr>
-                <a:srgbClr val="000000"/>
-              </a:buClr>
-              <a:buSzPts val="1600"/>
-              <a:buFont typeface="Squada One"/>
-              <a:buNone/>
-              <a:defRPr sz="1600" b="0" i="0" u="none" strike="noStrike" cap="none">
-                <a:solidFill>
-                  <a:srgbClr val="000000"/>
-                </a:solidFill>
-                <a:latin typeface="Squada One"/>
-                <a:ea typeface="Squada One"/>
-                <a:cs typeface="Squada One"/>
-                <a:sym typeface="Squada One"/>
-              </a:defRPr>
-            </a:lvl9pPr>
-          </a:lstStyle>
-          <a:p>
-            <a:r>
-              <a:rPr lang="en-US" dirty="0"/>
-              <a:t>CONCLUSION</a:t>
-            </a:r>
-          </a:p>
-          <a:p>
-            <a:endParaRPr lang="en-US" dirty="0"/>
-          </a:p>
-        </p:txBody>
-      </p:sp>
-      <p:cxnSp>
-        <p:nvCxnSpPr>
-          <p:cNvPr id="26" name="Google Shape;254;p37">
-            <a:extLst>
-              <a:ext uri="{FF2B5EF4-FFF2-40B4-BE49-F238E27FC236}">
-                <a16:creationId xmlns:a16="http://schemas.microsoft.com/office/drawing/2014/main" id="{DD563581-2869-4E7D-A16D-907A1AD9A3AA}"/>
-              </a:ext>
-            </a:extLst>
-          </p:cNvPr>
-          <p:cNvCxnSpPr/>
-          <p:nvPr/>
-        </p:nvCxnSpPr>
-        <p:spPr>
-          <a:xfrm rot="10800000">
-            <a:off x="5375998" y="3890867"/>
-            <a:ext cx="3768000" cy="0"/>
-          </a:xfrm>
-          <a:prstGeom prst="straightConnector1">
-            <a:avLst/>
-          </a:prstGeom>
-          <a:noFill/>
-          <a:ln w="9525" cap="flat" cmpd="sng">
-            <a:solidFill>
-              <a:schemeClr val="dk2"/>
-            </a:solidFill>
-            <a:prstDash val="solid"/>
-            <a:round/>
-            <a:headEnd type="none" w="med" len="med"/>
-            <a:tailEnd type="none" w="med" len="med"/>
-          </a:ln>
-        </p:spPr>
-      </p:cxnSp>
-      <p:sp>
-        <p:nvSpPr>
-          <p:cNvPr id="6" name="TextBox 5">
-            <a:extLst>
-              <a:ext uri="{FF2B5EF4-FFF2-40B4-BE49-F238E27FC236}">
-                <a16:creationId xmlns:a16="http://schemas.microsoft.com/office/drawing/2014/main" id="{1A064FE9-C622-4D51-A74D-499E8F93C5B8}"/>
-              </a:ext>
-            </a:extLst>
-          </p:cNvPr>
-          <p:cNvSpPr txBox="1"/>
-          <p:nvPr/>
-        </p:nvSpPr>
-        <p:spPr>
-          <a:xfrm>
-            <a:off x="8712820" y="4774168"/>
-            <a:ext cx="431180" cy="338554"/>
-          </a:xfrm>
-          <a:prstGeom prst="rect">
-            <a:avLst/>
-          </a:prstGeom>
-          <a:noFill/>
-        </p:spPr>
-        <p:txBody>
-          <a:bodyPr wrap="square" rtlCol="0">
-            <a:spAutoFit/>
-          </a:bodyPr>
-          <a:lstStyle/>
-          <a:p>
-            <a:pPr algn="ctr"/>
-            <a:r>
-              <a:rPr lang="en-US" sz="1600" dirty="0"/>
-              <a:t>22</a:t>
-            </a:r>
-          </a:p>
-        </p:txBody>
-      </p:sp>
-      <p:graphicFrame>
-        <p:nvGraphicFramePr>
-          <p:cNvPr id="18" name="Diagram 17">
-            <a:extLst>
-              <a:ext uri="{FF2B5EF4-FFF2-40B4-BE49-F238E27FC236}">
-                <a16:creationId xmlns:a16="http://schemas.microsoft.com/office/drawing/2014/main" id="{DB9F2276-692F-4F96-A770-C1B87E9715BA}"/>
-              </a:ext>
-            </a:extLst>
-          </p:cNvPr>
-          <p:cNvGraphicFramePr/>
-          <p:nvPr>
-            <p:extLst>
-              <p:ext uri="{D42A27DB-BD31-4B8C-83A1-F6EECF244321}">
-                <p14:modId xmlns:p14="http://schemas.microsoft.com/office/powerpoint/2010/main" val="2008764616"/>
-              </p:ext>
-            </p:extLst>
-          </p:nvPr>
-        </p:nvGraphicFramePr>
-        <p:xfrm>
-          <a:off x="1796955" y="1201003"/>
-          <a:ext cx="5845791" cy="3418760"/>
-        </p:xfrm>
-        <a:graphic>
-          <a:graphicData uri="http://schemas.openxmlformats.org/drawingml/2006/diagram">
-            <dgm:relIds xmlns:dgm="http://schemas.openxmlformats.org/drawingml/2006/diagram" xmlns:r="http://schemas.openxmlformats.org/officeDocument/2006/relationships" r:dm="rId3" r:lo="rId4" r:qs="rId5" r:cs="rId6"/>
-          </a:graphicData>
-        </a:graphic>
-      </p:graphicFrame>
-      <p:sp>
-        <p:nvSpPr>
-          <p:cNvPr id="20" name="TextBox 19">
-            <a:extLst>
-              <a:ext uri="{FF2B5EF4-FFF2-40B4-BE49-F238E27FC236}">
-                <a16:creationId xmlns:a16="http://schemas.microsoft.com/office/drawing/2014/main" id="{56ADC9D5-4CC8-45EB-811B-737B56BBC94D}"/>
-              </a:ext>
-            </a:extLst>
-          </p:cNvPr>
-          <p:cNvSpPr txBox="1"/>
-          <p:nvPr/>
-        </p:nvSpPr>
-        <p:spPr>
-          <a:xfrm>
-            <a:off x="2163344" y="2174028"/>
-            <a:ext cx="3651384" cy="646331"/>
+            <a:off x="2163344" y="3793384"/>
+            <a:ext cx="1826141" cy="646331"/>
           </a:xfrm>
           <a:prstGeom prst="rect">
             <a:avLst/>
@@ -41572,94 +35519,12 @@
             <a:r>
               <a:rPr lang="en-US" b="1" dirty="0">
                 <a:solidFill>
-                  <a:schemeClr val="bg1"/>
-                </a:solidFill>
-              </a:rPr>
-              <a:t>II. Advantage and Disadvantage</a:t>
-            </a:r>
-          </a:p>
-          <a:p>
-            <a:endParaRPr lang="en-US" dirty="0">
-              <a:solidFill>
-                <a:schemeClr val="bg1"/>
-              </a:solidFill>
-            </a:endParaRPr>
-          </a:p>
-        </p:txBody>
-      </p:sp>
-      <p:sp>
-        <p:nvSpPr>
-          <p:cNvPr id="21" name="TextBox 20">
-            <a:extLst>
-              <a:ext uri="{FF2B5EF4-FFF2-40B4-BE49-F238E27FC236}">
-                <a16:creationId xmlns:a16="http://schemas.microsoft.com/office/drawing/2014/main" id="{545051E4-E746-46E9-B6E9-524A6C241A2F}"/>
-              </a:ext>
-            </a:extLst>
-          </p:cNvPr>
-          <p:cNvSpPr txBox="1"/>
-          <p:nvPr/>
-        </p:nvSpPr>
-        <p:spPr>
-          <a:xfrm>
-            <a:off x="2177960" y="3058013"/>
-            <a:ext cx="1223412" cy="646331"/>
-          </a:xfrm>
-          <a:prstGeom prst="rect">
-            <a:avLst/>
-          </a:prstGeom>
-          <a:noFill/>
-        </p:spPr>
-        <p:txBody>
-          <a:bodyPr wrap="none" rtlCol="0">
-            <a:spAutoFit/>
-          </a:bodyPr>
-          <a:lstStyle/>
-          <a:p>
-            <a:r>
-              <a:rPr lang="en-US" sz="1800" b="1" kern="1200" dirty="0">
-                <a:solidFill>
-                  <a:schemeClr val="bg1"/>
+                  <a:srgbClr val="002060"/>
                 </a:solidFill>
                 <a:latin typeface="Arial" panose="020B0604020202020204"/>
-                <a:ea typeface="+mn-ea"/>
-                <a:cs typeface="+mn-cs"/>
               </a:rPr>
-              <a:t>III. Hardly</a:t>
+              <a:t>III</a:t>
             </a:r>
-          </a:p>
-          <a:p>
-            <a:endParaRPr lang="en-US" dirty="0"/>
-          </a:p>
-        </p:txBody>
-      </p:sp>
-      <p:sp>
-        <p:nvSpPr>
-          <p:cNvPr id="22" name="TextBox 21">
-            <a:extLst>
-              <a:ext uri="{FF2B5EF4-FFF2-40B4-BE49-F238E27FC236}">
-                <a16:creationId xmlns:a16="http://schemas.microsoft.com/office/drawing/2014/main" id="{DF5707DC-A8CE-4CD0-BB0E-97856393A3D7}"/>
-              </a:ext>
-            </a:extLst>
-          </p:cNvPr>
-          <p:cNvSpPr txBox="1"/>
-          <p:nvPr/>
-        </p:nvSpPr>
-        <p:spPr>
-          <a:xfrm>
-            <a:off x="2200506" y="3889451"/>
-            <a:ext cx="1851789" cy="646331"/>
-          </a:xfrm>
-          <a:prstGeom prst="rect">
-            <a:avLst/>
-          </a:prstGeom>
-          <a:noFill/>
-        </p:spPr>
-        <p:txBody>
-          <a:bodyPr wrap="none" rtlCol="0">
-            <a:spAutoFit/>
-          </a:bodyPr>
-          <a:lstStyle/>
-          <a:p>
             <a:r>
               <a:rPr lang="en-US" sz="1800" b="1" kern="1200" dirty="0">
                 <a:solidFill>
@@ -41669,7 +35534,7 @@
                 <a:ea typeface="+mn-ea"/>
                 <a:cs typeface="+mn-cs"/>
               </a:rPr>
-              <a:t>VI. Future work</a:t>
+              <a:t>. Future work</a:t>
             </a:r>
           </a:p>
           <a:p>
@@ -41892,7 +35757,7 @@
                                           </p:stCondLst>
                                         </p:cTn>
                                         <p:tgtEl>
-                                          <p:spTgt spid="21"/>
+                                          <p:spTgt spid="22"/>
                                         </p:tgtEl>
                                         <p:attrNameLst>
                                           <p:attrName>style.visibility</p:attrName>
@@ -41905,41 +35770,6 @@
                                     <p:animEffect transition="in" filter="fade">
                                       <p:cBhvr>
                                         <p:cTn id="16" dur="500"/>
-                                        <p:tgtEl>
-                                          <p:spTgt spid="21"/>
-                                        </p:tgtEl>
-                                      </p:cBhvr>
-                                    </p:animEffect>
-                                  </p:childTnLst>
-                                </p:cTn>
-                              </p:par>
-                              <p:par>
-                                <p:cTn id="17" presetID="10" presetClass="entr" presetSubtype="0" fill="hold" grpId="0" nodeType="withEffect">
-                                  <p:stCondLst>
-                                    <p:cond delay="0"/>
-                                  </p:stCondLst>
-                                  <p:childTnLst>
-                                    <p:set>
-                                      <p:cBhvr>
-                                        <p:cTn id="18" dur="1" fill="hold">
-                                          <p:stCondLst>
-                                            <p:cond delay="0"/>
-                                          </p:stCondLst>
-                                        </p:cTn>
-                                        <p:tgtEl>
-                                          <p:spTgt spid="22"/>
-                                        </p:tgtEl>
-                                        <p:attrNameLst>
-                                          <p:attrName>style.visibility</p:attrName>
-                                        </p:attrNameLst>
-                                      </p:cBhvr>
-                                      <p:to>
-                                        <p:strVal val="visible"/>
-                                      </p:to>
-                                    </p:set>
-                                    <p:animEffect transition="in" filter="fade">
-                                      <p:cBhvr>
-                                        <p:cTn id="19" dur="500"/>
                                         <p:tgtEl>
                                           <p:spTgt spid="22"/>
                                         </p:tgtEl>
@@ -41980,7 +35810,6 @@
         <p:bldAsOne/>
       </p:bldGraphic>
       <p:bldP spid="20" grpId="0"/>
-      <p:bldP spid="21" grpId="0"/>
       <p:bldP spid="22" grpId="0"/>
       <p:bldP spid="23" grpId="0"/>
     </p:bldLst>
@@ -41988,7 +35817,7 @@
 </p:sld>
 </file>
 
-<file path=ppt/slides/slide26.xml><?xml version="1.0" encoding="utf-8"?>
+<file path=ppt/slides/slide24.xml><?xml version="1.0" encoding="utf-8"?>
 <p:sld xmlns:a="http://schemas.openxmlformats.org/drawingml/2006/main" xmlns:r="http://schemas.openxmlformats.org/officeDocument/2006/relationships" xmlns:p="http://schemas.openxmlformats.org/presentationml/2006/main">
   <p:cSld>
     <p:spTree>
@@ -42356,8 +36185,22 @@
                 <a:latin typeface="Arial" panose="020B0604020202020204" pitchFamily="34" charset="0"/>
                 <a:cs typeface="Arial" panose="020B0604020202020204" pitchFamily="34" charset="0"/>
               </a:rPr>
-              <a:t>VI. Development</a:t>
+              <a:t>III. </a:t>
             </a:r>
+            <a:r>
+              <a:rPr lang="en-US" sz="1800" b="0">
+                <a:latin typeface="Arial" panose="020B0604020202020204" pitchFamily="34" charset="0"/>
+                <a:cs typeface="Arial" panose="020B0604020202020204" pitchFamily="34" charset="0"/>
+              </a:rPr>
+              <a:t>Future work</a:t>
+            </a:r>
+          </a:p>
+          <a:p>
+            <a:pPr algn="r"/>
+            <a:endParaRPr lang="en-US" sz="1800" b="0" dirty="0">
+              <a:latin typeface="Arial" panose="020B0604020202020204" pitchFamily="34" charset="0"/>
+              <a:cs typeface="Arial" panose="020B0604020202020204" pitchFamily="34" charset="0"/>
+            </a:endParaRPr>
           </a:p>
           <a:p>
             <a:endParaRPr lang="en-US" dirty="0"/>
@@ -42898,7 +36741,7 @@
 </p:sld>
 </file>
 
-<file path=ppt/slides/slide27.xml><?xml version="1.0" encoding="utf-8"?>
+<file path=ppt/slides/slide25.xml><?xml version="1.0" encoding="utf-8"?>
 <p:sld xmlns:a="http://schemas.openxmlformats.org/drawingml/2006/main" xmlns:r="http://schemas.openxmlformats.org/officeDocument/2006/relationships" xmlns:p="http://schemas.openxmlformats.org/presentationml/2006/main">
   <p:cSld>
     <p:bg>

--- a/Docs/Graduation thesis.pptx
+++ b/Docs/Graduation thesis.pptx
@@ -13812,7 +13812,7 @@
           <a:p>
             <a:fld id="{6F65847A-E097-4E30-8D7B-0C75C09AEFCB}" type="datetimeFigureOut">
               <a:rPr lang="en-US" smtClean="0"/>
-              <a:t>7/20/2021</a:t>
+              <a:t>7/21/2021</a:t>
             </a:fld>
             <a:endParaRPr lang="en-US"/>
           </a:p>
@@ -13983,7 +13983,7 @@
           <a:p>
             <a:fld id="{6F65847A-E097-4E30-8D7B-0C75C09AEFCB}" type="datetimeFigureOut">
               <a:rPr lang="en-US" smtClean="0"/>
-              <a:t>7/20/2021</a:t>
+              <a:t>7/21/2021</a:t>
             </a:fld>
             <a:endParaRPr lang="en-US"/>
           </a:p>
@@ -14164,7 +14164,7 @@
           <a:p>
             <a:fld id="{6F65847A-E097-4E30-8D7B-0C75C09AEFCB}" type="datetimeFigureOut">
               <a:rPr lang="en-US" smtClean="0"/>
-              <a:t>7/20/2021</a:t>
+              <a:t>7/21/2021</a:t>
             </a:fld>
             <a:endParaRPr lang="en-US"/>
           </a:p>
@@ -20218,7 +20218,7 @@
           <a:p>
             <a:fld id="{6F65847A-E097-4E30-8D7B-0C75C09AEFCB}" type="datetimeFigureOut">
               <a:rPr lang="en-US" smtClean="0"/>
-              <a:t>7/20/2021</a:t>
+              <a:t>7/21/2021</a:t>
             </a:fld>
             <a:endParaRPr lang="en-US"/>
           </a:p>
@@ -20465,7 +20465,7 @@
           <a:p>
             <a:fld id="{6F65847A-E097-4E30-8D7B-0C75C09AEFCB}" type="datetimeFigureOut">
               <a:rPr lang="en-US" smtClean="0"/>
-              <a:t>7/20/2021</a:t>
+              <a:t>7/21/2021</a:t>
             </a:fld>
             <a:endParaRPr lang="en-US"/>
           </a:p>
@@ -20698,7 +20698,7 @@
           <a:p>
             <a:fld id="{6F65847A-E097-4E30-8D7B-0C75C09AEFCB}" type="datetimeFigureOut">
               <a:rPr lang="en-US" smtClean="0"/>
-              <a:t>7/20/2021</a:t>
+              <a:t>7/21/2021</a:t>
             </a:fld>
             <a:endParaRPr lang="en-US"/>
           </a:p>
@@ -21066,7 +21066,7 @@
           <a:p>
             <a:fld id="{6F65847A-E097-4E30-8D7B-0C75C09AEFCB}" type="datetimeFigureOut">
               <a:rPr lang="en-US" smtClean="0"/>
-              <a:t>7/20/2021</a:t>
+              <a:t>7/21/2021</a:t>
             </a:fld>
             <a:endParaRPr lang="en-US"/>
           </a:p>
@@ -21185,7 +21185,7 @@
           <a:p>
             <a:fld id="{6F65847A-E097-4E30-8D7B-0C75C09AEFCB}" type="datetimeFigureOut">
               <a:rPr lang="en-US" smtClean="0"/>
-              <a:t>7/20/2021</a:t>
+              <a:t>7/21/2021</a:t>
             </a:fld>
             <a:endParaRPr lang="en-US"/>
           </a:p>
@@ -21281,7 +21281,7 @@
           <a:p>
             <a:fld id="{6F65847A-E097-4E30-8D7B-0C75C09AEFCB}" type="datetimeFigureOut">
               <a:rPr lang="en-US" smtClean="0"/>
-              <a:t>7/20/2021</a:t>
+              <a:t>7/21/2021</a:t>
             </a:fld>
             <a:endParaRPr lang="en-US"/>
           </a:p>
@@ -21559,7 +21559,7 @@
           <a:p>
             <a:fld id="{6F65847A-E097-4E30-8D7B-0C75C09AEFCB}" type="datetimeFigureOut">
               <a:rPr lang="en-US" smtClean="0"/>
-              <a:t>7/20/2021</a:t>
+              <a:t>7/21/2021</a:t>
             </a:fld>
             <a:endParaRPr lang="en-US"/>
           </a:p>
@@ -21817,7 +21817,7 @@
           <a:p>
             <a:fld id="{6F65847A-E097-4E30-8D7B-0C75C09AEFCB}" type="datetimeFigureOut">
               <a:rPr lang="en-US" smtClean="0"/>
-              <a:t>7/20/2021</a:t>
+              <a:t>7/21/2021</a:t>
             </a:fld>
             <a:endParaRPr lang="en-US"/>
           </a:p>
@@ -22031,7 +22031,7 @@
           <a:p>
             <a:fld id="{6F65847A-E097-4E30-8D7B-0C75C09AEFCB}" type="datetimeFigureOut">
               <a:rPr lang="en-US" smtClean="0"/>
-              <a:t>7/20/2021</a:t>
+              <a:t>7/21/2021</a:t>
             </a:fld>
             <a:endParaRPr lang="en-US"/>
           </a:p>
@@ -22830,8 +22830,8 @@
         </p:nvSpPr>
         <p:spPr>
           <a:xfrm>
-            <a:off x="804374" y="1731331"/>
-            <a:ext cx="7194598" cy="1297150"/>
+            <a:off x="328866" y="1631614"/>
+            <a:ext cx="8239755" cy="1297150"/>
           </a:xfrm>
           <a:prstGeom prst="rect">
             <a:avLst/>
@@ -22858,7 +22858,7 @@
                 <a:ea typeface="Tahoma" panose="020B0604030504040204" pitchFamily="34" charset="0"/>
                 <a:cs typeface="Tahoma" panose="020B0604030504040204" pitchFamily="34" charset="0"/>
               </a:rPr>
-              <a:t>TOPIC: BUILD A WEBSITE PUBLISHED </a:t>
+              <a:t>TOPIC: BUILD A WEBSITE AND APP MOBILE </a:t>
             </a:r>
           </a:p>
           <a:p>
@@ -22876,7 +22876,7 @@
                 <a:ea typeface="Tahoma" panose="020B0604030504040204" pitchFamily="34" charset="0"/>
                 <a:cs typeface="Tahoma" panose="020B0604030504040204" pitchFamily="34" charset="0"/>
               </a:rPr>
-              <a:t>AND FIND MOTEL</a:t>
+              <a:t>TO PUBLISHED AND FIND MOTEL</a:t>
             </a:r>
           </a:p>
         </p:txBody>
@@ -24349,7 +24349,7 @@
           <p:nvPr>
             <p:extLst>
               <p:ext uri="{D42A27DB-BD31-4B8C-83A1-F6EECF244321}">
-                <p14:modId xmlns:p14="http://schemas.microsoft.com/office/powerpoint/2010/main" val="3395254016"/>
+                <p14:modId xmlns:p14="http://schemas.microsoft.com/office/powerpoint/2010/main" val="23987172"/>
               </p:ext>
             </p:extLst>
           </p:nvPr>
@@ -24483,7 +24483,7 @@
                       </a:pPr>
                       <a:r>
                         <a:rPr lang="en-US" dirty="0"/>
-                        <a:t>List of publishes</a:t>
+                        <a:t>List of published</a:t>
                       </a:r>
                     </a:p>
                     <a:p>
@@ -24545,7 +24545,7 @@
                       </a:pPr>
                       <a:r>
                         <a:rPr lang="en-US" dirty="0"/>
-                        <a:t>Google map</a:t>
+                        <a:t>Forum</a:t>
                       </a:r>
                     </a:p>
                     <a:p>
@@ -24558,7 +24558,7 @@
                       </a:pPr>
                       <a:r>
                         <a:rPr lang="en-US" dirty="0"/>
-                        <a:t>Language</a:t>
+                        <a:t>Google map</a:t>
                       </a:r>
                     </a:p>
                     <a:p>
@@ -31128,7 +31128,7 @@
                                           </p:stCondLst>
                                         </p:cTn>
                                         <p:tgtEl>
-                                          <p:spTgt spid="25"/>
+                                          <p:spTgt spid="29"/>
                                         </p:tgtEl>
                                         <p:attrNameLst>
                                           <p:attrName>style.visibility</p:attrName>
@@ -31142,7 +31142,7 @@
                                       <p:cBhvr>
                                         <p:cTn id="58" dur="500"/>
                                         <p:tgtEl>
-                                          <p:spTgt spid="25"/>
+                                          <p:spTgt spid="29"/>
                                         </p:tgtEl>
                                       </p:cBhvr>
                                     </p:animEffect>
@@ -31286,7 +31286,7 @@
                                           </p:stCondLst>
                                         </p:cTn>
                                         <p:tgtEl>
-                                          <p:spTgt spid="29"/>
+                                          <p:spTgt spid="25"/>
                                         </p:tgtEl>
                                         <p:attrNameLst>
                                           <p:attrName>style.visibility</p:attrName>
@@ -31300,7 +31300,7 @@
                                       <p:cBhvr>
                                         <p:cTn id="72" dur="500"/>
                                         <p:tgtEl>
-                                          <p:spTgt spid="29"/>
+                                          <p:spTgt spid="25"/>
                                         </p:tgtEl>
                                       </p:cBhvr>
                                     </p:animEffect>
@@ -31807,7 +31807,7 @@
         </p:nvSpPr>
         <p:spPr>
           <a:xfrm>
-            <a:off x="2519729" y="256643"/>
+            <a:off x="2560134" y="631613"/>
             <a:ext cx="3356395" cy="523220"/>
           </a:xfrm>
           <a:prstGeom prst="rect">
@@ -31861,7 +31861,7 @@
         </p:nvSpPr>
         <p:spPr>
           <a:xfrm>
-            <a:off x="1783167" y="1123645"/>
+            <a:off x="2139336" y="1308311"/>
             <a:ext cx="337678" cy="357621"/>
           </a:xfrm>
           <a:prstGeom prst="rect">
@@ -31927,7 +31927,7 @@
         </p:nvSpPr>
         <p:spPr>
           <a:xfrm>
-            <a:off x="1871061" y="1236099"/>
+            <a:off x="2227230" y="1420765"/>
             <a:ext cx="191578" cy="144753"/>
           </a:xfrm>
           <a:custGeom>
@@ -32007,7 +32007,7 @@
         </p:nvSpPr>
         <p:spPr>
           <a:xfrm>
-            <a:off x="2496531" y="1111934"/>
+            <a:off x="2852700" y="1296600"/>
             <a:ext cx="2518638" cy="369332"/>
           </a:xfrm>
           <a:prstGeom prst="rect">
@@ -32042,8 +32042,8 @@
         </p:nvSpPr>
         <p:spPr>
           <a:xfrm>
-            <a:off x="2496531" y="1788557"/>
-            <a:ext cx="1668085" cy="369332"/>
+            <a:off x="2852700" y="1973223"/>
+            <a:ext cx="3416320" cy="369332"/>
           </a:xfrm>
           <a:prstGeom prst="rect">
             <a:avLst/>
@@ -32058,7 +32058,7 @@
           <a:p>
             <a:r>
               <a:rPr lang="en-US" dirty="0"/>
-              <a:t>Website forum</a:t>
+              <a:t>Finding motel with map location</a:t>
             </a:r>
           </a:p>
         </p:txBody>
@@ -32077,7 +32077,7 @@
         </p:nvSpPr>
         <p:spPr>
           <a:xfrm>
-            <a:off x="2496531" y="2374758"/>
+            <a:off x="2852700" y="3791052"/>
             <a:ext cx="671979" cy="369332"/>
           </a:xfrm>
           <a:prstGeom prst="rect">
@@ -32100,76 +32100,6 @@
       </p:sp>
       <p:sp>
         <p:nvSpPr>
-          <p:cNvPr id="31" name="TextBox 30">
-            <a:extLst>
-              <a:ext uri="{FF2B5EF4-FFF2-40B4-BE49-F238E27FC236}">
-                <a16:creationId xmlns:a16="http://schemas.microsoft.com/office/drawing/2014/main" id="{8348D80A-D106-4DFB-8393-2C061820A7E9}"/>
-              </a:ext>
-            </a:extLst>
-          </p:cNvPr>
-          <p:cNvSpPr txBox="1"/>
-          <p:nvPr/>
-        </p:nvSpPr>
-        <p:spPr>
-          <a:xfrm>
-            <a:off x="2496531" y="2934061"/>
-            <a:ext cx="3416320" cy="369332"/>
-          </a:xfrm>
-          <a:prstGeom prst="rect">
-            <a:avLst/>
-          </a:prstGeom>
-          <a:noFill/>
-        </p:spPr>
-        <p:txBody>
-          <a:bodyPr wrap="none" rtlCol="0">
-            <a:spAutoFit/>
-          </a:bodyPr>
-          <a:lstStyle/>
-          <a:p>
-            <a:r>
-              <a:rPr lang="en-US" dirty="0"/>
-              <a:t>Finding motel with map location</a:t>
-            </a:r>
-          </a:p>
-        </p:txBody>
-      </p:sp>
-      <p:sp>
-        <p:nvSpPr>
-          <p:cNvPr id="34" name="TextBox 33">
-            <a:extLst>
-              <a:ext uri="{FF2B5EF4-FFF2-40B4-BE49-F238E27FC236}">
-                <a16:creationId xmlns:a16="http://schemas.microsoft.com/office/drawing/2014/main" id="{857298D1-C8BF-4E39-A46E-BD15D93C5D03}"/>
-              </a:ext>
-            </a:extLst>
-          </p:cNvPr>
-          <p:cNvSpPr txBox="1"/>
-          <p:nvPr/>
-        </p:nvSpPr>
-        <p:spPr>
-          <a:xfrm>
-            <a:off x="2496531" y="3554707"/>
-            <a:ext cx="1338828" cy="369332"/>
-          </a:xfrm>
-          <a:prstGeom prst="rect">
-            <a:avLst/>
-          </a:prstGeom>
-          <a:noFill/>
-        </p:spPr>
-        <p:txBody>
-          <a:bodyPr wrap="none" rtlCol="0">
-            <a:spAutoFit/>
-          </a:bodyPr>
-          <a:lstStyle/>
-          <a:p>
-            <a:r>
-              <a:rPr lang="en-US" dirty="0"/>
-              <a:t>App mobile</a:t>
-            </a:r>
-          </a:p>
-        </p:txBody>
-      </p:sp>
-      <p:sp>
-        <p:nvSpPr>
           <p:cNvPr id="38" name="Google Shape;767;p9">
             <a:extLst>
               <a:ext uri="{FF2B5EF4-FFF2-40B4-BE49-F238E27FC236}">
@@ -32182,7 +32112,7 @@
         </p:nvSpPr>
         <p:spPr>
           <a:xfrm>
-            <a:off x="1783718" y="1761868"/>
+            <a:off x="2139887" y="1946534"/>
             <a:ext cx="337678" cy="357621"/>
           </a:xfrm>
           <a:prstGeom prst="rect">
@@ -32248,7 +32178,7 @@
         </p:nvSpPr>
         <p:spPr>
           <a:xfrm>
-            <a:off x="1871612" y="1874322"/>
+            <a:off x="2227781" y="2058988"/>
             <a:ext cx="191578" cy="144753"/>
           </a:xfrm>
           <a:custGeom>
@@ -32328,7 +32258,7 @@
         </p:nvSpPr>
         <p:spPr>
           <a:xfrm>
-            <a:off x="1782065" y="2364709"/>
+            <a:off x="2138234" y="2549375"/>
             <a:ext cx="337678" cy="357621"/>
           </a:xfrm>
           <a:prstGeom prst="rect">
@@ -32394,7 +32324,7 @@
         </p:nvSpPr>
         <p:spPr>
           <a:xfrm>
-            <a:off x="1869959" y="2477163"/>
+            <a:off x="2226128" y="2661829"/>
             <a:ext cx="191578" cy="144753"/>
           </a:xfrm>
           <a:custGeom>
@@ -32474,7 +32404,7 @@
         </p:nvSpPr>
         <p:spPr>
           <a:xfrm>
-            <a:off x="1781514" y="2992146"/>
+            <a:off x="2137683" y="3176812"/>
             <a:ext cx="337678" cy="357621"/>
           </a:xfrm>
           <a:prstGeom prst="rect">
@@ -32540,7 +32470,7 @@
         </p:nvSpPr>
         <p:spPr>
           <a:xfrm>
-            <a:off x="1869408" y="3104600"/>
+            <a:off x="2225577" y="3289266"/>
             <a:ext cx="191578" cy="144753"/>
           </a:xfrm>
           <a:custGeom>
@@ -32620,7 +32550,7 @@
         </p:nvSpPr>
         <p:spPr>
           <a:xfrm>
-            <a:off x="1782616" y="3631351"/>
+            <a:off x="2138785" y="3816017"/>
             <a:ext cx="337678" cy="357621"/>
           </a:xfrm>
           <a:prstGeom prst="rect">
@@ -32686,7 +32616,7 @@
         </p:nvSpPr>
         <p:spPr>
           <a:xfrm>
-            <a:off x="1870510" y="3743805"/>
+            <a:off x="2226679" y="3928471"/>
             <a:ext cx="191578" cy="144753"/>
           </a:xfrm>
           <a:custGeom>
@@ -32752,6 +32682,265 @@
           </a:p>
         </p:txBody>
       </p:sp>
+      <p:sp>
+        <p:nvSpPr>
+          <p:cNvPr id="22" name="Google Shape;767;p9">
+            <a:extLst>
+              <a:ext uri="{FF2B5EF4-FFF2-40B4-BE49-F238E27FC236}">
+                <a16:creationId xmlns:a16="http://schemas.microsoft.com/office/drawing/2014/main" id="{117E5FD3-CF83-46FB-8F7D-91AD9BE6B006}"/>
+              </a:ext>
+            </a:extLst>
+          </p:cNvPr>
+          <p:cNvSpPr/>
+          <p:nvPr/>
+        </p:nvSpPr>
+        <p:spPr>
+          <a:xfrm>
+            <a:off x="2139336" y="4416547"/>
+            <a:ext cx="337678" cy="357621"/>
+          </a:xfrm>
+          <a:prstGeom prst="rect">
+            <a:avLst/>
+          </a:prstGeom>
+          <a:solidFill>
+            <a:schemeClr val="accent6">
+              <a:lumMod val="60000"/>
+              <a:lumOff val="40000"/>
+            </a:schemeClr>
+          </a:solidFill>
+          <a:ln/>
+        </p:spPr>
+        <p:style>
+          <a:lnRef idx="0">
+            <a:schemeClr val="accent6"/>
+          </a:lnRef>
+          <a:fillRef idx="3">
+            <a:schemeClr val="accent6"/>
+          </a:fillRef>
+          <a:effectRef idx="3">
+            <a:schemeClr val="accent6"/>
+          </a:effectRef>
+          <a:fontRef idx="minor">
+            <a:schemeClr val="lt1"/>
+          </a:fontRef>
+        </p:style>
+        <p:txBody>
+          <a:bodyPr spcFirstLastPara="1" wrap="square" lIns="34284" tIns="34284" rIns="34284" bIns="34284" anchor="ctr" anchorCtr="0">
+            <a:noAutofit/>
+          </a:bodyPr>
+          <a:lstStyle/>
+          <a:p>
+            <a:pPr>
+              <a:buClr>
+                <a:srgbClr val="74808C"/>
+              </a:buClr>
+              <a:buSzPts val="2000"/>
+            </a:pPr>
+            <a:endParaRPr sz="750" dirty="0">
+              <a:solidFill>
+                <a:srgbClr val="283945"/>
+              </a:solidFill>
+              <a:latin typeface="Poppins"/>
+              <a:ea typeface="Poppins"/>
+              <a:cs typeface="Poppins"/>
+              <a:sym typeface="Poppins"/>
+            </a:endParaRPr>
+          </a:p>
+        </p:txBody>
+      </p:sp>
+      <p:sp>
+        <p:nvSpPr>
+          <p:cNvPr id="23" name="Google Shape;779;p9">
+            <a:extLst>
+              <a:ext uri="{FF2B5EF4-FFF2-40B4-BE49-F238E27FC236}">
+                <a16:creationId xmlns:a16="http://schemas.microsoft.com/office/drawing/2014/main" id="{FB0A2B42-EDC9-4F27-98CE-941AEDF8CF42}"/>
+              </a:ext>
+            </a:extLst>
+          </p:cNvPr>
+          <p:cNvSpPr/>
+          <p:nvPr/>
+        </p:nvSpPr>
+        <p:spPr>
+          <a:xfrm>
+            <a:off x="2227230" y="4529001"/>
+            <a:ext cx="191578" cy="144753"/>
+          </a:xfrm>
+          <a:custGeom>
+            <a:avLst/>
+            <a:gdLst/>
+            <a:ahLst/>
+            <a:cxnLst/>
+            <a:rect l="l" t="t" r="r" b="b"/>
+            <a:pathLst>
+              <a:path w="1603" h="1211" fill="none" extrusionOk="0">
+                <a:moveTo>
+                  <a:pt x="0" y="849"/>
+                </a:moveTo>
+                <a:lnTo>
+                  <a:pt x="534" y="1211"/>
+                </a:lnTo>
+                <a:lnTo>
+                  <a:pt x="1603" y="1"/>
+                </a:lnTo>
+              </a:path>
+            </a:pathLst>
+          </a:custGeom>
+          <a:ln>
+            <a:headEnd type="none" w="sm" len="sm"/>
+            <a:tailEnd type="none" w="sm" len="sm"/>
+          </a:ln>
+        </p:spPr>
+        <p:style>
+          <a:lnRef idx="3">
+            <a:schemeClr val="dk1"/>
+          </a:lnRef>
+          <a:fillRef idx="0">
+            <a:schemeClr val="dk1"/>
+          </a:fillRef>
+          <a:effectRef idx="2">
+            <a:schemeClr val="dk1"/>
+          </a:effectRef>
+          <a:fontRef idx="minor">
+            <a:schemeClr val="tx1"/>
+          </a:fontRef>
+        </p:style>
+        <p:txBody>
+          <a:bodyPr spcFirstLastPara="1" wrap="square" lIns="34284" tIns="34284" rIns="34284" bIns="34284" anchor="ctr" anchorCtr="0">
+            <a:noAutofit/>
+          </a:bodyPr>
+          <a:lstStyle/>
+          <a:p>
+            <a:pPr>
+              <a:buClr>
+                <a:srgbClr val="74808C"/>
+              </a:buClr>
+              <a:buSzPts val="2000"/>
+            </a:pPr>
+            <a:endParaRPr sz="750" dirty="0">
+              <a:solidFill>
+                <a:srgbClr val="74808C"/>
+              </a:solidFill>
+              <a:latin typeface="Poppins"/>
+              <a:ea typeface="Poppins"/>
+              <a:cs typeface="Poppins"/>
+              <a:sym typeface="Poppins"/>
+            </a:endParaRPr>
+          </a:p>
+        </p:txBody>
+      </p:sp>
+      <p:sp>
+        <p:nvSpPr>
+          <p:cNvPr id="24" name="TextBox 23">
+            <a:extLst>
+              <a:ext uri="{FF2B5EF4-FFF2-40B4-BE49-F238E27FC236}">
+                <a16:creationId xmlns:a16="http://schemas.microsoft.com/office/drawing/2014/main" id="{CD6891FB-14DC-43A9-88E5-D87CBD61C090}"/>
+              </a:ext>
+            </a:extLst>
+          </p:cNvPr>
+          <p:cNvSpPr txBox="1"/>
+          <p:nvPr/>
+        </p:nvSpPr>
+        <p:spPr>
+          <a:xfrm>
+            <a:off x="2855265" y="4404836"/>
+            <a:ext cx="1338828" cy="369332"/>
+          </a:xfrm>
+          <a:prstGeom prst="rect">
+            <a:avLst/>
+          </a:prstGeom>
+          <a:noFill/>
+        </p:spPr>
+        <p:txBody>
+          <a:bodyPr wrap="none" rtlCol="0">
+            <a:spAutoFit/>
+          </a:bodyPr>
+          <a:lstStyle/>
+          <a:p>
+            <a:r>
+              <a:rPr lang="en-US" dirty="0"/>
+              <a:t>App mobile</a:t>
+            </a:r>
+          </a:p>
+        </p:txBody>
+      </p:sp>
+      <p:sp>
+        <p:nvSpPr>
+          <p:cNvPr id="26" name="TextBox 25">
+            <a:extLst>
+              <a:ext uri="{FF2B5EF4-FFF2-40B4-BE49-F238E27FC236}">
+                <a16:creationId xmlns:a16="http://schemas.microsoft.com/office/drawing/2014/main" id="{A8AB4A88-9AFA-4802-9A34-1CB9733D2C2E}"/>
+              </a:ext>
+            </a:extLst>
+          </p:cNvPr>
+          <p:cNvSpPr txBox="1"/>
+          <p:nvPr/>
+        </p:nvSpPr>
+        <p:spPr>
+          <a:xfrm>
+            <a:off x="2859885" y="3189355"/>
+            <a:ext cx="1668085" cy="369332"/>
+          </a:xfrm>
+          <a:prstGeom prst="rect">
+            <a:avLst/>
+          </a:prstGeom>
+          <a:noFill/>
+        </p:spPr>
+        <p:txBody>
+          <a:bodyPr wrap="none" rtlCol="0">
+            <a:spAutoFit/>
+          </a:bodyPr>
+          <a:lstStyle/>
+          <a:p>
+            <a:r>
+              <a:rPr lang="en-US" dirty="0"/>
+              <a:t>Website forum</a:t>
+            </a:r>
+            <a:endParaRPr lang="en-US" dirty="0">
+              <a:effectLst/>
+            </a:endParaRPr>
+          </a:p>
+        </p:txBody>
+      </p:sp>
+      <p:sp>
+        <p:nvSpPr>
+          <p:cNvPr id="27" name="TextBox 26">
+            <a:extLst>
+              <a:ext uri="{FF2B5EF4-FFF2-40B4-BE49-F238E27FC236}">
+                <a16:creationId xmlns:a16="http://schemas.microsoft.com/office/drawing/2014/main" id="{05A8ACAB-7EDE-4E51-B0F2-AC29AC816AFC}"/>
+              </a:ext>
+            </a:extLst>
+          </p:cNvPr>
+          <p:cNvSpPr txBox="1"/>
+          <p:nvPr/>
+        </p:nvSpPr>
+        <p:spPr>
+          <a:xfrm>
+            <a:off x="2836288" y="2381624"/>
+            <a:ext cx="3185487" cy="560410"/>
+          </a:xfrm>
+          <a:prstGeom prst="rect">
+            <a:avLst/>
+          </a:prstGeom>
+          <a:noFill/>
+        </p:spPr>
+        <p:txBody>
+          <a:bodyPr wrap="none" rtlCol="0">
+            <a:spAutoFit/>
+          </a:bodyPr>
+          <a:lstStyle/>
+          <a:p>
+            <a:pPr>
+              <a:lnSpc>
+                <a:spcPct val="200000"/>
+              </a:lnSpc>
+            </a:pPr>
+            <a:r>
+              <a:rPr lang="en-US" dirty="0"/>
+              <a:t>Suggestions for related motel</a:t>
+            </a:r>
+          </a:p>
+        </p:txBody>
+      </p:sp>
     </p:spTree>
     <p:extLst>
       <p:ext uri="{BB962C8B-B14F-4D97-AF65-F5344CB8AC3E}">
@@ -32808,7 +32997,7 @@
                                           </p:stCondLst>
                                         </p:cTn>
                                         <p:tgtEl>
-                                          <p:spTgt spid="4"/>
+                                          <p:spTgt spid="15"/>
                                         </p:tgtEl>
                                         <p:attrNameLst>
                                           <p:attrName>style.visibility</p:attrName>
@@ -32822,7 +33011,7 @@
                                       <p:cBhvr>
                                         <p:cTn id="7" dur="500"/>
                                         <p:tgtEl>
-                                          <p:spTgt spid="4"/>
+                                          <p:spTgt spid="15"/>
                                         </p:tgtEl>
                                       </p:cBhvr>
                                     </p:animEffect>
@@ -32843,7 +33032,7 @@
                                           </p:stCondLst>
                                         </p:cTn>
                                         <p:tgtEl>
-                                          <p:spTgt spid="15"/>
+                                          <p:spTgt spid="14"/>
                                         </p:tgtEl>
                                         <p:attrNameLst>
                                           <p:attrName>style.visibility</p:attrName>
@@ -32857,7 +33046,7 @@
                                       <p:cBhvr>
                                         <p:cTn id="10" dur="500"/>
                                         <p:tgtEl>
-                                          <p:spTgt spid="15"/>
+                                          <p:spTgt spid="14"/>
                                         </p:tgtEl>
                                       </p:cBhvr>
                                     </p:animEffect>
@@ -32878,7 +33067,7 @@
                                           </p:stCondLst>
                                         </p:cTn>
                                         <p:tgtEl>
-                                          <p:spTgt spid="14"/>
+                                          <p:spTgt spid="4"/>
                                         </p:tgtEl>
                                         <p:attrNameLst>
                                           <p:attrName>style.visibility</p:attrName>
@@ -32892,7 +33081,7 @@
                                       <p:cBhvr>
                                         <p:cTn id="13" dur="500"/>
                                         <p:tgtEl>
-                                          <p:spTgt spid="14"/>
+                                          <p:spTgt spid="4"/>
                                         </p:tgtEl>
                                       </p:cBhvr>
                                     </p:animEffect>
@@ -33054,7 +33243,7 @@
                                           </p:stCondLst>
                                         </p:cTn>
                                         <p:tgtEl>
-                                          <p:spTgt spid="47"/>
+                                          <p:spTgt spid="46"/>
                                         </p:tgtEl>
                                         <p:attrNameLst>
                                           <p:attrName>style.visibility</p:attrName>
@@ -33068,7 +33257,7 @@
                                       <p:cBhvr>
                                         <p:cTn id="29" dur="500"/>
                                         <p:tgtEl>
-                                          <p:spTgt spid="47"/>
+                                          <p:spTgt spid="46"/>
                                         </p:tgtEl>
                                       </p:cBhvr>
                                     </p:animEffect>
@@ -33089,7 +33278,7 @@
                                           </p:stCondLst>
                                         </p:cTn>
                                         <p:tgtEl>
-                                          <p:spTgt spid="46"/>
+                                          <p:spTgt spid="47"/>
                                         </p:tgtEl>
                                         <p:attrNameLst>
                                           <p:attrName>style.visibility</p:attrName>
@@ -33103,7 +33292,7 @@
                                       <p:cBhvr>
                                         <p:cTn id="32" dur="500"/>
                                         <p:tgtEl>
-                                          <p:spTgt spid="46"/>
+                                          <p:spTgt spid="47"/>
                                         </p:tgtEl>
                                       </p:cBhvr>
                                     </p:animEffect>
@@ -33124,7 +33313,7 @@
                                           </p:stCondLst>
                                         </p:cTn>
                                         <p:tgtEl>
-                                          <p:spTgt spid="28"/>
+                                          <p:spTgt spid="27"/>
                                         </p:tgtEl>
                                         <p:attrNameLst>
                                           <p:attrName>style.visibility</p:attrName>
@@ -33138,7 +33327,7 @@
                                       <p:cBhvr>
                                         <p:cTn id="35" dur="500"/>
                                         <p:tgtEl>
-                                          <p:spTgt spid="28"/>
+                                          <p:spTgt spid="27"/>
                                         </p:tgtEl>
                                       </p:cBhvr>
                                     </p:animEffect>
@@ -33247,7 +33436,7 @@
                                           </p:stCondLst>
                                         </p:cTn>
                                         <p:tgtEl>
-                                          <p:spTgt spid="31"/>
+                                          <p:spTgt spid="26"/>
                                         </p:tgtEl>
                                         <p:attrNameLst>
                                           <p:attrName>style.visibility</p:attrName>
@@ -33261,7 +33450,7 @@
                                       <p:cBhvr>
                                         <p:cTn id="46" dur="500"/>
                                         <p:tgtEl>
-                                          <p:spTgt spid="31"/>
+                                          <p:spTgt spid="26"/>
                                         </p:tgtEl>
                                       </p:cBhvr>
                                     </p:animEffect>
@@ -33370,7 +33559,7 @@
                                           </p:stCondLst>
                                         </p:cTn>
                                         <p:tgtEl>
-                                          <p:spTgt spid="34"/>
+                                          <p:spTgt spid="28"/>
                                         </p:tgtEl>
                                         <p:attrNameLst>
                                           <p:attrName>style.visibility</p:attrName>
@@ -33384,7 +33573,130 @@
                                       <p:cBhvr>
                                         <p:cTn id="57" dur="500"/>
                                         <p:tgtEl>
-                                          <p:spTgt spid="34"/>
+                                          <p:spTgt spid="28"/>
+                                        </p:tgtEl>
+                                      </p:cBhvr>
+                                    </p:animEffect>
+                                  </p:childTnLst>
+                                </p:cTn>
+                              </p:par>
+                            </p:childTnLst>
+                          </p:cTn>
+                        </p:par>
+                      </p:childTnLst>
+                    </p:cTn>
+                  </p:par>
+                  <p:par>
+                    <p:cTn id="58" fill="hold">
+                      <p:stCondLst>
+                        <p:cond delay="indefinite"/>
+                      </p:stCondLst>
+                      <p:childTnLst>
+                        <p:par>
+                          <p:cTn id="59" fill="hold">
+                            <p:stCondLst>
+                              <p:cond delay="0"/>
+                            </p:stCondLst>
+                            <p:childTnLst>
+                              <p:par>
+                                <p:cTn id="60" presetID="10" presetClass="entr" presetSubtype="0" fill="hold" grpId="0" nodeType="clickEffect">
+                                  <p:stCondLst>
+                                    <p:cond delay="0"/>
+                                  </p:stCondLst>
+                                  <p:childTnLst>
+                                    <p:set>
+                                      <p:cBhvr>
+                                        <p:cTn id="61" dur="1" fill="hold">
+                                          <p:stCondLst>
+                                            <p:cond delay="0"/>
+                                          </p:stCondLst>
+                                        </p:cTn>
+                                        <p:tgtEl>
+                                          <p:spTgt spid="23"/>
+                                        </p:tgtEl>
+                                        <p:attrNameLst>
+                                          <p:attrName>style.visibility</p:attrName>
+                                        </p:attrNameLst>
+                                      </p:cBhvr>
+                                      <p:to>
+                                        <p:strVal val="visible"/>
+                                      </p:to>
+                                    </p:set>
+                                    <p:animEffect transition="in" filter="fade">
+                                      <p:cBhvr>
+                                        <p:cTn id="62" dur="500"/>
+                                        <p:tgtEl>
+                                          <p:spTgt spid="23"/>
+                                        </p:tgtEl>
+                                      </p:cBhvr>
+                                    </p:animEffect>
+                                  </p:childTnLst>
+                                </p:cTn>
+                              </p:par>
+                              <p:par>
+                                <p:cTn id="63" presetID="10" presetClass="entr" presetSubtype="0" fill="hold" grpId="0" nodeType="withEffect">
+                                  <p:stCondLst>
+                                    <p:cond delay="0"/>
+                                  </p:stCondLst>
+                                  <p:childTnLst>
+                                    <p:set>
+                                      <p:cBhvr>
+                                        <p:cTn id="64" dur="1" fill="hold">
+                                          <p:stCondLst>
+                                            <p:cond delay="0"/>
+                                          </p:stCondLst>
+                                        </p:cTn>
+                                        <p:tgtEl>
+                                          <p:spTgt spid="22"/>
+                                        </p:tgtEl>
+                                        <p:attrNameLst>
+                                          <p:attrName>style.visibility</p:attrName>
+                                        </p:attrNameLst>
+                                      </p:cBhvr>
+                                      <p:to>
+                                        <p:strVal val="visible"/>
+                                      </p:to>
+                                    </p:set>
+                                    <p:animEffect transition="in" filter="fade">
+                                      <p:cBhvr>
+                                        <p:cTn id="65" dur="500"/>
+                                        <p:tgtEl>
+                                          <p:spTgt spid="22"/>
+                                        </p:tgtEl>
+                                      </p:cBhvr>
+                                    </p:animEffect>
+                                  </p:childTnLst>
+                                </p:cTn>
+                              </p:par>
+                              <p:par>
+                                <p:cTn id="66" presetID="10" presetClass="entr" presetSubtype="0" fill="hold" grpId="0" nodeType="withEffect">
+                                  <p:stCondLst>
+                                    <p:cond delay="0"/>
+                                  </p:stCondLst>
+                                  <p:childTnLst>
+                                    <p:set>
+                                      <p:cBhvr>
+                                        <p:cTn id="67" dur="1" fill="hold">
+                                          <p:stCondLst>
+                                            <p:cond delay="0"/>
+                                          </p:stCondLst>
+                                        </p:cTn>
+                                        <p:tgtEl>
+                                          <p:spTgt spid="24"/>
+                                        </p:tgtEl>
+                                        <p:attrNameLst>
+                                          <p:attrName>style.visibility</p:attrName>
+                                        </p:attrNameLst>
+                                      </p:cBhvr>
+                                      <p:to>
+                                        <p:strVal val="visible"/>
+                                      </p:to>
+                                    </p:set>
+                                    <p:animEffect transition="in" filter="fade">
+                                      <p:cBhvr>
+                                        <p:cTn id="68" dur="500"/>
+                                        <p:tgtEl>
+                                          <p:spTgt spid="24"/>
                                         </p:tgtEl>
                                       </p:cBhvr>
                                     </p:animEffect>
@@ -33424,8 +33736,6 @@
       <p:bldP spid="4" grpId="0"/>
       <p:bldP spid="25" grpId="0"/>
       <p:bldP spid="28" grpId="0"/>
-      <p:bldP spid="31" grpId="0"/>
-      <p:bldP spid="34" grpId="0"/>
       <p:bldP spid="38" grpId="0" animBg="1"/>
       <p:bldP spid="39" grpId="0" animBg="1"/>
       <p:bldP spid="46" grpId="0" animBg="1"/>
@@ -33434,6 +33744,11 @@
       <p:bldP spid="49" grpId="0" animBg="1"/>
       <p:bldP spid="50" grpId="0" animBg="1"/>
       <p:bldP spid="51" grpId="0" animBg="1"/>
+      <p:bldP spid="22" grpId="0" animBg="1"/>
+      <p:bldP spid="23" grpId="0" animBg="1"/>
+      <p:bldP spid="24" grpId="0"/>
+      <p:bldP spid="26" grpId="0"/>
+      <p:bldP spid="27" grpId="0"/>
     </p:bldLst>
   </p:timing>
 </p:sld>
